--- a/3.项目PPT/第6周_需求分析改进汇报ppt.pptx
+++ b/3.项目PPT/第6周_需求分析改进汇报ppt.pptx
@@ -19,7 +19,7 @@
     <p:sldId id="346" r:id="rId10"/>
     <p:sldId id="347" r:id="rId11"/>
     <p:sldId id="348" r:id="rId12"/>
-    <p:sldId id="349" r:id="rId13"/>
+    <p:sldId id="366" r:id="rId13"/>
     <p:sldId id="350" r:id="rId14"/>
     <p:sldId id="351" r:id="rId15"/>
     <p:sldId id="352" r:id="rId16"/>
@@ -1124,57 +1124,22 @@
         </dgm:presLayoutVars>
       </dgm:prSet>
       <dgm:spPr/>
-      <dgm:t>
-        <a:bodyPr/>
-        <a:lstStyle/>
-        <a:p>
-          <a:endParaRPr lang="zh-CN" altLang="en-US"/>
-        </a:p>
-      </dgm:t>
     </dgm:pt>
     <dgm:pt modelId="{A988BD2E-F5A9-4C8F-84F5-646F2BF546D0}" type="pres">
       <dgm:prSet presAssocID="{62E8773E-B7B9-4FB3-8344-4D4DDA080376}" presName="boxAndChildren" presStyleCnt="0"/>
       <dgm:spPr/>
-      <dgm:t>
-        <a:bodyPr/>
-        <a:lstStyle/>
-        <a:p>
-          <a:endParaRPr lang="zh-CN" altLang="en-US"/>
-        </a:p>
-      </dgm:t>
     </dgm:pt>
     <dgm:pt modelId="{8E4EA2F0-4EA4-4DF2-A828-1663E57CF97A}" type="pres">
       <dgm:prSet presAssocID="{62E8773E-B7B9-4FB3-8344-4D4DDA080376}" presName="parentTextBox" presStyleLbl="node1" presStyleIdx="0" presStyleCnt="3"/>
       <dgm:spPr/>
-      <dgm:t>
-        <a:bodyPr/>
-        <a:lstStyle/>
-        <a:p>
-          <a:endParaRPr lang="zh-CN" altLang="en-US"/>
-        </a:p>
-      </dgm:t>
     </dgm:pt>
     <dgm:pt modelId="{F400DDFB-ABDB-41A4-811E-4DEC59616F04}" type="pres">
       <dgm:prSet presAssocID="{62E8773E-B7B9-4FB3-8344-4D4DDA080376}" presName="entireBox" presStyleLbl="node1" presStyleIdx="0" presStyleCnt="3"/>
       <dgm:spPr/>
-      <dgm:t>
-        <a:bodyPr/>
-        <a:lstStyle/>
-        <a:p>
-          <a:endParaRPr lang="zh-CN" altLang="en-US"/>
-        </a:p>
-      </dgm:t>
     </dgm:pt>
     <dgm:pt modelId="{A9D6A9DA-5618-47CA-A093-75C9EFCC7D1C}" type="pres">
       <dgm:prSet presAssocID="{62E8773E-B7B9-4FB3-8344-4D4DDA080376}" presName="descendantBox" presStyleCnt="0"/>
       <dgm:spPr/>
-      <dgm:t>
-        <a:bodyPr/>
-        <a:lstStyle/>
-        <a:p>
-          <a:endParaRPr lang="zh-CN" altLang="en-US"/>
-        </a:p>
-      </dgm:t>
     </dgm:pt>
     <dgm:pt modelId="{FB6996AA-EF43-4EC2-9438-90B1F154F96C}" type="pres">
       <dgm:prSet presAssocID="{53146382-666A-4229-B237-065A137B0DE6}" presName="childTextBox" presStyleLbl="fgAccFollowNode1" presStyleIdx="0" presStyleCnt="3">
@@ -1183,68 +1148,26 @@
         </dgm:presLayoutVars>
       </dgm:prSet>
       <dgm:spPr/>
-      <dgm:t>
-        <a:bodyPr/>
-        <a:lstStyle/>
-        <a:p>
-          <a:endParaRPr lang="zh-CN" altLang="en-US"/>
-        </a:p>
-      </dgm:t>
     </dgm:pt>
     <dgm:pt modelId="{B0E29F45-87F3-4CF2-A398-7EEE6221B804}" type="pres">
       <dgm:prSet presAssocID="{35FE28A5-8F98-4E13-983D-E7308C5BBC9D}" presName="sp" presStyleCnt="0"/>
       <dgm:spPr/>
-      <dgm:t>
-        <a:bodyPr/>
-        <a:lstStyle/>
-        <a:p>
-          <a:endParaRPr lang="zh-CN" altLang="en-US"/>
-        </a:p>
-      </dgm:t>
     </dgm:pt>
     <dgm:pt modelId="{463642A7-37D3-4C5B-A9F4-F55DA071C706}" type="pres">
       <dgm:prSet presAssocID="{5F353F78-FAC1-4DEF-AE80-C1CBC99F3FEF}" presName="arrowAndChildren" presStyleCnt="0"/>
       <dgm:spPr/>
-      <dgm:t>
-        <a:bodyPr/>
-        <a:lstStyle/>
-        <a:p>
-          <a:endParaRPr lang="zh-CN" altLang="en-US"/>
-        </a:p>
-      </dgm:t>
     </dgm:pt>
     <dgm:pt modelId="{8E914EAB-0492-40FD-9687-9B90385C4554}" type="pres">
       <dgm:prSet presAssocID="{5F353F78-FAC1-4DEF-AE80-C1CBC99F3FEF}" presName="parentTextArrow" presStyleLbl="node1" presStyleIdx="0" presStyleCnt="3"/>
       <dgm:spPr/>
-      <dgm:t>
-        <a:bodyPr/>
-        <a:lstStyle/>
-        <a:p>
-          <a:endParaRPr lang="zh-CN" altLang="en-US"/>
-        </a:p>
-      </dgm:t>
     </dgm:pt>
     <dgm:pt modelId="{30446001-C3EC-4267-B203-D2E7AD21D96D}" type="pres">
       <dgm:prSet presAssocID="{5F353F78-FAC1-4DEF-AE80-C1CBC99F3FEF}" presName="arrow" presStyleLbl="node1" presStyleIdx="1" presStyleCnt="3"/>
       <dgm:spPr/>
-      <dgm:t>
-        <a:bodyPr/>
-        <a:lstStyle/>
-        <a:p>
-          <a:endParaRPr lang="zh-CN" altLang="en-US"/>
-        </a:p>
-      </dgm:t>
     </dgm:pt>
     <dgm:pt modelId="{B2238629-0ABC-49ED-B068-830A36266D64}" type="pres">
       <dgm:prSet presAssocID="{5F353F78-FAC1-4DEF-AE80-C1CBC99F3FEF}" presName="descendantArrow" presStyleCnt="0"/>
       <dgm:spPr/>
-      <dgm:t>
-        <a:bodyPr/>
-        <a:lstStyle/>
-        <a:p>
-          <a:endParaRPr lang="zh-CN" altLang="en-US"/>
-        </a:p>
-      </dgm:t>
     </dgm:pt>
     <dgm:pt modelId="{E2F4D99C-AB5D-4692-96A2-27FAAC213DFF}" type="pres">
       <dgm:prSet presAssocID="{7AA93BEC-90B7-408A-AE98-4688E1D997A3}" presName="childTextArrow" presStyleLbl="fgAccFollowNode1" presStyleIdx="1" presStyleCnt="3">
@@ -1253,68 +1176,26 @@
         </dgm:presLayoutVars>
       </dgm:prSet>
       <dgm:spPr/>
-      <dgm:t>
-        <a:bodyPr/>
-        <a:lstStyle/>
-        <a:p>
-          <a:endParaRPr lang="zh-CN" altLang="en-US"/>
-        </a:p>
-      </dgm:t>
     </dgm:pt>
     <dgm:pt modelId="{F9935272-64B3-4393-8C66-6FE29820CF0B}" type="pres">
       <dgm:prSet presAssocID="{E4D9DC4C-3B28-488D-B317-E29DCC978D0B}" presName="sp" presStyleCnt="0"/>
       <dgm:spPr/>
-      <dgm:t>
-        <a:bodyPr/>
-        <a:lstStyle/>
-        <a:p>
-          <a:endParaRPr lang="zh-CN" altLang="en-US"/>
-        </a:p>
-      </dgm:t>
     </dgm:pt>
     <dgm:pt modelId="{196B5173-B7FA-4EF9-9AA0-63C08A5BFBF1}" type="pres">
       <dgm:prSet presAssocID="{C9171F49-B308-4741-B5A2-08E2C77F72F3}" presName="arrowAndChildren" presStyleCnt="0"/>
       <dgm:spPr/>
-      <dgm:t>
-        <a:bodyPr/>
-        <a:lstStyle/>
-        <a:p>
-          <a:endParaRPr lang="zh-CN" altLang="en-US"/>
-        </a:p>
-      </dgm:t>
     </dgm:pt>
     <dgm:pt modelId="{2C006FBD-39A2-4F23-B55F-B1A00367086F}" type="pres">
       <dgm:prSet presAssocID="{C9171F49-B308-4741-B5A2-08E2C77F72F3}" presName="parentTextArrow" presStyleLbl="node1" presStyleIdx="1" presStyleCnt="3"/>
       <dgm:spPr/>
-      <dgm:t>
-        <a:bodyPr/>
-        <a:lstStyle/>
-        <a:p>
-          <a:endParaRPr lang="zh-CN" altLang="en-US"/>
-        </a:p>
-      </dgm:t>
     </dgm:pt>
     <dgm:pt modelId="{7FFE0839-B1CD-41E9-8A17-8A0B11752A63}" type="pres">
       <dgm:prSet presAssocID="{C9171F49-B308-4741-B5A2-08E2C77F72F3}" presName="arrow" presStyleLbl="node1" presStyleIdx="2" presStyleCnt="3"/>
       <dgm:spPr/>
-      <dgm:t>
-        <a:bodyPr/>
-        <a:lstStyle/>
-        <a:p>
-          <a:endParaRPr lang="zh-CN" altLang="en-US"/>
-        </a:p>
-      </dgm:t>
     </dgm:pt>
     <dgm:pt modelId="{EBFDBF0C-FDFB-43D2-ABB4-22F1CF90E911}" type="pres">
       <dgm:prSet presAssocID="{C9171F49-B308-4741-B5A2-08E2C77F72F3}" presName="descendantArrow" presStyleCnt="0"/>
       <dgm:spPr/>
-      <dgm:t>
-        <a:bodyPr/>
-        <a:lstStyle/>
-        <a:p>
-          <a:endParaRPr lang="zh-CN" altLang="en-US"/>
-        </a:p>
-      </dgm:t>
     </dgm:pt>
     <dgm:pt modelId="{455F9102-991F-4055-B6AF-951FD7F076FE}" type="pres">
       <dgm:prSet presAssocID="{2B2A3BB8-803E-49E2-A436-A81495735DEE}" presName="childTextArrow" presStyleLbl="fgAccFollowNode1" presStyleIdx="2" presStyleCnt="3">
@@ -1323,32 +1204,25 @@
         </dgm:presLayoutVars>
       </dgm:prSet>
       <dgm:spPr/>
-      <dgm:t>
-        <a:bodyPr/>
-        <a:lstStyle/>
-        <a:p>
-          <a:endParaRPr lang="zh-CN" altLang="en-US"/>
-        </a:p>
-      </dgm:t>
     </dgm:pt>
   </dgm:ptLst>
   <dgm:cxnLst>
+    <dgm:cxn modelId="{A6AE8B20-23E5-4E7D-8A87-5F75EA86B1EB}" type="presOf" srcId="{62E8773E-B7B9-4FB3-8344-4D4DDA080376}" destId="{F400DDFB-ABDB-41A4-811E-4DEC59616F04}" srcOrd="1" destOrd="0" presId="urn:microsoft.com/office/officeart/2005/8/layout/process4"/>
     <dgm:cxn modelId="{8D678029-E2E5-4F66-8F66-E5DC55BBAD9A}" srcId="{5F353F78-FAC1-4DEF-AE80-C1CBC99F3FEF}" destId="{7AA93BEC-90B7-408A-AE98-4688E1D997A3}" srcOrd="0" destOrd="0" parTransId="{279AAFA6-1154-4958-B168-1F312CBD5E58}" sibTransId="{7915DF46-4B61-4F60-AB34-26B79149A776}"/>
-    <dgm:cxn modelId="{F1092A7B-E69A-49E9-A306-12C70DD881C1}" srcId="{62E8773E-B7B9-4FB3-8344-4D4DDA080376}" destId="{53146382-666A-4229-B237-065A137B0DE6}" srcOrd="0" destOrd="0" parTransId="{103BF44D-0F88-4D54-9EAB-B8368F127516}" sibTransId="{1E55F1C6-239B-4073-A4D8-02CC16BD3C28}"/>
-    <dgm:cxn modelId="{13800591-7215-43BE-9A8A-4E2D7972ACCA}" type="presOf" srcId="{7AA93BEC-90B7-408A-AE98-4688E1D997A3}" destId="{E2F4D99C-AB5D-4692-96A2-27FAAC213DFF}" srcOrd="0" destOrd="0" presId="urn:microsoft.com/office/officeart/2005/8/layout/process4"/>
-    <dgm:cxn modelId="{1E5D747F-6A74-49F1-8DD7-E2A4A99AF4C9}" srcId="{4A2938D4-6340-453A-BC9D-1D1FCAEFACF2}" destId="{C9171F49-B308-4741-B5A2-08E2C77F72F3}" srcOrd="0" destOrd="0" parTransId="{7AFBEBA5-8150-4BAB-8688-1ED098D2D9A1}" sibTransId="{E4D9DC4C-3B28-488D-B317-E29DCC978D0B}"/>
     <dgm:cxn modelId="{1A7F956C-86DF-41CA-BDD4-B218237C9B99}" type="presOf" srcId="{5F353F78-FAC1-4DEF-AE80-C1CBC99F3FEF}" destId="{30446001-C3EC-4267-B203-D2E7AD21D96D}" srcOrd="1" destOrd="0" presId="urn:microsoft.com/office/officeart/2005/8/layout/process4"/>
-    <dgm:cxn modelId="{57A27789-0793-4763-A3BC-6AD4ED8DE5E0}" type="presOf" srcId="{C9171F49-B308-4741-B5A2-08E2C77F72F3}" destId="{7FFE0839-B1CD-41E9-8A17-8A0B11752A63}" srcOrd="1" destOrd="0" presId="urn:microsoft.com/office/officeart/2005/8/layout/process4"/>
-    <dgm:cxn modelId="{80EF96A7-4A95-404A-91D7-15A9E78D3D19}" srcId="{4A2938D4-6340-453A-BC9D-1D1FCAEFACF2}" destId="{62E8773E-B7B9-4FB3-8344-4D4DDA080376}" srcOrd="2" destOrd="0" parTransId="{557E0CEC-70AE-4CB2-B2B8-95AE998C2B2D}" sibTransId="{45AA8547-FFB6-4BA8-93BF-E3AFD8BAD2D7}"/>
-    <dgm:cxn modelId="{914481D2-01DD-4451-A2DF-D44A6A2CB3D1}" type="presOf" srcId="{4A2938D4-6340-453A-BC9D-1D1FCAEFACF2}" destId="{B9A4803B-8645-4556-BAA8-C1A269800D64}" srcOrd="0" destOrd="0" presId="urn:microsoft.com/office/officeart/2005/8/layout/process4"/>
-    <dgm:cxn modelId="{A6AE8B20-23E5-4E7D-8A87-5F75EA86B1EB}" type="presOf" srcId="{62E8773E-B7B9-4FB3-8344-4D4DDA080376}" destId="{F400DDFB-ABDB-41A4-811E-4DEC59616F04}" srcOrd="1" destOrd="0" presId="urn:microsoft.com/office/officeart/2005/8/layout/process4"/>
-    <dgm:cxn modelId="{3F1BC191-4509-4AC5-8766-4CCD46D61390}" srcId="{C9171F49-B308-4741-B5A2-08E2C77F72F3}" destId="{2B2A3BB8-803E-49E2-A436-A81495735DEE}" srcOrd="0" destOrd="0" parTransId="{07D10B23-617D-48F9-AAD4-C05D55A26740}" sibTransId="{C1D13BB6-3A5C-4963-8349-ED285E804731}"/>
-    <dgm:cxn modelId="{798D05B3-0BE7-4010-AF00-B59CCB97E821}" type="presOf" srcId="{C9171F49-B308-4741-B5A2-08E2C77F72F3}" destId="{2C006FBD-39A2-4F23-B55F-B1A00367086F}" srcOrd="0" destOrd="0" presId="urn:microsoft.com/office/officeart/2005/8/layout/process4"/>
     <dgm:cxn modelId="{F315D46C-3E1A-48E8-89E7-C7BC277BECC8}" type="presOf" srcId="{62E8773E-B7B9-4FB3-8344-4D4DDA080376}" destId="{8E4EA2F0-4EA4-4DF2-A828-1663E57CF97A}" srcOrd="0" destOrd="0" presId="urn:microsoft.com/office/officeart/2005/8/layout/process4"/>
     <dgm:cxn modelId="{CB81C650-E121-4CF6-ABB3-422444B9161E}" srcId="{4A2938D4-6340-453A-BC9D-1D1FCAEFACF2}" destId="{5F353F78-FAC1-4DEF-AE80-C1CBC99F3FEF}" srcOrd="1" destOrd="0" parTransId="{F1D651EC-631B-4B51-ACBC-B16B376BCF38}" sibTransId="{35FE28A5-8F98-4E13-983D-E7308C5BBC9D}"/>
+    <dgm:cxn modelId="{F1092A7B-E69A-49E9-A306-12C70DD881C1}" srcId="{62E8773E-B7B9-4FB3-8344-4D4DDA080376}" destId="{53146382-666A-4229-B237-065A137B0DE6}" srcOrd="0" destOrd="0" parTransId="{103BF44D-0F88-4D54-9EAB-B8368F127516}" sibTransId="{1E55F1C6-239B-4073-A4D8-02CC16BD3C28}"/>
+    <dgm:cxn modelId="{1E5D747F-6A74-49F1-8DD7-E2A4A99AF4C9}" srcId="{4A2938D4-6340-453A-BC9D-1D1FCAEFACF2}" destId="{C9171F49-B308-4741-B5A2-08E2C77F72F3}" srcOrd="0" destOrd="0" parTransId="{7AFBEBA5-8150-4BAB-8688-1ED098D2D9A1}" sibTransId="{E4D9DC4C-3B28-488D-B317-E29DCC978D0B}"/>
+    <dgm:cxn modelId="{57A27789-0793-4763-A3BC-6AD4ED8DE5E0}" type="presOf" srcId="{C9171F49-B308-4741-B5A2-08E2C77F72F3}" destId="{7FFE0839-B1CD-41E9-8A17-8A0B11752A63}" srcOrd="1" destOrd="0" presId="urn:microsoft.com/office/officeart/2005/8/layout/process4"/>
     <dgm:cxn modelId="{0EA2348D-0472-4271-BFD8-99BE5A9BDEE6}" type="presOf" srcId="{5F353F78-FAC1-4DEF-AE80-C1CBC99F3FEF}" destId="{8E914EAB-0492-40FD-9687-9B90385C4554}" srcOrd="0" destOrd="0" presId="urn:microsoft.com/office/officeart/2005/8/layout/process4"/>
+    <dgm:cxn modelId="{13800591-7215-43BE-9A8A-4E2D7972ACCA}" type="presOf" srcId="{7AA93BEC-90B7-408A-AE98-4688E1D997A3}" destId="{E2F4D99C-AB5D-4692-96A2-27FAAC213DFF}" srcOrd="0" destOrd="0" presId="urn:microsoft.com/office/officeart/2005/8/layout/process4"/>
+    <dgm:cxn modelId="{3F1BC191-4509-4AC5-8766-4CCD46D61390}" srcId="{C9171F49-B308-4741-B5A2-08E2C77F72F3}" destId="{2B2A3BB8-803E-49E2-A436-A81495735DEE}" srcOrd="0" destOrd="0" parTransId="{07D10B23-617D-48F9-AAD4-C05D55A26740}" sibTransId="{C1D13BB6-3A5C-4963-8349-ED285E804731}"/>
     <dgm:cxn modelId="{30AD6599-4AFE-4D3C-A78C-DFF305AECFAD}" type="presOf" srcId="{53146382-666A-4229-B237-065A137B0DE6}" destId="{FB6996AA-EF43-4EC2-9438-90B1F154F96C}" srcOrd="0" destOrd="0" presId="urn:microsoft.com/office/officeart/2005/8/layout/process4"/>
+    <dgm:cxn modelId="{80EF96A7-4A95-404A-91D7-15A9E78D3D19}" srcId="{4A2938D4-6340-453A-BC9D-1D1FCAEFACF2}" destId="{62E8773E-B7B9-4FB3-8344-4D4DDA080376}" srcOrd="2" destOrd="0" parTransId="{557E0CEC-70AE-4CB2-B2B8-95AE998C2B2D}" sibTransId="{45AA8547-FFB6-4BA8-93BF-E3AFD8BAD2D7}"/>
     <dgm:cxn modelId="{3278BCAC-E70D-4BCB-BB9A-B354DCD5B880}" type="presOf" srcId="{2B2A3BB8-803E-49E2-A436-A81495735DEE}" destId="{455F9102-991F-4055-B6AF-951FD7F076FE}" srcOrd="0" destOrd="0" presId="urn:microsoft.com/office/officeart/2005/8/layout/process4"/>
+    <dgm:cxn modelId="{798D05B3-0BE7-4010-AF00-B59CCB97E821}" type="presOf" srcId="{C9171F49-B308-4741-B5A2-08E2C77F72F3}" destId="{2C006FBD-39A2-4F23-B55F-B1A00367086F}" srcOrd="0" destOrd="0" presId="urn:microsoft.com/office/officeart/2005/8/layout/process4"/>
+    <dgm:cxn modelId="{914481D2-01DD-4451-A2DF-D44A6A2CB3D1}" type="presOf" srcId="{4A2938D4-6340-453A-BC9D-1D1FCAEFACF2}" destId="{B9A4803B-8645-4556-BAA8-C1A269800D64}" srcOrd="0" destOrd="0" presId="urn:microsoft.com/office/officeart/2005/8/layout/process4"/>
     <dgm:cxn modelId="{1D15718C-BDDE-477F-8C69-62FBE519017E}" type="presParOf" srcId="{B9A4803B-8645-4556-BAA8-C1A269800D64}" destId="{A988BD2E-F5A9-4C8F-84F5-646F2BF546D0}" srcOrd="0" destOrd="0" presId="urn:microsoft.com/office/officeart/2005/8/layout/process4"/>
     <dgm:cxn modelId="{3A26FB34-7E27-414A-BDD0-9ADF6E83188A}" type="presParOf" srcId="{A988BD2E-F5A9-4C8F-84F5-646F2BF546D0}" destId="{8E4EA2F0-4EA4-4DF2-A828-1663E57CF97A}" srcOrd="0" destOrd="0" presId="urn:microsoft.com/office/officeart/2005/8/layout/process4"/>
     <dgm:cxn modelId="{13C0DA8A-8A5D-4D38-8B9D-334E3C97B9F3}" type="presParOf" srcId="{A988BD2E-F5A9-4C8F-84F5-646F2BF546D0}" destId="{F400DDFB-ABDB-41A4-811E-4DEC59616F04}" srcOrd="1" destOrd="0" presId="urn:microsoft.com/office/officeart/2005/8/layout/process4"/>
@@ -1439,7 +1313,7 @@
         </a:bodyPr>
         <a:lstStyle/>
         <a:p>
-          <a:pPr lvl="0" algn="ctr" defTabSz="800100">
+          <a:pPr marL="0" lvl="0" indent="0" algn="ctr" defTabSz="800100">
             <a:lnSpc>
               <a:spcPct val="90000"/>
             </a:lnSpc>
@@ -1449,6 +1323,7 @@
             <a:spcAft>
               <a:spcPct val="35000"/>
             </a:spcAft>
+            <a:buNone/>
           </a:pPr>
           <a:r>
             <a:rPr lang="zh-CN" altLang="en-US" sz="1800" kern="1200" dirty="0"/>
@@ -1517,7 +1392,7 @@
         </a:bodyPr>
         <a:lstStyle/>
         <a:p>
-          <a:pPr lvl="0" algn="ctr" defTabSz="1022350">
+          <a:pPr marL="0" lvl="0" indent="0" algn="ctr" defTabSz="1022350">
             <a:lnSpc>
               <a:spcPct val="90000"/>
             </a:lnSpc>
@@ -1527,6 +1402,7 @@
             <a:spcAft>
               <a:spcPct val="35000"/>
             </a:spcAft>
+            <a:buNone/>
           </a:pPr>
           <a:r>
             <a:rPr lang="zh-CN" altLang="en-US" sz="2300" kern="1200" dirty="0"/>
@@ -1593,7 +1469,7 @@
         </a:bodyPr>
         <a:lstStyle/>
         <a:p>
-          <a:pPr lvl="0" algn="ctr" defTabSz="800100">
+          <a:pPr marL="0" lvl="0" indent="0" algn="ctr" defTabSz="800100">
             <a:lnSpc>
               <a:spcPct val="90000"/>
             </a:lnSpc>
@@ -1603,6 +1479,7 @@
             <a:spcAft>
               <a:spcPct val="35000"/>
             </a:spcAft>
+            <a:buNone/>
           </a:pPr>
           <a:r>
             <a:rPr lang="zh-CN" altLang="en-US" sz="1800" kern="1200" dirty="0"/>
@@ -1671,7 +1548,7 @@
         </a:bodyPr>
         <a:lstStyle/>
         <a:p>
-          <a:pPr lvl="0" algn="ctr" defTabSz="1022350">
+          <a:pPr marL="0" lvl="0" indent="0" algn="ctr" defTabSz="1022350">
             <a:lnSpc>
               <a:spcPct val="90000"/>
             </a:lnSpc>
@@ -1681,6 +1558,7 @@
             <a:spcAft>
               <a:spcPct val="35000"/>
             </a:spcAft>
+            <a:buNone/>
           </a:pPr>
           <a:r>
             <a:rPr lang="zh-CN" altLang="en-US" sz="2300" kern="1200" dirty="0"/>
@@ -1747,7 +1625,7 @@
         </a:bodyPr>
         <a:lstStyle/>
         <a:p>
-          <a:pPr lvl="0" algn="ctr" defTabSz="800100">
+          <a:pPr marL="0" lvl="0" indent="0" algn="ctr" defTabSz="800100">
             <a:lnSpc>
               <a:spcPct val="90000"/>
             </a:lnSpc>
@@ -1757,6 +1635,7 @@
             <a:spcAft>
               <a:spcPct val="35000"/>
             </a:spcAft>
+            <a:buNone/>
           </a:pPr>
           <a:r>
             <a:rPr lang="zh-CN" altLang="en-US" sz="1800" kern="1200" dirty="0"/>
@@ -1825,7 +1704,7 @@
         </a:bodyPr>
         <a:lstStyle/>
         <a:p>
-          <a:pPr lvl="0" algn="ctr" defTabSz="1022350">
+          <a:pPr marL="0" lvl="0" indent="0" algn="ctr" defTabSz="1022350">
             <a:lnSpc>
               <a:spcPct val="90000"/>
             </a:lnSpc>
@@ -1835,6 +1714,7 @@
             <a:spcAft>
               <a:spcPct val="35000"/>
             </a:spcAft>
+            <a:buNone/>
           </a:pPr>
           <a:r>
             <a:rPr lang="zh-CN" altLang="en-US" sz="2300" kern="1200" dirty="0"/>
@@ -3320,7 +3200,7 @@
           <a:p>
             <a:fld id="{96B07F6E-5E06-4377-95F5-B5E03129E00E}" type="datetimeFigureOut">
               <a:rPr lang="zh-CN" altLang="en-US" smtClean="0"/>
-              <a:t>2020/4/2</a:t>
+              <a:t>2020/4/3</a:t>
             </a:fld>
             <a:endParaRPr lang="zh-CN" altLang="en-US"/>
           </a:p>
@@ -4099,7 +3979,7 @@
           <a:p>
             <a:fld id="{AE984D52-CCAD-4B14-974A-DD4900A9F75E}" type="datetimeFigureOut">
               <a:rPr lang="zh-CN" altLang="en-US" smtClean="0"/>
-              <a:t>2020/4/2</a:t>
+              <a:t>2020/4/3</a:t>
             </a:fld>
             <a:endParaRPr lang="zh-CN" altLang="en-US"/>
           </a:p>
@@ -4561,7 +4441,7 @@
           <a:p>
             <a:fld id="{AE984D52-CCAD-4B14-974A-DD4900A9F75E}" type="datetimeFigureOut">
               <a:rPr lang="zh-CN" altLang="en-US" smtClean="0"/>
-              <a:t>2020/4/2</a:t>
+              <a:t>2020/4/3</a:t>
             </a:fld>
             <a:endParaRPr lang="zh-CN" altLang="en-US"/>
           </a:p>
@@ -4861,7 +4741,7 @@
           <a:p>
             <a:fld id="{AE984D52-CCAD-4B14-974A-DD4900A9F75E}" type="datetimeFigureOut">
               <a:rPr lang="zh-CN" altLang="en-US" smtClean="0"/>
-              <a:t>2020/4/2</a:t>
+              <a:t>2020/4/3</a:t>
             </a:fld>
             <a:endParaRPr lang="zh-CN" altLang="en-US"/>
           </a:p>
@@ -5295,7 +5175,7 @@
           <a:p>
             <a:fld id="{AE984D52-CCAD-4B14-974A-DD4900A9F75E}" type="datetimeFigureOut">
               <a:rPr lang="zh-CN" altLang="en-US" smtClean="0"/>
-              <a:t>2020/4/2</a:t>
+              <a:t>2020/4/3</a:t>
             </a:fld>
             <a:endParaRPr lang="zh-CN" altLang="en-US"/>
           </a:p>
@@ -5425,7 +5305,7 @@
           <a:p>
             <a:fld id="{AE984D52-CCAD-4B14-974A-DD4900A9F75E}" type="datetimeFigureOut">
               <a:rPr lang="zh-CN" altLang="en-US" smtClean="0"/>
-              <a:t>2020/4/2</a:t>
+              <a:t>2020/4/3</a:t>
             </a:fld>
             <a:endParaRPr lang="zh-CN" altLang="en-US"/>
           </a:p>
@@ -5532,7 +5412,7 @@
           <a:p>
             <a:fld id="{AE984D52-CCAD-4B14-974A-DD4900A9F75E}" type="datetimeFigureOut">
               <a:rPr lang="zh-CN" altLang="en-US" smtClean="0"/>
-              <a:t>2020/4/2</a:t>
+              <a:t>2020/4/3</a:t>
             </a:fld>
             <a:endParaRPr lang="zh-CN" altLang="en-US"/>
           </a:p>
@@ -5793,7 +5673,7 @@
           <a:p>
             <a:fld id="{AE984D52-CCAD-4B14-974A-DD4900A9F75E}" type="datetimeFigureOut">
               <a:rPr lang="zh-CN" altLang="en-US" smtClean="0"/>
-              <a:t>2020/4/2</a:t>
+              <a:t>2020/4/3</a:t>
             </a:fld>
             <a:endParaRPr lang="zh-CN" altLang="en-US"/>
           </a:p>
@@ -6283,13 +6163,8 @@
             </a:r>
             <a:r>
               <a:rPr lang="zh-CN" altLang="en-US" sz="4400" dirty="0"/>
-              <a:t>的模板化爬虫程序管理</a:t>
-            </a:r>
-            <a:r>
-              <a:rPr lang="zh-CN" altLang="en-US" sz="4400" dirty="0" smtClean="0"/>
-              <a:t>平台</a:t>
-            </a:r>
-            <a:endParaRPr lang="zh-CN" altLang="en-US" sz="4400" dirty="0"/>
+              <a:t>的模板化爬虫程序管理平台</a:t>
+            </a:r>
           </a:p>
         </p:txBody>
       </p:sp>
@@ -6314,28 +6189,24 @@
           <a:lstStyle/>
           <a:p>
             <a:r>
-              <a:rPr lang="en-US" altLang="zh-CN" sz="3200" dirty="0" err="1" smtClean="0"/>
+              <a:rPr lang="en-US" altLang="zh-CN" sz="3200" dirty="0" err="1"/>
               <a:t>EasySpider</a:t>
             </a:r>
             <a:r>
-              <a:rPr lang="zh-CN" altLang="en-US" sz="3200" dirty="0" smtClean="0"/>
+              <a:rPr lang="zh-CN" altLang="en-US" sz="3200" dirty="0"/>
               <a:t>需求分析改进汇报</a:t>
             </a:r>
-            <a:endParaRPr lang="en-US" altLang="zh-CN" sz="3200" dirty="0" smtClean="0"/>
+            <a:endParaRPr lang="en-US" altLang="zh-CN" sz="3200" dirty="0"/>
           </a:p>
           <a:p>
             <a:pPr algn="l"/>
-            <a:endParaRPr lang="en-US" altLang="zh-CN" dirty="0" smtClean="0"/>
+            <a:endParaRPr lang="en-US" altLang="zh-CN" dirty="0"/>
           </a:p>
           <a:p>
             <a:pPr algn="l"/>
             <a:r>
-              <a:rPr lang="zh-CN" altLang="en-US" dirty="0" smtClean="0"/>
-              <a:t>小组</a:t>
-            </a:r>
-            <a:r>
               <a:rPr lang="zh-CN" altLang="en-US" dirty="0"/>
-              <a:t>：</a:t>
+              <a:t>小组：</a:t>
             </a:r>
             <a:r>
               <a:rPr lang="en-US" altLang="zh-CN" dirty="0"/>
@@ -6361,7 +6232,7 @@
           </a:p>
           <a:p>
             <a:r>
-              <a:rPr lang="en-US" altLang="zh-CN" dirty="0" smtClean="0"/>
+              <a:rPr lang="en-US" altLang="zh-CN" dirty="0"/>
               <a:t>2020.4.3</a:t>
             </a:r>
             <a:endParaRPr lang="zh-CN" altLang="en-US" dirty="0"/>
@@ -6390,13 +6261,6 @@
       </p:transition>
     </mc:Fallback>
   </mc:AlternateContent>
-  <p:timing>
-    <p:tnLst>
-      <p:par>
-        <p:cTn id="1" dur="indefinite" restart="never" nodeType="tmRoot"/>
-      </p:par>
-    </p:tnLst>
-  </p:timing>
 </p:sld>
 </file>
 
@@ -7222,13 +7086,6 @@
       </p:transition>
     </mc:Fallback>
   </mc:AlternateContent>
-  <p:timing>
-    <p:tnLst>
-      <p:par>
-        <p:cTn id="1" dur="indefinite" restart="never" nodeType="tmRoot"/>
-      </p:par>
-    </p:tnLst>
-  </p:timing>
 </p:sld>
 </file>
 
@@ -8181,13 +8038,6 @@
       </p:transition>
     </mc:Fallback>
   </mc:AlternateContent>
-  <p:timing>
-    <p:tnLst>
-      <p:par>
-        <p:cTn id="1" dur="indefinite" restart="never" nodeType="tmRoot"/>
-      </p:par>
-    </p:tnLst>
-  </p:timing>
 </p:sld>
 </file>
 
@@ -8533,10 +8383,70 @@
           </a:prstGeom>
         </p:spPr>
       </p:pic>
+      <p:pic>
+        <p:nvPicPr>
+          <p:cNvPr id="5" name="图片 4">
+            <a:extLst>
+              <a:ext uri="{FF2B5EF4-FFF2-40B4-BE49-F238E27FC236}">
+                <a16:creationId xmlns:a16="http://schemas.microsoft.com/office/drawing/2014/main" id="{29AE379C-0FC1-407E-A5E2-8C270CFAA4A9}"/>
+              </a:ext>
+            </a:extLst>
+          </p:cNvPr>
+          <p:cNvPicPr>
+            <a:picLocks noChangeAspect="1"/>
+          </p:cNvPicPr>
+          <p:nvPr/>
+        </p:nvPicPr>
+        <p:blipFill>
+          <a:blip r:embed="rId4"/>
+          <a:stretch>
+            <a:fillRect/>
+          </a:stretch>
+        </p:blipFill>
+        <p:spPr>
+          <a:xfrm>
+            <a:off x="800757" y="1617348"/>
+            <a:ext cx="10588403" cy="2559990"/>
+          </a:xfrm>
+          <a:prstGeom prst="rect">
+            <a:avLst/>
+          </a:prstGeom>
+        </p:spPr>
+      </p:pic>
+      <p:pic>
+        <p:nvPicPr>
+          <p:cNvPr id="6" name="图片 5">
+            <a:extLst>
+              <a:ext uri="{FF2B5EF4-FFF2-40B4-BE49-F238E27FC236}">
+                <a16:creationId xmlns:a16="http://schemas.microsoft.com/office/drawing/2014/main" id="{0AF85AAE-96C6-4017-9487-BCD34DE8D442}"/>
+              </a:ext>
+            </a:extLst>
+          </p:cNvPr>
+          <p:cNvPicPr>
+            <a:picLocks noChangeAspect="1"/>
+          </p:cNvPicPr>
+          <p:nvPr/>
+        </p:nvPicPr>
+        <p:blipFill>
+          <a:blip r:embed="rId5"/>
+          <a:stretch>
+            <a:fillRect/>
+          </a:stretch>
+        </p:blipFill>
+        <p:spPr>
+          <a:xfrm>
+            <a:off x="6763101" y="3799944"/>
+            <a:ext cx="5422750" cy="2077803"/>
+          </a:xfrm>
+          <a:prstGeom prst="rect">
+            <a:avLst/>
+          </a:prstGeom>
+        </p:spPr>
+      </p:pic>
     </p:spTree>
     <p:extLst>
       <p:ext uri="{BB962C8B-B14F-4D97-AF65-F5344CB8AC3E}">
-        <p14:creationId xmlns:p14="http://schemas.microsoft.com/office/powerpoint/2010/main" val="2355745940"/>
+        <p14:creationId xmlns:p14="http://schemas.microsoft.com/office/powerpoint/2010/main" val="1666357593"/>
       </p:ext>
     </p:extLst>
   </p:cSld>
@@ -8558,7 +8468,300 @@
   <p:timing>
     <p:tnLst>
       <p:par>
-        <p:cTn id="1" dur="indefinite" restart="never" nodeType="tmRoot"/>
+        <p:cTn id="1" dur="indefinite" restart="never" nodeType="tmRoot">
+          <p:childTnLst>
+            <p:seq concurrent="1" nextAc="seek">
+              <p:cTn id="2" dur="indefinite" nodeType="mainSeq">
+                <p:childTnLst>
+                  <p:par>
+                    <p:cTn id="3" fill="hold">
+                      <p:stCondLst>
+                        <p:cond delay="indefinite"/>
+                      </p:stCondLst>
+                      <p:childTnLst>
+                        <p:par>
+                          <p:cTn id="4" fill="hold">
+                            <p:stCondLst>
+                              <p:cond delay="0"/>
+                            </p:stCondLst>
+                            <p:childTnLst>
+                              <p:par>
+                                <p:cTn id="5" presetID="1" presetClass="entr" presetSubtype="0" fill="hold" nodeType="clickEffect">
+                                  <p:stCondLst>
+                                    <p:cond delay="0"/>
+                                  </p:stCondLst>
+                                  <p:childTnLst>
+                                    <p:set>
+                                      <p:cBhvr>
+                                        <p:cTn id="6" dur="1" fill="hold">
+                                          <p:stCondLst>
+                                            <p:cond delay="0"/>
+                                          </p:stCondLst>
+                                        </p:cTn>
+                                        <p:tgtEl>
+                                          <p:spTgt spid="5"/>
+                                        </p:tgtEl>
+                                        <p:attrNameLst>
+                                          <p:attrName>style.visibility</p:attrName>
+                                        </p:attrNameLst>
+                                      </p:cBhvr>
+                                      <p:to>
+                                        <p:strVal val="visible"/>
+                                      </p:to>
+                                    </p:set>
+                                  </p:childTnLst>
+                                </p:cTn>
+                              </p:par>
+                            </p:childTnLst>
+                          </p:cTn>
+                        </p:par>
+                      </p:childTnLst>
+                    </p:cTn>
+                  </p:par>
+                  <p:par>
+                    <p:cTn id="7" fill="hold">
+                      <p:stCondLst>
+                        <p:cond delay="indefinite"/>
+                      </p:stCondLst>
+                      <p:childTnLst>
+                        <p:par>
+                          <p:cTn id="8" fill="hold">
+                            <p:stCondLst>
+                              <p:cond delay="0"/>
+                            </p:stCondLst>
+                            <p:childTnLst>
+                              <p:par>
+                                <p:cTn id="9" presetID="1" presetClass="exit" presetSubtype="0" fill="hold" nodeType="clickEffect">
+                                  <p:stCondLst>
+                                    <p:cond delay="0"/>
+                                  </p:stCondLst>
+                                  <p:childTnLst>
+                                    <p:set>
+                                      <p:cBhvr>
+                                        <p:cTn id="10" dur="1" fill="hold">
+                                          <p:stCondLst>
+                                            <p:cond delay="0"/>
+                                          </p:stCondLst>
+                                        </p:cTn>
+                                        <p:tgtEl>
+                                          <p:spTgt spid="5"/>
+                                        </p:tgtEl>
+                                        <p:attrNameLst>
+                                          <p:attrName>style.visibility</p:attrName>
+                                        </p:attrNameLst>
+                                      </p:cBhvr>
+                                      <p:to>
+                                        <p:strVal val="hidden"/>
+                                      </p:to>
+                                    </p:set>
+                                  </p:childTnLst>
+                                </p:cTn>
+                              </p:par>
+                            </p:childTnLst>
+                          </p:cTn>
+                        </p:par>
+                      </p:childTnLst>
+                    </p:cTn>
+                  </p:par>
+                  <p:par>
+                    <p:cTn id="11" fill="hold">
+                      <p:stCondLst>
+                        <p:cond delay="indefinite"/>
+                      </p:stCondLst>
+                      <p:childTnLst>
+                        <p:par>
+                          <p:cTn id="12" fill="hold">
+                            <p:stCondLst>
+                              <p:cond delay="0"/>
+                            </p:stCondLst>
+                            <p:childTnLst>
+                              <p:par>
+                                <p:cTn id="13" presetID="1" presetClass="entr" presetSubtype="0" fill="hold" nodeType="clickEffect">
+                                  <p:stCondLst>
+                                    <p:cond delay="0"/>
+                                  </p:stCondLst>
+                                  <p:childTnLst>
+                                    <p:set>
+                                      <p:cBhvr>
+                                        <p:cTn id="14" dur="1" fill="hold">
+                                          <p:stCondLst>
+                                            <p:cond delay="0"/>
+                                          </p:stCondLst>
+                                        </p:cTn>
+                                        <p:tgtEl>
+                                          <p:spTgt spid="6"/>
+                                        </p:tgtEl>
+                                        <p:attrNameLst>
+                                          <p:attrName>style.visibility</p:attrName>
+                                        </p:attrNameLst>
+                                      </p:cBhvr>
+                                      <p:to>
+                                        <p:strVal val="visible"/>
+                                      </p:to>
+                                    </p:set>
+                                  </p:childTnLst>
+                                </p:cTn>
+                              </p:par>
+                            </p:childTnLst>
+                          </p:cTn>
+                        </p:par>
+                      </p:childTnLst>
+                    </p:cTn>
+                  </p:par>
+                  <p:par>
+                    <p:cTn id="15" fill="hold">
+                      <p:stCondLst>
+                        <p:cond delay="indefinite"/>
+                      </p:stCondLst>
+                      <p:childTnLst>
+                        <p:par>
+                          <p:cTn id="16" fill="hold">
+                            <p:stCondLst>
+                              <p:cond delay="0"/>
+                            </p:stCondLst>
+                            <p:childTnLst>
+                              <p:par>
+                                <p:cTn id="17" presetID="1" presetClass="exit" presetSubtype="0" fill="hold" nodeType="clickEffect">
+                                  <p:stCondLst>
+                                    <p:cond delay="0"/>
+                                  </p:stCondLst>
+                                  <p:childTnLst>
+                                    <p:set>
+                                      <p:cBhvr>
+                                        <p:cTn id="18" dur="1" fill="hold">
+                                          <p:stCondLst>
+                                            <p:cond delay="0"/>
+                                          </p:stCondLst>
+                                        </p:cTn>
+                                        <p:tgtEl>
+                                          <p:spTgt spid="6"/>
+                                        </p:tgtEl>
+                                        <p:attrNameLst>
+                                          <p:attrName>style.visibility</p:attrName>
+                                        </p:attrNameLst>
+                                      </p:cBhvr>
+                                      <p:to>
+                                        <p:strVal val="hidden"/>
+                                      </p:to>
+                                    </p:set>
+                                  </p:childTnLst>
+                                </p:cTn>
+                              </p:par>
+                            </p:childTnLst>
+                          </p:cTn>
+                        </p:par>
+                      </p:childTnLst>
+                    </p:cTn>
+                  </p:par>
+                  <p:par>
+                    <p:cTn id="19" fill="hold">
+                      <p:stCondLst>
+                        <p:cond delay="indefinite"/>
+                      </p:stCondLst>
+                      <p:childTnLst>
+                        <p:par>
+                          <p:cTn id="20" fill="hold">
+                            <p:stCondLst>
+                              <p:cond delay="0"/>
+                            </p:stCondLst>
+                            <p:childTnLst>
+                              <p:par>
+                                <p:cTn id="21" presetID="1" presetClass="entr" presetSubtype="0" fill="hold" nodeType="clickEffect">
+                                  <p:stCondLst>
+                                    <p:cond delay="0"/>
+                                  </p:stCondLst>
+                                  <p:childTnLst>
+                                    <p:set>
+                                      <p:cBhvr>
+                                        <p:cTn id="22" dur="1" fill="hold">
+                                          <p:stCondLst>
+                                            <p:cond delay="0"/>
+                                          </p:stCondLst>
+                                        </p:cTn>
+                                        <p:tgtEl>
+                                          <p:spTgt spid="8"/>
+                                        </p:tgtEl>
+                                        <p:attrNameLst>
+                                          <p:attrName>style.visibility</p:attrName>
+                                        </p:attrNameLst>
+                                      </p:cBhvr>
+                                      <p:to>
+                                        <p:strVal val="visible"/>
+                                      </p:to>
+                                    </p:set>
+                                  </p:childTnLst>
+                                </p:cTn>
+                              </p:par>
+                            </p:childTnLst>
+                          </p:cTn>
+                        </p:par>
+                      </p:childTnLst>
+                    </p:cTn>
+                  </p:par>
+                  <p:par>
+                    <p:cTn id="23" fill="hold">
+                      <p:stCondLst>
+                        <p:cond delay="indefinite"/>
+                      </p:stCondLst>
+                      <p:childTnLst>
+                        <p:par>
+                          <p:cTn id="24" fill="hold">
+                            <p:stCondLst>
+                              <p:cond delay="0"/>
+                            </p:stCondLst>
+                            <p:childTnLst>
+                              <p:par>
+                                <p:cTn id="25" presetID="1" presetClass="exit" presetSubtype="0" fill="hold" nodeType="clickEffect">
+                                  <p:stCondLst>
+                                    <p:cond delay="0"/>
+                                  </p:stCondLst>
+                                  <p:childTnLst>
+                                    <p:set>
+                                      <p:cBhvr>
+                                        <p:cTn id="26" dur="1" fill="hold">
+                                          <p:stCondLst>
+                                            <p:cond delay="0"/>
+                                          </p:stCondLst>
+                                        </p:cTn>
+                                        <p:tgtEl>
+                                          <p:spTgt spid="8"/>
+                                        </p:tgtEl>
+                                        <p:attrNameLst>
+                                          <p:attrName>style.visibility</p:attrName>
+                                        </p:attrNameLst>
+                                      </p:cBhvr>
+                                      <p:to>
+                                        <p:strVal val="hidden"/>
+                                      </p:to>
+                                    </p:set>
+                                  </p:childTnLst>
+                                </p:cTn>
+                              </p:par>
+                            </p:childTnLst>
+                          </p:cTn>
+                        </p:par>
+                      </p:childTnLst>
+                    </p:cTn>
+                  </p:par>
+                </p:childTnLst>
+              </p:cTn>
+              <p:prevCondLst>
+                <p:cond evt="onPrev" delay="0">
+                  <p:tgtEl>
+                    <p:sldTgt/>
+                  </p:tgtEl>
+                </p:cond>
+              </p:prevCondLst>
+              <p:nextCondLst>
+                <p:cond evt="onNext" delay="0">
+                  <p:tgtEl>
+                    <p:sldTgt/>
+                  </p:tgtEl>
+                </p:cond>
+              </p:nextCondLst>
+            </p:seq>
+          </p:childTnLst>
+        </p:cTn>
       </p:par>
     </p:tnLst>
   </p:timing>
@@ -9118,13 +9321,6 @@
       </p:transition>
     </mc:Fallback>
   </mc:AlternateContent>
-  <p:timing>
-    <p:tnLst>
-      <p:par>
-        <p:cTn id="1" dur="indefinite" restart="never" nodeType="tmRoot"/>
-      </p:par>
-    </p:tnLst>
-  </p:timing>
 </p:sld>
 </file>
 
@@ -9630,13 +9826,6 @@
       </p:transition>
     </mc:Fallback>
   </mc:AlternateContent>
-  <p:timing>
-    <p:tnLst>
-      <p:par>
-        <p:cTn id="1" dur="indefinite" restart="never" nodeType="tmRoot"/>
-      </p:par>
-    </p:tnLst>
-  </p:timing>
 </p:sld>
 </file>
 
@@ -9841,13 +10030,6 @@
       </p:transition>
     </mc:Fallback>
   </mc:AlternateContent>
-  <p:timing>
-    <p:tnLst>
-      <p:par>
-        <p:cTn id="1" dur="indefinite" restart="never" nodeType="tmRoot"/>
-      </p:par>
-    </p:tnLst>
-  </p:timing>
 </p:sld>
 </file>
 
@@ -10071,13 +10253,6 @@
       </p:transition>
     </mc:Fallback>
   </mc:AlternateContent>
-  <p:timing>
-    <p:tnLst>
-      <p:par>
-        <p:cTn id="1" dur="indefinite" restart="never" nodeType="tmRoot"/>
-      </p:par>
-    </p:tnLst>
-  </p:timing>
 </p:sld>
 </file>
 
@@ -10321,13 +10496,6 @@
       </p:transition>
     </mc:Fallback>
   </mc:AlternateContent>
-  <p:timing>
-    <p:tnLst>
-      <p:par>
-        <p:cTn id="1" dur="indefinite" restart="never" nodeType="tmRoot"/>
-      </p:par>
-    </p:tnLst>
-  </p:timing>
 </p:sld>
 </file>
 
@@ -10471,13 +10639,6 @@
       </p:transition>
     </mc:Fallback>
   </mc:AlternateContent>
-  <p:timing>
-    <p:tnLst>
-      <p:par>
-        <p:cTn id="1" dur="indefinite" restart="never" nodeType="tmRoot"/>
-      </p:par>
-    </p:tnLst>
-  </p:timing>
 </p:sld>
 </file>
 
@@ -10594,13 +10755,6 @@
       </p:transition>
     </mc:Fallback>
   </mc:AlternateContent>
-  <p:timing>
-    <p:tnLst>
-      <p:par>
-        <p:cTn id="1" dur="indefinite" restart="never" nodeType="tmRoot"/>
-      </p:par>
-    </p:tnLst>
-  </p:timing>
 </p:sld>
 </file>
 
@@ -10637,10 +10791,9 @@
           <a:lstStyle/>
           <a:p>
             <a:r>
-              <a:rPr lang="zh-CN" altLang="en-US" dirty="0" smtClean="0"/>
+              <a:rPr lang="zh-CN" altLang="en-US" dirty="0"/>
               <a:t>目  录</a:t>
             </a:r>
-            <a:endParaRPr lang="zh-CN" altLang="en-US" dirty="0"/>
           </a:p>
         </p:txBody>
       </p:sp>
@@ -10667,18 +10820,13 @@
           <a:lstStyle/>
           <a:p>
             <a:r>
-              <a:rPr lang="en-US" altLang="zh-CN" dirty="0" smtClean="0"/>
+              <a:rPr lang="en-US" altLang="zh-CN" dirty="0"/>
               <a:t>1.</a:t>
             </a:r>
             <a:r>
               <a:rPr lang="zh-CN" altLang="en-US" dirty="0"/>
-              <a:t>需求规格</a:t>
-            </a:r>
-            <a:r>
-              <a:rPr lang="zh-CN" altLang="en-US" dirty="0" smtClean="0"/>
-              <a:t>说明书改进</a:t>
-            </a:r>
-            <a:endParaRPr lang="zh-CN" altLang="en-US" dirty="0"/>
+              <a:t>需求规格说明书改进</a:t>
+            </a:r>
           </a:p>
         </p:txBody>
       </p:sp>
@@ -10705,7 +10853,7 @@
           <a:lstStyle/>
           <a:p>
             <a:r>
-              <a:rPr lang="en-US" altLang="zh-CN" dirty="0" smtClean="0">
+              <a:rPr lang="en-US" altLang="zh-CN" dirty="0">
                 <a:solidFill>
                   <a:schemeClr val="tx1">
                     <a:lumMod val="25000"/>
@@ -10716,7 +10864,7 @@
               <a:t>2.</a:t>
             </a:r>
             <a:r>
-              <a:rPr lang="zh-CN" altLang="en-US" dirty="0" smtClean="0">
+              <a:rPr lang="zh-CN" altLang="en-US" dirty="0">
                 <a:solidFill>
                   <a:schemeClr val="tx1">
                     <a:lumMod val="25000"/>
@@ -10726,14 +10874,6 @@
               </a:rPr>
               <a:t>需求评审表单</a:t>
             </a:r>
-            <a:endParaRPr lang="zh-CN" altLang="en-US" dirty="0">
-              <a:solidFill>
-                <a:schemeClr val="tx1">
-                  <a:lumMod val="25000"/>
-                  <a:lumOff val="75000"/>
-                </a:schemeClr>
-              </a:solidFill>
-            </a:endParaRPr>
           </a:p>
         </p:txBody>
       </p:sp>
@@ -10760,7 +10900,7 @@
           <a:lstStyle/>
           <a:p>
             <a:r>
-              <a:rPr lang="en-US" altLang="zh-CN" dirty="0" smtClean="0">
+              <a:rPr lang="en-US" altLang="zh-CN" dirty="0">
                 <a:solidFill>
                   <a:schemeClr val="tx1">
                     <a:lumMod val="25000"/>
@@ -10771,7 +10911,7 @@
               <a:t>3.</a:t>
             </a:r>
             <a:r>
-              <a:rPr lang="zh-CN" altLang="en-US" dirty="0" smtClean="0">
+              <a:rPr lang="zh-CN" altLang="en-US" dirty="0">
                 <a:solidFill>
                   <a:schemeClr val="tx1">
                     <a:lumMod val="25000"/>
@@ -10782,7 +10922,7 @@
               <a:t>实验</a:t>
             </a:r>
             <a:r>
-              <a:rPr lang="en-US" altLang="zh-CN" dirty="0" smtClean="0">
+              <a:rPr lang="en-US" altLang="zh-CN" dirty="0">
                 <a:solidFill>
                   <a:schemeClr val="tx1">
                     <a:lumMod val="25000"/>
@@ -10826,7 +10966,7 @@
           <a:lstStyle/>
           <a:p>
             <a:r>
-              <a:rPr lang="en-US" altLang="zh-CN" dirty="0" smtClean="0">
+              <a:rPr lang="en-US" altLang="zh-CN" dirty="0">
                 <a:solidFill>
                   <a:schemeClr val="tx1">
                     <a:lumMod val="25000"/>
@@ -10837,7 +10977,7 @@
               <a:t>4.</a:t>
             </a:r>
             <a:r>
-              <a:rPr lang="zh-CN" altLang="en-US" dirty="0" smtClean="0">
+              <a:rPr lang="zh-CN" altLang="en-US" dirty="0">
                 <a:solidFill>
                   <a:schemeClr val="tx1">
                     <a:lumMod val="25000"/>
@@ -10847,14 +10987,6 @@
               </a:rPr>
               <a:t>下周工作计划</a:t>
             </a:r>
-            <a:endParaRPr lang="zh-CN" altLang="en-US" dirty="0">
-              <a:solidFill>
-                <a:schemeClr val="tx1">
-                  <a:lumMod val="25000"/>
-                  <a:lumOff val="75000"/>
-                </a:schemeClr>
-              </a:solidFill>
-            </a:endParaRPr>
           </a:p>
         </p:txBody>
       </p:sp>
@@ -10880,13 +11012,6 @@
       </p:transition>
     </mc:Fallback>
   </mc:AlternateContent>
-  <p:timing>
-    <p:tnLst>
-      <p:par>
-        <p:cTn id="1" dur="indefinite" restart="never" nodeType="tmRoot"/>
-      </p:par>
-    </p:tnLst>
-  </p:timing>
 </p:sld>
 </file>
 
@@ -10945,10 +11070,9 @@
           <a:lstStyle/>
           <a:p>
             <a:r>
-              <a:rPr lang="zh-CN" altLang="en-US" dirty="0" smtClean="0"/>
+              <a:rPr lang="zh-CN" altLang="en-US" dirty="0"/>
               <a:t>实验准备工作量统计表</a:t>
             </a:r>
-            <a:endParaRPr lang="zh-CN" altLang="en-US" dirty="0"/>
           </a:p>
         </p:txBody>
       </p:sp>
@@ -10968,10 +11092,9 @@
           <a:lstStyle/>
           <a:p>
             <a:r>
-              <a:rPr lang="zh-CN" altLang="en-US" dirty="0" smtClean="0"/>
+              <a:rPr lang="zh-CN" altLang="en-US" dirty="0"/>
               <a:t>需求分析工作量统计表</a:t>
             </a:r>
-            <a:endParaRPr lang="zh-CN" altLang="en-US" dirty="0"/>
           </a:p>
         </p:txBody>
       </p:sp>
@@ -11047,13 +11170,6 @@
       </p:transition>
     </mc:Fallback>
   </mc:AlternateContent>
-  <p:timing>
-    <p:tnLst>
-      <p:par>
-        <p:cTn id="1" dur="indefinite" restart="never" nodeType="tmRoot"/>
-      </p:par>
-    </p:tnLst>
-  </p:timing>
 </p:sld>
 </file>
 
@@ -11130,18 +11246,18 @@
               </a:spcAft>
             </a:pPr>
             <a:r>
-              <a:rPr lang="zh-CN" altLang="en-US" sz="1800" dirty="0" smtClean="0"/>
+              <a:rPr lang="zh-CN" altLang="en-US" sz="1800" dirty="0"/>
               <a:t>实验准备和实验</a:t>
             </a:r>
             <a:r>
-              <a:rPr lang="en-US" altLang="zh-CN" sz="1800" dirty="0" smtClean="0"/>
+              <a:rPr lang="en-US" altLang="zh-CN" sz="1800" dirty="0"/>
               <a:t>1</a:t>
             </a:r>
             <a:r>
-              <a:rPr lang="zh-CN" altLang="en-US" sz="1800" dirty="0" smtClean="0"/>
+              <a:rPr lang="zh-CN" altLang="en-US" sz="1800" dirty="0"/>
               <a:t>的工作量统计</a:t>
             </a:r>
-            <a:endParaRPr lang="en-US" altLang="zh-CN" sz="1800" dirty="0" smtClean="0"/>
+            <a:endParaRPr lang="en-US" altLang="zh-CN" sz="1800" dirty="0"/>
           </a:p>
           <a:p>
             <a:pPr lvl="1">
@@ -11162,10 +11278,9 @@
               <a:t>赵正阳：</a:t>
             </a:r>
             <a:r>
-              <a:rPr lang="en-US" altLang="zh-CN" sz="1600" dirty="0" smtClean="0"/>
+              <a:rPr lang="en-US" altLang="zh-CN" sz="1600" dirty="0"/>
               <a:t>1236+1*200+3020+16*200=7656</a:t>
             </a:r>
-            <a:endParaRPr lang="en-US" altLang="zh-CN" sz="1600" dirty="0"/>
           </a:p>
           <a:p>
             <a:pPr lvl="1">
@@ -11182,30 +11297,29 @@
               <a:buChar char="Ø"/>
             </a:pPr>
             <a:r>
-              <a:rPr lang="zh-CN" altLang="en-US" sz="1600" dirty="0" smtClean="0"/>
+              <a:rPr lang="zh-CN" altLang="en-US" sz="1600" dirty="0"/>
               <a:t>郭浩隆：</a:t>
             </a:r>
             <a:r>
-              <a:rPr lang="en-US" altLang="zh-CN" sz="1600" dirty="0" smtClean="0"/>
+              <a:rPr lang="en-US" altLang="zh-CN" sz="1600" dirty="0"/>
               <a:t>1148+3</a:t>
             </a:r>
             <a:r>
-              <a:rPr lang="zh-CN" altLang="en-US" sz="1600" dirty="0" smtClean="0"/>
+              <a:rPr lang="zh-CN" altLang="en-US" sz="1600" dirty="0"/>
               <a:t>*</a:t>
             </a:r>
             <a:r>
-              <a:rPr lang="en-US" altLang="zh-CN" sz="1600" dirty="0" smtClean="0"/>
+              <a:rPr lang="en-US" altLang="zh-CN" sz="1600" dirty="0"/>
               <a:t>200+1090+10</a:t>
             </a:r>
             <a:r>
-              <a:rPr lang="zh-CN" altLang="en-US" sz="1600" dirty="0" smtClean="0"/>
+              <a:rPr lang="zh-CN" altLang="en-US" sz="1600" dirty="0"/>
               <a:t>*</a:t>
             </a:r>
             <a:r>
-              <a:rPr lang="en-US" altLang="zh-CN" sz="1600" dirty="0" smtClean="0"/>
+              <a:rPr lang="en-US" altLang="zh-CN" sz="1600" dirty="0"/>
               <a:t>200=4838</a:t>
             </a:r>
-            <a:endParaRPr lang="en-US" altLang="zh-CN" sz="1600" dirty="0"/>
           </a:p>
           <a:p>
             <a:pPr lvl="1">
@@ -11223,33 +11337,28 @@
             </a:pPr>
             <a:r>
               <a:rPr lang="zh-CN" altLang="en-US" sz="1600" dirty="0"/>
-              <a:t>沈一</a:t>
-            </a:r>
-            <a:r>
-              <a:rPr lang="zh-CN" altLang="en-US" sz="1600" dirty="0" smtClean="0"/>
-              <a:t>聪：</a:t>
-            </a:r>
-            <a:r>
-              <a:rPr lang="en-US" altLang="zh-CN" sz="1600" dirty="0" smtClean="0"/>
+              <a:t>沈一聪：</a:t>
+            </a:r>
+            <a:r>
+              <a:rPr lang="en-US" altLang="zh-CN" sz="1600" dirty="0"/>
               <a:t>2207+4</a:t>
             </a:r>
             <a:r>
-              <a:rPr lang="zh-CN" altLang="en-US" sz="1600" dirty="0" smtClean="0"/>
+              <a:rPr lang="zh-CN" altLang="en-US" sz="1600" dirty="0"/>
               <a:t>*</a:t>
             </a:r>
             <a:r>
-              <a:rPr lang="en-US" altLang="zh-CN" sz="1600" dirty="0" smtClean="0"/>
+              <a:rPr lang="en-US" altLang="zh-CN" sz="1600" dirty="0"/>
               <a:t>200+3032+9</a:t>
             </a:r>
             <a:r>
-              <a:rPr lang="zh-CN" altLang="en-US" sz="1600" dirty="0" smtClean="0"/>
+              <a:rPr lang="zh-CN" altLang="en-US" sz="1600" dirty="0"/>
               <a:t>*</a:t>
             </a:r>
             <a:r>
-              <a:rPr lang="en-US" altLang="zh-CN" sz="1600" dirty="0" smtClean="0"/>
+              <a:rPr lang="en-US" altLang="zh-CN" sz="1600" dirty="0"/>
               <a:t>200=7839</a:t>
             </a:r>
-            <a:endParaRPr lang="en-US" altLang="zh-CN" sz="1600" dirty="0"/>
           </a:p>
           <a:p>
             <a:pPr lvl="1">
@@ -11267,33 +11376,28 @@
             </a:pPr>
             <a:r>
               <a:rPr lang="zh-CN" altLang="en-US" sz="1600" dirty="0"/>
-              <a:t>梁</a:t>
-            </a:r>
-            <a:r>
-              <a:rPr lang="zh-CN" altLang="en-US" sz="1600" dirty="0" smtClean="0"/>
-              <a:t>远志：</a:t>
-            </a:r>
-            <a:r>
-              <a:rPr lang="en-US" altLang="zh-CN" sz="1600" dirty="0" smtClean="0"/>
+              <a:t>梁远志：</a:t>
+            </a:r>
+            <a:r>
+              <a:rPr lang="en-US" altLang="zh-CN" sz="1600" dirty="0"/>
               <a:t>788+1</a:t>
             </a:r>
             <a:r>
-              <a:rPr lang="zh-CN" altLang="en-US" sz="1600" dirty="0" smtClean="0"/>
+              <a:rPr lang="zh-CN" altLang="en-US" sz="1600" dirty="0"/>
               <a:t>*</a:t>
             </a:r>
             <a:r>
-              <a:rPr lang="en-US" altLang="zh-CN" sz="1600" dirty="0" smtClean="0"/>
+              <a:rPr lang="en-US" altLang="zh-CN" sz="1600" dirty="0"/>
               <a:t>200+2414+14</a:t>
             </a:r>
             <a:r>
-              <a:rPr lang="zh-CN" altLang="en-US" sz="1600" dirty="0" smtClean="0"/>
+              <a:rPr lang="zh-CN" altLang="en-US" sz="1600" dirty="0"/>
               <a:t>*</a:t>
             </a:r>
             <a:r>
-              <a:rPr lang="en-US" altLang="zh-CN" sz="1600" dirty="0" smtClean="0"/>
+              <a:rPr lang="en-US" altLang="zh-CN" sz="1600" dirty="0"/>
               <a:t>200=6202</a:t>
             </a:r>
-            <a:endParaRPr lang="en-US" altLang="zh-CN" sz="1600" dirty="0"/>
           </a:p>
           <a:p>
             <a:pPr lvl="1">
@@ -11311,25 +11415,20 @@
             </a:pPr>
             <a:r>
               <a:rPr lang="zh-CN" altLang="en-US" sz="1600" dirty="0"/>
-              <a:t>宋冰</a:t>
-            </a:r>
-            <a:r>
-              <a:rPr lang="zh-CN" altLang="en-US" sz="1600" dirty="0" smtClean="0"/>
-              <a:t>晨：</a:t>
-            </a:r>
-            <a:r>
-              <a:rPr lang="en-US" altLang="zh-CN" sz="1600" dirty="0" smtClean="0"/>
+              <a:t>宋冰晨：</a:t>
+            </a:r>
+            <a:r>
+              <a:rPr lang="en-US" altLang="zh-CN" sz="1600" dirty="0"/>
               <a:t>679+1</a:t>
             </a:r>
             <a:r>
-              <a:rPr lang="zh-CN" altLang="en-US" sz="1600" dirty="0" smtClean="0"/>
+              <a:rPr lang="zh-CN" altLang="en-US" sz="1600" dirty="0"/>
               <a:t>*</a:t>
             </a:r>
             <a:r>
-              <a:rPr lang="en-US" altLang="zh-CN" sz="1600" dirty="0" smtClean="0"/>
+              <a:rPr lang="en-US" altLang="zh-CN" sz="1600" dirty="0"/>
               <a:t>200+1854=2733</a:t>
             </a:r>
-            <a:endParaRPr lang="en-US" altLang="zh-CN" sz="1600" dirty="0"/>
           </a:p>
           <a:p>
             <a:pPr>
@@ -11344,10 +11443,10 @@
               </a:spcAft>
             </a:pPr>
             <a:r>
-              <a:rPr lang="zh-CN" altLang="en-US" sz="1800" dirty="0" smtClean="0"/>
+              <a:rPr lang="zh-CN" altLang="en-US" sz="1800" dirty="0"/>
               <a:t>当前工作量比例</a:t>
             </a:r>
-            <a:endParaRPr lang="en-US" altLang="zh-CN" sz="1800" dirty="0" smtClean="0"/>
+            <a:endParaRPr lang="en-US" altLang="zh-CN" sz="1800" dirty="0"/>
           </a:p>
           <a:p>
             <a:pPr lvl="1">
@@ -11365,17 +11464,12 @@
             </a:pPr>
             <a:r>
               <a:rPr lang="zh-CN" altLang="en-US" sz="1600" dirty="0"/>
-              <a:t>赵正阳</a:t>
-            </a:r>
-            <a:r>
-              <a:rPr lang="zh-CN" altLang="en-US" sz="1600" dirty="0" smtClean="0"/>
-              <a:t>：</a:t>
-            </a:r>
-            <a:r>
-              <a:rPr lang="en-US" altLang="zh-CN" sz="1600" dirty="0" smtClean="0"/>
+              <a:t>赵正阳：</a:t>
+            </a:r>
+            <a:r>
+              <a:rPr lang="en-US" altLang="zh-CN" sz="1600" dirty="0"/>
               <a:t>7656/29268‬=26.16%</a:t>
             </a:r>
-            <a:endParaRPr lang="en-US" altLang="zh-CN" sz="1600" dirty="0"/>
           </a:p>
           <a:p>
             <a:pPr lvl="1">
@@ -11393,17 +11487,12 @@
             </a:pPr>
             <a:r>
               <a:rPr lang="zh-CN" altLang="en-US" sz="1600" dirty="0"/>
-              <a:t>郭浩隆</a:t>
-            </a:r>
-            <a:r>
-              <a:rPr lang="zh-CN" altLang="en-US" sz="1600" dirty="0" smtClean="0"/>
-              <a:t>：</a:t>
-            </a:r>
-            <a:r>
-              <a:rPr lang="en-US" altLang="zh-CN" sz="1600" dirty="0" smtClean="0"/>
+              <a:t>郭浩隆：</a:t>
+            </a:r>
+            <a:r>
+              <a:rPr lang="en-US" altLang="zh-CN" sz="1600" dirty="0"/>
               <a:t>4838/29268=16.53%</a:t>
             </a:r>
-            <a:endParaRPr lang="en-US" altLang="zh-CN" sz="1600" dirty="0"/>
           </a:p>
           <a:p>
             <a:pPr lvl="1">
@@ -11421,17 +11510,12 @@
             </a:pPr>
             <a:r>
               <a:rPr lang="zh-CN" altLang="en-US" sz="1600" dirty="0"/>
-              <a:t>沈一聪</a:t>
-            </a:r>
-            <a:r>
-              <a:rPr lang="zh-CN" altLang="en-US" sz="1600" dirty="0" smtClean="0"/>
-              <a:t>：</a:t>
-            </a:r>
-            <a:r>
-              <a:rPr lang="en-US" altLang="zh-CN" sz="1600" dirty="0" smtClean="0"/>
+              <a:t>沈一聪：</a:t>
+            </a:r>
+            <a:r>
+              <a:rPr lang="en-US" altLang="zh-CN" sz="1600" dirty="0"/>
               <a:t>7839/29268=26.78%</a:t>
             </a:r>
-            <a:endParaRPr lang="en-US" altLang="zh-CN" sz="1600" dirty="0"/>
           </a:p>
           <a:p>
             <a:pPr lvl="1">
@@ -11449,17 +11533,12 @@
             </a:pPr>
             <a:r>
               <a:rPr lang="zh-CN" altLang="en-US" sz="1600" dirty="0"/>
-              <a:t>梁远志</a:t>
-            </a:r>
-            <a:r>
-              <a:rPr lang="zh-CN" altLang="en-US" sz="1600" dirty="0" smtClean="0"/>
-              <a:t>：</a:t>
-            </a:r>
-            <a:r>
-              <a:rPr lang="en-US" altLang="zh-CN" sz="1600" dirty="0" smtClean="0"/>
+              <a:t>梁远志：</a:t>
+            </a:r>
+            <a:r>
+              <a:rPr lang="en-US" altLang="zh-CN" sz="1600" dirty="0"/>
               <a:t>6202/29268=21.19%</a:t>
             </a:r>
-            <a:endParaRPr lang="en-US" altLang="zh-CN" sz="1600" dirty="0"/>
           </a:p>
           <a:p>
             <a:pPr lvl="1">
@@ -11477,14 +11556,10 @@
             </a:pPr>
             <a:r>
               <a:rPr lang="zh-CN" altLang="en-US" sz="1600" dirty="0"/>
-              <a:t>宋冰晨</a:t>
-            </a:r>
-            <a:r>
-              <a:rPr lang="zh-CN" altLang="en-US" sz="1600" dirty="0" smtClean="0"/>
-              <a:t>：</a:t>
-            </a:r>
-            <a:r>
-              <a:rPr lang="en-US" altLang="zh-CN" sz="1600" dirty="0" smtClean="0"/>
+              <a:t>宋冰晨：</a:t>
+            </a:r>
+            <a:r>
+              <a:rPr lang="en-US" altLang="zh-CN" sz="1600" dirty="0"/>
               <a:t>2733/29268=9.34%</a:t>
             </a:r>
           </a:p>
@@ -11501,23 +11576,23 @@
               </a:spcAft>
             </a:pPr>
             <a:r>
-              <a:rPr lang="zh-CN" altLang="en-US" sz="1800" dirty="0" smtClean="0"/>
+              <a:rPr lang="zh-CN" altLang="en-US" sz="1800" dirty="0"/>
               <a:t>仅代表项目计划书和需求规格说明书的字数及图表贡献，未计算实验</a:t>
             </a:r>
             <a:r>
-              <a:rPr lang="en-US" altLang="zh-CN" sz="1800" dirty="0" smtClean="0"/>
+              <a:rPr lang="en-US" altLang="zh-CN" sz="1800" dirty="0"/>
               <a:t>6~8</a:t>
             </a:r>
             <a:r>
-              <a:rPr lang="zh-CN" altLang="en-US" sz="1800" dirty="0" smtClean="0"/>
+              <a:rPr lang="zh-CN" altLang="en-US" sz="1800" dirty="0"/>
               <a:t>及额外工作</a:t>
             </a:r>
             <a:endParaRPr lang="en-US" altLang="zh-CN" sz="1800" dirty="0"/>
           </a:p>
         </p:txBody>
       </p:sp>
-      <mc:AlternateContent xmlns:mc="http://schemas.openxmlformats.org/markup-compatibility/2006">
-        <mc:Choice xmlns:a14="http://schemas.microsoft.com/office/drawing/2010/main" Requires="a14">
+      <mc:AlternateContent xmlns:mc="http://schemas.openxmlformats.org/markup-compatibility/2006" xmlns:a14="http://schemas.microsoft.com/office/drawing/2010/main">
+        <mc:Choice Requires="a14">
           <p:sp>
             <p:nvSpPr>
               <p:cNvPr id="4" name="矩形 3"/>
@@ -11671,7 +11746,7 @@
             </p:txBody>
           </p:sp>
         </mc:Choice>
-        <mc:Fallback>
+        <mc:Fallback xmlns="">
           <p:sp>
             <p:nvSpPr>
               <p:cNvPr id="4" name="矩形 3"/>
@@ -11737,13 +11812,6 @@
       </p:transition>
     </mc:Fallback>
   </mc:AlternateContent>
-  <p:timing>
-    <p:tnLst>
-      <p:par>
-        <p:cTn id="1" dur="indefinite" restart="never" nodeType="tmRoot"/>
-      </p:par>
-    </p:tnLst>
-  </p:timing>
 </p:sld>
 </file>
 
@@ -11780,10 +11848,9 @@
           <a:lstStyle/>
           <a:p>
             <a:r>
-              <a:rPr lang="zh-CN" altLang="en-US" dirty="0" smtClean="0"/>
+              <a:rPr lang="zh-CN" altLang="en-US" dirty="0"/>
               <a:t>目  录</a:t>
             </a:r>
-            <a:endParaRPr lang="zh-CN" altLang="en-US" dirty="0"/>
           </a:p>
         </p:txBody>
       </p:sp>
@@ -11810,7 +11877,7 @@
           <a:lstStyle/>
           <a:p>
             <a:r>
-              <a:rPr lang="en-US" altLang="zh-CN" dirty="0" smtClean="0">
+              <a:rPr lang="en-US" altLang="zh-CN" dirty="0">
                 <a:solidFill>
                   <a:schemeClr val="tx1">
                     <a:lumMod val="25000"/>
@@ -11829,27 +11896,8 @@
                   </a:schemeClr>
                 </a:solidFill>
               </a:rPr>
-              <a:t>需求规格</a:t>
-            </a:r>
-            <a:r>
-              <a:rPr lang="zh-CN" altLang="en-US" dirty="0" smtClean="0">
-                <a:solidFill>
-                  <a:schemeClr val="tx1">
-                    <a:lumMod val="25000"/>
-                    <a:lumOff val="75000"/>
-                  </a:schemeClr>
-                </a:solidFill>
-              </a:rPr>
-              <a:t>说明书改进</a:t>
-            </a:r>
-            <a:endParaRPr lang="zh-CN" altLang="en-US" dirty="0">
-              <a:solidFill>
-                <a:schemeClr val="tx1">
-                  <a:lumMod val="25000"/>
-                  <a:lumOff val="75000"/>
-                </a:schemeClr>
-              </a:solidFill>
-            </a:endParaRPr>
+              <a:t>需求规格说明书改进</a:t>
+            </a:r>
           </a:p>
         </p:txBody>
       </p:sp>
@@ -11876,7 +11924,7 @@
           <a:lstStyle/>
           <a:p>
             <a:r>
-              <a:rPr lang="en-US" altLang="zh-CN" dirty="0" smtClean="0">
+              <a:rPr lang="en-US" altLang="zh-CN" dirty="0">
                 <a:solidFill>
                   <a:schemeClr val="tx1">
                     <a:lumMod val="25000"/>
@@ -11887,7 +11935,7 @@
               <a:t>2.</a:t>
             </a:r>
             <a:r>
-              <a:rPr lang="zh-CN" altLang="en-US" dirty="0" smtClean="0">
+              <a:rPr lang="zh-CN" altLang="en-US" dirty="0">
                 <a:solidFill>
                   <a:schemeClr val="tx1">
                     <a:lumMod val="25000"/>
@@ -11897,14 +11945,6 @@
               </a:rPr>
               <a:t>需求评审表单</a:t>
             </a:r>
-            <a:endParaRPr lang="zh-CN" altLang="en-US" dirty="0">
-              <a:solidFill>
-                <a:schemeClr val="tx1">
-                  <a:lumMod val="25000"/>
-                  <a:lumOff val="75000"/>
-                </a:schemeClr>
-              </a:solidFill>
-            </a:endParaRPr>
           </a:p>
         </p:txBody>
       </p:sp>
@@ -11931,7 +11971,7 @@
           <a:lstStyle/>
           <a:p>
             <a:r>
-              <a:rPr lang="en-US" altLang="zh-CN" dirty="0" smtClean="0">
+              <a:rPr lang="en-US" altLang="zh-CN" dirty="0">
                 <a:solidFill>
                   <a:schemeClr val="tx1">
                     <a:lumMod val="25000"/>
@@ -11942,7 +11982,7 @@
               <a:t>3.</a:t>
             </a:r>
             <a:r>
-              <a:rPr lang="zh-CN" altLang="en-US" dirty="0" smtClean="0">
+              <a:rPr lang="zh-CN" altLang="en-US" dirty="0">
                 <a:solidFill>
                   <a:schemeClr val="tx1">
                     <a:lumMod val="25000"/>
@@ -11953,7 +11993,7 @@
               <a:t>实验</a:t>
             </a:r>
             <a:r>
-              <a:rPr lang="en-US" altLang="zh-CN" dirty="0" smtClean="0">
+              <a:rPr lang="en-US" altLang="zh-CN" dirty="0">
                 <a:solidFill>
                   <a:schemeClr val="tx1">
                     <a:lumMod val="25000"/>
@@ -11997,14 +12037,13 @@
           <a:lstStyle/>
           <a:p>
             <a:r>
-              <a:rPr lang="en-US" altLang="zh-CN" dirty="0" smtClean="0"/>
+              <a:rPr lang="en-US" altLang="zh-CN" dirty="0"/>
               <a:t>4.</a:t>
             </a:r>
             <a:r>
-              <a:rPr lang="zh-CN" altLang="en-US" dirty="0" smtClean="0"/>
+              <a:rPr lang="zh-CN" altLang="en-US" dirty="0"/>
               <a:t>下周工作计划</a:t>
             </a:r>
-            <a:endParaRPr lang="zh-CN" altLang="en-US" dirty="0"/>
           </a:p>
         </p:txBody>
       </p:sp>
@@ -12030,13 +12069,6 @@
       </p:transition>
     </mc:Fallback>
   </mc:AlternateContent>
-  <p:timing>
-    <p:tnLst>
-      <p:par>
-        <p:cTn id="1" dur="indefinite" restart="never" nodeType="tmRoot"/>
-      </p:par>
-    </p:tnLst>
-  </p:timing>
 </p:sld>
 </file>
 
@@ -12073,10 +12105,9 @@
           <a:lstStyle/>
           <a:p>
             <a:r>
-              <a:rPr lang="zh-CN" altLang="en-US" dirty="0" smtClean="0"/>
+              <a:rPr lang="zh-CN" altLang="en-US" dirty="0"/>
               <a:t>下周工作计划</a:t>
             </a:r>
-            <a:endParaRPr lang="zh-CN" altLang="en-US" dirty="0"/>
           </a:p>
         </p:txBody>
       </p:sp>
@@ -12095,28 +12126,23 @@
           <a:bodyPr/>
           <a:lstStyle/>
           <a:p>
-            <a:endParaRPr lang="en-US" altLang="zh-CN" dirty="0" smtClean="0"/>
-          </a:p>
-          <a:p>
-            <a:endParaRPr lang="en-US" altLang="zh-CN" dirty="0" smtClean="0"/>
-          </a:p>
-          <a:p>
-            <a:r>
-              <a:rPr lang="zh-CN" altLang="en-US" dirty="0" smtClean="0"/>
+            <a:endParaRPr lang="en-US" altLang="zh-CN" dirty="0"/>
+          </a:p>
+          <a:p>
+            <a:endParaRPr lang="en-US" altLang="zh-CN" dirty="0"/>
+          </a:p>
+          <a:p>
+            <a:r>
+              <a:rPr lang="zh-CN" altLang="en-US" dirty="0"/>
               <a:t>进行需求分析评审，填写组间互评的评审表单</a:t>
             </a:r>
-            <a:endParaRPr lang="en-US" altLang="zh-CN" dirty="0" smtClean="0"/>
-          </a:p>
-          <a:p>
-            <a:r>
-              <a:rPr lang="zh-CN" altLang="en-US" dirty="0" smtClean="0"/>
-              <a:t>根据</a:t>
-            </a:r>
+            <a:endParaRPr lang="en-US" altLang="zh-CN" dirty="0"/>
+          </a:p>
+          <a:p>
             <a:r>
               <a:rPr lang="zh-CN" altLang="en-US" dirty="0"/>
-              <a:t>收到的意见进行需求修订</a:t>
-            </a:r>
-            <a:endParaRPr lang="zh-CN" altLang="en-US" dirty="0"/>
+              <a:t>根据收到的意见进行需求修订</a:t>
+            </a:r>
           </a:p>
         </p:txBody>
       </p:sp>
@@ -12142,13 +12168,6 @@
       </p:transition>
     </mc:Fallback>
   </mc:AlternateContent>
-  <p:timing>
-    <p:tnLst>
-      <p:par>
-        <p:cTn id="1" dur="indefinite" restart="never" nodeType="tmRoot"/>
-      </p:par>
-    </p:tnLst>
-  </p:timing>
 </p:sld>
 </file>
 
@@ -12213,13 +12232,6 @@
       </p:transition>
     </mc:Fallback>
   </mc:AlternateContent>
-  <p:timing>
-    <p:tnLst>
-      <p:par>
-        <p:cTn id="1" dur="indefinite" restart="never" nodeType="tmRoot"/>
-      </p:par>
-    </p:tnLst>
-  </p:timing>
 </p:sld>
 </file>
 
@@ -12336,11 +12348,11 @@
           <a:lstStyle/>
           <a:p>
             <a:r>
-              <a:rPr lang="zh-CN" altLang="en-US" dirty="0" smtClean="0"/>
+              <a:rPr lang="zh-CN" altLang="en-US" dirty="0"/>
               <a:t>改进</a:t>
             </a:r>
             <a:r>
-              <a:rPr lang="en-US" altLang="zh-CN" dirty="0" smtClean="0"/>
+              <a:rPr lang="en-US" altLang="zh-CN" dirty="0"/>
               <a:t>1</a:t>
             </a:r>
             <a:endParaRPr lang="zh-CN" altLang="en-US" dirty="0"/>
@@ -12377,13 +12389,8 @@
             </a:r>
             <a:r>
               <a:rPr lang="zh-CN" altLang="en-US" dirty="0"/>
-              <a:t>图的文字</a:t>
-            </a:r>
-            <a:r>
-              <a:rPr lang="zh-CN" altLang="en-US" dirty="0" smtClean="0"/>
-              <a:t>描述</a:t>
-            </a:r>
-            <a:endParaRPr lang="zh-CN" altLang="en-US" dirty="0"/>
+              <a:t>图的文字描述</a:t>
+            </a:r>
           </a:p>
           <a:p>
             <a:endParaRPr lang="zh-CN" altLang="en-US" dirty="0"/>
@@ -12474,13 +12481,6 @@
       </p:transition>
     </mc:Fallback>
   </mc:AlternateContent>
-  <p:timing>
-    <p:tnLst>
-      <p:par>
-        <p:cTn id="1" dur="indefinite" restart="never" nodeType="tmRoot"/>
-      </p:par>
-    </p:tnLst>
-  </p:timing>
 </p:sld>
 </file>
 
@@ -12540,14 +12540,10 @@
           <a:p>
             <a:r>
               <a:rPr lang="zh-CN" altLang="en-US" dirty="0"/>
-              <a:t>点评</a:t>
-            </a:r>
-            <a:r>
-              <a:rPr lang="zh-CN" altLang="en-US" dirty="0" smtClean="0"/>
-              <a:t>意见</a:t>
-            </a:r>
-            <a:r>
-              <a:rPr lang="en-US" altLang="zh-CN" dirty="0" smtClean="0"/>
+              <a:t>点评意见</a:t>
+            </a:r>
+            <a:r>
+              <a:rPr lang="en-US" altLang="zh-CN" dirty="0"/>
               <a:t>2</a:t>
             </a:r>
             <a:endParaRPr lang="zh-CN" altLang="en-US" dirty="0"/>
@@ -12600,7 +12596,7 @@
           <a:lstStyle/>
           <a:p>
             <a:r>
-              <a:rPr lang="zh-CN" altLang="en-US" dirty="0" smtClean="0"/>
+              <a:rPr lang="zh-CN" altLang="en-US" dirty="0"/>
               <a:t>改进</a:t>
             </a:r>
             <a:r>
@@ -13478,13 +13474,6 @@
       </p:transition>
     </mc:Fallback>
   </mc:AlternateContent>
-  <p:timing>
-    <p:tnLst>
-      <p:par>
-        <p:cTn id="1" dur="indefinite" restart="never" nodeType="tmRoot"/>
-      </p:par>
-    </p:tnLst>
-  </p:timing>
 </p:sld>
 </file>
 
@@ -13521,10 +13510,9 @@
           <a:lstStyle/>
           <a:p>
             <a:r>
-              <a:rPr lang="zh-CN" altLang="en-US" dirty="0" smtClean="0"/>
+              <a:rPr lang="zh-CN" altLang="en-US" dirty="0"/>
               <a:t>目  录</a:t>
             </a:r>
-            <a:endParaRPr lang="zh-CN" altLang="en-US" dirty="0"/>
           </a:p>
         </p:txBody>
       </p:sp>
@@ -13551,7 +13539,7 @@
           <a:lstStyle/>
           <a:p>
             <a:r>
-              <a:rPr lang="en-US" altLang="zh-CN" dirty="0" smtClean="0">
+              <a:rPr lang="en-US" altLang="zh-CN" dirty="0">
                 <a:solidFill>
                   <a:schemeClr val="tx1">
                     <a:lumMod val="25000"/>
@@ -13570,27 +13558,8 @@
                   </a:schemeClr>
                 </a:solidFill>
               </a:rPr>
-              <a:t>需求规格</a:t>
-            </a:r>
-            <a:r>
-              <a:rPr lang="zh-CN" altLang="en-US" dirty="0" smtClean="0">
-                <a:solidFill>
-                  <a:schemeClr val="tx1">
-                    <a:lumMod val="25000"/>
-                    <a:lumOff val="75000"/>
-                  </a:schemeClr>
-                </a:solidFill>
-              </a:rPr>
-              <a:t>说明书改进</a:t>
-            </a:r>
-            <a:endParaRPr lang="zh-CN" altLang="en-US" dirty="0">
-              <a:solidFill>
-                <a:schemeClr val="tx1">
-                  <a:lumMod val="25000"/>
-                  <a:lumOff val="75000"/>
-                </a:schemeClr>
-              </a:solidFill>
-            </a:endParaRPr>
+              <a:t>需求规格说明书改进</a:t>
+            </a:r>
           </a:p>
         </p:txBody>
       </p:sp>
@@ -13617,14 +13586,13 @@
           <a:lstStyle/>
           <a:p>
             <a:r>
-              <a:rPr lang="en-US" altLang="zh-CN" dirty="0" smtClean="0"/>
+              <a:rPr lang="en-US" altLang="zh-CN" dirty="0"/>
               <a:t>2.</a:t>
             </a:r>
             <a:r>
-              <a:rPr lang="zh-CN" altLang="en-US" dirty="0" smtClean="0"/>
+              <a:rPr lang="zh-CN" altLang="en-US" dirty="0"/>
               <a:t>需求评审表单</a:t>
             </a:r>
-            <a:endParaRPr lang="zh-CN" altLang="en-US" dirty="0"/>
           </a:p>
         </p:txBody>
       </p:sp>
@@ -13651,7 +13619,7 @@
           <a:lstStyle/>
           <a:p>
             <a:r>
-              <a:rPr lang="en-US" altLang="zh-CN" dirty="0" smtClean="0">
+              <a:rPr lang="en-US" altLang="zh-CN" dirty="0">
                 <a:solidFill>
                   <a:schemeClr val="tx1">
                     <a:lumMod val="25000"/>
@@ -13662,7 +13630,7 @@
               <a:t>3.</a:t>
             </a:r>
             <a:r>
-              <a:rPr lang="zh-CN" altLang="en-US" dirty="0" smtClean="0">
+              <a:rPr lang="zh-CN" altLang="en-US" dirty="0">
                 <a:solidFill>
                   <a:schemeClr val="tx1">
                     <a:lumMod val="25000"/>
@@ -13673,7 +13641,7 @@
               <a:t>实验</a:t>
             </a:r>
             <a:r>
-              <a:rPr lang="en-US" altLang="zh-CN" dirty="0" smtClean="0">
+              <a:rPr lang="en-US" altLang="zh-CN" dirty="0">
                 <a:solidFill>
                   <a:schemeClr val="tx1">
                     <a:lumMod val="25000"/>
@@ -13717,7 +13685,7 @@
           <a:lstStyle/>
           <a:p>
             <a:r>
-              <a:rPr lang="en-US" altLang="zh-CN" dirty="0" smtClean="0">
+              <a:rPr lang="en-US" altLang="zh-CN" dirty="0">
                 <a:solidFill>
                   <a:schemeClr val="tx1">
                     <a:lumMod val="25000"/>
@@ -13728,7 +13696,7 @@
               <a:t>4.</a:t>
             </a:r>
             <a:r>
-              <a:rPr lang="zh-CN" altLang="en-US" dirty="0" smtClean="0">
+              <a:rPr lang="zh-CN" altLang="en-US" dirty="0">
                 <a:solidFill>
                   <a:schemeClr val="tx1">
                     <a:lumMod val="25000"/>
@@ -13738,14 +13706,6 @@
               </a:rPr>
               <a:t>下周工作计划</a:t>
             </a:r>
-            <a:endParaRPr lang="zh-CN" altLang="en-US" dirty="0">
-              <a:solidFill>
-                <a:schemeClr val="tx1">
-                  <a:lumMod val="25000"/>
-                  <a:lumOff val="75000"/>
-                </a:schemeClr>
-              </a:solidFill>
-            </a:endParaRPr>
           </a:p>
         </p:txBody>
       </p:sp>
@@ -13771,13 +13731,6 @@
       </p:transition>
     </mc:Fallback>
   </mc:AlternateContent>
-  <p:timing>
-    <p:tnLst>
-      <p:par>
-        <p:cTn id="1" dur="indefinite" restart="never" nodeType="tmRoot"/>
-      </p:par>
-    </p:tnLst>
-  </p:timing>
 </p:sld>
 </file>
 
@@ -14052,13 +14005,6 @@
       </p:transition>
     </mc:Fallback>
   </mc:AlternateContent>
-  <p:timing>
-    <p:tnLst>
-      <p:par>
-        <p:cTn id="1" dur="indefinite" restart="never" nodeType="tmRoot"/>
-      </p:par>
-    </p:tnLst>
-  </p:timing>
 </p:sld>
 </file>
 
@@ -14160,13 +14106,6 @@
       </p:transition>
     </mc:Fallback>
   </mc:AlternateContent>
-  <p:timing>
-    <p:tnLst>
-      <p:par>
-        <p:cTn id="1" dur="indefinite" restart="never" nodeType="tmRoot"/>
-      </p:par>
-    </p:tnLst>
-  </p:timing>
 </p:sld>
 </file>
 
@@ -14203,10 +14142,9 @@
           <a:lstStyle/>
           <a:p>
             <a:r>
-              <a:rPr lang="zh-CN" altLang="en-US" dirty="0" smtClean="0"/>
+              <a:rPr lang="zh-CN" altLang="en-US" dirty="0"/>
               <a:t>目  录</a:t>
             </a:r>
-            <a:endParaRPr lang="zh-CN" altLang="en-US" dirty="0"/>
           </a:p>
         </p:txBody>
       </p:sp>
@@ -14233,7 +14171,7 @@
           <a:lstStyle/>
           <a:p>
             <a:r>
-              <a:rPr lang="en-US" altLang="zh-CN" dirty="0" smtClean="0">
+              <a:rPr lang="en-US" altLang="zh-CN" dirty="0">
                 <a:solidFill>
                   <a:schemeClr val="tx1">
                     <a:lumMod val="25000"/>
@@ -14252,27 +14190,8 @@
                   </a:schemeClr>
                 </a:solidFill>
               </a:rPr>
-              <a:t>需求规格</a:t>
-            </a:r>
-            <a:r>
-              <a:rPr lang="zh-CN" altLang="en-US" dirty="0" smtClean="0">
-                <a:solidFill>
-                  <a:schemeClr val="tx1">
-                    <a:lumMod val="25000"/>
-                    <a:lumOff val="75000"/>
-                  </a:schemeClr>
-                </a:solidFill>
-              </a:rPr>
-              <a:t>说明书改进</a:t>
-            </a:r>
-            <a:endParaRPr lang="zh-CN" altLang="en-US" dirty="0">
-              <a:solidFill>
-                <a:schemeClr val="tx1">
-                  <a:lumMod val="25000"/>
-                  <a:lumOff val="75000"/>
-                </a:schemeClr>
-              </a:solidFill>
-            </a:endParaRPr>
+              <a:t>需求规格说明书改进</a:t>
+            </a:r>
           </a:p>
         </p:txBody>
       </p:sp>
@@ -14299,7 +14218,7 @@
           <a:lstStyle/>
           <a:p>
             <a:r>
-              <a:rPr lang="en-US" altLang="zh-CN" dirty="0" smtClean="0">
+              <a:rPr lang="en-US" altLang="zh-CN" dirty="0">
                 <a:solidFill>
                   <a:schemeClr val="tx1">
                     <a:lumMod val="25000"/>
@@ -14310,7 +14229,7 @@
               <a:t>2.</a:t>
             </a:r>
             <a:r>
-              <a:rPr lang="zh-CN" altLang="en-US" dirty="0" smtClean="0">
+              <a:rPr lang="zh-CN" altLang="en-US" dirty="0">
                 <a:solidFill>
                   <a:schemeClr val="tx1">
                     <a:lumMod val="25000"/>
@@ -14320,14 +14239,6 @@
               </a:rPr>
               <a:t>需求评审表单</a:t>
             </a:r>
-            <a:endParaRPr lang="zh-CN" altLang="en-US" dirty="0">
-              <a:solidFill>
-                <a:schemeClr val="tx1">
-                  <a:lumMod val="25000"/>
-                  <a:lumOff val="75000"/>
-                </a:schemeClr>
-              </a:solidFill>
-            </a:endParaRPr>
           </a:p>
         </p:txBody>
       </p:sp>
@@ -14354,15 +14265,15 @@
           <a:lstStyle/>
           <a:p>
             <a:r>
-              <a:rPr lang="en-US" altLang="zh-CN" dirty="0" smtClean="0"/>
+              <a:rPr lang="en-US" altLang="zh-CN" dirty="0"/>
               <a:t>3.</a:t>
             </a:r>
             <a:r>
-              <a:rPr lang="zh-CN" altLang="en-US" dirty="0" smtClean="0"/>
+              <a:rPr lang="zh-CN" altLang="en-US" dirty="0"/>
               <a:t>实验</a:t>
             </a:r>
             <a:r>
-              <a:rPr lang="en-US" altLang="zh-CN" dirty="0" smtClean="0"/>
+              <a:rPr lang="en-US" altLang="zh-CN" dirty="0"/>
               <a:t>6~8</a:t>
             </a:r>
             <a:endParaRPr lang="zh-CN" altLang="en-US" dirty="0"/>
@@ -14392,7 +14303,7 @@
           <a:lstStyle/>
           <a:p>
             <a:r>
-              <a:rPr lang="en-US" altLang="zh-CN" dirty="0" smtClean="0">
+              <a:rPr lang="en-US" altLang="zh-CN" dirty="0">
                 <a:solidFill>
                   <a:schemeClr val="tx1">
                     <a:lumMod val="25000"/>
@@ -14403,7 +14314,7 @@
               <a:t>4.</a:t>
             </a:r>
             <a:r>
-              <a:rPr lang="zh-CN" altLang="en-US" dirty="0" smtClean="0">
+              <a:rPr lang="zh-CN" altLang="en-US" dirty="0">
                 <a:solidFill>
                   <a:schemeClr val="tx1">
                     <a:lumMod val="25000"/>
@@ -14413,14 +14324,6 @@
               </a:rPr>
               <a:t>下周工作计划</a:t>
             </a:r>
-            <a:endParaRPr lang="zh-CN" altLang="en-US" dirty="0">
-              <a:solidFill>
-                <a:schemeClr val="tx1">
-                  <a:lumMod val="25000"/>
-                  <a:lumOff val="75000"/>
-                </a:schemeClr>
-              </a:solidFill>
-            </a:endParaRPr>
           </a:p>
         </p:txBody>
       </p:sp>
@@ -14446,13 +14349,6 @@
       </p:transition>
     </mc:Fallback>
   </mc:AlternateContent>
-  <p:timing>
-    <p:tnLst>
-      <p:par>
-        <p:cTn id="1" dur="indefinite" restart="never" nodeType="tmRoot"/>
-      </p:par>
-    </p:tnLst>
-  </p:timing>
 </p:sld>
 </file>
 
@@ -15125,13 +15021,6 @@
       </p:transition>
     </mc:Fallback>
   </mc:AlternateContent>
-  <p:timing>
-    <p:tnLst>
-      <p:par>
-        <p:cTn id="1" dur="indefinite" restart="never" nodeType="tmRoot"/>
-      </p:par>
-    </p:tnLst>
-  </p:timing>
 </p:sld>
 </file>
 

--- a/3.项目PPT/第6周_需求分析改进汇报ppt.pptx
+++ b/3.项目PPT/第6周_需求分析改进汇报ppt.pptx
@@ -5,33 +5,34 @@
     <p:sldMasterId id="2147483660" r:id="rId1"/>
   </p:sldMasterIdLst>
   <p:notesMasterIdLst>
-    <p:notesMasterId r:id="rId26"/>
+    <p:notesMasterId r:id="rId27"/>
   </p:notesMasterIdLst>
   <p:sldIdLst>
     <p:sldId id="311" r:id="rId2"/>
     <p:sldId id="315" r:id="rId3"/>
     <p:sldId id="360" r:id="rId4"/>
-    <p:sldId id="362" r:id="rId5"/>
-    <p:sldId id="340" r:id="rId6"/>
-    <p:sldId id="344" r:id="rId7"/>
-    <p:sldId id="345" r:id="rId8"/>
-    <p:sldId id="341" r:id="rId9"/>
-    <p:sldId id="346" r:id="rId10"/>
-    <p:sldId id="347" r:id="rId11"/>
-    <p:sldId id="348" r:id="rId12"/>
-    <p:sldId id="366" r:id="rId13"/>
-    <p:sldId id="350" r:id="rId14"/>
-    <p:sldId id="351" r:id="rId15"/>
-    <p:sldId id="352" r:id="rId16"/>
-    <p:sldId id="353" r:id="rId17"/>
-    <p:sldId id="354" r:id="rId18"/>
-    <p:sldId id="355" r:id="rId19"/>
-    <p:sldId id="363" r:id="rId20"/>
-    <p:sldId id="365" r:id="rId21"/>
-    <p:sldId id="364" r:id="rId22"/>
-    <p:sldId id="342" r:id="rId23"/>
-    <p:sldId id="339" r:id="rId24"/>
-    <p:sldId id="272" r:id="rId25"/>
+    <p:sldId id="367" r:id="rId5"/>
+    <p:sldId id="362" r:id="rId6"/>
+    <p:sldId id="340" r:id="rId7"/>
+    <p:sldId id="344" r:id="rId8"/>
+    <p:sldId id="345" r:id="rId9"/>
+    <p:sldId id="341" r:id="rId10"/>
+    <p:sldId id="346" r:id="rId11"/>
+    <p:sldId id="347" r:id="rId12"/>
+    <p:sldId id="348" r:id="rId13"/>
+    <p:sldId id="368" r:id="rId14"/>
+    <p:sldId id="350" r:id="rId15"/>
+    <p:sldId id="351" r:id="rId16"/>
+    <p:sldId id="355" r:id="rId17"/>
+    <p:sldId id="352" r:id="rId18"/>
+    <p:sldId id="353" r:id="rId19"/>
+    <p:sldId id="257" r:id="rId20"/>
+    <p:sldId id="258" r:id="rId21"/>
+    <p:sldId id="366" r:id="rId22"/>
+    <p:sldId id="364" r:id="rId23"/>
+    <p:sldId id="342" r:id="rId24"/>
+    <p:sldId id="339" r:id="rId25"/>
+    <p:sldId id="272" r:id="rId26"/>
   </p:sldIdLst>
   <p:sldSz cx="12192000" cy="6858000"/>
   <p:notesSz cx="6858000" cy="9144000"/>
@@ -1124,6 +1125,13 @@
         </dgm:presLayoutVars>
       </dgm:prSet>
       <dgm:spPr/>
+      <dgm:t>
+        <a:bodyPr/>
+        <a:lstStyle/>
+        <a:p>
+          <a:endParaRPr lang="zh-CN" altLang="en-US"/>
+        </a:p>
+      </dgm:t>
     </dgm:pt>
     <dgm:pt modelId="{A988BD2E-F5A9-4C8F-84F5-646F2BF546D0}" type="pres">
       <dgm:prSet presAssocID="{62E8773E-B7B9-4FB3-8344-4D4DDA080376}" presName="boxAndChildren" presStyleCnt="0"/>
@@ -1132,10 +1140,24 @@
     <dgm:pt modelId="{8E4EA2F0-4EA4-4DF2-A828-1663E57CF97A}" type="pres">
       <dgm:prSet presAssocID="{62E8773E-B7B9-4FB3-8344-4D4DDA080376}" presName="parentTextBox" presStyleLbl="node1" presStyleIdx="0" presStyleCnt="3"/>
       <dgm:spPr/>
+      <dgm:t>
+        <a:bodyPr/>
+        <a:lstStyle/>
+        <a:p>
+          <a:endParaRPr lang="zh-CN" altLang="en-US"/>
+        </a:p>
+      </dgm:t>
     </dgm:pt>
     <dgm:pt modelId="{F400DDFB-ABDB-41A4-811E-4DEC59616F04}" type="pres">
       <dgm:prSet presAssocID="{62E8773E-B7B9-4FB3-8344-4D4DDA080376}" presName="entireBox" presStyleLbl="node1" presStyleIdx="0" presStyleCnt="3"/>
       <dgm:spPr/>
+      <dgm:t>
+        <a:bodyPr/>
+        <a:lstStyle/>
+        <a:p>
+          <a:endParaRPr lang="zh-CN" altLang="en-US"/>
+        </a:p>
+      </dgm:t>
     </dgm:pt>
     <dgm:pt modelId="{A9D6A9DA-5618-47CA-A093-75C9EFCC7D1C}" type="pres">
       <dgm:prSet presAssocID="{62E8773E-B7B9-4FB3-8344-4D4DDA080376}" presName="descendantBox" presStyleCnt="0"/>
@@ -1148,6 +1170,13 @@
         </dgm:presLayoutVars>
       </dgm:prSet>
       <dgm:spPr/>
+      <dgm:t>
+        <a:bodyPr/>
+        <a:lstStyle/>
+        <a:p>
+          <a:endParaRPr lang="zh-CN" altLang="en-US"/>
+        </a:p>
+      </dgm:t>
     </dgm:pt>
     <dgm:pt modelId="{B0E29F45-87F3-4CF2-A398-7EEE6221B804}" type="pres">
       <dgm:prSet presAssocID="{35FE28A5-8F98-4E13-983D-E7308C5BBC9D}" presName="sp" presStyleCnt="0"/>
@@ -1160,10 +1189,24 @@
     <dgm:pt modelId="{8E914EAB-0492-40FD-9687-9B90385C4554}" type="pres">
       <dgm:prSet presAssocID="{5F353F78-FAC1-4DEF-AE80-C1CBC99F3FEF}" presName="parentTextArrow" presStyleLbl="node1" presStyleIdx="0" presStyleCnt="3"/>
       <dgm:spPr/>
+      <dgm:t>
+        <a:bodyPr/>
+        <a:lstStyle/>
+        <a:p>
+          <a:endParaRPr lang="zh-CN" altLang="en-US"/>
+        </a:p>
+      </dgm:t>
     </dgm:pt>
     <dgm:pt modelId="{30446001-C3EC-4267-B203-D2E7AD21D96D}" type="pres">
       <dgm:prSet presAssocID="{5F353F78-FAC1-4DEF-AE80-C1CBC99F3FEF}" presName="arrow" presStyleLbl="node1" presStyleIdx="1" presStyleCnt="3"/>
       <dgm:spPr/>
+      <dgm:t>
+        <a:bodyPr/>
+        <a:lstStyle/>
+        <a:p>
+          <a:endParaRPr lang="zh-CN" altLang="en-US"/>
+        </a:p>
+      </dgm:t>
     </dgm:pt>
     <dgm:pt modelId="{B2238629-0ABC-49ED-B068-830A36266D64}" type="pres">
       <dgm:prSet presAssocID="{5F353F78-FAC1-4DEF-AE80-C1CBC99F3FEF}" presName="descendantArrow" presStyleCnt="0"/>
@@ -1176,6 +1219,13 @@
         </dgm:presLayoutVars>
       </dgm:prSet>
       <dgm:spPr/>
+      <dgm:t>
+        <a:bodyPr/>
+        <a:lstStyle/>
+        <a:p>
+          <a:endParaRPr lang="zh-CN" altLang="en-US"/>
+        </a:p>
+      </dgm:t>
     </dgm:pt>
     <dgm:pt modelId="{F9935272-64B3-4393-8C66-6FE29820CF0B}" type="pres">
       <dgm:prSet presAssocID="{E4D9DC4C-3B28-488D-B317-E29DCC978D0B}" presName="sp" presStyleCnt="0"/>
@@ -1188,10 +1238,24 @@
     <dgm:pt modelId="{2C006FBD-39A2-4F23-B55F-B1A00367086F}" type="pres">
       <dgm:prSet presAssocID="{C9171F49-B308-4741-B5A2-08E2C77F72F3}" presName="parentTextArrow" presStyleLbl="node1" presStyleIdx="1" presStyleCnt="3"/>
       <dgm:spPr/>
+      <dgm:t>
+        <a:bodyPr/>
+        <a:lstStyle/>
+        <a:p>
+          <a:endParaRPr lang="zh-CN" altLang="en-US"/>
+        </a:p>
+      </dgm:t>
     </dgm:pt>
     <dgm:pt modelId="{7FFE0839-B1CD-41E9-8A17-8A0B11752A63}" type="pres">
       <dgm:prSet presAssocID="{C9171F49-B308-4741-B5A2-08E2C77F72F3}" presName="arrow" presStyleLbl="node1" presStyleIdx="2" presStyleCnt="3"/>
       <dgm:spPr/>
+      <dgm:t>
+        <a:bodyPr/>
+        <a:lstStyle/>
+        <a:p>
+          <a:endParaRPr lang="zh-CN" altLang="en-US"/>
+        </a:p>
+      </dgm:t>
     </dgm:pt>
     <dgm:pt modelId="{EBFDBF0C-FDFB-43D2-ABB4-22F1CF90E911}" type="pres">
       <dgm:prSet presAssocID="{C9171F49-B308-4741-B5A2-08E2C77F72F3}" presName="descendantArrow" presStyleCnt="0"/>
@@ -1204,25 +1268,32 @@
         </dgm:presLayoutVars>
       </dgm:prSet>
       <dgm:spPr/>
+      <dgm:t>
+        <a:bodyPr/>
+        <a:lstStyle/>
+        <a:p>
+          <a:endParaRPr lang="zh-CN" altLang="en-US"/>
+        </a:p>
+      </dgm:t>
     </dgm:pt>
   </dgm:ptLst>
   <dgm:cxnLst>
+    <dgm:cxn modelId="{8D678029-E2E5-4F66-8F66-E5DC55BBAD9A}" srcId="{5F353F78-FAC1-4DEF-AE80-C1CBC99F3FEF}" destId="{7AA93BEC-90B7-408A-AE98-4688E1D997A3}" srcOrd="0" destOrd="0" parTransId="{279AAFA6-1154-4958-B168-1F312CBD5E58}" sibTransId="{7915DF46-4B61-4F60-AB34-26B79149A776}"/>
+    <dgm:cxn modelId="{F1092A7B-E69A-49E9-A306-12C70DD881C1}" srcId="{62E8773E-B7B9-4FB3-8344-4D4DDA080376}" destId="{53146382-666A-4229-B237-065A137B0DE6}" srcOrd="0" destOrd="0" parTransId="{103BF44D-0F88-4D54-9EAB-B8368F127516}" sibTransId="{1E55F1C6-239B-4073-A4D8-02CC16BD3C28}"/>
+    <dgm:cxn modelId="{13800591-7215-43BE-9A8A-4E2D7972ACCA}" type="presOf" srcId="{7AA93BEC-90B7-408A-AE98-4688E1D997A3}" destId="{E2F4D99C-AB5D-4692-96A2-27FAAC213DFF}" srcOrd="0" destOrd="0" presId="urn:microsoft.com/office/officeart/2005/8/layout/process4"/>
+    <dgm:cxn modelId="{1E5D747F-6A74-49F1-8DD7-E2A4A99AF4C9}" srcId="{4A2938D4-6340-453A-BC9D-1D1FCAEFACF2}" destId="{C9171F49-B308-4741-B5A2-08E2C77F72F3}" srcOrd="0" destOrd="0" parTransId="{7AFBEBA5-8150-4BAB-8688-1ED098D2D9A1}" sibTransId="{E4D9DC4C-3B28-488D-B317-E29DCC978D0B}"/>
+    <dgm:cxn modelId="{1A7F956C-86DF-41CA-BDD4-B218237C9B99}" type="presOf" srcId="{5F353F78-FAC1-4DEF-AE80-C1CBC99F3FEF}" destId="{30446001-C3EC-4267-B203-D2E7AD21D96D}" srcOrd="1" destOrd="0" presId="urn:microsoft.com/office/officeart/2005/8/layout/process4"/>
+    <dgm:cxn modelId="{57A27789-0793-4763-A3BC-6AD4ED8DE5E0}" type="presOf" srcId="{C9171F49-B308-4741-B5A2-08E2C77F72F3}" destId="{7FFE0839-B1CD-41E9-8A17-8A0B11752A63}" srcOrd="1" destOrd="0" presId="urn:microsoft.com/office/officeart/2005/8/layout/process4"/>
+    <dgm:cxn modelId="{80EF96A7-4A95-404A-91D7-15A9E78D3D19}" srcId="{4A2938D4-6340-453A-BC9D-1D1FCAEFACF2}" destId="{62E8773E-B7B9-4FB3-8344-4D4DDA080376}" srcOrd="2" destOrd="0" parTransId="{557E0CEC-70AE-4CB2-B2B8-95AE998C2B2D}" sibTransId="{45AA8547-FFB6-4BA8-93BF-E3AFD8BAD2D7}"/>
+    <dgm:cxn modelId="{914481D2-01DD-4451-A2DF-D44A6A2CB3D1}" type="presOf" srcId="{4A2938D4-6340-453A-BC9D-1D1FCAEFACF2}" destId="{B9A4803B-8645-4556-BAA8-C1A269800D64}" srcOrd="0" destOrd="0" presId="urn:microsoft.com/office/officeart/2005/8/layout/process4"/>
     <dgm:cxn modelId="{A6AE8B20-23E5-4E7D-8A87-5F75EA86B1EB}" type="presOf" srcId="{62E8773E-B7B9-4FB3-8344-4D4DDA080376}" destId="{F400DDFB-ABDB-41A4-811E-4DEC59616F04}" srcOrd="1" destOrd="0" presId="urn:microsoft.com/office/officeart/2005/8/layout/process4"/>
-    <dgm:cxn modelId="{8D678029-E2E5-4F66-8F66-E5DC55BBAD9A}" srcId="{5F353F78-FAC1-4DEF-AE80-C1CBC99F3FEF}" destId="{7AA93BEC-90B7-408A-AE98-4688E1D997A3}" srcOrd="0" destOrd="0" parTransId="{279AAFA6-1154-4958-B168-1F312CBD5E58}" sibTransId="{7915DF46-4B61-4F60-AB34-26B79149A776}"/>
-    <dgm:cxn modelId="{1A7F956C-86DF-41CA-BDD4-B218237C9B99}" type="presOf" srcId="{5F353F78-FAC1-4DEF-AE80-C1CBC99F3FEF}" destId="{30446001-C3EC-4267-B203-D2E7AD21D96D}" srcOrd="1" destOrd="0" presId="urn:microsoft.com/office/officeart/2005/8/layout/process4"/>
+    <dgm:cxn modelId="{3F1BC191-4509-4AC5-8766-4CCD46D61390}" srcId="{C9171F49-B308-4741-B5A2-08E2C77F72F3}" destId="{2B2A3BB8-803E-49E2-A436-A81495735DEE}" srcOrd="0" destOrd="0" parTransId="{07D10B23-617D-48F9-AAD4-C05D55A26740}" sibTransId="{C1D13BB6-3A5C-4963-8349-ED285E804731}"/>
+    <dgm:cxn modelId="{798D05B3-0BE7-4010-AF00-B59CCB97E821}" type="presOf" srcId="{C9171F49-B308-4741-B5A2-08E2C77F72F3}" destId="{2C006FBD-39A2-4F23-B55F-B1A00367086F}" srcOrd="0" destOrd="0" presId="urn:microsoft.com/office/officeart/2005/8/layout/process4"/>
     <dgm:cxn modelId="{F315D46C-3E1A-48E8-89E7-C7BC277BECC8}" type="presOf" srcId="{62E8773E-B7B9-4FB3-8344-4D4DDA080376}" destId="{8E4EA2F0-4EA4-4DF2-A828-1663E57CF97A}" srcOrd="0" destOrd="0" presId="urn:microsoft.com/office/officeart/2005/8/layout/process4"/>
     <dgm:cxn modelId="{CB81C650-E121-4CF6-ABB3-422444B9161E}" srcId="{4A2938D4-6340-453A-BC9D-1D1FCAEFACF2}" destId="{5F353F78-FAC1-4DEF-AE80-C1CBC99F3FEF}" srcOrd="1" destOrd="0" parTransId="{F1D651EC-631B-4B51-ACBC-B16B376BCF38}" sibTransId="{35FE28A5-8F98-4E13-983D-E7308C5BBC9D}"/>
-    <dgm:cxn modelId="{F1092A7B-E69A-49E9-A306-12C70DD881C1}" srcId="{62E8773E-B7B9-4FB3-8344-4D4DDA080376}" destId="{53146382-666A-4229-B237-065A137B0DE6}" srcOrd="0" destOrd="0" parTransId="{103BF44D-0F88-4D54-9EAB-B8368F127516}" sibTransId="{1E55F1C6-239B-4073-A4D8-02CC16BD3C28}"/>
-    <dgm:cxn modelId="{1E5D747F-6A74-49F1-8DD7-E2A4A99AF4C9}" srcId="{4A2938D4-6340-453A-BC9D-1D1FCAEFACF2}" destId="{C9171F49-B308-4741-B5A2-08E2C77F72F3}" srcOrd="0" destOrd="0" parTransId="{7AFBEBA5-8150-4BAB-8688-1ED098D2D9A1}" sibTransId="{E4D9DC4C-3B28-488D-B317-E29DCC978D0B}"/>
-    <dgm:cxn modelId="{57A27789-0793-4763-A3BC-6AD4ED8DE5E0}" type="presOf" srcId="{C9171F49-B308-4741-B5A2-08E2C77F72F3}" destId="{7FFE0839-B1CD-41E9-8A17-8A0B11752A63}" srcOrd="1" destOrd="0" presId="urn:microsoft.com/office/officeart/2005/8/layout/process4"/>
     <dgm:cxn modelId="{0EA2348D-0472-4271-BFD8-99BE5A9BDEE6}" type="presOf" srcId="{5F353F78-FAC1-4DEF-AE80-C1CBC99F3FEF}" destId="{8E914EAB-0492-40FD-9687-9B90385C4554}" srcOrd="0" destOrd="0" presId="urn:microsoft.com/office/officeart/2005/8/layout/process4"/>
-    <dgm:cxn modelId="{13800591-7215-43BE-9A8A-4E2D7972ACCA}" type="presOf" srcId="{7AA93BEC-90B7-408A-AE98-4688E1D997A3}" destId="{E2F4D99C-AB5D-4692-96A2-27FAAC213DFF}" srcOrd="0" destOrd="0" presId="urn:microsoft.com/office/officeart/2005/8/layout/process4"/>
-    <dgm:cxn modelId="{3F1BC191-4509-4AC5-8766-4CCD46D61390}" srcId="{C9171F49-B308-4741-B5A2-08E2C77F72F3}" destId="{2B2A3BB8-803E-49E2-A436-A81495735DEE}" srcOrd="0" destOrd="0" parTransId="{07D10B23-617D-48F9-AAD4-C05D55A26740}" sibTransId="{C1D13BB6-3A5C-4963-8349-ED285E804731}"/>
     <dgm:cxn modelId="{30AD6599-4AFE-4D3C-A78C-DFF305AECFAD}" type="presOf" srcId="{53146382-666A-4229-B237-065A137B0DE6}" destId="{FB6996AA-EF43-4EC2-9438-90B1F154F96C}" srcOrd="0" destOrd="0" presId="urn:microsoft.com/office/officeart/2005/8/layout/process4"/>
-    <dgm:cxn modelId="{80EF96A7-4A95-404A-91D7-15A9E78D3D19}" srcId="{4A2938D4-6340-453A-BC9D-1D1FCAEFACF2}" destId="{62E8773E-B7B9-4FB3-8344-4D4DDA080376}" srcOrd="2" destOrd="0" parTransId="{557E0CEC-70AE-4CB2-B2B8-95AE998C2B2D}" sibTransId="{45AA8547-FFB6-4BA8-93BF-E3AFD8BAD2D7}"/>
     <dgm:cxn modelId="{3278BCAC-E70D-4BCB-BB9A-B354DCD5B880}" type="presOf" srcId="{2B2A3BB8-803E-49E2-A436-A81495735DEE}" destId="{455F9102-991F-4055-B6AF-951FD7F076FE}" srcOrd="0" destOrd="0" presId="urn:microsoft.com/office/officeart/2005/8/layout/process4"/>
-    <dgm:cxn modelId="{798D05B3-0BE7-4010-AF00-B59CCB97E821}" type="presOf" srcId="{C9171F49-B308-4741-B5A2-08E2C77F72F3}" destId="{2C006FBD-39A2-4F23-B55F-B1A00367086F}" srcOrd="0" destOrd="0" presId="urn:microsoft.com/office/officeart/2005/8/layout/process4"/>
-    <dgm:cxn modelId="{914481D2-01DD-4451-A2DF-D44A6A2CB3D1}" type="presOf" srcId="{4A2938D4-6340-453A-BC9D-1D1FCAEFACF2}" destId="{B9A4803B-8645-4556-BAA8-C1A269800D64}" srcOrd="0" destOrd="0" presId="urn:microsoft.com/office/officeart/2005/8/layout/process4"/>
     <dgm:cxn modelId="{1D15718C-BDDE-477F-8C69-62FBE519017E}" type="presParOf" srcId="{B9A4803B-8645-4556-BAA8-C1A269800D64}" destId="{A988BD2E-F5A9-4C8F-84F5-646F2BF546D0}" srcOrd="0" destOrd="0" presId="urn:microsoft.com/office/officeart/2005/8/layout/process4"/>
     <dgm:cxn modelId="{3A26FB34-7E27-414A-BDD0-9ADF6E83188A}" type="presParOf" srcId="{A988BD2E-F5A9-4C8F-84F5-646F2BF546D0}" destId="{8E4EA2F0-4EA4-4DF2-A828-1663E57CF97A}" srcOrd="0" destOrd="0" presId="urn:microsoft.com/office/officeart/2005/8/layout/process4"/>
     <dgm:cxn modelId="{13C0DA8A-8A5D-4D38-8B9D-334E3C97B9F3}" type="presParOf" srcId="{A988BD2E-F5A9-4C8F-84F5-646F2BF546D0}" destId="{F400DDFB-ABDB-41A4-811E-4DEC59616F04}" srcOrd="1" destOrd="0" presId="urn:microsoft.com/office/officeart/2005/8/layout/process4"/>
@@ -1313,7 +1384,7 @@
         </a:bodyPr>
         <a:lstStyle/>
         <a:p>
-          <a:pPr marL="0" lvl="0" indent="0" algn="ctr" defTabSz="800100">
+          <a:pPr lvl="0" algn="ctr" defTabSz="800100">
             <a:lnSpc>
               <a:spcPct val="90000"/>
             </a:lnSpc>
@@ -1323,7 +1394,6 @@
             <a:spcAft>
               <a:spcPct val="35000"/>
             </a:spcAft>
-            <a:buNone/>
           </a:pPr>
           <a:r>
             <a:rPr lang="zh-CN" altLang="en-US" sz="1800" kern="1200" dirty="0"/>
@@ -1392,7 +1462,7 @@
         </a:bodyPr>
         <a:lstStyle/>
         <a:p>
-          <a:pPr marL="0" lvl="0" indent="0" algn="ctr" defTabSz="1022350">
+          <a:pPr lvl="0" algn="ctr" defTabSz="1022350">
             <a:lnSpc>
               <a:spcPct val="90000"/>
             </a:lnSpc>
@@ -1402,7 +1472,6 @@
             <a:spcAft>
               <a:spcPct val="35000"/>
             </a:spcAft>
-            <a:buNone/>
           </a:pPr>
           <a:r>
             <a:rPr lang="zh-CN" altLang="en-US" sz="2300" kern="1200" dirty="0"/>
@@ -1469,7 +1538,7 @@
         </a:bodyPr>
         <a:lstStyle/>
         <a:p>
-          <a:pPr marL="0" lvl="0" indent="0" algn="ctr" defTabSz="800100">
+          <a:pPr lvl="0" algn="ctr" defTabSz="800100">
             <a:lnSpc>
               <a:spcPct val="90000"/>
             </a:lnSpc>
@@ -1479,7 +1548,6 @@
             <a:spcAft>
               <a:spcPct val="35000"/>
             </a:spcAft>
-            <a:buNone/>
           </a:pPr>
           <a:r>
             <a:rPr lang="zh-CN" altLang="en-US" sz="1800" kern="1200" dirty="0"/>
@@ -1548,7 +1616,7 @@
         </a:bodyPr>
         <a:lstStyle/>
         <a:p>
-          <a:pPr marL="0" lvl="0" indent="0" algn="ctr" defTabSz="1022350">
+          <a:pPr lvl="0" algn="ctr" defTabSz="1022350">
             <a:lnSpc>
               <a:spcPct val="90000"/>
             </a:lnSpc>
@@ -1558,7 +1626,6 @@
             <a:spcAft>
               <a:spcPct val="35000"/>
             </a:spcAft>
-            <a:buNone/>
           </a:pPr>
           <a:r>
             <a:rPr lang="zh-CN" altLang="en-US" sz="2300" kern="1200" dirty="0"/>
@@ -1625,7 +1692,7 @@
         </a:bodyPr>
         <a:lstStyle/>
         <a:p>
-          <a:pPr marL="0" lvl="0" indent="0" algn="ctr" defTabSz="800100">
+          <a:pPr lvl="0" algn="ctr" defTabSz="800100">
             <a:lnSpc>
               <a:spcPct val="90000"/>
             </a:lnSpc>
@@ -1635,7 +1702,6 @@
             <a:spcAft>
               <a:spcPct val="35000"/>
             </a:spcAft>
-            <a:buNone/>
           </a:pPr>
           <a:r>
             <a:rPr lang="zh-CN" altLang="en-US" sz="1800" kern="1200" dirty="0"/>
@@ -1704,7 +1770,7 @@
         </a:bodyPr>
         <a:lstStyle/>
         <a:p>
-          <a:pPr marL="0" lvl="0" indent="0" algn="ctr" defTabSz="1022350">
+          <a:pPr lvl="0" algn="ctr" defTabSz="1022350">
             <a:lnSpc>
               <a:spcPct val="90000"/>
             </a:lnSpc>
@@ -1714,7 +1780,6 @@
             <a:spcAft>
               <a:spcPct val="35000"/>
             </a:spcAft>
-            <a:buNone/>
           </a:pPr>
           <a:r>
             <a:rPr lang="zh-CN" altLang="en-US" sz="2300" kern="1200" dirty="0"/>
@@ -3532,7 +3597,7 @@
           <a:p>
             <a:fld id="{BAF2B8CB-1187-4F19-9556-73EC7E40D81C}" type="slidenum">
               <a:rPr lang="zh-CN" altLang="en-US" smtClean="0"/>
-              <a:t>6</a:t>
+              <a:t>7</a:t>
             </a:fld>
             <a:endParaRPr lang="zh-CN" altLang="en-US"/>
           </a:p>
@@ -3542,6 +3607,90 @@
     <p:extLst>
       <p:ext uri="{BB962C8B-B14F-4D97-AF65-F5344CB8AC3E}">
         <p14:creationId xmlns:p14="http://schemas.microsoft.com/office/powerpoint/2010/main" val="218802578"/>
+      </p:ext>
+    </p:extLst>
+  </p:cSld>
+  <p:clrMapOvr>
+    <a:masterClrMapping/>
+  </p:clrMapOvr>
+</p:notes>
+</file>
+
+<file path=ppt/notesSlides/notesSlide10.xml><?xml version="1.0" encoding="utf-8"?>
+<p:notes xmlns:a="http://schemas.openxmlformats.org/drawingml/2006/main" xmlns:r="http://schemas.openxmlformats.org/officeDocument/2006/relationships" xmlns:p="http://schemas.openxmlformats.org/presentationml/2006/main">
+  <p:cSld>
+    <p:spTree>
+      <p:nvGrpSpPr>
+        <p:cNvPr id="1" name=""/>
+        <p:cNvGrpSpPr/>
+        <p:nvPr/>
+      </p:nvGrpSpPr>
+      <p:grpSpPr>
+        <a:xfrm>
+          <a:off x="0" y="0"/>
+          <a:ext cx="0" cy="0"/>
+          <a:chOff x="0" y="0"/>
+          <a:chExt cx="0" cy="0"/>
+        </a:xfrm>
+      </p:grpSpPr>
+      <p:sp>
+        <p:nvSpPr>
+          <p:cNvPr id="2" name="幻灯片图像占位符 1"/>
+          <p:cNvSpPr>
+            <a:spLocks noGrp="1" noRot="1" noChangeAspect="1"/>
+          </p:cNvSpPr>
+          <p:nvPr>
+            <p:ph type="sldImg"/>
+          </p:nvPr>
+        </p:nvSpPr>
+        <p:spPr/>
+      </p:sp>
+      <p:sp>
+        <p:nvSpPr>
+          <p:cNvPr id="3" name="备注占位符 2"/>
+          <p:cNvSpPr>
+            <a:spLocks noGrp="1"/>
+          </p:cNvSpPr>
+          <p:nvPr>
+            <p:ph type="body" idx="1"/>
+          </p:nvPr>
+        </p:nvSpPr>
+        <p:spPr/>
+        <p:txBody>
+          <a:bodyPr/>
+          <a:lstStyle/>
+          <a:p>
+            <a:endParaRPr lang="zh-CN" altLang="en-US" dirty="0"/>
+          </a:p>
+        </p:txBody>
+      </p:sp>
+      <p:sp>
+        <p:nvSpPr>
+          <p:cNvPr id="4" name="灯片编号占位符 3"/>
+          <p:cNvSpPr>
+            <a:spLocks noGrp="1"/>
+          </p:cNvSpPr>
+          <p:nvPr>
+            <p:ph type="sldNum" sz="quarter" idx="10"/>
+          </p:nvPr>
+        </p:nvSpPr>
+        <p:spPr/>
+        <p:txBody>
+          <a:bodyPr/>
+          <a:lstStyle/>
+          <a:p>
+            <a:fld id="{BAF2B8CB-1187-4F19-9556-73EC7E40D81C}" type="slidenum">
+              <a:rPr lang="zh-CN" altLang="en-US" smtClean="0"/>
+              <a:t>22</a:t>
+            </a:fld>
+            <a:endParaRPr lang="zh-CN" altLang="en-US"/>
+          </a:p>
+        </p:txBody>
+      </p:sp>
+    </p:spTree>
+    <p:extLst>
+      <p:ext uri="{BB962C8B-B14F-4D97-AF65-F5344CB8AC3E}">
+        <p14:creationId xmlns:p14="http://schemas.microsoft.com/office/powerpoint/2010/main" val="4108127377"/>
       </p:ext>
     </p:extLst>
   </p:cSld>
@@ -3616,7 +3765,7 @@
           <a:p>
             <a:fld id="{BAF2B8CB-1187-4F19-9556-73EC7E40D81C}" type="slidenum">
               <a:rPr lang="zh-CN" altLang="en-US" smtClean="0"/>
-              <a:t>11</a:t>
+              <a:t>12</a:t>
             </a:fld>
             <a:endParaRPr lang="zh-CN" altLang="en-US"/>
           </a:p>
@@ -3700,7 +3849,7 @@
           <a:p>
             <a:fld id="{BAF2B8CB-1187-4F19-9556-73EC7E40D81C}" type="slidenum">
               <a:rPr lang="zh-CN" altLang="en-US" smtClean="0"/>
-              <a:t>12</a:t>
+              <a:t>13</a:t>
             </a:fld>
             <a:endParaRPr lang="zh-CN" altLang="en-US"/>
           </a:p>
@@ -3709,7 +3858,7 @@
     </p:spTree>
     <p:extLst>
       <p:ext uri="{BB962C8B-B14F-4D97-AF65-F5344CB8AC3E}">
-        <p14:creationId xmlns:p14="http://schemas.microsoft.com/office/powerpoint/2010/main" val="742684424"/>
+        <p14:creationId xmlns:p14="http://schemas.microsoft.com/office/powerpoint/2010/main" val="555921499"/>
       </p:ext>
     </p:extLst>
   </p:cSld>
@@ -3738,7 +3887,7 @@
       </p:grpSpPr>
       <p:sp>
         <p:nvSpPr>
-          <p:cNvPr id="2" name="幻灯片图像占位符 1"/>
+          <p:cNvPr id="2" name="Slide Image Placeholder 1"/>
           <p:cNvSpPr>
             <a:spLocks noGrp="1" noRot="1" noChangeAspect="1"/>
           </p:cNvSpPr>
@@ -3750,7 +3899,7 @@
       </p:sp>
       <p:sp>
         <p:nvSpPr>
-          <p:cNvPr id="3" name="备注占位符 2"/>
+          <p:cNvPr id="3" name="Notes Placeholder 2"/>
           <p:cNvSpPr>
             <a:spLocks noGrp="1"/>
           </p:cNvSpPr>
@@ -3763,18 +3912,30 @@
           <a:bodyPr/>
           <a:lstStyle/>
           <a:p>
-            <a:endParaRPr lang="zh-CN" altLang="en-US" dirty="0"/>
+            <a:r>
+              <a:rPr lang="zh-CN" altLang="en-US" dirty="0"/>
+              <a:t>本周我们创建了代码仓库，还创建了两个供组员测试用的</a:t>
+            </a:r>
+            <a:r>
+              <a:rPr lang="en-US" altLang="zh-CN" dirty="0"/>
+              <a:t>PR/CI</a:t>
+            </a:r>
+            <a:r>
+              <a:rPr lang="zh-CN" altLang="en-US" dirty="0"/>
+              <a:t>功能的仓库</a:t>
+            </a:r>
+            <a:endParaRPr lang="en-US" dirty="0"/>
           </a:p>
         </p:txBody>
       </p:sp>
       <p:sp>
         <p:nvSpPr>
-          <p:cNvPr id="4" name="灯片编号占位符 3"/>
+          <p:cNvPr id="4" name="Slide Number Placeholder 3"/>
           <p:cNvSpPr>
             <a:spLocks noGrp="1"/>
           </p:cNvSpPr>
           <p:nvPr>
-            <p:ph type="sldNum" sz="quarter" idx="10"/>
+            <p:ph type="sldNum" sz="quarter" idx="5"/>
           </p:nvPr>
         </p:nvSpPr>
         <p:spPr/>
@@ -3784,7 +3945,7 @@
           <a:p>
             <a:fld id="{BAF2B8CB-1187-4F19-9556-73EC7E40D81C}" type="slidenum">
               <a:rPr lang="zh-CN" altLang="en-US" smtClean="0"/>
-              <a:t>21</a:t>
+              <a:t>15</a:t>
             </a:fld>
             <a:endParaRPr lang="zh-CN" altLang="en-US"/>
           </a:p>
@@ -3793,7 +3954,601 @@
     </p:spTree>
     <p:extLst>
       <p:ext uri="{BB962C8B-B14F-4D97-AF65-F5344CB8AC3E}">
-        <p14:creationId xmlns:p14="http://schemas.microsoft.com/office/powerpoint/2010/main" val="4108127377"/>
+        <p14:creationId xmlns:p14="http://schemas.microsoft.com/office/powerpoint/2010/main" val="1202744584"/>
+      </p:ext>
+    </p:extLst>
+  </p:cSld>
+  <p:clrMapOvr>
+    <a:masterClrMapping/>
+  </p:clrMapOvr>
+</p:notes>
+</file>
+
+<file path=ppt/notesSlides/notesSlide5.xml><?xml version="1.0" encoding="utf-8"?>
+<p:notes xmlns:a="http://schemas.openxmlformats.org/drawingml/2006/main" xmlns:r="http://schemas.openxmlformats.org/officeDocument/2006/relationships" xmlns:p="http://schemas.openxmlformats.org/presentationml/2006/main">
+  <p:cSld>
+    <p:spTree>
+      <p:nvGrpSpPr>
+        <p:cNvPr id="1" name=""/>
+        <p:cNvGrpSpPr/>
+        <p:nvPr/>
+      </p:nvGrpSpPr>
+      <p:grpSpPr>
+        <a:xfrm>
+          <a:off x="0" y="0"/>
+          <a:ext cx="0" cy="0"/>
+          <a:chOff x="0" y="0"/>
+          <a:chExt cx="0" cy="0"/>
+        </a:xfrm>
+      </p:grpSpPr>
+      <p:sp>
+        <p:nvSpPr>
+          <p:cNvPr id="2" name="Slide Image Placeholder 1"/>
+          <p:cNvSpPr>
+            <a:spLocks noGrp="1" noRot="1" noChangeAspect="1"/>
+          </p:cNvSpPr>
+          <p:nvPr>
+            <p:ph type="sldImg"/>
+          </p:nvPr>
+        </p:nvSpPr>
+        <p:spPr/>
+      </p:sp>
+      <p:sp>
+        <p:nvSpPr>
+          <p:cNvPr id="3" name="Notes Placeholder 2"/>
+          <p:cNvSpPr>
+            <a:spLocks noGrp="1"/>
+          </p:cNvSpPr>
+          <p:nvPr>
+            <p:ph type="body" idx="1"/>
+          </p:nvPr>
+        </p:nvSpPr>
+        <p:spPr/>
+        <p:txBody>
+          <a:bodyPr/>
+          <a:lstStyle/>
+          <a:p>
+            <a:r>
+              <a:rPr lang="zh-CN" altLang="en-US" dirty="0"/>
+              <a:t>我们在测试的仓库中，增加了一个</a:t>
+            </a:r>
+            <a:r>
+              <a:rPr lang="en-US" altLang="zh-CN" dirty="0"/>
+              <a:t>Django</a:t>
+            </a:r>
+            <a:r>
+              <a:rPr lang="zh-CN" altLang="en-US" dirty="0"/>
+              <a:t>项目的持续集成</a:t>
+            </a:r>
+            <a:r>
+              <a:rPr lang="en-US" altLang="zh-CN" dirty="0"/>
+              <a:t>Action</a:t>
+            </a:r>
+            <a:r>
+              <a:rPr lang="zh-CN" altLang="en-US" dirty="0"/>
+              <a:t>，该</a:t>
+            </a:r>
+            <a:r>
+              <a:rPr lang="en-US" altLang="zh-CN" dirty="0"/>
+              <a:t>Action</a:t>
+            </a:r>
+            <a:r>
+              <a:rPr lang="zh-CN" altLang="en-US" dirty="0"/>
+              <a:t>对</a:t>
+            </a:r>
+            <a:r>
+              <a:rPr lang="en-US" altLang="zh-CN" dirty="0"/>
+              <a:t>Django</a:t>
+            </a:r>
+            <a:r>
+              <a:rPr lang="zh-CN" altLang="en-US" dirty="0"/>
+              <a:t>项目进行构建并运行预订的测试。</a:t>
+            </a:r>
+            <a:endParaRPr lang="en-US" dirty="0"/>
+          </a:p>
+        </p:txBody>
+      </p:sp>
+      <p:sp>
+        <p:nvSpPr>
+          <p:cNvPr id="4" name="Slide Number Placeholder 3"/>
+          <p:cNvSpPr>
+            <a:spLocks noGrp="1"/>
+          </p:cNvSpPr>
+          <p:nvPr>
+            <p:ph type="sldNum" sz="quarter" idx="5"/>
+          </p:nvPr>
+        </p:nvSpPr>
+        <p:spPr/>
+        <p:txBody>
+          <a:bodyPr/>
+          <a:lstStyle/>
+          <a:p>
+            <a:fld id="{BAF2B8CB-1187-4F19-9556-73EC7E40D81C}" type="slidenum">
+              <a:rPr lang="zh-CN" altLang="en-US" smtClean="0"/>
+              <a:t>16</a:t>
+            </a:fld>
+            <a:endParaRPr lang="zh-CN" altLang="en-US"/>
+          </a:p>
+        </p:txBody>
+      </p:sp>
+    </p:spTree>
+    <p:extLst>
+      <p:ext uri="{BB962C8B-B14F-4D97-AF65-F5344CB8AC3E}">
+        <p14:creationId xmlns:p14="http://schemas.microsoft.com/office/powerpoint/2010/main" val="2550148457"/>
+      </p:ext>
+    </p:extLst>
+  </p:cSld>
+  <p:clrMapOvr>
+    <a:masterClrMapping/>
+  </p:clrMapOvr>
+</p:notes>
+</file>
+
+<file path=ppt/notesSlides/notesSlide6.xml><?xml version="1.0" encoding="utf-8"?>
+<p:notes xmlns:a="http://schemas.openxmlformats.org/drawingml/2006/main" xmlns:r="http://schemas.openxmlformats.org/officeDocument/2006/relationships" xmlns:p="http://schemas.openxmlformats.org/presentationml/2006/main">
+  <p:cSld>
+    <p:spTree>
+      <p:nvGrpSpPr>
+        <p:cNvPr id="1" name=""/>
+        <p:cNvGrpSpPr/>
+        <p:nvPr/>
+      </p:nvGrpSpPr>
+      <p:grpSpPr>
+        <a:xfrm>
+          <a:off x="0" y="0"/>
+          <a:ext cx="0" cy="0"/>
+          <a:chOff x="0" y="0"/>
+          <a:chExt cx="0" cy="0"/>
+        </a:xfrm>
+      </p:grpSpPr>
+      <p:sp>
+        <p:nvSpPr>
+          <p:cNvPr id="2" name="Slide Image Placeholder 1"/>
+          <p:cNvSpPr>
+            <a:spLocks noGrp="1" noRot="1" noChangeAspect="1"/>
+          </p:cNvSpPr>
+          <p:nvPr>
+            <p:ph type="sldImg"/>
+          </p:nvPr>
+        </p:nvSpPr>
+        <p:spPr/>
+      </p:sp>
+      <p:sp>
+        <p:nvSpPr>
+          <p:cNvPr id="3" name="Notes Placeholder 2"/>
+          <p:cNvSpPr>
+            <a:spLocks noGrp="1"/>
+          </p:cNvSpPr>
+          <p:nvPr>
+            <p:ph type="body" idx="1"/>
+          </p:nvPr>
+        </p:nvSpPr>
+        <p:spPr/>
+        <p:txBody>
+          <a:bodyPr/>
+          <a:lstStyle/>
+          <a:p>
+            <a:r>
+              <a:rPr lang="zh-CN" altLang="en-US" dirty="0"/>
+              <a:t>上周我们提到了使用</a:t>
+            </a:r>
+            <a:r>
+              <a:rPr lang="en-US" altLang="zh-CN" dirty="0"/>
+              <a:t>RP</a:t>
+            </a:r>
+            <a:r>
+              <a:rPr lang="zh-CN" altLang="en-US" dirty="0"/>
+              <a:t>机制来处理修改合并，这里是一个</a:t>
+            </a:r>
+            <a:r>
+              <a:rPr lang="en-US" altLang="zh-CN" dirty="0"/>
+              <a:t>RP</a:t>
+            </a:r>
+            <a:r>
+              <a:rPr lang="zh-CN" altLang="en-US" dirty="0"/>
+              <a:t>流程的截图，我们除了要求有一名组员进行</a:t>
+            </a:r>
+            <a:r>
+              <a:rPr lang="en-US" altLang="zh-CN" dirty="0"/>
+              <a:t>review</a:t>
+            </a:r>
+            <a:r>
+              <a:rPr lang="zh-CN" altLang="en-US" dirty="0"/>
+              <a:t>之外，还同时要求更改的代码能够通过自动构建测试</a:t>
+            </a:r>
+            <a:endParaRPr lang="en-US" dirty="0"/>
+          </a:p>
+        </p:txBody>
+      </p:sp>
+      <p:sp>
+        <p:nvSpPr>
+          <p:cNvPr id="4" name="Slide Number Placeholder 3"/>
+          <p:cNvSpPr>
+            <a:spLocks noGrp="1"/>
+          </p:cNvSpPr>
+          <p:nvPr>
+            <p:ph type="sldNum" sz="quarter" idx="5"/>
+          </p:nvPr>
+        </p:nvSpPr>
+        <p:spPr/>
+        <p:txBody>
+          <a:bodyPr/>
+          <a:lstStyle/>
+          <a:p>
+            <a:fld id="{BAF2B8CB-1187-4F19-9556-73EC7E40D81C}" type="slidenum">
+              <a:rPr lang="zh-CN" altLang="en-US" smtClean="0"/>
+              <a:t>17</a:t>
+            </a:fld>
+            <a:endParaRPr lang="zh-CN" altLang="en-US"/>
+          </a:p>
+        </p:txBody>
+      </p:sp>
+    </p:spTree>
+    <p:extLst>
+      <p:ext uri="{BB962C8B-B14F-4D97-AF65-F5344CB8AC3E}">
+        <p14:creationId xmlns:p14="http://schemas.microsoft.com/office/powerpoint/2010/main" val="2007717042"/>
+      </p:ext>
+    </p:extLst>
+  </p:cSld>
+  <p:clrMapOvr>
+    <a:masterClrMapping/>
+  </p:clrMapOvr>
+</p:notes>
+</file>
+
+<file path=ppt/notesSlides/notesSlide7.xml><?xml version="1.0" encoding="utf-8"?>
+<p:notes xmlns:a="http://schemas.openxmlformats.org/drawingml/2006/main" xmlns:r="http://schemas.openxmlformats.org/officeDocument/2006/relationships" xmlns:p="http://schemas.openxmlformats.org/presentationml/2006/main">
+  <p:cSld>
+    <p:spTree>
+      <p:nvGrpSpPr>
+        <p:cNvPr id="1" name=""/>
+        <p:cNvGrpSpPr/>
+        <p:nvPr/>
+      </p:nvGrpSpPr>
+      <p:grpSpPr>
+        <a:xfrm>
+          <a:off x="0" y="0"/>
+          <a:ext cx="0" cy="0"/>
+          <a:chOff x="0" y="0"/>
+          <a:chExt cx="0" cy="0"/>
+        </a:xfrm>
+      </p:grpSpPr>
+      <p:sp>
+        <p:nvSpPr>
+          <p:cNvPr id="2" name="Slide Image Placeholder 1"/>
+          <p:cNvSpPr>
+            <a:spLocks noGrp="1" noRot="1" noChangeAspect="1"/>
+          </p:cNvSpPr>
+          <p:nvPr>
+            <p:ph type="sldImg"/>
+          </p:nvPr>
+        </p:nvSpPr>
+        <p:spPr/>
+      </p:sp>
+      <p:sp>
+        <p:nvSpPr>
+          <p:cNvPr id="3" name="Notes Placeholder 2"/>
+          <p:cNvSpPr>
+            <a:spLocks noGrp="1"/>
+          </p:cNvSpPr>
+          <p:nvPr>
+            <p:ph type="body" idx="1"/>
+          </p:nvPr>
+        </p:nvSpPr>
+        <p:spPr/>
+        <p:txBody>
+          <a:bodyPr/>
+          <a:lstStyle/>
+          <a:p>
+            <a:r>
+              <a:rPr lang="zh-CN" altLang="en-US" dirty="0"/>
+              <a:t>在版本控制方面，考虑到实验是进行密集开发，所以以周数作为主版本号，每周约</a:t>
+            </a:r>
+            <a:r>
+              <a:rPr lang="en-US" altLang="zh-CN" dirty="0"/>
+              <a:t>2</a:t>
+            </a:r>
+            <a:r>
+              <a:rPr lang="zh-CN" altLang="en-US" dirty="0"/>
+              <a:t>日产生一个次版本</a:t>
+            </a:r>
+            <a:endParaRPr lang="en-US" altLang="zh-CN" dirty="0"/>
+          </a:p>
+          <a:p>
+            <a:r>
+              <a:rPr lang="zh-CN" altLang="en-US" dirty="0"/>
+              <a:t>在代码风格方面，我们要求组员代码遵循</a:t>
+            </a:r>
+            <a:r>
+              <a:rPr lang="en-US" altLang="zh-CN" dirty="0"/>
+              <a:t>PEP8</a:t>
+            </a:r>
+            <a:r>
+              <a:rPr lang="zh-CN" altLang="en-US" dirty="0"/>
+              <a:t>的编码风格，同时要求入库前使用</a:t>
+            </a:r>
+            <a:r>
+              <a:rPr lang="en-US" altLang="zh-CN" dirty="0"/>
+              <a:t>IDE</a:t>
+            </a:r>
+            <a:r>
+              <a:rPr lang="zh-CN" altLang="en-US" dirty="0"/>
+              <a:t>格式化</a:t>
+            </a:r>
+            <a:endParaRPr lang="en-US" altLang="zh-CN" dirty="0"/>
+          </a:p>
+          <a:p>
+            <a:endParaRPr lang="en-US" dirty="0"/>
+          </a:p>
+        </p:txBody>
+      </p:sp>
+      <p:sp>
+        <p:nvSpPr>
+          <p:cNvPr id="4" name="Slide Number Placeholder 3"/>
+          <p:cNvSpPr>
+            <a:spLocks noGrp="1"/>
+          </p:cNvSpPr>
+          <p:nvPr>
+            <p:ph type="sldNum" sz="quarter" idx="5"/>
+          </p:nvPr>
+        </p:nvSpPr>
+        <p:spPr/>
+        <p:txBody>
+          <a:bodyPr/>
+          <a:lstStyle/>
+          <a:p>
+            <a:fld id="{BAF2B8CB-1187-4F19-9556-73EC7E40D81C}" type="slidenum">
+              <a:rPr lang="zh-CN" altLang="en-US" smtClean="0"/>
+              <a:t>18</a:t>
+            </a:fld>
+            <a:endParaRPr lang="zh-CN" altLang="en-US"/>
+          </a:p>
+        </p:txBody>
+      </p:sp>
+    </p:spTree>
+    <p:extLst>
+      <p:ext uri="{BB962C8B-B14F-4D97-AF65-F5344CB8AC3E}">
+        <p14:creationId xmlns:p14="http://schemas.microsoft.com/office/powerpoint/2010/main" val="372572647"/>
+      </p:ext>
+    </p:extLst>
+  </p:cSld>
+  <p:clrMapOvr>
+    <a:masterClrMapping/>
+  </p:clrMapOvr>
+</p:notes>
+</file>
+
+<file path=ppt/notesSlides/notesSlide8.xml><?xml version="1.0" encoding="utf-8"?>
+<p:notes xmlns:a="http://schemas.openxmlformats.org/drawingml/2006/main" xmlns:r="http://schemas.openxmlformats.org/officeDocument/2006/relationships" xmlns:p="http://schemas.openxmlformats.org/presentationml/2006/main">
+  <p:cSld>
+    <p:spTree>
+      <p:nvGrpSpPr>
+        <p:cNvPr id="1" name=""/>
+        <p:cNvGrpSpPr/>
+        <p:nvPr/>
+      </p:nvGrpSpPr>
+      <p:grpSpPr>
+        <a:xfrm>
+          <a:off x="0" y="0"/>
+          <a:ext cx="0" cy="0"/>
+          <a:chOff x="0" y="0"/>
+          <a:chExt cx="0" cy="0"/>
+        </a:xfrm>
+      </p:grpSpPr>
+      <p:sp>
+        <p:nvSpPr>
+          <p:cNvPr id="2" name="Slide Image Placeholder 1"/>
+          <p:cNvSpPr>
+            <a:spLocks noGrp="1" noRot="1" noChangeAspect="1"/>
+          </p:cNvSpPr>
+          <p:nvPr>
+            <p:ph type="sldImg"/>
+          </p:nvPr>
+        </p:nvSpPr>
+        <p:spPr/>
+      </p:sp>
+      <p:sp>
+        <p:nvSpPr>
+          <p:cNvPr id="3" name="Notes Placeholder 2"/>
+          <p:cNvSpPr>
+            <a:spLocks noGrp="1"/>
+          </p:cNvSpPr>
+          <p:nvPr>
+            <p:ph type="body" idx="1"/>
+          </p:nvPr>
+        </p:nvSpPr>
+        <p:spPr/>
+        <p:txBody>
+          <a:bodyPr/>
+          <a:lstStyle/>
+          <a:p>
+            <a:r>
+              <a:rPr lang="zh-CN" altLang="en-US" dirty="0"/>
+              <a:t>在变更管理分析报告方面，我们考虑使用</a:t>
+            </a:r>
+            <a:r>
+              <a:rPr lang="en-US" altLang="zh-CN" dirty="0"/>
+              <a:t>git</a:t>
+            </a:r>
+            <a:r>
+              <a:rPr lang="zh-CN" altLang="en-US" dirty="0"/>
+              <a:t>内置的工具以及</a:t>
+            </a:r>
+            <a:r>
+              <a:rPr lang="en-US" altLang="zh-CN" dirty="0" err="1"/>
+              <a:t>Github</a:t>
+            </a:r>
+            <a:r>
+              <a:rPr lang="zh-CN" altLang="en-US" dirty="0"/>
+              <a:t>的</a:t>
+            </a:r>
+            <a:r>
+              <a:rPr lang="en-US" altLang="zh-CN" dirty="0"/>
+              <a:t>Insights</a:t>
+            </a:r>
+            <a:r>
+              <a:rPr lang="zh-CN" altLang="en-US" dirty="0"/>
+              <a:t>来提取数据，这里是当前文档仓库的</a:t>
+            </a:r>
+            <a:r>
+              <a:rPr lang="en-US" altLang="zh-CN" dirty="0"/>
+              <a:t>Commit</a:t>
+            </a:r>
+            <a:r>
+              <a:rPr lang="zh-CN" altLang="en-US" dirty="0"/>
+              <a:t>次数统计</a:t>
+            </a:r>
+            <a:endParaRPr lang="en-US" dirty="0"/>
+          </a:p>
+        </p:txBody>
+      </p:sp>
+      <p:sp>
+        <p:nvSpPr>
+          <p:cNvPr id="4" name="Slide Number Placeholder 3"/>
+          <p:cNvSpPr>
+            <a:spLocks noGrp="1"/>
+          </p:cNvSpPr>
+          <p:nvPr>
+            <p:ph type="sldNum" sz="quarter" idx="5"/>
+          </p:nvPr>
+        </p:nvSpPr>
+        <p:spPr/>
+        <p:txBody>
+          <a:bodyPr/>
+          <a:lstStyle/>
+          <a:p>
+            <a:fld id="{BAF2B8CB-1187-4F19-9556-73EC7E40D81C}" type="slidenum">
+              <a:rPr lang="zh-CN" altLang="en-US" smtClean="0"/>
+              <a:t>19</a:t>
+            </a:fld>
+            <a:endParaRPr lang="zh-CN" altLang="en-US"/>
+          </a:p>
+        </p:txBody>
+      </p:sp>
+    </p:spTree>
+    <p:extLst>
+      <p:ext uri="{BB962C8B-B14F-4D97-AF65-F5344CB8AC3E}">
+        <p14:creationId xmlns:p14="http://schemas.microsoft.com/office/powerpoint/2010/main" val="2353856289"/>
+      </p:ext>
+    </p:extLst>
+  </p:cSld>
+  <p:clrMapOvr>
+    <a:masterClrMapping/>
+  </p:clrMapOvr>
+</p:notes>
+</file>
+
+<file path=ppt/notesSlides/notesSlide9.xml><?xml version="1.0" encoding="utf-8"?>
+<p:notes xmlns:a="http://schemas.openxmlformats.org/drawingml/2006/main" xmlns:r="http://schemas.openxmlformats.org/officeDocument/2006/relationships" xmlns:p="http://schemas.openxmlformats.org/presentationml/2006/main">
+  <p:cSld>
+    <p:spTree>
+      <p:nvGrpSpPr>
+        <p:cNvPr id="1" name=""/>
+        <p:cNvGrpSpPr/>
+        <p:nvPr/>
+      </p:nvGrpSpPr>
+      <p:grpSpPr>
+        <a:xfrm>
+          <a:off x="0" y="0"/>
+          <a:ext cx="0" cy="0"/>
+          <a:chOff x="0" y="0"/>
+          <a:chExt cx="0" cy="0"/>
+        </a:xfrm>
+      </p:grpSpPr>
+      <p:sp>
+        <p:nvSpPr>
+          <p:cNvPr id="2" name="Slide Image Placeholder 1"/>
+          <p:cNvSpPr>
+            <a:spLocks noGrp="1" noRot="1" noChangeAspect="1"/>
+          </p:cNvSpPr>
+          <p:nvPr>
+            <p:ph type="sldImg"/>
+          </p:nvPr>
+        </p:nvSpPr>
+        <p:spPr/>
+      </p:sp>
+      <p:sp>
+        <p:nvSpPr>
+          <p:cNvPr id="3" name="Notes Placeholder 2"/>
+          <p:cNvSpPr>
+            <a:spLocks noGrp="1"/>
+          </p:cNvSpPr>
+          <p:nvPr>
+            <p:ph type="body" idx="1"/>
+          </p:nvPr>
+        </p:nvSpPr>
+        <p:spPr/>
+        <p:txBody>
+          <a:bodyPr/>
+          <a:lstStyle/>
+          <a:p>
+            <a:r>
+              <a:rPr lang="zh-CN" altLang="en-US" dirty="0"/>
+              <a:t>此外还有</a:t>
+            </a:r>
+            <a:r>
+              <a:rPr lang="en-US" altLang="zh-CN" dirty="0" err="1"/>
+              <a:t>Github</a:t>
+            </a:r>
+            <a:r>
+              <a:rPr lang="zh-CN" altLang="en-US" dirty="0"/>
+              <a:t>的</a:t>
+            </a:r>
+            <a:r>
+              <a:rPr lang="en-US" altLang="zh-CN" dirty="0"/>
+              <a:t>Insights</a:t>
+            </a:r>
+            <a:r>
+              <a:rPr lang="zh-CN" altLang="en-US" dirty="0"/>
+              <a:t>页面的统计信息，形成报告时，我们也可能使用</a:t>
+            </a:r>
+            <a:r>
+              <a:rPr lang="en-US" altLang="zh-CN" dirty="0" err="1"/>
+              <a:t>gitstats</a:t>
+            </a:r>
+            <a:r>
+              <a:rPr lang="zh-CN" altLang="en-US" dirty="0"/>
+              <a:t>或</a:t>
+            </a:r>
+            <a:r>
+              <a:rPr lang="en-US" altLang="zh-CN" dirty="0" err="1"/>
+              <a:t>gitinspector</a:t>
+            </a:r>
+            <a:r>
+              <a:rPr lang="zh-CN" altLang="en-US" dirty="0"/>
+              <a:t>工具生成一些报表。</a:t>
+            </a:r>
+            <a:endParaRPr lang="en-US" dirty="0"/>
+          </a:p>
+        </p:txBody>
+      </p:sp>
+      <p:sp>
+        <p:nvSpPr>
+          <p:cNvPr id="4" name="Slide Number Placeholder 3"/>
+          <p:cNvSpPr>
+            <a:spLocks noGrp="1"/>
+          </p:cNvSpPr>
+          <p:nvPr>
+            <p:ph type="sldNum" sz="quarter" idx="5"/>
+          </p:nvPr>
+        </p:nvSpPr>
+        <p:spPr/>
+        <p:txBody>
+          <a:bodyPr/>
+          <a:lstStyle/>
+          <a:p>
+            <a:fld id="{BAF2B8CB-1187-4F19-9556-73EC7E40D81C}" type="slidenum">
+              <a:rPr lang="zh-CN" altLang="en-US" smtClean="0"/>
+              <a:t>20</a:t>
+            </a:fld>
+            <a:endParaRPr lang="zh-CN" altLang="en-US"/>
+          </a:p>
+        </p:txBody>
+      </p:sp>
+    </p:spTree>
+    <p:extLst>
+      <p:ext uri="{BB962C8B-B14F-4D97-AF65-F5344CB8AC3E}">
+        <p14:creationId xmlns:p14="http://schemas.microsoft.com/office/powerpoint/2010/main" val="3366913876"/>
       </p:ext>
     </p:extLst>
   </p:cSld>
@@ -6261,6 +7016,13 @@
       </p:transition>
     </mc:Fallback>
   </mc:AlternateContent>
+  <p:timing>
+    <p:tnLst>
+      <p:par>
+        <p:cTn id="1" dur="indefinite" restart="never" nodeType="tmRoot"/>
+      </p:par>
+    </p:tnLst>
+  </p:timing>
 </p:sld>
 </file>
 
@@ -6646,6 +7408,683 @@
           </a:p>
         </p:txBody>
       </p:sp>
+      <p:graphicFrame>
+        <p:nvGraphicFramePr>
+          <p:cNvPr id="9" name="内容占位符 3">
+            <a:extLst>
+              <a:ext uri="{FF2B5EF4-FFF2-40B4-BE49-F238E27FC236}">
+                <a16:creationId xmlns:a16="http://schemas.microsoft.com/office/drawing/2014/main" id="{8747E140-FB05-4C30-AF2D-AF934804B059}"/>
+              </a:ext>
+            </a:extLst>
+          </p:cNvPr>
+          <p:cNvGraphicFramePr>
+            <a:graphicFrameLocks/>
+          </p:cNvGraphicFramePr>
+          <p:nvPr/>
+        </p:nvGraphicFramePr>
+        <p:xfrm>
+          <a:off x="1714503" y="3939871"/>
+          <a:ext cx="4381497" cy="914400"/>
+        </p:xfrm>
+        <a:graphic>
+          <a:graphicData uri="http://schemas.openxmlformats.org/drawingml/2006/table">
+            <a:tbl>
+              <a:tblPr firstRow="1" bandRow="1">
+                <a:tableStyleId>{073A0DAA-6AF3-43AB-8588-CEC1D06C72B9}</a:tableStyleId>
+              </a:tblPr>
+              <a:tblGrid>
+                <a:gridCol w="776552">
+                  <a:extLst>
+                    <a:ext uri="{9D8B030D-6E8A-4147-A177-3AD203B41FA5}">
+                      <a16:colId xmlns:a16="http://schemas.microsoft.com/office/drawing/2014/main" val="45147261"/>
+                    </a:ext>
+                  </a:extLst>
+                </a:gridCol>
+                <a:gridCol w="776552">
+                  <a:extLst>
+                    <a:ext uri="{9D8B030D-6E8A-4147-A177-3AD203B41FA5}">
+                      <a16:colId xmlns:a16="http://schemas.microsoft.com/office/drawing/2014/main" val="691264445"/>
+                    </a:ext>
+                  </a:extLst>
+                </a:gridCol>
+                <a:gridCol w="2828393">
+                  <a:extLst>
+                    <a:ext uri="{9D8B030D-6E8A-4147-A177-3AD203B41FA5}">
+                      <a16:colId xmlns:a16="http://schemas.microsoft.com/office/drawing/2014/main" val="1379129429"/>
+                    </a:ext>
+                  </a:extLst>
+                </a:gridCol>
+              </a:tblGrid>
+              <a:tr h="273492">
+                <a:tc>
+                  <a:txBody>
+                    <a:bodyPr/>
+                    <a:lstStyle/>
+                    <a:p>
+                      <a:pPr algn="ctr"/>
+                      <a:r>
+                        <a:rPr lang="zh-CN" altLang="en-US" sz="1200" dirty="0"/>
+                        <a:t>任务</a:t>
+                      </a:r>
+                    </a:p>
+                  </a:txBody>
+                  <a:tcPr anchor="ctr"/>
+                </a:tc>
+                <a:tc>
+                  <a:txBody>
+                    <a:bodyPr/>
+                    <a:lstStyle/>
+                    <a:p>
+                      <a:pPr algn="ctr"/>
+                      <a:r>
+                        <a:rPr lang="zh-CN" altLang="en-US" sz="1200" dirty="0"/>
+                        <a:t>负责人</a:t>
+                      </a:r>
+                    </a:p>
+                  </a:txBody>
+                  <a:tcPr anchor="ctr"/>
+                </a:tc>
+                <a:tc>
+                  <a:txBody>
+                    <a:bodyPr/>
+                    <a:lstStyle/>
+                    <a:p>
+                      <a:pPr algn="ctr"/>
+                      <a:r>
+                        <a:rPr lang="zh-CN" altLang="en-US" sz="1200" dirty="0"/>
+                        <a:t>子任务</a:t>
+                      </a:r>
+                    </a:p>
+                  </a:txBody>
+                  <a:tcPr anchor="ctr"/>
+                </a:tc>
+                <a:extLst>
+                  <a:ext uri="{0D108BD9-81ED-4DB2-BD59-A6C34878D82A}">
+                    <a16:rowId xmlns:a16="http://schemas.microsoft.com/office/drawing/2014/main" val="995484075"/>
+                  </a:ext>
+                </a:extLst>
+              </a:tr>
+              <a:tr h="320040">
+                <a:tc rowSpan="2">
+                  <a:txBody>
+                    <a:bodyPr/>
+                    <a:lstStyle/>
+                    <a:p>
+                      <a:pPr algn="ctr"/>
+                      <a:r>
+                        <a:rPr lang="zh-CN" altLang="en-US" sz="1200" dirty="0"/>
+                        <a:t>网站</a:t>
+                      </a:r>
+                      <a:endParaRPr lang="en-US" altLang="zh-CN" sz="1200" dirty="0"/>
+                    </a:p>
+                    <a:p>
+                      <a:pPr algn="ctr"/>
+                      <a:r>
+                        <a:rPr lang="zh-CN" altLang="en-US" sz="1200" dirty="0"/>
+                        <a:t>前端</a:t>
+                      </a:r>
+                    </a:p>
+                  </a:txBody>
+                  <a:tcPr anchor="ctr"/>
+                </a:tc>
+                <a:tc>
+                  <a:txBody>
+                    <a:bodyPr/>
+                    <a:lstStyle/>
+                    <a:p>
+                      <a:pPr marL="0" marR="0" lvl="0" indent="0" algn="ctr" defTabSz="914400" rtl="0" eaLnBrk="1" fontAlgn="auto" latinLnBrk="0" hangingPunct="1">
+                        <a:lnSpc>
+                          <a:spcPct val="100000"/>
+                        </a:lnSpc>
+                        <a:spcBef>
+                          <a:spcPts val="0"/>
+                        </a:spcBef>
+                        <a:spcAft>
+                          <a:spcPts val="0"/>
+                        </a:spcAft>
+                        <a:buClrTx/>
+                        <a:buSzTx/>
+                        <a:buFontTx/>
+                        <a:buNone/>
+                        <a:tabLst/>
+                        <a:defRPr/>
+                      </a:pPr>
+                      <a:r>
+                        <a:rPr lang="zh-CN" altLang="en-US" sz="1200" dirty="0"/>
+                        <a:t>宋冰晨</a:t>
+                      </a:r>
+                    </a:p>
+                  </a:txBody>
+                  <a:tcPr anchor="ctr"/>
+                </a:tc>
+                <a:tc>
+                  <a:txBody>
+                    <a:bodyPr/>
+                    <a:lstStyle/>
+                    <a:p>
+                      <a:pPr algn="ctr"/>
+                      <a:r>
+                        <a:rPr lang="en-US" altLang="zh-CN" sz="1200" dirty="0"/>
+                        <a:t>Web UI</a:t>
+                      </a:r>
+                      <a:r>
+                        <a:rPr lang="zh-CN" altLang="en-US" sz="1200" dirty="0"/>
+                        <a:t>实现</a:t>
+                      </a:r>
+                    </a:p>
+                  </a:txBody>
+                  <a:tcPr anchor="ctr"/>
+                </a:tc>
+                <a:extLst>
+                  <a:ext uri="{0D108BD9-81ED-4DB2-BD59-A6C34878D82A}">
+                    <a16:rowId xmlns:a16="http://schemas.microsoft.com/office/drawing/2014/main" val="637536198"/>
+                  </a:ext>
+                </a:extLst>
+              </a:tr>
+              <a:tr h="320040">
+                <a:tc vMerge="1">
+                  <a:txBody>
+                    <a:bodyPr/>
+                    <a:lstStyle/>
+                    <a:p>
+                      <a:pPr algn="ctr"/>
+                      <a:endParaRPr lang="zh-CN" altLang="en-US" sz="1800" dirty="0"/>
+                    </a:p>
+                  </a:txBody>
+                  <a:tcPr anchor="ctr"/>
+                </a:tc>
+                <a:tc>
+                  <a:txBody>
+                    <a:bodyPr/>
+                    <a:lstStyle/>
+                    <a:p>
+                      <a:pPr algn="ctr"/>
+                      <a:r>
+                        <a:rPr lang="zh-CN" altLang="en-US" sz="1200" dirty="0"/>
+                        <a:t>郭浩隆</a:t>
+                      </a:r>
+                    </a:p>
+                  </a:txBody>
+                  <a:tcPr anchor="ctr"/>
+                </a:tc>
+                <a:tc>
+                  <a:txBody>
+                    <a:bodyPr/>
+                    <a:lstStyle/>
+                    <a:p>
+                      <a:pPr algn="ctr"/>
+                      <a:r>
+                        <a:rPr lang="en-US" altLang="zh-CN" sz="1200" dirty="0"/>
+                        <a:t>Web UI</a:t>
+                      </a:r>
+                      <a:r>
+                        <a:rPr lang="zh-CN" altLang="en-US" sz="1200" dirty="0"/>
+                        <a:t>实现、协调前后端接口调用</a:t>
+                      </a:r>
+                    </a:p>
+                  </a:txBody>
+                  <a:tcPr anchor="ctr"/>
+                </a:tc>
+                <a:extLst>
+                  <a:ext uri="{0D108BD9-81ED-4DB2-BD59-A6C34878D82A}">
+                    <a16:rowId xmlns:a16="http://schemas.microsoft.com/office/drawing/2014/main" val="3171643311"/>
+                  </a:ext>
+                </a:extLst>
+              </a:tr>
+            </a:tbl>
+          </a:graphicData>
+        </a:graphic>
+      </p:graphicFrame>
+      <p:pic>
+        <p:nvPicPr>
+          <p:cNvPr id="10" name="内容占位符 6">
+            <a:extLst>
+              <a:ext uri="{FF2B5EF4-FFF2-40B4-BE49-F238E27FC236}">
+                <a16:creationId xmlns:a16="http://schemas.microsoft.com/office/drawing/2014/main" id="{7221D0DC-65D6-4D74-BFAD-9381D835B7E1}"/>
+              </a:ext>
+            </a:extLst>
+          </p:cNvPr>
+          <p:cNvPicPr>
+            <a:picLocks noChangeAspect="1"/>
+          </p:cNvPicPr>
+          <p:nvPr/>
+        </p:nvPicPr>
+        <p:blipFill>
+          <a:blip r:embed="rId2">
+            <a:extLst>
+              <a:ext uri="{28A0092B-C50C-407E-A947-70E740481C1C}">
+                <a14:useLocalDpi xmlns:a14="http://schemas.microsoft.com/office/drawing/2010/main" val="0"/>
+              </a:ext>
+            </a:extLst>
+          </a:blip>
+          <a:stretch>
+            <a:fillRect/>
+          </a:stretch>
+        </p:blipFill>
+        <p:spPr>
+          <a:xfrm>
+            <a:off x="6212030" y="3939871"/>
+            <a:ext cx="5769592" cy="2053258"/>
+          </a:xfrm>
+          <a:prstGeom prst="rect">
+            <a:avLst/>
+          </a:prstGeom>
+        </p:spPr>
+      </p:pic>
+    </p:spTree>
+    <p:extLst>
+      <p:ext uri="{BB962C8B-B14F-4D97-AF65-F5344CB8AC3E}">
+        <p14:creationId xmlns:p14="http://schemas.microsoft.com/office/powerpoint/2010/main" val="1175671105"/>
+      </p:ext>
+    </p:extLst>
+  </p:cSld>
+  <p:clrMapOvr>
+    <a:masterClrMapping/>
+  </p:clrMapOvr>
+  <mc:AlternateContent xmlns:mc="http://schemas.openxmlformats.org/markup-compatibility/2006" xmlns:p14="http://schemas.microsoft.com/office/powerpoint/2010/main">
+    <mc:Choice Requires="p14">
+      <p:transition spd="med" p14:dur="700">
+        <p:fade/>
+      </p:transition>
+    </mc:Choice>
+    <mc:Fallback xmlns="">
+      <p:transition spd="med">
+        <p:fade/>
+      </p:transition>
+    </mc:Fallback>
+  </mc:AlternateContent>
+  <p:timing>
+    <p:tnLst>
+      <p:par>
+        <p:cTn id="1" dur="indefinite" restart="never" nodeType="tmRoot"/>
+      </p:par>
+    </p:tnLst>
+  </p:timing>
+</p:sld>
+</file>
+
+<file path=ppt/slides/slide11.xml><?xml version="1.0" encoding="utf-8"?>
+<p:sld xmlns:a="http://schemas.openxmlformats.org/drawingml/2006/main" xmlns:r="http://schemas.openxmlformats.org/officeDocument/2006/relationships" xmlns:p="http://schemas.openxmlformats.org/presentationml/2006/main">
+  <p:cSld>
+    <p:spTree>
+      <p:nvGrpSpPr>
+        <p:cNvPr id="1" name=""/>
+        <p:cNvGrpSpPr/>
+        <p:nvPr/>
+      </p:nvGrpSpPr>
+      <p:grpSpPr>
+        <a:xfrm>
+          <a:off x="0" y="0"/>
+          <a:ext cx="0" cy="0"/>
+          <a:chOff x="0" y="0"/>
+          <a:chExt cx="0" cy="0"/>
+        </a:xfrm>
+      </p:grpSpPr>
+      <p:sp>
+        <p:nvSpPr>
+          <p:cNvPr id="2" name="Title 1">
+            <a:extLst>
+              <a:ext uri="{FF2B5EF4-FFF2-40B4-BE49-F238E27FC236}">
+                <a16:creationId xmlns:a16="http://schemas.microsoft.com/office/drawing/2014/main" id="{83630161-C5E3-428D-8444-60BEBBD299FF}"/>
+              </a:ext>
+            </a:extLst>
+          </p:cNvPr>
+          <p:cNvSpPr>
+            <a:spLocks noGrp="1"/>
+          </p:cNvSpPr>
+          <p:nvPr>
+            <p:ph type="title"/>
+          </p:nvPr>
+        </p:nvSpPr>
+        <p:spPr/>
+        <p:txBody>
+          <a:bodyPr/>
+          <a:lstStyle/>
+          <a:p>
+            <a:r>
+              <a:rPr lang="zh-CN" altLang="en-US" dirty="0"/>
+              <a:t>实验六：软件项目计划与监控</a:t>
+            </a:r>
+            <a:endParaRPr lang="en-US" dirty="0"/>
+          </a:p>
+        </p:txBody>
+      </p:sp>
+      <p:sp>
+        <p:nvSpPr>
+          <p:cNvPr id="5" name="内容占位符 2">
+            <a:extLst>
+              <a:ext uri="{FF2B5EF4-FFF2-40B4-BE49-F238E27FC236}">
+                <a16:creationId xmlns:a16="http://schemas.microsoft.com/office/drawing/2014/main" id="{7A5A2AB3-0427-4E1C-9412-A47B93789E5E}"/>
+              </a:ext>
+            </a:extLst>
+          </p:cNvPr>
+          <p:cNvSpPr txBox="1">
+            <a:spLocks noGrp="1"/>
+          </p:cNvSpPr>
+          <p:nvPr>
+            <p:ph idx="1"/>
+          </p:nvPr>
+        </p:nvSpPr>
+        <p:spPr>
+          <a:xfrm>
+            <a:off x="1203325" y="1533525"/>
+            <a:ext cx="9783763" cy="4684713"/>
+          </a:xfrm>
+          <a:prstGeom prst="rect">
+            <a:avLst/>
+          </a:prstGeom>
+        </p:spPr>
+        <p:txBody>
+          <a:bodyPr vert="horz" lIns="91440" tIns="45720" rIns="91440" bIns="45720" rtlCol="0">
+            <a:normAutofit/>
+          </a:bodyPr>
+          <a:lstStyle>
+            <a:lvl1pPr marL="182880" indent="-182880" algn="l" defTabSz="914400" rtl="0" eaLnBrk="1" latinLnBrk="0" hangingPunct="1">
+              <a:lnSpc>
+                <a:spcPct val="90000"/>
+              </a:lnSpc>
+              <a:spcBef>
+                <a:spcPts val="1200"/>
+              </a:spcBef>
+              <a:spcAft>
+                <a:spcPts val="200"/>
+              </a:spcAft>
+              <a:buClr>
+                <a:schemeClr val="tx1"/>
+              </a:buClr>
+              <a:buFont typeface="Wingdings" pitchFamily="2" charset="2"/>
+              <a:buChar char=""/>
+              <a:defRPr sz="2200" kern="1200">
+                <a:solidFill>
+                  <a:schemeClr val="tx1"/>
+                </a:solidFill>
+                <a:latin typeface="+mn-lt"/>
+                <a:ea typeface="+mn-ea"/>
+                <a:cs typeface="+mn-cs"/>
+              </a:defRPr>
+            </a:lvl1pPr>
+            <a:lvl2pPr marL="411480" indent="-182880" algn="l" defTabSz="914400" rtl="0" eaLnBrk="1" latinLnBrk="0" hangingPunct="1">
+              <a:lnSpc>
+                <a:spcPct val="90000"/>
+              </a:lnSpc>
+              <a:spcBef>
+                <a:spcPts val="200"/>
+              </a:spcBef>
+              <a:spcAft>
+                <a:spcPts val="400"/>
+              </a:spcAft>
+              <a:buClr>
+                <a:schemeClr val="tx1"/>
+              </a:buClr>
+              <a:buFont typeface="Wingdings" pitchFamily="2" charset="2"/>
+              <a:buChar char=""/>
+              <a:defRPr sz="2000" kern="1200">
+                <a:solidFill>
+                  <a:schemeClr val="tx1"/>
+                </a:solidFill>
+                <a:latin typeface="+mn-lt"/>
+                <a:ea typeface="+mn-ea"/>
+                <a:cs typeface="+mn-cs"/>
+              </a:defRPr>
+            </a:lvl2pPr>
+            <a:lvl3pPr marL="640080" indent="-182880" algn="l" defTabSz="914400" rtl="0" eaLnBrk="1" latinLnBrk="0" hangingPunct="1">
+              <a:lnSpc>
+                <a:spcPct val="90000"/>
+              </a:lnSpc>
+              <a:spcBef>
+                <a:spcPts val="200"/>
+              </a:spcBef>
+              <a:spcAft>
+                <a:spcPts val="400"/>
+              </a:spcAft>
+              <a:buClr>
+                <a:schemeClr val="tx1"/>
+              </a:buClr>
+              <a:buFont typeface="Wingdings" pitchFamily="2" charset="2"/>
+              <a:buChar char=""/>
+              <a:defRPr sz="1800" kern="1200">
+                <a:solidFill>
+                  <a:schemeClr val="tx1"/>
+                </a:solidFill>
+                <a:latin typeface="+mn-lt"/>
+                <a:ea typeface="+mn-ea"/>
+                <a:cs typeface="+mn-cs"/>
+              </a:defRPr>
+            </a:lvl3pPr>
+            <a:lvl4pPr marL="868680" indent="-182880" algn="l" defTabSz="914400" rtl="0" eaLnBrk="1" latinLnBrk="0" hangingPunct="1">
+              <a:lnSpc>
+                <a:spcPct val="90000"/>
+              </a:lnSpc>
+              <a:spcBef>
+                <a:spcPts val="200"/>
+              </a:spcBef>
+              <a:spcAft>
+                <a:spcPts val="400"/>
+              </a:spcAft>
+              <a:buClr>
+                <a:schemeClr val="tx1"/>
+              </a:buClr>
+              <a:buFont typeface="Wingdings" pitchFamily="2" charset="2"/>
+              <a:buChar char=""/>
+              <a:defRPr sz="1600" kern="1200">
+                <a:solidFill>
+                  <a:schemeClr val="tx1"/>
+                </a:solidFill>
+                <a:latin typeface="+mn-lt"/>
+                <a:ea typeface="+mn-ea"/>
+                <a:cs typeface="+mn-cs"/>
+              </a:defRPr>
+            </a:lvl4pPr>
+            <a:lvl5pPr marL="1097280" indent="-182880" algn="l" defTabSz="914400" rtl="0" eaLnBrk="1" latinLnBrk="0" hangingPunct="1">
+              <a:lnSpc>
+                <a:spcPct val="90000"/>
+              </a:lnSpc>
+              <a:spcBef>
+                <a:spcPts val="200"/>
+              </a:spcBef>
+              <a:spcAft>
+                <a:spcPts val="400"/>
+              </a:spcAft>
+              <a:buClr>
+                <a:schemeClr val="tx1"/>
+              </a:buClr>
+              <a:buFont typeface="Wingdings" pitchFamily="2" charset="2"/>
+              <a:buChar char=""/>
+              <a:defRPr sz="1600" kern="1200">
+                <a:solidFill>
+                  <a:schemeClr val="tx1"/>
+                </a:solidFill>
+                <a:latin typeface="+mn-lt"/>
+                <a:ea typeface="+mn-ea"/>
+                <a:cs typeface="+mn-cs"/>
+              </a:defRPr>
+            </a:lvl5pPr>
+            <a:lvl6pPr marL="1284600" indent="-228600" algn="l" defTabSz="914400" rtl="0" eaLnBrk="1" latinLnBrk="0" hangingPunct="1">
+              <a:lnSpc>
+                <a:spcPct val="90000"/>
+              </a:lnSpc>
+              <a:spcBef>
+                <a:spcPts val="200"/>
+              </a:spcBef>
+              <a:spcAft>
+                <a:spcPts val="400"/>
+              </a:spcAft>
+              <a:buClr>
+                <a:schemeClr val="tx1"/>
+              </a:buClr>
+              <a:buFont typeface="Wingdings" pitchFamily="2" charset="2"/>
+              <a:buChar char=""/>
+              <a:defRPr sz="1600" kern="1200">
+                <a:solidFill>
+                  <a:schemeClr val="tx1"/>
+                </a:solidFill>
+                <a:latin typeface="+mn-lt"/>
+                <a:ea typeface="+mn-ea"/>
+                <a:cs typeface="+mn-cs"/>
+              </a:defRPr>
+            </a:lvl6pPr>
+            <a:lvl7pPr marL="1471800" indent="-228600" algn="l" defTabSz="914400" rtl="0" eaLnBrk="1" latinLnBrk="0" hangingPunct="1">
+              <a:lnSpc>
+                <a:spcPct val="90000"/>
+              </a:lnSpc>
+              <a:spcBef>
+                <a:spcPts val="200"/>
+              </a:spcBef>
+              <a:spcAft>
+                <a:spcPts val="400"/>
+              </a:spcAft>
+              <a:buClr>
+                <a:schemeClr val="tx1"/>
+              </a:buClr>
+              <a:buFont typeface="Wingdings" pitchFamily="2" charset="2"/>
+              <a:buChar char=""/>
+              <a:defRPr sz="1600" kern="1200">
+                <a:solidFill>
+                  <a:schemeClr val="tx1"/>
+                </a:solidFill>
+                <a:latin typeface="+mn-lt"/>
+                <a:ea typeface="+mn-ea"/>
+                <a:cs typeface="+mn-cs"/>
+              </a:defRPr>
+            </a:lvl7pPr>
+            <a:lvl8pPr marL="1629000" indent="-228600" algn="l" defTabSz="914400" rtl="0" eaLnBrk="1" latinLnBrk="0" hangingPunct="1">
+              <a:lnSpc>
+                <a:spcPct val="90000"/>
+              </a:lnSpc>
+              <a:spcBef>
+                <a:spcPts val="200"/>
+              </a:spcBef>
+              <a:spcAft>
+                <a:spcPts val="400"/>
+              </a:spcAft>
+              <a:buClr>
+                <a:schemeClr val="tx1"/>
+              </a:buClr>
+              <a:buFont typeface="Wingdings" pitchFamily="2" charset="2"/>
+              <a:buChar char=""/>
+              <a:defRPr sz="1600" kern="1200">
+                <a:solidFill>
+                  <a:schemeClr val="tx1"/>
+                </a:solidFill>
+                <a:latin typeface="+mn-lt"/>
+                <a:ea typeface="+mn-ea"/>
+                <a:cs typeface="+mn-cs"/>
+              </a:defRPr>
+            </a:lvl8pPr>
+            <a:lvl9pPr marL="1806200" indent="-228600" algn="l" defTabSz="914400" rtl="0" eaLnBrk="1" latinLnBrk="0" hangingPunct="1">
+              <a:lnSpc>
+                <a:spcPct val="90000"/>
+              </a:lnSpc>
+              <a:spcBef>
+                <a:spcPts val="200"/>
+              </a:spcBef>
+              <a:spcAft>
+                <a:spcPts val="400"/>
+              </a:spcAft>
+              <a:buClr>
+                <a:schemeClr val="tx1"/>
+              </a:buClr>
+              <a:buFont typeface="Wingdings" pitchFamily="2" charset="2"/>
+              <a:buChar char=""/>
+              <a:defRPr sz="1600" kern="1200">
+                <a:solidFill>
+                  <a:schemeClr val="tx1"/>
+                </a:solidFill>
+                <a:latin typeface="+mn-lt"/>
+                <a:ea typeface="+mn-ea"/>
+                <a:cs typeface="+mn-cs"/>
+              </a:defRPr>
+            </a:lvl9pPr>
+          </a:lstStyle>
+          <a:p>
+            <a:pPr>
+              <a:lnSpc>
+                <a:spcPct val="120000"/>
+              </a:lnSpc>
+              <a:buFont typeface="Wingdings" pitchFamily="2" charset="2"/>
+              <a:buChar char="Ø"/>
+            </a:pPr>
+            <a:r>
+              <a:rPr lang="en-US" altLang="zh-CN" dirty="0"/>
+              <a:t> </a:t>
+            </a:r>
+            <a:r>
+              <a:rPr lang="zh-CN" altLang="en-US" dirty="0"/>
+              <a:t>实验工具</a:t>
+            </a:r>
+            <a:endParaRPr lang="en-US" altLang="zh-CN" dirty="0"/>
+          </a:p>
+          <a:p>
+            <a:pPr lvl="1">
+              <a:lnSpc>
+                <a:spcPct val="120000"/>
+              </a:lnSpc>
+            </a:pPr>
+            <a:r>
+              <a:rPr lang="en-US" altLang="zh-CN" dirty="0"/>
+              <a:t>MS Project</a:t>
+            </a:r>
+          </a:p>
+          <a:p>
+            <a:pPr>
+              <a:lnSpc>
+                <a:spcPct val="120000"/>
+              </a:lnSpc>
+              <a:buFont typeface="Wingdings" pitchFamily="2" charset="2"/>
+              <a:buChar char="Ø"/>
+            </a:pPr>
+            <a:r>
+              <a:rPr lang="zh-CN" altLang="en-US" dirty="0"/>
+              <a:t> 进度控制</a:t>
+            </a:r>
+            <a:endParaRPr lang="en-US" altLang="zh-CN" dirty="0"/>
+          </a:p>
+          <a:p>
+            <a:pPr lvl="1">
+              <a:lnSpc>
+                <a:spcPct val="120000"/>
+              </a:lnSpc>
+            </a:pPr>
+            <a:r>
+              <a:rPr lang="zh-CN" altLang="en-US" dirty="0"/>
+              <a:t>小组协同：</a:t>
+            </a:r>
+            <a:r>
+              <a:rPr lang="en-US" altLang="zh-CN" dirty="0"/>
+              <a:t>2</a:t>
+            </a:r>
+            <a:r>
+              <a:rPr lang="zh-CN" altLang="en-US" dirty="0"/>
+              <a:t>次</a:t>
+            </a:r>
+            <a:r>
+              <a:rPr lang="en-US" altLang="zh-CN" dirty="0"/>
+              <a:t>Tencent Meeting/</a:t>
+            </a:r>
+            <a:r>
+              <a:rPr lang="zh-CN" altLang="en-US" dirty="0"/>
+              <a:t>周</a:t>
+            </a:r>
+            <a:endParaRPr lang="en-US" altLang="zh-CN" dirty="0"/>
+          </a:p>
+          <a:p>
+            <a:pPr lvl="1">
+              <a:lnSpc>
+                <a:spcPct val="120000"/>
+              </a:lnSpc>
+            </a:pPr>
+            <a:r>
+              <a:rPr lang="zh-CN" altLang="en-US" dirty="0"/>
+              <a:t>任务分解与分配</a:t>
+            </a:r>
+            <a:endParaRPr lang="en-US" altLang="zh-CN" dirty="0"/>
+          </a:p>
+          <a:p>
+            <a:pPr lvl="1"/>
+            <a:endParaRPr lang="en-US" altLang="zh-CN" dirty="0"/>
+          </a:p>
+        </p:txBody>
+      </p:sp>
       <p:pic>
         <p:nvPicPr>
           <p:cNvPr id="6" name="内容占位符 6">
@@ -6694,9 +8133,7 @@
           <p:cNvGraphicFramePr>
             <a:graphicFrameLocks/>
           </p:cNvGraphicFramePr>
-          <p:nvPr>
-            <p:extLst/>
-          </p:nvPr>
+          <p:nvPr/>
         </p:nvGraphicFramePr>
         <p:xfrm>
           <a:off x="1714503" y="3939871"/>
@@ -7086,10 +8523,17 @@
       </p:transition>
     </mc:Fallback>
   </mc:AlternateContent>
+  <p:timing>
+    <p:tnLst>
+      <p:par>
+        <p:cTn id="1" dur="indefinite" restart="never" nodeType="tmRoot"/>
+      </p:par>
+    </p:tnLst>
+  </p:timing>
 </p:sld>
 </file>
 
-<file path=ppt/slides/slide11.xml><?xml version="1.0" encoding="utf-8"?>
+<file path=ppt/slides/slide12.xml><?xml version="1.0" encoding="utf-8"?>
 <p:sld xmlns:a="http://schemas.openxmlformats.org/drawingml/2006/main" xmlns:r="http://schemas.openxmlformats.org/officeDocument/2006/relationships" xmlns:p="http://schemas.openxmlformats.org/presentationml/2006/main">
   <p:cSld>
     <p:spTree>
@@ -7519,9 +8963,7 @@
           <p:cNvGraphicFramePr>
             <a:graphicFrameLocks/>
           </p:cNvGraphicFramePr>
-          <p:nvPr>
-            <p:extLst/>
-          </p:nvPr>
+          <p:nvPr/>
         </p:nvGraphicFramePr>
         <p:xfrm>
           <a:off x="1714503" y="3939871"/>
@@ -8038,10 +9480,17 @@
       </p:transition>
     </mc:Fallback>
   </mc:AlternateContent>
+  <p:timing>
+    <p:tnLst>
+      <p:par>
+        <p:cTn id="1" dur="indefinite" restart="never" nodeType="tmRoot"/>
+      </p:par>
+    </p:tnLst>
+  </p:timing>
 </p:sld>
 </file>
 
-<file path=ppt/slides/slide12.xml><?xml version="1.0" encoding="utf-8"?>
+<file path=ppt/slides/slide13.xml><?xml version="1.0" encoding="utf-8"?>
 <p:sld xmlns:a="http://schemas.openxmlformats.org/drawingml/2006/main" xmlns:r="http://schemas.openxmlformats.org/officeDocument/2006/relationships" xmlns:p="http://schemas.openxmlformats.org/presentationml/2006/main">
   <p:cSld>
     <p:spTree>
@@ -8446,7 +9895,7 @@
     </p:spTree>
     <p:extLst>
       <p:ext uri="{BB962C8B-B14F-4D97-AF65-F5344CB8AC3E}">
-        <p14:creationId xmlns:p14="http://schemas.microsoft.com/office/powerpoint/2010/main" val="1666357593"/>
+        <p14:creationId xmlns:p14="http://schemas.microsoft.com/office/powerpoint/2010/main" val="3989237301"/>
       </p:ext>
     </p:extLst>
   </p:cSld>
@@ -8768,7 +10217,7 @@
 </p:sld>
 </file>
 
-<file path=ppt/slides/slide13.xml><?xml version="1.0" encoding="utf-8"?>
+<file path=ppt/slides/slide14.xml><?xml version="1.0" encoding="utf-8"?>
 <p:sld xmlns:a="http://schemas.openxmlformats.org/drawingml/2006/main" xmlns:r="http://schemas.openxmlformats.org/officeDocument/2006/relationships" xmlns:p="http://schemas.openxmlformats.org/presentationml/2006/main">
   <p:cSld>
     <p:spTree>
@@ -9321,10 +10770,17 @@
       </p:transition>
     </mc:Fallback>
   </mc:AlternateContent>
+  <p:timing>
+    <p:tnLst>
+      <p:par>
+        <p:cTn id="1" dur="indefinite" restart="never" nodeType="tmRoot"/>
+      </p:par>
+    </p:tnLst>
+  </p:timing>
 </p:sld>
 </file>
 
-<file path=ppt/slides/slide14.xml><?xml version="1.0" encoding="utf-8"?>
+<file path=ppt/slides/slide15.xml><?xml version="1.0" encoding="utf-8"?>
 <p:sld xmlns:a="http://schemas.openxmlformats.org/drawingml/2006/main" xmlns:r="http://schemas.openxmlformats.org/officeDocument/2006/relationships" xmlns:p="http://schemas.openxmlformats.org/presentationml/2006/main">
   <p:cSld>
     <p:spTree>
@@ -9517,7 +10973,7 @@
           <p:nvPr/>
         </p:nvPicPr>
         <p:blipFill rotWithShape="1">
-          <a:blip r:embed="rId2"/>
+          <a:blip r:embed="rId3"/>
           <a:srcRect l="17510" t="23972" r="38628" b="12056"/>
           <a:stretch/>
         </p:blipFill>
@@ -9826,10 +11282,167 @@
       </p:transition>
     </mc:Fallback>
   </mc:AlternateContent>
+  <p:timing>
+    <p:tnLst>
+      <p:par>
+        <p:cTn id="1" dur="indefinite" restart="never" nodeType="tmRoot"/>
+      </p:par>
+    </p:tnLst>
+  </p:timing>
 </p:sld>
 </file>
 
-<file path=ppt/slides/slide15.xml><?xml version="1.0" encoding="utf-8"?>
+<file path=ppt/slides/slide16.xml><?xml version="1.0" encoding="utf-8"?>
+<p:sld xmlns:a="http://schemas.openxmlformats.org/drawingml/2006/main" xmlns:r="http://schemas.openxmlformats.org/officeDocument/2006/relationships" xmlns:p="http://schemas.openxmlformats.org/presentationml/2006/main">
+  <p:cSld>
+    <p:spTree>
+      <p:nvGrpSpPr>
+        <p:cNvPr id="1" name=""/>
+        <p:cNvGrpSpPr/>
+        <p:nvPr/>
+      </p:nvGrpSpPr>
+      <p:grpSpPr>
+        <a:xfrm>
+          <a:off x="0" y="0"/>
+          <a:ext cx="0" cy="0"/>
+          <a:chOff x="0" y="0"/>
+          <a:chExt cx="0" cy="0"/>
+        </a:xfrm>
+      </p:grpSpPr>
+      <p:sp>
+        <p:nvSpPr>
+          <p:cNvPr id="2" name="Title 1">
+            <a:extLst>
+              <a:ext uri="{FF2B5EF4-FFF2-40B4-BE49-F238E27FC236}">
+                <a16:creationId xmlns:a16="http://schemas.microsoft.com/office/drawing/2014/main" id="{5A38E1B0-6FAF-49A8-B575-1ADC8D1CAE98}"/>
+              </a:ext>
+            </a:extLst>
+          </p:cNvPr>
+          <p:cNvSpPr>
+            <a:spLocks noGrp="1"/>
+          </p:cNvSpPr>
+          <p:nvPr>
+            <p:ph type="title"/>
+          </p:nvPr>
+        </p:nvSpPr>
+        <p:spPr/>
+        <p:txBody>
+          <a:bodyPr/>
+          <a:lstStyle/>
+          <a:p>
+            <a:r>
+              <a:rPr lang="zh-CN" altLang="en-US" dirty="0"/>
+              <a:t>实验七：软件配置管理</a:t>
+            </a:r>
+            <a:endParaRPr lang="en-US" dirty="0"/>
+          </a:p>
+        </p:txBody>
+      </p:sp>
+      <p:sp>
+        <p:nvSpPr>
+          <p:cNvPr id="3" name="Content Placeholder 2">
+            <a:extLst>
+              <a:ext uri="{FF2B5EF4-FFF2-40B4-BE49-F238E27FC236}">
+                <a16:creationId xmlns:a16="http://schemas.microsoft.com/office/drawing/2014/main" id="{7122D93B-DA6B-4F6B-A824-F05C51716C87}"/>
+              </a:ext>
+            </a:extLst>
+          </p:cNvPr>
+          <p:cNvSpPr>
+            <a:spLocks noGrp="1"/>
+          </p:cNvSpPr>
+          <p:nvPr>
+            <p:ph idx="1"/>
+          </p:nvPr>
+        </p:nvSpPr>
+        <p:spPr/>
+        <p:txBody>
+          <a:bodyPr/>
+          <a:lstStyle/>
+          <a:p>
+            <a:pPr marL="0" indent="0">
+              <a:buNone/>
+            </a:pPr>
+            <a:r>
+              <a:rPr lang="en-US" b="1" dirty="0"/>
+              <a:t>CI/C</a:t>
+            </a:r>
+            <a:r>
+              <a:rPr lang="en-US" altLang="zh-CN" b="1" dirty="0"/>
+              <a:t>D</a:t>
+            </a:r>
+            <a:endParaRPr lang="en-US" b="1" dirty="0"/>
+          </a:p>
+        </p:txBody>
+      </p:sp>
+      <p:pic>
+        <p:nvPicPr>
+          <p:cNvPr id="6" name="Picture 5" descr="A screenshot of a cell phone&#10;&#10;Description automatically generated">
+            <a:extLst>
+              <a:ext uri="{FF2B5EF4-FFF2-40B4-BE49-F238E27FC236}">
+                <a16:creationId xmlns:a16="http://schemas.microsoft.com/office/drawing/2014/main" id="{96799754-E66C-4459-A90F-255A1FD2F91F}"/>
+              </a:ext>
+            </a:extLst>
+          </p:cNvPr>
+          <p:cNvPicPr>
+            <a:picLocks noChangeAspect="1"/>
+          </p:cNvPicPr>
+          <p:nvPr/>
+        </p:nvPicPr>
+        <p:blipFill>
+          <a:blip r:embed="rId3">
+            <a:extLst>
+              <a:ext uri="{28A0092B-C50C-407E-A947-70E740481C1C}">
+                <a14:useLocalDpi xmlns:a14="http://schemas.microsoft.com/office/drawing/2010/main" val="0"/>
+              </a:ext>
+            </a:extLst>
+          </a:blip>
+          <a:stretch>
+            <a:fillRect/>
+          </a:stretch>
+        </p:blipFill>
+        <p:spPr>
+          <a:xfrm>
+            <a:off x="1032141" y="2085991"/>
+            <a:ext cx="10125635" cy="4606512"/>
+          </a:xfrm>
+          <a:prstGeom prst="rect">
+            <a:avLst/>
+          </a:prstGeom>
+        </p:spPr>
+      </p:pic>
+    </p:spTree>
+    <p:extLst>
+      <p:ext uri="{BB962C8B-B14F-4D97-AF65-F5344CB8AC3E}">
+        <p14:creationId xmlns:p14="http://schemas.microsoft.com/office/powerpoint/2010/main" val="3014594506"/>
+      </p:ext>
+    </p:extLst>
+  </p:cSld>
+  <p:clrMapOvr>
+    <a:masterClrMapping/>
+  </p:clrMapOvr>
+  <mc:AlternateContent xmlns:mc="http://schemas.openxmlformats.org/markup-compatibility/2006" xmlns:p14="http://schemas.microsoft.com/office/powerpoint/2010/main">
+    <mc:Choice Requires="p14">
+      <p:transition spd="med" p14:dur="700">
+        <p:fade/>
+      </p:transition>
+    </mc:Choice>
+    <mc:Fallback xmlns="">
+      <p:transition spd="med">
+        <p:fade/>
+      </p:transition>
+    </mc:Fallback>
+  </mc:AlternateContent>
+  <p:timing>
+    <p:tnLst>
+      <p:par>
+        <p:cTn id="1" dur="indefinite" restart="never" nodeType="tmRoot"/>
+      </p:par>
+    </p:tnLst>
+  </p:timing>
+</p:sld>
+</file>
+
+<file path=ppt/slides/slide17.xml><?xml version="1.0" encoding="utf-8"?>
 <p:sld xmlns:a="http://schemas.openxmlformats.org/drawingml/2006/main" xmlns:r="http://schemas.openxmlformats.org/officeDocument/2006/relationships" xmlns:p="http://schemas.openxmlformats.org/presentationml/2006/main">
   <p:cSld>
     <p:spTree>
@@ -9987,7 +11600,7 @@
           <p:nvPr/>
         </p:nvPicPr>
         <p:blipFill>
-          <a:blip r:embed="rId2">
+          <a:blip r:embed="rId3">
             <a:extLst>
               <a:ext uri="{28A0092B-C50C-407E-A947-70E740481C1C}">
                 <a14:useLocalDpi xmlns:a14="http://schemas.microsoft.com/office/drawing/2010/main" val="0"/>
@@ -10030,10 +11643,17 @@
       </p:transition>
     </mc:Fallback>
   </mc:AlternateContent>
+  <p:timing>
+    <p:tnLst>
+      <p:par>
+        <p:cTn id="1" dur="indefinite" restart="never" nodeType="tmRoot"/>
+      </p:par>
+    </p:tnLst>
+  </p:timing>
 </p:sld>
 </file>
 
-<file path=ppt/slides/slide16.xml><?xml version="1.0" encoding="utf-8"?>
+<file path=ppt/slides/slide18.xml><?xml version="1.0" encoding="utf-8"?>
 <p:sld xmlns:a="http://schemas.openxmlformats.org/drawingml/2006/main" xmlns:r="http://schemas.openxmlformats.org/officeDocument/2006/relationships" xmlns:p="http://schemas.openxmlformats.org/presentationml/2006/main">
   <p:cSld>
     <p:spTree>
@@ -10165,7 +11785,7 @@
           <a:p>
             <a:r>
               <a:rPr lang="zh-CN" altLang="en-US" dirty="0"/>
-              <a:t>考虑到实验六是进行密集开发，所以产生一个特定版本，以周数作为主版本号，周内次版本号递增，约</a:t>
+              <a:t>考虑到实验是进行密集开发，所以以周数作为主版本号，周内次版本号递增，约</a:t>
             </a:r>
             <a:r>
               <a:rPr lang="en-US" altLang="zh-CN" dirty="0"/>
@@ -10173,12 +11793,9 @@
             </a:r>
             <a:r>
               <a:rPr lang="zh-CN" altLang="en-US" dirty="0"/>
-              <a:t>日一个次版本，并产生一个</a:t>
-            </a:r>
-            <a:r>
-              <a:rPr lang="en-US" altLang="zh-CN" dirty="0"/>
-              <a:t>Release</a:t>
-            </a:r>
+              <a:t>日一个次版本</a:t>
+            </a:r>
+            <a:endParaRPr lang="en-US" altLang="zh-CN" dirty="0"/>
           </a:p>
           <a:p>
             <a:pPr marL="0" indent="0">
@@ -10253,392 +11870,13 @@
       </p:transition>
     </mc:Fallback>
   </mc:AlternateContent>
-</p:sld>
-</file>
-
-<file path=ppt/slides/slide17.xml><?xml version="1.0" encoding="utf-8"?>
-<p:sld xmlns:a="http://schemas.openxmlformats.org/drawingml/2006/main" xmlns:r="http://schemas.openxmlformats.org/officeDocument/2006/relationships" xmlns:p="http://schemas.openxmlformats.org/presentationml/2006/main">
-  <p:cSld>
-    <p:spTree>
-      <p:nvGrpSpPr>
-        <p:cNvPr id="1" name=""/>
-        <p:cNvGrpSpPr/>
-        <p:nvPr/>
-      </p:nvGrpSpPr>
-      <p:grpSpPr>
-        <a:xfrm>
-          <a:off x="0" y="0"/>
-          <a:ext cx="0" cy="0"/>
-          <a:chOff x="0" y="0"/>
-          <a:chExt cx="0" cy="0"/>
-        </a:xfrm>
-      </p:grpSpPr>
-      <p:sp>
-        <p:nvSpPr>
-          <p:cNvPr id="2" name="Title 1">
-            <a:extLst>
-              <a:ext uri="{FF2B5EF4-FFF2-40B4-BE49-F238E27FC236}">
-                <a16:creationId xmlns:a16="http://schemas.microsoft.com/office/drawing/2014/main" id="{CB51924B-DEDC-44AB-837D-12E7FFCBA37D}"/>
-              </a:ext>
-            </a:extLst>
-          </p:cNvPr>
-          <p:cNvSpPr>
-            <a:spLocks noGrp="1"/>
-          </p:cNvSpPr>
-          <p:nvPr>
-            <p:ph type="title"/>
-          </p:nvPr>
-        </p:nvSpPr>
-        <p:spPr/>
-        <p:txBody>
-          <a:bodyPr/>
-          <a:lstStyle/>
-          <a:p>
-            <a:r>
-              <a:rPr lang="zh-CN" altLang="en-US" dirty="0"/>
-              <a:t>实验七：软件配置管理</a:t>
-            </a:r>
-            <a:endParaRPr lang="en-US" dirty="0"/>
-          </a:p>
-        </p:txBody>
-      </p:sp>
-      <p:sp>
-        <p:nvSpPr>
-          <p:cNvPr id="3" name="Content Placeholder 2">
-            <a:extLst>
-              <a:ext uri="{FF2B5EF4-FFF2-40B4-BE49-F238E27FC236}">
-                <a16:creationId xmlns:a16="http://schemas.microsoft.com/office/drawing/2014/main" id="{6EBB9CCB-A98A-4B3C-8361-536198781B58}"/>
-              </a:ext>
-            </a:extLst>
-          </p:cNvPr>
-          <p:cNvSpPr>
-            <a:spLocks noGrp="1"/>
-          </p:cNvSpPr>
-          <p:nvPr>
-            <p:ph idx="1"/>
-          </p:nvPr>
-        </p:nvSpPr>
-        <p:spPr/>
-        <p:txBody>
-          <a:bodyPr>
-            <a:normAutofit/>
-          </a:bodyPr>
-          <a:lstStyle/>
-          <a:p>
-            <a:pPr marL="0" indent="0">
-              <a:buNone/>
-            </a:pPr>
-            <a:r>
-              <a:rPr lang="zh-CN" altLang="en-US" b="1" dirty="0"/>
-              <a:t>优良格式的</a:t>
-            </a:r>
-            <a:r>
-              <a:rPr lang="en-US" altLang="zh-CN" b="1" dirty="0"/>
-              <a:t>Commit Message</a:t>
-            </a:r>
-          </a:p>
-          <a:p>
-            <a:r>
-              <a:rPr lang="zh-CN" altLang="en-US" dirty="0"/>
-              <a:t>在一般的</a:t>
-            </a:r>
-            <a:r>
-              <a:rPr lang="en-US" altLang="zh-CN" dirty="0"/>
-              <a:t>Commit</a:t>
-            </a:r>
-            <a:r>
-              <a:rPr lang="zh-CN" altLang="en-US" dirty="0"/>
-              <a:t>和</a:t>
-            </a:r>
-            <a:r>
-              <a:rPr lang="en-US" altLang="zh-CN" dirty="0"/>
-              <a:t>Pull Request</a:t>
-            </a:r>
-            <a:r>
-              <a:rPr lang="zh-CN" altLang="en-US" dirty="0"/>
-              <a:t>合并的</a:t>
-            </a:r>
-            <a:r>
-              <a:rPr lang="en-US" altLang="zh-CN" dirty="0"/>
-              <a:t>Message</a:t>
-            </a:r>
-            <a:r>
-              <a:rPr lang="zh-CN" altLang="en-US" dirty="0"/>
-              <a:t>中约定一系列规则，以便后续的统计分析</a:t>
-            </a:r>
-            <a:endParaRPr lang="en-US" altLang="zh-CN" dirty="0"/>
-          </a:p>
-          <a:p>
-            <a:r>
-              <a:rPr lang="zh-CN" altLang="en-US" b="1" dirty="0"/>
-              <a:t>代码仓库</a:t>
-            </a:r>
-            <a:r>
-              <a:rPr lang="zh-CN" altLang="en-US" dirty="0"/>
-              <a:t>要求使用英文</a:t>
-            </a:r>
-            <a:r>
-              <a:rPr lang="en-US" altLang="zh-CN" dirty="0"/>
-              <a:t>Message</a:t>
-            </a:r>
-          </a:p>
-          <a:p>
-            <a:pPr lvl="1"/>
-            <a:r>
-              <a:rPr lang="zh-CN" altLang="en-US" dirty="0"/>
-              <a:t>可以使用带有正文（不止一行的</a:t>
-            </a:r>
-            <a:r>
-              <a:rPr lang="en-US" altLang="zh-CN" dirty="0"/>
-              <a:t>Message</a:t>
-            </a:r>
-            <a:r>
-              <a:rPr lang="zh-CN" altLang="en-US" dirty="0"/>
-              <a:t>），主题和正文隔一行</a:t>
-            </a:r>
-            <a:endParaRPr lang="en-US" altLang="zh-CN" dirty="0"/>
-          </a:p>
-          <a:p>
-            <a:pPr lvl="1"/>
-            <a:r>
-              <a:rPr lang="zh-CN" altLang="en-US" dirty="0"/>
-              <a:t>主题小于</a:t>
-            </a:r>
-            <a:r>
-              <a:rPr lang="en-US" altLang="zh-CN" dirty="0"/>
-              <a:t>50</a:t>
-            </a:r>
-            <a:r>
-              <a:rPr lang="zh-CN" altLang="en-US" dirty="0"/>
-              <a:t>字符</a:t>
-            </a:r>
-            <a:endParaRPr lang="en-US" altLang="zh-CN" dirty="0"/>
-          </a:p>
-          <a:p>
-            <a:pPr lvl="1"/>
-            <a:r>
-              <a:rPr lang="zh-CN" altLang="en-US" dirty="0"/>
-              <a:t>主题首字母大写</a:t>
-            </a:r>
-            <a:endParaRPr lang="en-US" altLang="zh-CN" dirty="0"/>
-          </a:p>
-          <a:p>
-            <a:pPr lvl="1"/>
-            <a:r>
-              <a:rPr lang="zh-CN" altLang="en-US" dirty="0"/>
-              <a:t>主题末尾不加句号</a:t>
-            </a:r>
-            <a:endParaRPr lang="en-US" altLang="zh-CN" dirty="0"/>
-          </a:p>
-          <a:p>
-            <a:pPr lvl="1"/>
-            <a:r>
-              <a:rPr lang="zh-CN" altLang="en-US" dirty="0"/>
-              <a:t>主题用祈使句</a:t>
-            </a:r>
-            <a:endParaRPr lang="en-US" altLang="zh-CN" dirty="0"/>
-          </a:p>
-          <a:p>
-            <a:pPr lvl="1"/>
-            <a:r>
-              <a:rPr lang="zh-CN" altLang="en-US" dirty="0"/>
-              <a:t>正文小于</a:t>
-            </a:r>
-            <a:r>
-              <a:rPr lang="en-US" altLang="zh-CN" dirty="0"/>
-              <a:t>72</a:t>
-            </a:r>
-            <a:r>
-              <a:rPr lang="zh-CN" altLang="en-US" dirty="0"/>
-              <a:t>词</a:t>
-            </a:r>
-            <a:endParaRPr lang="en-US" altLang="zh-CN" dirty="0"/>
-          </a:p>
-          <a:p>
-            <a:pPr lvl="1"/>
-            <a:r>
-              <a:rPr lang="zh-CN" altLang="en-US" dirty="0"/>
-              <a:t>正文描述做了什么以及为什么</a:t>
-            </a:r>
-            <a:endParaRPr lang="en-US" altLang="zh-CN" dirty="0"/>
-          </a:p>
-          <a:p>
-            <a:r>
-              <a:rPr lang="en-US" altLang="zh-CN" dirty="0"/>
-              <a:t>https://chris.beams.io/posts/git-commit/</a:t>
-            </a:r>
-            <a:endParaRPr lang="en-US" dirty="0"/>
-          </a:p>
-          <a:p>
-            <a:endParaRPr lang="en-US" dirty="0"/>
-          </a:p>
-        </p:txBody>
-      </p:sp>
-    </p:spTree>
-    <p:extLst>
-      <p:ext uri="{BB962C8B-B14F-4D97-AF65-F5344CB8AC3E}">
-        <p14:creationId xmlns:p14="http://schemas.microsoft.com/office/powerpoint/2010/main" val="3416722953"/>
-      </p:ext>
-    </p:extLst>
-  </p:cSld>
-  <p:clrMapOvr>
-    <a:masterClrMapping/>
-  </p:clrMapOvr>
-  <mc:AlternateContent xmlns:mc="http://schemas.openxmlformats.org/markup-compatibility/2006" xmlns:p14="http://schemas.microsoft.com/office/powerpoint/2010/main">
-    <mc:Choice Requires="p14">
-      <p:transition spd="med" p14:dur="700">
-        <p:fade/>
-      </p:transition>
-    </mc:Choice>
-    <mc:Fallback xmlns="">
-      <p:transition spd="med">
-        <p:fade/>
-      </p:transition>
-    </mc:Fallback>
-  </mc:AlternateContent>
-</p:sld>
-</file>
-
-<file path=ppt/slides/slide18.xml><?xml version="1.0" encoding="utf-8"?>
-<p:sld xmlns:a="http://schemas.openxmlformats.org/drawingml/2006/main" xmlns:r="http://schemas.openxmlformats.org/officeDocument/2006/relationships" xmlns:p="http://schemas.openxmlformats.org/presentationml/2006/main">
-  <p:cSld>
-    <p:spTree>
-      <p:nvGrpSpPr>
-        <p:cNvPr id="1" name=""/>
-        <p:cNvGrpSpPr/>
-        <p:nvPr/>
-      </p:nvGrpSpPr>
-      <p:grpSpPr>
-        <a:xfrm>
-          <a:off x="0" y="0"/>
-          <a:ext cx="0" cy="0"/>
-          <a:chOff x="0" y="0"/>
-          <a:chExt cx="0" cy="0"/>
-        </a:xfrm>
-      </p:grpSpPr>
-      <p:sp>
-        <p:nvSpPr>
-          <p:cNvPr id="2" name="Title 1">
-            <a:extLst>
-              <a:ext uri="{FF2B5EF4-FFF2-40B4-BE49-F238E27FC236}">
-                <a16:creationId xmlns:a16="http://schemas.microsoft.com/office/drawing/2014/main" id="{5A38E1B0-6FAF-49A8-B575-1ADC8D1CAE98}"/>
-              </a:ext>
-            </a:extLst>
-          </p:cNvPr>
-          <p:cNvSpPr>
-            <a:spLocks noGrp="1"/>
-          </p:cNvSpPr>
-          <p:nvPr>
-            <p:ph type="title"/>
-          </p:nvPr>
-        </p:nvSpPr>
-        <p:spPr/>
-        <p:txBody>
-          <a:bodyPr/>
-          <a:lstStyle/>
-          <a:p>
-            <a:r>
-              <a:rPr lang="zh-CN" altLang="en-US" dirty="0"/>
-              <a:t>实验七：软件配置管理</a:t>
-            </a:r>
-            <a:endParaRPr lang="en-US" dirty="0"/>
-          </a:p>
-        </p:txBody>
-      </p:sp>
-      <p:sp>
-        <p:nvSpPr>
-          <p:cNvPr id="3" name="Content Placeholder 2">
-            <a:extLst>
-              <a:ext uri="{FF2B5EF4-FFF2-40B4-BE49-F238E27FC236}">
-                <a16:creationId xmlns:a16="http://schemas.microsoft.com/office/drawing/2014/main" id="{7122D93B-DA6B-4F6B-A824-F05C51716C87}"/>
-              </a:ext>
-            </a:extLst>
-          </p:cNvPr>
-          <p:cNvSpPr>
-            <a:spLocks noGrp="1"/>
-          </p:cNvSpPr>
-          <p:nvPr>
-            <p:ph idx="1"/>
-          </p:nvPr>
-        </p:nvSpPr>
-        <p:spPr/>
-        <p:txBody>
-          <a:bodyPr/>
-          <a:lstStyle/>
-          <a:p>
-            <a:pPr marL="0" indent="0">
-              <a:buNone/>
-            </a:pPr>
-            <a:r>
-              <a:rPr lang="en-US" b="1" dirty="0"/>
-              <a:t>CI/C</a:t>
-            </a:r>
-            <a:r>
-              <a:rPr lang="en-US" altLang="zh-CN" b="1" dirty="0"/>
-              <a:t>D</a:t>
-            </a:r>
-            <a:endParaRPr lang="en-US" b="1" dirty="0"/>
-          </a:p>
-        </p:txBody>
-      </p:sp>
-      <p:pic>
-        <p:nvPicPr>
-          <p:cNvPr id="6" name="Picture 5" descr="A screenshot of a cell phone&#10;&#10;Description automatically generated">
-            <a:extLst>
-              <a:ext uri="{FF2B5EF4-FFF2-40B4-BE49-F238E27FC236}">
-                <a16:creationId xmlns:a16="http://schemas.microsoft.com/office/drawing/2014/main" id="{96799754-E66C-4459-A90F-255A1FD2F91F}"/>
-              </a:ext>
-            </a:extLst>
-          </p:cNvPr>
-          <p:cNvPicPr>
-            <a:picLocks noChangeAspect="1"/>
-          </p:cNvPicPr>
-          <p:nvPr/>
-        </p:nvPicPr>
-        <p:blipFill>
-          <a:blip r:embed="rId2">
-            <a:extLst>
-              <a:ext uri="{28A0092B-C50C-407E-A947-70E740481C1C}">
-                <a14:useLocalDpi xmlns:a14="http://schemas.microsoft.com/office/drawing/2010/main" val="0"/>
-              </a:ext>
-            </a:extLst>
-          </a:blip>
-          <a:stretch>
-            <a:fillRect/>
-          </a:stretch>
-        </p:blipFill>
-        <p:spPr>
-          <a:xfrm>
-            <a:off x="1032141" y="2085991"/>
-            <a:ext cx="10125635" cy="4606512"/>
-          </a:xfrm>
-          <a:prstGeom prst="rect">
-            <a:avLst/>
-          </a:prstGeom>
-        </p:spPr>
-      </p:pic>
-    </p:spTree>
-    <p:extLst>
-      <p:ext uri="{BB962C8B-B14F-4D97-AF65-F5344CB8AC3E}">
-        <p14:creationId xmlns:p14="http://schemas.microsoft.com/office/powerpoint/2010/main" val="3014594506"/>
-      </p:ext>
-    </p:extLst>
-  </p:cSld>
-  <p:clrMapOvr>
-    <a:masterClrMapping/>
-  </p:clrMapOvr>
-  <mc:AlternateContent xmlns:mc="http://schemas.openxmlformats.org/markup-compatibility/2006" xmlns:p14="http://schemas.microsoft.com/office/powerpoint/2010/main">
-    <mc:Choice Requires="p14">
-      <p:transition spd="med" p14:dur="700">
-        <p:fade/>
-      </p:transition>
-    </mc:Choice>
-    <mc:Fallback xmlns="">
-      <p:transition spd="med">
-        <p:fade/>
-      </p:transition>
-    </mc:Fallback>
-  </mc:AlternateContent>
+  <p:timing>
+    <p:tnLst>
+      <p:par>
+        <p:cTn id="1" dur="indefinite" restart="never" nodeType="tmRoot"/>
+      </p:par>
+    </p:tnLst>
+  </p:timing>
 </p:sld>
 </file>
 
@@ -10661,7 +11899,13 @@
       </p:grpSpPr>
       <p:sp>
         <p:nvSpPr>
-          <p:cNvPr id="2" name="标题 1"/>
+          <p:cNvPr id="2" name="Title 1">
+            <a:extLst>
+              <a:ext uri="{FF2B5EF4-FFF2-40B4-BE49-F238E27FC236}">
+                <a16:creationId xmlns:a16="http://schemas.microsoft.com/office/drawing/2014/main" id="{02C040DB-3788-43D1-892F-A3E635A92237}"/>
+              </a:ext>
+            </a:extLst>
+          </p:cNvPr>
           <p:cNvSpPr>
             <a:spLocks noGrp="1"/>
           </p:cNvSpPr>
@@ -10676,67 +11920,292 @@
           <a:p>
             <a:r>
               <a:rPr lang="zh-CN" altLang="en-US" dirty="0"/>
-              <a:t>实验八：软件工程实验追踪与分析</a:t>
-            </a:r>
+              <a:t>实验七：软件配置管理</a:t>
+            </a:r>
+            <a:endParaRPr lang="en-US" dirty="0"/>
           </a:p>
         </p:txBody>
       </p:sp>
-      <p:pic>
-        <p:nvPicPr>
-          <p:cNvPr id="5" name="内容占位符 4"/>
-          <p:cNvPicPr>
-            <a:picLocks noGrp="1" noChangeAspect="1"/>
-          </p:cNvPicPr>
+      <p:sp>
+        <p:nvSpPr>
+          <p:cNvPr id="3" name="Content Placeholder 2">
+            <a:extLst>
+              <a:ext uri="{FF2B5EF4-FFF2-40B4-BE49-F238E27FC236}">
+                <a16:creationId xmlns:a16="http://schemas.microsoft.com/office/drawing/2014/main" id="{44177FEF-92DF-46EC-82B1-46FD18622D86}"/>
+              </a:ext>
+            </a:extLst>
+          </p:cNvPr>
+          <p:cNvSpPr>
+            <a:spLocks noGrp="1"/>
+          </p:cNvSpPr>
           <p:nvPr>
-            <p:ph sz="half" idx="1"/>
+            <p:ph idx="1"/>
           </p:nvPr>
-        </p:nvPicPr>
-        <p:blipFill>
-          <a:blip r:embed="rId2"/>
-          <a:stretch>
-            <a:fillRect/>
-          </a:stretch>
-        </p:blipFill>
-        <p:spPr>
-          <a:xfrm>
-            <a:off x="1204913" y="1989883"/>
-            <a:ext cx="4754562" cy="3718022"/>
-          </a:xfrm>
-          <a:prstGeom prst="rect">
-            <a:avLst/>
-          </a:prstGeom>
-        </p:spPr>
-      </p:pic>
-      <p:pic>
-        <p:nvPicPr>
-          <p:cNvPr id="8" name="内容占位符 7"/>
-          <p:cNvPicPr>
-            <a:picLocks noGrp="1" noChangeAspect="1"/>
-          </p:cNvPicPr>
-          <p:nvPr>
-            <p:ph sz="half" idx="2"/>
-          </p:nvPr>
-        </p:nvPicPr>
-        <p:blipFill>
-          <a:blip r:embed="rId3"/>
-          <a:stretch>
-            <a:fillRect/>
-          </a:stretch>
-        </p:blipFill>
-        <p:spPr>
-          <a:xfrm>
-            <a:off x="6230938" y="1862669"/>
-            <a:ext cx="4754562" cy="3972450"/>
-          </a:xfrm>
-          <a:prstGeom prst="rect">
-            <a:avLst/>
-          </a:prstGeom>
-        </p:spPr>
-      </p:pic>
+        </p:nvSpPr>
+        <p:spPr/>
+        <p:txBody>
+          <a:bodyPr/>
+          <a:lstStyle/>
+          <a:p>
+            <a:r>
+              <a:rPr lang="zh-CN" altLang="en-US" dirty="0"/>
+              <a:t>使用</a:t>
+            </a:r>
+            <a:r>
+              <a:rPr lang="en-US" altLang="zh-CN" dirty="0"/>
+              <a:t>git CLI</a:t>
+            </a:r>
+            <a:r>
+              <a:rPr lang="zh-CN" altLang="en-US" dirty="0"/>
+              <a:t>统计文档</a:t>
+            </a:r>
+            <a:r>
+              <a:rPr lang="en-US" altLang="zh-CN" dirty="0"/>
+              <a:t>Repo</a:t>
+            </a:r>
+            <a:r>
+              <a:rPr lang="zh-CN" altLang="en-US" dirty="0"/>
+              <a:t>的</a:t>
+            </a:r>
+            <a:r>
+              <a:rPr lang="en-US" altLang="zh-CN" dirty="0"/>
+              <a:t>Commit</a:t>
+            </a:r>
+            <a:r>
+              <a:rPr lang="zh-CN" altLang="en-US" dirty="0"/>
+              <a:t>次数</a:t>
+            </a:r>
+            <a:endParaRPr lang="en-US" dirty="0"/>
+          </a:p>
+          <a:p>
+            <a:r>
+              <a:rPr lang="en-US" dirty="0">
+                <a:latin typeface="Courier New" panose="02070309020205020404" pitchFamily="49" charset="0"/>
+                <a:cs typeface="Courier New" panose="02070309020205020404" pitchFamily="49" charset="0"/>
+              </a:rPr>
+              <a:t>git </a:t>
+            </a:r>
+            <a:r>
+              <a:rPr lang="en-US" dirty="0" err="1">
+                <a:latin typeface="Courier New" panose="02070309020205020404" pitchFamily="49" charset="0"/>
+                <a:cs typeface="Courier New" panose="02070309020205020404" pitchFamily="49" charset="0"/>
+              </a:rPr>
+              <a:t>shortlog</a:t>
+            </a:r>
+            <a:r>
+              <a:rPr lang="en-US" dirty="0">
+                <a:latin typeface="Courier New" panose="02070309020205020404" pitchFamily="49" charset="0"/>
+                <a:cs typeface="Courier New" panose="02070309020205020404" pitchFamily="49" charset="0"/>
+              </a:rPr>
+              <a:t> -</a:t>
+            </a:r>
+            <a:r>
+              <a:rPr lang="en-US" dirty="0" err="1">
+                <a:latin typeface="Courier New" panose="02070309020205020404" pitchFamily="49" charset="0"/>
+                <a:cs typeface="Courier New" panose="02070309020205020404" pitchFamily="49" charset="0"/>
+              </a:rPr>
+              <a:t>sn</a:t>
+            </a:r>
+            <a:r>
+              <a:rPr lang="en-US" dirty="0">
+                <a:latin typeface="Courier New" panose="02070309020205020404" pitchFamily="49" charset="0"/>
+                <a:cs typeface="Courier New" panose="02070309020205020404" pitchFamily="49" charset="0"/>
+              </a:rPr>
+              <a:t> --no-merges</a:t>
+            </a:r>
+          </a:p>
+          <a:p>
+            <a:pPr marL="0" indent="0">
+              <a:buNone/>
+            </a:pPr>
+            <a:r>
+              <a:rPr lang="en-US" dirty="0">
+                <a:latin typeface="Courier New" panose="02070309020205020404" pitchFamily="49" charset="0"/>
+                <a:cs typeface="Courier New" panose="02070309020205020404" pitchFamily="49" charset="0"/>
+              </a:rPr>
+              <a:t>     9  ZZy979			</a:t>
+            </a:r>
+            <a:r>
+              <a:rPr lang="zh-CN" altLang="en-US" dirty="0">
+                <a:latin typeface="Courier New" panose="02070309020205020404" pitchFamily="49" charset="0"/>
+                <a:cs typeface="Courier New" panose="02070309020205020404" pitchFamily="49" charset="0"/>
+              </a:rPr>
+              <a:t>（赵正阳）</a:t>
+            </a:r>
+            <a:endParaRPr lang="en-US" dirty="0">
+              <a:latin typeface="Courier New" panose="02070309020205020404" pitchFamily="49" charset="0"/>
+              <a:cs typeface="Courier New" panose="02070309020205020404" pitchFamily="49" charset="0"/>
+            </a:endParaRPr>
+          </a:p>
+          <a:p>
+            <a:pPr marL="0" indent="0">
+              <a:buNone/>
+            </a:pPr>
+            <a:r>
+              <a:rPr lang="en-US" dirty="0">
+                <a:latin typeface="Courier New" panose="02070309020205020404" pitchFamily="49" charset="0"/>
+                <a:cs typeface="Courier New" panose="02070309020205020404" pitchFamily="49" charset="0"/>
+              </a:rPr>
+              <a:t>     9  </a:t>
+            </a:r>
+            <a:r>
+              <a:rPr lang="en-US" dirty="0" err="1">
+                <a:latin typeface="Courier New" panose="02070309020205020404" pitchFamily="49" charset="0"/>
+                <a:cs typeface="Courier New" panose="02070309020205020404" pitchFamily="49" charset="0"/>
+              </a:rPr>
+              <a:t>icessspark</a:t>
+            </a:r>
+            <a:r>
+              <a:rPr lang="en-US" dirty="0">
+                <a:latin typeface="Courier New" panose="02070309020205020404" pitchFamily="49" charset="0"/>
+                <a:cs typeface="Courier New" panose="02070309020205020404" pitchFamily="49" charset="0"/>
+              </a:rPr>
+              <a:t>		</a:t>
+            </a:r>
+            <a:r>
+              <a:rPr lang="zh-CN" altLang="en-US" dirty="0">
+                <a:latin typeface="Courier New" panose="02070309020205020404" pitchFamily="49" charset="0"/>
+                <a:cs typeface="Courier New" panose="02070309020205020404" pitchFamily="49" charset="0"/>
+              </a:rPr>
+              <a:t>（沈一聪）</a:t>
+            </a:r>
+            <a:endParaRPr lang="en-US" dirty="0">
+              <a:latin typeface="Courier New" panose="02070309020205020404" pitchFamily="49" charset="0"/>
+              <a:cs typeface="Courier New" panose="02070309020205020404" pitchFamily="49" charset="0"/>
+            </a:endParaRPr>
+          </a:p>
+          <a:p>
+            <a:pPr marL="0" indent="0">
+              <a:buNone/>
+            </a:pPr>
+            <a:r>
+              <a:rPr lang="en-US" dirty="0">
+                <a:latin typeface="Courier New" panose="02070309020205020404" pitchFamily="49" charset="0"/>
+                <a:cs typeface="Courier New" panose="02070309020205020404" pitchFamily="49" charset="0"/>
+              </a:rPr>
+              <a:t>     6  </a:t>
+            </a:r>
+            <a:r>
+              <a:rPr lang="en-US" dirty="0" err="1">
+                <a:latin typeface="Courier New" panose="02070309020205020404" pitchFamily="49" charset="0"/>
+                <a:cs typeface="Courier New" panose="02070309020205020404" pitchFamily="49" charset="0"/>
+              </a:rPr>
+              <a:t>Ssynchronicity</a:t>
+            </a:r>
+            <a:r>
+              <a:rPr lang="en-US" dirty="0">
+                <a:latin typeface="Courier New" panose="02070309020205020404" pitchFamily="49" charset="0"/>
+                <a:cs typeface="Courier New" panose="02070309020205020404" pitchFamily="49" charset="0"/>
+              </a:rPr>
+              <a:t>	</a:t>
+            </a:r>
+            <a:r>
+              <a:rPr lang="zh-CN" altLang="en-US" dirty="0">
+                <a:latin typeface="Courier New" panose="02070309020205020404" pitchFamily="49" charset="0"/>
+                <a:cs typeface="Courier New" panose="02070309020205020404" pitchFamily="49" charset="0"/>
+              </a:rPr>
+              <a:t>（宋冰晨）</a:t>
+            </a:r>
+            <a:endParaRPr lang="en-US" dirty="0">
+              <a:latin typeface="Courier New" panose="02070309020205020404" pitchFamily="49" charset="0"/>
+              <a:cs typeface="Courier New" panose="02070309020205020404" pitchFamily="49" charset="0"/>
+            </a:endParaRPr>
+          </a:p>
+          <a:p>
+            <a:pPr marL="0" indent="0">
+              <a:buNone/>
+            </a:pPr>
+            <a:r>
+              <a:rPr lang="en-US" dirty="0">
+                <a:latin typeface="Courier New" panose="02070309020205020404" pitchFamily="49" charset="0"/>
+                <a:cs typeface="Courier New" panose="02070309020205020404" pitchFamily="49" charset="0"/>
+              </a:rPr>
+              <a:t>     6  </a:t>
+            </a:r>
+            <a:r>
+              <a:rPr lang="en-US" dirty="0" err="1">
+                <a:latin typeface="Courier New" panose="02070309020205020404" pitchFamily="49" charset="0"/>
+                <a:cs typeface="Courier New" panose="02070309020205020404" pitchFamily="49" charset="0"/>
+              </a:rPr>
+              <a:t>ghlfcb</a:t>
+            </a:r>
+            <a:r>
+              <a:rPr lang="en-US" dirty="0">
+                <a:latin typeface="Courier New" panose="02070309020205020404" pitchFamily="49" charset="0"/>
+                <a:cs typeface="Courier New" panose="02070309020205020404" pitchFamily="49" charset="0"/>
+              </a:rPr>
+              <a:t>			</a:t>
+            </a:r>
+            <a:r>
+              <a:rPr lang="zh-CN" altLang="en-US" dirty="0">
+                <a:latin typeface="Courier New" panose="02070309020205020404" pitchFamily="49" charset="0"/>
+                <a:cs typeface="Courier New" panose="02070309020205020404" pitchFamily="49" charset="0"/>
+              </a:rPr>
+              <a:t>（郭浩隆）</a:t>
+            </a:r>
+            <a:endParaRPr lang="en-US" dirty="0">
+              <a:latin typeface="Courier New" panose="02070309020205020404" pitchFamily="49" charset="0"/>
+              <a:cs typeface="Courier New" panose="02070309020205020404" pitchFamily="49" charset="0"/>
+            </a:endParaRPr>
+          </a:p>
+          <a:p>
+            <a:pPr marL="0" indent="0">
+              <a:buNone/>
+            </a:pPr>
+            <a:r>
+              <a:rPr lang="en-US" dirty="0">
+                <a:latin typeface="Courier New" panose="02070309020205020404" pitchFamily="49" charset="0"/>
+                <a:cs typeface="Courier New" panose="02070309020205020404" pitchFamily="49" charset="0"/>
+              </a:rPr>
+              <a:t>     3  Yuanzhi LIANG		</a:t>
+            </a:r>
+            <a:r>
+              <a:rPr lang="zh-CN" altLang="en-US" dirty="0">
+                <a:latin typeface="Courier New" panose="02070309020205020404" pitchFamily="49" charset="0"/>
+                <a:cs typeface="Courier New" panose="02070309020205020404" pitchFamily="49" charset="0"/>
+              </a:rPr>
+              <a:t>（梁远志）</a:t>
+            </a:r>
+            <a:endParaRPr lang="en-US" dirty="0">
+              <a:latin typeface="Courier New" panose="02070309020205020404" pitchFamily="49" charset="0"/>
+              <a:cs typeface="Courier New" panose="02070309020205020404" pitchFamily="49" charset="0"/>
+            </a:endParaRPr>
+          </a:p>
+          <a:p>
+            <a:pPr marL="0" indent="0">
+              <a:buNone/>
+            </a:pPr>
+            <a:r>
+              <a:rPr lang="en-US" dirty="0">
+                <a:latin typeface="Courier New" panose="02070309020205020404" pitchFamily="49" charset="0"/>
+                <a:cs typeface="Courier New" panose="02070309020205020404" pitchFamily="49" charset="0"/>
+              </a:rPr>
+              <a:t>     1  </a:t>
+            </a:r>
+            <a:r>
+              <a:rPr lang="en-US" dirty="0" err="1">
+                <a:latin typeface="Courier New" panose="02070309020205020404" pitchFamily="49" charset="0"/>
+                <a:cs typeface="Courier New" panose="02070309020205020404" pitchFamily="49" charset="0"/>
+              </a:rPr>
+              <a:t>bhsei</a:t>
+            </a:r>
+            <a:endParaRPr lang="en-US" dirty="0">
+              <a:latin typeface="Courier New" panose="02070309020205020404" pitchFamily="49" charset="0"/>
+              <a:cs typeface="Courier New" panose="02070309020205020404" pitchFamily="49" charset="0"/>
+            </a:endParaRPr>
+          </a:p>
+          <a:p>
+            <a:pPr marL="0" indent="0">
+              <a:buNone/>
+            </a:pPr>
+            <a:endParaRPr lang="en-US" dirty="0"/>
+          </a:p>
+        </p:txBody>
+      </p:sp>
     </p:spTree>
     <p:extLst>
       <p:ext uri="{BB962C8B-B14F-4D97-AF65-F5344CB8AC3E}">
-        <p14:creationId xmlns:p14="http://schemas.microsoft.com/office/powerpoint/2010/main" val="2493717094"/>
+        <p14:creationId xmlns:p14="http://schemas.microsoft.com/office/powerpoint/2010/main" val="746150494"/>
       </p:ext>
     </p:extLst>
   </p:cSld>
@@ -10755,6 +12224,13 @@
       </p:transition>
     </mc:Fallback>
   </mc:AlternateContent>
+  <p:timing>
+    <p:tnLst>
+      <p:par>
+        <p:cTn id="1" dur="indefinite" restart="never" nodeType="tmRoot"/>
+      </p:par>
+    </p:tnLst>
+  </p:timing>
 </p:sld>
 </file>
 
@@ -11012,10 +12488,280 @@
       </p:transition>
     </mc:Fallback>
   </mc:AlternateContent>
+  <p:timing>
+    <p:tnLst>
+      <p:par>
+        <p:cTn id="1" dur="indefinite" restart="never" nodeType="tmRoot"/>
+      </p:par>
+    </p:tnLst>
+  </p:timing>
 </p:sld>
 </file>
 
 <file path=ppt/slides/slide20.xml><?xml version="1.0" encoding="utf-8"?>
+<p:sld xmlns:a="http://schemas.openxmlformats.org/drawingml/2006/main" xmlns:r="http://schemas.openxmlformats.org/officeDocument/2006/relationships" xmlns:p="http://schemas.openxmlformats.org/presentationml/2006/main">
+  <p:cSld>
+    <p:spTree>
+      <p:nvGrpSpPr>
+        <p:cNvPr id="1" name=""/>
+        <p:cNvGrpSpPr/>
+        <p:nvPr/>
+      </p:nvGrpSpPr>
+      <p:grpSpPr>
+        <a:xfrm>
+          <a:off x="0" y="0"/>
+          <a:ext cx="0" cy="0"/>
+          <a:chOff x="0" y="0"/>
+          <a:chExt cx="0" cy="0"/>
+        </a:xfrm>
+      </p:grpSpPr>
+      <p:sp>
+        <p:nvSpPr>
+          <p:cNvPr id="2" name="Title 1">
+            <a:extLst>
+              <a:ext uri="{FF2B5EF4-FFF2-40B4-BE49-F238E27FC236}">
+                <a16:creationId xmlns:a16="http://schemas.microsoft.com/office/drawing/2014/main" id="{1E0487D4-1918-49AE-8081-7CA1B44A55A6}"/>
+              </a:ext>
+            </a:extLst>
+          </p:cNvPr>
+          <p:cNvSpPr>
+            <a:spLocks noGrp="1"/>
+          </p:cNvSpPr>
+          <p:nvPr>
+            <p:ph type="title"/>
+          </p:nvPr>
+        </p:nvSpPr>
+        <p:spPr/>
+        <p:txBody>
+          <a:bodyPr/>
+          <a:lstStyle/>
+          <a:p>
+            <a:r>
+              <a:rPr lang="zh-CN" altLang="en-US" dirty="0"/>
+              <a:t>实验七：软件配置管理</a:t>
+            </a:r>
+            <a:endParaRPr lang="en-US" dirty="0"/>
+          </a:p>
+        </p:txBody>
+      </p:sp>
+      <p:sp>
+        <p:nvSpPr>
+          <p:cNvPr id="3" name="Content Placeholder 2">
+            <a:extLst>
+              <a:ext uri="{FF2B5EF4-FFF2-40B4-BE49-F238E27FC236}">
+                <a16:creationId xmlns:a16="http://schemas.microsoft.com/office/drawing/2014/main" id="{6DE61BFB-EA83-48FA-9B3C-A72102033BA3}"/>
+              </a:ext>
+            </a:extLst>
+          </p:cNvPr>
+          <p:cNvSpPr>
+            <a:spLocks noGrp="1"/>
+          </p:cNvSpPr>
+          <p:nvPr>
+            <p:ph idx="1"/>
+          </p:nvPr>
+        </p:nvSpPr>
+        <p:spPr/>
+        <p:txBody>
+          <a:bodyPr/>
+          <a:lstStyle/>
+          <a:p>
+            <a:r>
+              <a:rPr lang="zh-CN" altLang="en-US" dirty="0"/>
+              <a:t>使用</a:t>
+            </a:r>
+            <a:r>
+              <a:rPr lang="en-US" altLang="zh-CN" dirty="0" err="1"/>
+              <a:t>Github</a:t>
+            </a:r>
+            <a:r>
+              <a:rPr lang="zh-CN" altLang="en-US" dirty="0"/>
+              <a:t>的</a:t>
+            </a:r>
+            <a:r>
+              <a:rPr lang="en-US" altLang="zh-CN" dirty="0"/>
+              <a:t>Insights</a:t>
+            </a:r>
+            <a:r>
+              <a:rPr lang="zh-CN" altLang="en-US" dirty="0"/>
+              <a:t>查看文档</a:t>
+            </a:r>
+            <a:r>
+              <a:rPr lang="en-US" altLang="zh-CN" dirty="0"/>
+              <a:t>Repo</a:t>
+            </a:r>
+            <a:r>
+              <a:rPr lang="zh-CN" altLang="en-US" dirty="0"/>
+              <a:t>的统计数据</a:t>
+            </a:r>
+            <a:endParaRPr lang="en-US" altLang="zh-CN" dirty="0"/>
+          </a:p>
+          <a:p>
+            <a:pPr marL="0" indent="0">
+              <a:buNone/>
+            </a:pPr>
+            <a:r>
+              <a:rPr lang="en-US" altLang="zh-CN" dirty="0"/>
+              <a:t>Commit</a:t>
+            </a:r>
+            <a:r>
+              <a:rPr lang="zh-CN" altLang="en-US" dirty="0"/>
+              <a:t>次数</a:t>
+            </a:r>
+            <a:endParaRPr lang="en-US" altLang="zh-CN" dirty="0"/>
+          </a:p>
+          <a:p>
+            <a:pPr marL="0" indent="0">
+              <a:buNone/>
+            </a:pPr>
+            <a:r>
+              <a:rPr lang="en-US" altLang="zh-CN" dirty="0"/>
+              <a:t>Additions</a:t>
+            </a:r>
+            <a:r>
+              <a:rPr lang="zh-CN" altLang="en-US" dirty="0"/>
+              <a:t>曲线</a:t>
+            </a:r>
+            <a:endParaRPr lang="en-US" altLang="zh-CN" dirty="0"/>
+          </a:p>
+          <a:p>
+            <a:pPr marL="0" indent="0">
+              <a:buNone/>
+            </a:pPr>
+            <a:r>
+              <a:rPr lang="en-US" altLang="zh-CN" dirty="0"/>
+              <a:t>Commits</a:t>
+            </a:r>
+            <a:r>
+              <a:rPr lang="zh-CN" altLang="en-US" dirty="0"/>
+              <a:t>曲线</a:t>
+            </a:r>
+            <a:endParaRPr lang="en-US" altLang="zh-CN" dirty="0"/>
+          </a:p>
+        </p:txBody>
+      </p:sp>
+      <p:pic>
+        <p:nvPicPr>
+          <p:cNvPr id="4" name="Picture 3">
+            <a:extLst>
+              <a:ext uri="{FF2B5EF4-FFF2-40B4-BE49-F238E27FC236}">
+                <a16:creationId xmlns:a16="http://schemas.microsoft.com/office/drawing/2014/main" id="{E56F4A80-9379-4C9F-9B97-500C9E7ADCE5}"/>
+              </a:ext>
+            </a:extLst>
+          </p:cNvPr>
+          <p:cNvPicPr>
+            <a:picLocks noChangeAspect="1"/>
+          </p:cNvPicPr>
+          <p:nvPr/>
+        </p:nvPicPr>
+        <p:blipFill>
+          <a:blip r:embed="rId3"/>
+          <a:stretch>
+            <a:fillRect/>
+          </a:stretch>
+        </p:blipFill>
+        <p:spPr>
+          <a:xfrm>
+            <a:off x="5356215" y="2388485"/>
+            <a:ext cx="2703623" cy="3923415"/>
+          </a:xfrm>
+          <a:prstGeom prst="rect">
+            <a:avLst/>
+          </a:prstGeom>
+        </p:spPr>
+      </p:pic>
+      <p:pic>
+        <p:nvPicPr>
+          <p:cNvPr id="5" name="Picture 4">
+            <a:extLst>
+              <a:ext uri="{FF2B5EF4-FFF2-40B4-BE49-F238E27FC236}">
+                <a16:creationId xmlns:a16="http://schemas.microsoft.com/office/drawing/2014/main" id="{268068B7-1B5C-4CB0-B94F-4BE07F42FDC8}"/>
+              </a:ext>
+            </a:extLst>
+          </p:cNvPr>
+          <p:cNvPicPr>
+            <a:picLocks noChangeAspect="1"/>
+          </p:cNvPicPr>
+          <p:nvPr/>
+        </p:nvPicPr>
+        <p:blipFill>
+          <a:blip r:embed="rId4"/>
+          <a:stretch>
+            <a:fillRect/>
+          </a:stretch>
+        </p:blipFill>
+        <p:spPr>
+          <a:xfrm>
+            <a:off x="8539151" y="2388486"/>
+            <a:ext cx="2703623" cy="3923414"/>
+          </a:xfrm>
+          <a:prstGeom prst="rect">
+            <a:avLst/>
+          </a:prstGeom>
+        </p:spPr>
+      </p:pic>
+      <p:pic>
+        <p:nvPicPr>
+          <p:cNvPr id="6" name="Picture 5">
+            <a:extLst>
+              <a:ext uri="{FF2B5EF4-FFF2-40B4-BE49-F238E27FC236}">
+                <a16:creationId xmlns:a16="http://schemas.microsoft.com/office/drawing/2014/main" id="{A42B73E8-9E42-4CB3-9603-70B191952FC3}"/>
+              </a:ext>
+            </a:extLst>
+          </p:cNvPr>
+          <p:cNvPicPr>
+            <a:picLocks noChangeAspect="1"/>
+          </p:cNvPicPr>
+          <p:nvPr/>
+        </p:nvPicPr>
+        <p:blipFill>
+          <a:blip r:embed="rId5"/>
+          <a:stretch>
+            <a:fillRect/>
+          </a:stretch>
+        </p:blipFill>
+        <p:spPr>
+          <a:xfrm>
+            <a:off x="949226" y="4102259"/>
+            <a:ext cx="3927676" cy="2209641"/>
+          </a:xfrm>
+          <a:prstGeom prst="rect">
+            <a:avLst/>
+          </a:prstGeom>
+        </p:spPr>
+      </p:pic>
+    </p:spTree>
+    <p:extLst>
+      <p:ext uri="{BB962C8B-B14F-4D97-AF65-F5344CB8AC3E}">
+        <p14:creationId xmlns:p14="http://schemas.microsoft.com/office/powerpoint/2010/main" val="90872665"/>
+      </p:ext>
+    </p:extLst>
+  </p:cSld>
+  <p:clrMapOvr>
+    <a:masterClrMapping/>
+  </p:clrMapOvr>
+  <mc:AlternateContent xmlns:mc="http://schemas.openxmlformats.org/markup-compatibility/2006" xmlns:p14="http://schemas.microsoft.com/office/powerpoint/2010/main">
+    <mc:Choice Requires="p14">
+      <p:transition spd="med" p14:dur="700">
+        <p:fade/>
+      </p:transition>
+    </mc:Choice>
+    <mc:Fallback xmlns="">
+      <p:transition spd="med">
+        <p:fade/>
+      </p:transition>
+    </mc:Fallback>
+  </mc:AlternateContent>
+  <p:timing>
+    <p:tnLst>
+      <p:par>
+        <p:cTn id="1" dur="indefinite" restart="never" nodeType="tmRoot"/>
+      </p:par>
+    </p:tnLst>
+  </p:timing>
+</p:sld>
+</file>
+
+<file path=ppt/slides/slide21.xml><?xml version="1.0" encoding="utf-8"?>
 <p:sld xmlns:a="http://schemas.openxmlformats.org/drawingml/2006/main" xmlns:r="http://schemas.openxmlformats.org/officeDocument/2006/relationships" xmlns:p="http://schemas.openxmlformats.org/presentationml/2006/main">
   <p:cSld>
     <p:spTree>
@@ -11048,9 +12794,10 @@
           <a:lstStyle/>
           <a:p>
             <a:r>
-              <a:rPr lang="zh-CN" altLang="en-US" dirty="0"/>
+              <a:rPr lang="zh-CN" altLang="en-US"/>
               <a:t>实验八：软件工程实验追踪与分析</a:t>
             </a:r>
+            <a:endParaRPr lang="zh-CN" altLang="en-US" dirty="0"/>
           </a:p>
         </p:txBody>
       </p:sp>
@@ -11070,8 +12817,12 @@
           <a:lstStyle/>
           <a:p>
             <a:r>
+              <a:rPr lang="zh-CN" altLang="en-US" dirty="0" smtClean="0"/>
+              <a:t>实验准备工作量</a:t>
+            </a:r>
+            <a:r>
               <a:rPr lang="zh-CN" altLang="en-US" dirty="0"/>
-              <a:t>实验准备工作量统计表</a:t>
+              <a:t>统计表</a:t>
             </a:r>
           </a:p>
         </p:txBody>
@@ -11098,60 +12849,2533 @@
           </a:p>
         </p:txBody>
       </p:sp>
-      <p:pic>
-        <p:nvPicPr>
-          <p:cNvPr id="7" name="内容占位符 4"/>
-          <p:cNvPicPr>
-            <a:picLocks noGrp="1" noChangeAspect="1"/>
-          </p:cNvPicPr>
+      <p:graphicFrame>
+        <p:nvGraphicFramePr>
+          <p:cNvPr id="7" name="内容占位符 3"/>
+          <p:cNvGraphicFramePr>
+            <a:graphicFrameLocks noGrp="1"/>
+          </p:cNvGraphicFramePr>
           <p:nvPr>
             <p:ph sz="half" idx="2"/>
+            <p:extLst>
+              <p:ext uri="{D42A27DB-BD31-4B8C-83A1-F6EECF244321}">
+                <p14:modId xmlns:p14="http://schemas.microsoft.com/office/powerpoint/2010/main" val="1079686333"/>
+              </p:ext>
+            </p:extLst>
           </p:nvPr>
-        </p:nvPicPr>
-        <p:blipFill rotWithShape="1">
-          <a:blip r:embed="rId2"/>
-          <a:srcRect t="4960"/>
-          <a:stretch/>
-        </p:blipFill>
-        <p:spPr>
-          <a:xfrm>
-            <a:off x="1206500" y="2544417"/>
-            <a:ext cx="4756150" cy="3534790"/>
-          </a:xfrm>
-          <a:prstGeom prst="rect">
-            <a:avLst/>
-          </a:prstGeom>
-        </p:spPr>
-      </p:pic>
-      <p:pic>
-        <p:nvPicPr>
-          <p:cNvPr id="8" name="内容占位符 7"/>
-          <p:cNvPicPr>
-            <a:picLocks noGrp="1" noChangeAspect="1"/>
-          </p:cNvPicPr>
+        </p:nvGraphicFramePr>
+        <p:xfrm>
+          <a:off x="1206500" y="2216150"/>
+          <a:ext cx="4754562" cy="2683510"/>
+        </p:xfrm>
+        <a:graphic>
+          <a:graphicData uri="http://schemas.openxmlformats.org/drawingml/2006/table">
+            <a:tbl>
+              <a:tblPr firstRow="1" bandRow="1">
+                <a:tableStyleId>{073A0DAA-6AF3-43AB-8588-CEC1D06C72B9}</a:tableStyleId>
+              </a:tblPr>
+              <a:tblGrid>
+                <a:gridCol w="792427">
+                  <a:extLst>
+                    <a:ext uri="{9D8B030D-6E8A-4147-A177-3AD203B41FA5}">
+                      <a16:colId xmlns:a16="http://schemas.microsoft.com/office/drawing/2014/main" val="233103399"/>
+                    </a:ext>
+                  </a:extLst>
+                </a:gridCol>
+                <a:gridCol w="792427">
+                  <a:extLst>
+                    <a:ext uri="{9D8B030D-6E8A-4147-A177-3AD203B41FA5}">
+                      <a16:colId xmlns:a16="http://schemas.microsoft.com/office/drawing/2014/main" val="2792287603"/>
+                    </a:ext>
+                  </a:extLst>
+                </a:gridCol>
+                <a:gridCol w="792427">
+                  <a:extLst>
+                    <a:ext uri="{9D8B030D-6E8A-4147-A177-3AD203B41FA5}">
+                      <a16:colId xmlns:a16="http://schemas.microsoft.com/office/drawing/2014/main" val="202237231"/>
+                    </a:ext>
+                  </a:extLst>
+                </a:gridCol>
+                <a:gridCol w="792427">
+                  <a:extLst>
+                    <a:ext uri="{9D8B030D-6E8A-4147-A177-3AD203B41FA5}">
+                      <a16:colId xmlns:a16="http://schemas.microsoft.com/office/drawing/2014/main" val="3580145369"/>
+                    </a:ext>
+                  </a:extLst>
+                </a:gridCol>
+                <a:gridCol w="792427">
+                  <a:extLst>
+                    <a:ext uri="{9D8B030D-6E8A-4147-A177-3AD203B41FA5}">
+                      <a16:colId xmlns:a16="http://schemas.microsoft.com/office/drawing/2014/main" val="2941470602"/>
+                    </a:ext>
+                  </a:extLst>
+                </a:gridCol>
+                <a:gridCol w="792427">
+                  <a:extLst>
+                    <a:ext uri="{9D8B030D-6E8A-4147-A177-3AD203B41FA5}">
+                      <a16:colId xmlns:a16="http://schemas.microsoft.com/office/drawing/2014/main" val="457936758"/>
+                    </a:ext>
+                  </a:extLst>
+                </a:gridCol>
+              </a:tblGrid>
+              <a:tr h="370840">
+                <a:tc>
+                  <a:txBody>
+                    <a:bodyPr/>
+                    <a:lstStyle/>
+                    <a:p>
+                      <a:pPr algn="ctr">
+                        <a:lnSpc>
+                          <a:spcPct val="150000"/>
+                        </a:lnSpc>
+                        <a:spcAft>
+                          <a:spcPts val="0"/>
+                        </a:spcAft>
+                      </a:pPr>
+                      <a:r>
+                        <a:rPr lang="zh-CN" sz="1050" kern="100">
+                          <a:effectLst/>
+                        </a:rPr>
+                        <a:t>姓名</a:t>
+                      </a:r>
+                      <a:endParaRPr lang="zh-CN" sz="1050" kern="100">
+                        <a:effectLst/>
+                        <a:latin typeface="等线" panose="02010600030101010101" pitchFamily="2" charset="-122"/>
+                        <a:ea typeface="等线" panose="02010600030101010101" pitchFamily="2" charset="-122"/>
+                        <a:cs typeface="Times New Roman" panose="02020603050405020304" pitchFamily="18" charset="0"/>
+                      </a:endParaRPr>
+                    </a:p>
+                  </a:txBody>
+                  <a:tcPr marL="68580" marR="68580" marT="0" marB="0" anchor="ctr"/>
+                </a:tc>
+                <a:tc>
+                  <a:txBody>
+                    <a:bodyPr/>
+                    <a:lstStyle/>
+                    <a:p>
+                      <a:pPr algn="ctr">
+                        <a:lnSpc>
+                          <a:spcPct val="150000"/>
+                        </a:lnSpc>
+                        <a:spcAft>
+                          <a:spcPts val="0"/>
+                        </a:spcAft>
+                      </a:pPr>
+                      <a:r>
+                        <a:rPr lang="zh-CN" sz="1050" kern="100">
+                          <a:effectLst/>
+                        </a:rPr>
+                        <a:t>赵正阳</a:t>
+                      </a:r>
+                      <a:endParaRPr lang="zh-CN" sz="1050" kern="100">
+                        <a:effectLst/>
+                        <a:latin typeface="等线" panose="02010600030101010101" pitchFamily="2" charset="-122"/>
+                        <a:ea typeface="等线" panose="02010600030101010101" pitchFamily="2" charset="-122"/>
+                        <a:cs typeface="Times New Roman" panose="02020603050405020304" pitchFamily="18" charset="0"/>
+                      </a:endParaRPr>
+                    </a:p>
+                  </a:txBody>
+                  <a:tcPr marL="68580" marR="68580" marT="0" marB="0" anchor="ctr"/>
+                </a:tc>
+                <a:tc>
+                  <a:txBody>
+                    <a:bodyPr/>
+                    <a:lstStyle/>
+                    <a:p>
+                      <a:pPr algn="ctr">
+                        <a:lnSpc>
+                          <a:spcPct val="150000"/>
+                        </a:lnSpc>
+                        <a:spcAft>
+                          <a:spcPts val="0"/>
+                        </a:spcAft>
+                      </a:pPr>
+                      <a:r>
+                        <a:rPr lang="zh-CN" sz="1050" kern="100" dirty="0">
+                          <a:effectLst/>
+                        </a:rPr>
+                        <a:t>郭浩隆</a:t>
+                      </a:r>
+                      <a:endParaRPr lang="zh-CN" sz="1050" kern="100" dirty="0">
+                        <a:effectLst/>
+                        <a:latin typeface="等线" panose="02010600030101010101" pitchFamily="2" charset="-122"/>
+                        <a:ea typeface="等线" panose="02010600030101010101" pitchFamily="2" charset="-122"/>
+                        <a:cs typeface="Times New Roman" panose="02020603050405020304" pitchFamily="18" charset="0"/>
+                      </a:endParaRPr>
+                    </a:p>
+                  </a:txBody>
+                  <a:tcPr marL="68580" marR="68580" marT="0" marB="0" anchor="ctr"/>
+                </a:tc>
+                <a:tc>
+                  <a:txBody>
+                    <a:bodyPr/>
+                    <a:lstStyle/>
+                    <a:p>
+                      <a:pPr algn="ctr">
+                        <a:lnSpc>
+                          <a:spcPct val="150000"/>
+                        </a:lnSpc>
+                        <a:spcAft>
+                          <a:spcPts val="0"/>
+                        </a:spcAft>
+                      </a:pPr>
+                      <a:r>
+                        <a:rPr lang="zh-CN" sz="1050" kern="100">
+                          <a:effectLst/>
+                        </a:rPr>
+                        <a:t>沈一聪</a:t>
+                      </a:r>
+                      <a:endParaRPr lang="zh-CN" sz="1050" kern="100">
+                        <a:effectLst/>
+                        <a:latin typeface="等线" panose="02010600030101010101" pitchFamily="2" charset="-122"/>
+                        <a:ea typeface="等线" panose="02010600030101010101" pitchFamily="2" charset="-122"/>
+                        <a:cs typeface="Times New Roman" panose="02020603050405020304" pitchFamily="18" charset="0"/>
+                      </a:endParaRPr>
+                    </a:p>
+                  </a:txBody>
+                  <a:tcPr marL="68580" marR="68580" marT="0" marB="0" anchor="ctr"/>
+                </a:tc>
+                <a:tc>
+                  <a:txBody>
+                    <a:bodyPr/>
+                    <a:lstStyle/>
+                    <a:p>
+                      <a:pPr algn="ctr">
+                        <a:lnSpc>
+                          <a:spcPct val="150000"/>
+                        </a:lnSpc>
+                        <a:spcAft>
+                          <a:spcPts val="0"/>
+                        </a:spcAft>
+                      </a:pPr>
+                      <a:r>
+                        <a:rPr lang="zh-CN" sz="1050" kern="100">
+                          <a:effectLst/>
+                        </a:rPr>
+                        <a:t>梁远志</a:t>
+                      </a:r>
+                      <a:endParaRPr lang="zh-CN" sz="1050" kern="100">
+                        <a:effectLst/>
+                        <a:latin typeface="等线" panose="02010600030101010101" pitchFamily="2" charset="-122"/>
+                        <a:ea typeface="等线" panose="02010600030101010101" pitchFamily="2" charset="-122"/>
+                        <a:cs typeface="Times New Roman" panose="02020603050405020304" pitchFamily="18" charset="0"/>
+                      </a:endParaRPr>
+                    </a:p>
+                  </a:txBody>
+                  <a:tcPr marL="68580" marR="68580" marT="0" marB="0" anchor="ctr"/>
+                </a:tc>
+                <a:tc>
+                  <a:txBody>
+                    <a:bodyPr/>
+                    <a:lstStyle/>
+                    <a:p>
+                      <a:pPr algn="ctr">
+                        <a:lnSpc>
+                          <a:spcPct val="150000"/>
+                        </a:lnSpc>
+                        <a:spcAft>
+                          <a:spcPts val="0"/>
+                        </a:spcAft>
+                      </a:pPr>
+                      <a:r>
+                        <a:rPr lang="zh-CN" sz="1050" kern="100">
+                          <a:effectLst/>
+                        </a:rPr>
+                        <a:t>宋冰晨</a:t>
+                      </a:r>
+                      <a:endParaRPr lang="zh-CN" sz="1050" kern="100">
+                        <a:effectLst/>
+                        <a:latin typeface="等线" panose="02010600030101010101" pitchFamily="2" charset="-122"/>
+                        <a:ea typeface="等线" panose="02010600030101010101" pitchFamily="2" charset="-122"/>
+                        <a:cs typeface="Times New Roman" panose="02020603050405020304" pitchFamily="18" charset="0"/>
+                      </a:endParaRPr>
+                    </a:p>
+                  </a:txBody>
+                  <a:tcPr marL="68580" marR="68580" marT="0" marB="0" anchor="ctr"/>
+                </a:tc>
+                <a:extLst>
+                  <a:ext uri="{0D108BD9-81ED-4DB2-BD59-A6C34878D82A}">
+                    <a16:rowId xmlns:a16="http://schemas.microsoft.com/office/drawing/2014/main" val="3799265060"/>
+                  </a:ext>
+                </a:extLst>
+              </a:tr>
+              <a:tr h="370840">
+                <a:tc>
+                  <a:txBody>
+                    <a:bodyPr/>
+                    <a:lstStyle/>
+                    <a:p>
+                      <a:pPr algn="ctr">
+                        <a:lnSpc>
+                          <a:spcPct val="150000"/>
+                        </a:lnSpc>
+                        <a:spcAft>
+                          <a:spcPts val="0"/>
+                        </a:spcAft>
+                      </a:pPr>
+                      <a:r>
+                        <a:rPr lang="zh-CN" sz="1050" kern="100">
+                          <a:effectLst/>
+                        </a:rPr>
+                        <a:t>分工</a:t>
+                      </a:r>
+                      <a:endParaRPr lang="zh-CN" sz="1050" kern="100">
+                        <a:effectLst/>
+                        <a:latin typeface="等线" panose="02010600030101010101" pitchFamily="2" charset="-122"/>
+                        <a:ea typeface="等线" panose="02010600030101010101" pitchFamily="2" charset="-122"/>
+                        <a:cs typeface="Times New Roman" panose="02020603050405020304" pitchFamily="18" charset="0"/>
+                      </a:endParaRPr>
+                    </a:p>
+                  </a:txBody>
+                  <a:tcPr marL="68580" marR="68580" marT="0" marB="0" anchor="ctr"/>
+                </a:tc>
+                <a:tc>
+                  <a:txBody>
+                    <a:bodyPr/>
+                    <a:lstStyle/>
+                    <a:p>
+                      <a:pPr algn="ctr">
+                        <a:lnSpc>
+                          <a:spcPct val="150000"/>
+                        </a:lnSpc>
+                        <a:spcAft>
+                          <a:spcPts val="0"/>
+                        </a:spcAft>
+                      </a:pPr>
+                      <a:r>
+                        <a:rPr lang="zh-CN" sz="1050" kern="100">
+                          <a:effectLst/>
+                        </a:rPr>
+                        <a:t>项目简介、组员介绍</a:t>
+                      </a:r>
+                      <a:endParaRPr lang="zh-CN" sz="1050" kern="100">
+                        <a:effectLst/>
+                        <a:latin typeface="等线" panose="02010600030101010101" pitchFamily="2" charset="-122"/>
+                        <a:ea typeface="等线" panose="02010600030101010101" pitchFamily="2" charset="-122"/>
+                        <a:cs typeface="Times New Roman" panose="02020603050405020304" pitchFamily="18" charset="0"/>
+                      </a:endParaRPr>
+                    </a:p>
+                  </a:txBody>
+                  <a:tcPr marL="68580" marR="68580" marT="0" marB="0" anchor="ctr"/>
+                </a:tc>
+                <a:tc>
+                  <a:txBody>
+                    <a:bodyPr/>
+                    <a:lstStyle/>
+                    <a:p>
+                      <a:pPr algn="ctr">
+                        <a:lnSpc>
+                          <a:spcPct val="150000"/>
+                        </a:lnSpc>
+                        <a:spcAft>
+                          <a:spcPts val="0"/>
+                        </a:spcAft>
+                      </a:pPr>
+                      <a:r>
+                        <a:rPr lang="en-US" sz="1050" kern="100">
+                          <a:effectLst/>
+                        </a:rPr>
+                        <a:t>Web UI</a:t>
+                      </a:r>
+                      <a:endParaRPr lang="zh-CN" sz="1050" kern="100">
+                        <a:effectLst/>
+                        <a:latin typeface="等线" panose="02010600030101010101" pitchFamily="2" charset="-122"/>
+                        <a:ea typeface="等线" panose="02010600030101010101" pitchFamily="2" charset="-122"/>
+                        <a:cs typeface="Times New Roman" panose="02020603050405020304" pitchFamily="18" charset="0"/>
+                      </a:endParaRPr>
+                    </a:p>
+                  </a:txBody>
+                  <a:tcPr marL="68580" marR="68580" marT="0" marB="0" anchor="ctr"/>
+                </a:tc>
+                <a:tc>
+                  <a:txBody>
+                    <a:bodyPr/>
+                    <a:lstStyle/>
+                    <a:p>
+                      <a:pPr algn="ctr">
+                        <a:lnSpc>
+                          <a:spcPct val="150000"/>
+                        </a:lnSpc>
+                        <a:spcAft>
+                          <a:spcPts val="0"/>
+                        </a:spcAft>
+                      </a:pPr>
+                      <a:r>
+                        <a:rPr lang="zh-CN" sz="1050" kern="100">
+                          <a:effectLst/>
+                        </a:rPr>
+                        <a:t>反爬虫</a:t>
+                      </a:r>
+                      <a:endParaRPr lang="zh-CN" sz="1050" kern="100">
+                        <a:effectLst/>
+                        <a:latin typeface="等线" panose="02010600030101010101" pitchFamily="2" charset="-122"/>
+                        <a:ea typeface="等线" panose="02010600030101010101" pitchFamily="2" charset="-122"/>
+                        <a:cs typeface="Times New Roman" panose="02020603050405020304" pitchFamily="18" charset="0"/>
+                      </a:endParaRPr>
+                    </a:p>
+                  </a:txBody>
+                  <a:tcPr marL="68580" marR="68580" marT="0" marB="0" anchor="ctr"/>
+                </a:tc>
+                <a:tc>
+                  <a:txBody>
+                    <a:bodyPr/>
+                    <a:lstStyle/>
+                    <a:p>
+                      <a:pPr algn="ctr">
+                        <a:lnSpc>
+                          <a:spcPct val="150000"/>
+                        </a:lnSpc>
+                        <a:spcAft>
+                          <a:spcPts val="0"/>
+                        </a:spcAft>
+                      </a:pPr>
+                      <a:r>
+                        <a:rPr lang="zh-CN" sz="1050" kern="100">
+                          <a:effectLst/>
+                        </a:rPr>
+                        <a:t>分布式</a:t>
+                      </a:r>
+                      <a:endParaRPr lang="zh-CN" sz="1050" kern="100">
+                        <a:effectLst/>
+                        <a:latin typeface="等线" panose="02010600030101010101" pitchFamily="2" charset="-122"/>
+                        <a:ea typeface="等线" panose="02010600030101010101" pitchFamily="2" charset="-122"/>
+                        <a:cs typeface="Times New Roman" panose="02020603050405020304" pitchFamily="18" charset="0"/>
+                      </a:endParaRPr>
+                    </a:p>
+                  </a:txBody>
+                  <a:tcPr marL="68580" marR="68580" marT="0" marB="0" anchor="ctr"/>
+                </a:tc>
+                <a:tc>
+                  <a:txBody>
+                    <a:bodyPr/>
+                    <a:lstStyle/>
+                    <a:p>
+                      <a:pPr algn="ctr">
+                        <a:lnSpc>
+                          <a:spcPct val="150000"/>
+                        </a:lnSpc>
+                        <a:spcAft>
+                          <a:spcPts val="0"/>
+                        </a:spcAft>
+                      </a:pPr>
+                      <a:r>
+                        <a:rPr lang="zh-CN" sz="1050" kern="100">
+                          <a:effectLst/>
+                        </a:rPr>
+                        <a:t>整体计划、贡献率计算公式</a:t>
+                      </a:r>
+                      <a:endParaRPr lang="zh-CN" sz="1050" kern="100">
+                        <a:effectLst/>
+                        <a:latin typeface="等线" panose="02010600030101010101" pitchFamily="2" charset="-122"/>
+                        <a:ea typeface="等线" panose="02010600030101010101" pitchFamily="2" charset="-122"/>
+                        <a:cs typeface="Times New Roman" panose="02020603050405020304" pitchFamily="18" charset="0"/>
+                      </a:endParaRPr>
+                    </a:p>
+                  </a:txBody>
+                  <a:tcPr marL="68580" marR="68580" marT="0" marB="0" anchor="ctr"/>
+                </a:tc>
+                <a:extLst>
+                  <a:ext uri="{0D108BD9-81ED-4DB2-BD59-A6C34878D82A}">
+                    <a16:rowId xmlns:a16="http://schemas.microsoft.com/office/drawing/2014/main" val="1393415290"/>
+                  </a:ext>
+                </a:extLst>
+              </a:tr>
+              <a:tr h="370840">
+                <a:tc>
+                  <a:txBody>
+                    <a:bodyPr/>
+                    <a:lstStyle/>
+                    <a:p>
+                      <a:pPr algn="ctr">
+                        <a:lnSpc>
+                          <a:spcPct val="150000"/>
+                        </a:lnSpc>
+                        <a:spcAft>
+                          <a:spcPts val="0"/>
+                        </a:spcAft>
+                      </a:pPr>
+                      <a:r>
+                        <a:rPr lang="zh-CN" sz="1050" kern="100" dirty="0">
+                          <a:effectLst/>
+                        </a:rPr>
+                        <a:t>完成字数</a:t>
+                      </a:r>
+                      <a:endParaRPr lang="zh-CN" sz="1050" kern="100" dirty="0">
+                        <a:effectLst/>
+                        <a:latin typeface="等线" panose="02010600030101010101" pitchFamily="2" charset="-122"/>
+                        <a:ea typeface="等线" panose="02010600030101010101" pitchFamily="2" charset="-122"/>
+                        <a:cs typeface="Times New Roman" panose="02020603050405020304" pitchFamily="18" charset="0"/>
+                      </a:endParaRPr>
+                    </a:p>
+                  </a:txBody>
+                  <a:tcPr marL="68580" marR="68580" marT="0" marB="0" anchor="ctr"/>
+                </a:tc>
+                <a:tc>
+                  <a:txBody>
+                    <a:bodyPr/>
+                    <a:lstStyle/>
+                    <a:p>
+                      <a:pPr algn="ctr">
+                        <a:lnSpc>
+                          <a:spcPct val="150000"/>
+                        </a:lnSpc>
+                        <a:spcAft>
+                          <a:spcPts val="0"/>
+                        </a:spcAft>
+                      </a:pPr>
+                      <a:r>
+                        <a:rPr lang="en-US" sz="1050" kern="100" dirty="0" smtClean="0">
+                          <a:effectLst/>
+                        </a:rPr>
+                        <a:t>1236</a:t>
+                      </a:r>
+                      <a:endParaRPr lang="zh-CN" sz="1050" kern="100" dirty="0">
+                        <a:effectLst/>
+                        <a:latin typeface="等线" panose="02010600030101010101" pitchFamily="2" charset="-122"/>
+                        <a:ea typeface="等线" panose="02010600030101010101" pitchFamily="2" charset="-122"/>
+                        <a:cs typeface="Times New Roman" panose="02020603050405020304" pitchFamily="18" charset="0"/>
+                      </a:endParaRPr>
+                    </a:p>
+                  </a:txBody>
+                  <a:tcPr marL="68580" marR="68580" marT="0" marB="0" anchor="ctr"/>
+                </a:tc>
+                <a:tc>
+                  <a:txBody>
+                    <a:bodyPr/>
+                    <a:lstStyle/>
+                    <a:p>
+                      <a:pPr algn="ctr">
+                        <a:lnSpc>
+                          <a:spcPct val="150000"/>
+                        </a:lnSpc>
+                        <a:spcAft>
+                          <a:spcPts val="0"/>
+                        </a:spcAft>
+                      </a:pPr>
+                      <a:r>
+                        <a:rPr lang="en-US" sz="1050" kern="100" dirty="0" smtClean="0">
+                          <a:effectLst/>
+                        </a:rPr>
+                        <a:t>1184</a:t>
+                      </a:r>
+                      <a:endParaRPr lang="zh-CN" sz="1050" kern="100" dirty="0">
+                        <a:effectLst/>
+                        <a:latin typeface="等线" panose="02010600030101010101" pitchFamily="2" charset="-122"/>
+                        <a:ea typeface="等线" panose="02010600030101010101" pitchFamily="2" charset="-122"/>
+                        <a:cs typeface="Times New Roman" panose="02020603050405020304" pitchFamily="18" charset="0"/>
+                      </a:endParaRPr>
+                    </a:p>
+                  </a:txBody>
+                  <a:tcPr marL="68580" marR="68580" marT="0" marB="0" anchor="ctr"/>
+                </a:tc>
+                <a:tc>
+                  <a:txBody>
+                    <a:bodyPr/>
+                    <a:lstStyle/>
+                    <a:p>
+                      <a:pPr algn="ctr">
+                        <a:lnSpc>
+                          <a:spcPct val="150000"/>
+                        </a:lnSpc>
+                        <a:spcAft>
+                          <a:spcPts val="0"/>
+                        </a:spcAft>
+                      </a:pPr>
+                      <a:r>
+                        <a:rPr lang="en-US" sz="1050" kern="100">
+                          <a:effectLst/>
+                        </a:rPr>
+                        <a:t>2207</a:t>
+                      </a:r>
+                      <a:endParaRPr lang="zh-CN" sz="1050" kern="100">
+                        <a:effectLst/>
+                        <a:latin typeface="等线" panose="02010600030101010101" pitchFamily="2" charset="-122"/>
+                        <a:ea typeface="等线" panose="02010600030101010101" pitchFamily="2" charset="-122"/>
+                        <a:cs typeface="Times New Roman" panose="02020603050405020304" pitchFamily="18" charset="0"/>
+                      </a:endParaRPr>
+                    </a:p>
+                  </a:txBody>
+                  <a:tcPr marL="68580" marR="68580" marT="0" marB="0" anchor="ctr"/>
+                </a:tc>
+                <a:tc>
+                  <a:txBody>
+                    <a:bodyPr/>
+                    <a:lstStyle/>
+                    <a:p>
+                      <a:pPr algn="ctr">
+                        <a:lnSpc>
+                          <a:spcPct val="150000"/>
+                        </a:lnSpc>
+                        <a:spcAft>
+                          <a:spcPts val="0"/>
+                        </a:spcAft>
+                      </a:pPr>
+                      <a:r>
+                        <a:rPr lang="en-US" sz="1050" kern="100">
+                          <a:effectLst/>
+                        </a:rPr>
+                        <a:t>788</a:t>
+                      </a:r>
+                      <a:endParaRPr lang="zh-CN" sz="1050" kern="100">
+                        <a:effectLst/>
+                        <a:latin typeface="等线" panose="02010600030101010101" pitchFamily="2" charset="-122"/>
+                        <a:ea typeface="等线" panose="02010600030101010101" pitchFamily="2" charset="-122"/>
+                        <a:cs typeface="Times New Roman" panose="02020603050405020304" pitchFamily="18" charset="0"/>
+                      </a:endParaRPr>
+                    </a:p>
+                  </a:txBody>
+                  <a:tcPr marL="68580" marR="68580" marT="0" marB="0" anchor="ctr"/>
+                </a:tc>
+                <a:tc>
+                  <a:txBody>
+                    <a:bodyPr/>
+                    <a:lstStyle/>
+                    <a:p>
+                      <a:pPr algn="ctr">
+                        <a:lnSpc>
+                          <a:spcPct val="150000"/>
+                        </a:lnSpc>
+                        <a:spcAft>
+                          <a:spcPts val="0"/>
+                        </a:spcAft>
+                      </a:pPr>
+                      <a:r>
+                        <a:rPr lang="en-US" sz="1050" kern="100">
+                          <a:effectLst/>
+                        </a:rPr>
+                        <a:t>679</a:t>
+                      </a:r>
+                      <a:endParaRPr lang="zh-CN" sz="1050" kern="100">
+                        <a:effectLst/>
+                        <a:latin typeface="等线" panose="02010600030101010101" pitchFamily="2" charset="-122"/>
+                        <a:ea typeface="等线" panose="02010600030101010101" pitchFamily="2" charset="-122"/>
+                        <a:cs typeface="Times New Roman" panose="02020603050405020304" pitchFamily="18" charset="0"/>
+                      </a:endParaRPr>
+                    </a:p>
+                  </a:txBody>
+                  <a:tcPr marL="68580" marR="68580" marT="0" marB="0" anchor="ctr"/>
+                </a:tc>
+                <a:extLst>
+                  <a:ext uri="{0D108BD9-81ED-4DB2-BD59-A6C34878D82A}">
+                    <a16:rowId xmlns:a16="http://schemas.microsoft.com/office/drawing/2014/main" val="1352102072"/>
+                  </a:ext>
+                </a:extLst>
+              </a:tr>
+              <a:tr h="370840">
+                <a:tc>
+                  <a:txBody>
+                    <a:bodyPr/>
+                    <a:lstStyle/>
+                    <a:p>
+                      <a:pPr algn="ctr">
+                        <a:lnSpc>
+                          <a:spcPct val="150000"/>
+                        </a:lnSpc>
+                        <a:spcAft>
+                          <a:spcPts val="0"/>
+                        </a:spcAft>
+                      </a:pPr>
+                      <a:r>
+                        <a:rPr lang="zh-CN" sz="1050" kern="100">
+                          <a:effectLst/>
+                        </a:rPr>
+                        <a:t>绘制图表数</a:t>
+                      </a:r>
+                      <a:endParaRPr lang="zh-CN" sz="1050" kern="100">
+                        <a:effectLst/>
+                        <a:latin typeface="等线" panose="02010600030101010101" pitchFamily="2" charset="-122"/>
+                        <a:ea typeface="等线" panose="02010600030101010101" pitchFamily="2" charset="-122"/>
+                        <a:cs typeface="Times New Roman" panose="02020603050405020304" pitchFamily="18" charset="0"/>
+                      </a:endParaRPr>
+                    </a:p>
+                  </a:txBody>
+                  <a:tcPr marL="68580" marR="68580" marT="0" marB="0" anchor="ctr"/>
+                </a:tc>
+                <a:tc>
+                  <a:txBody>
+                    <a:bodyPr/>
+                    <a:lstStyle/>
+                    <a:p>
+                      <a:pPr algn="ctr">
+                        <a:lnSpc>
+                          <a:spcPct val="150000"/>
+                        </a:lnSpc>
+                        <a:spcAft>
+                          <a:spcPts val="0"/>
+                        </a:spcAft>
+                      </a:pPr>
+                      <a:r>
+                        <a:rPr lang="en-US" sz="1050" kern="100">
+                          <a:effectLst/>
+                        </a:rPr>
+                        <a:t>1</a:t>
+                      </a:r>
+                      <a:endParaRPr lang="zh-CN" sz="1050" kern="100">
+                        <a:effectLst/>
+                        <a:latin typeface="等线" panose="02010600030101010101" pitchFamily="2" charset="-122"/>
+                        <a:ea typeface="等线" panose="02010600030101010101" pitchFamily="2" charset="-122"/>
+                        <a:cs typeface="Times New Roman" panose="02020603050405020304" pitchFamily="18" charset="0"/>
+                      </a:endParaRPr>
+                    </a:p>
+                  </a:txBody>
+                  <a:tcPr marL="68580" marR="68580" marT="0" marB="0" anchor="ctr"/>
+                </a:tc>
+                <a:tc>
+                  <a:txBody>
+                    <a:bodyPr/>
+                    <a:lstStyle/>
+                    <a:p>
+                      <a:pPr algn="ctr">
+                        <a:lnSpc>
+                          <a:spcPct val="150000"/>
+                        </a:lnSpc>
+                        <a:spcAft>
+                          <a:spcPts val="0"/>
+                        </a:spcAft>
+                      </a:pPr>
+                      <a:r>
+                        <a:rPr lang="en-US" sz="1050" kern="100">
+                          <a:effectLst/>
+                        </a:rPr>
+                        <a:t>3</a:t>
+                      </a:r>
+                      <a:endParaRPr lang="zh-CN" sz="1050" kern="100">
+                        <a:effectLst/>
+                        <a:latin typeface="等线" panose="02010600030101010101" pitchFamily="2" charset="-122"/>
+                        <a:ea typeface="等线" panose="02010600030101010101" pitchFamily="2" charset="-122"/>
+                        <a:cs typeface="Times New Roman" panose="02020603050405020304" pitchFamily="18" charset="0"/>
+                      </a:endParaRPr>
+                    </a:p>
+                  </a:txBody>
+                  <a:tcPr marL="68580" marR="68580" marT="0" marB="0" anchor="ctr"/>
+                </a:tc>
+                <a:tc>
+                  <a:txBody>
+                    <a:bodyPr/>
+                    <a:lstStyle/>
+                    <a:p>
+                      <a:pPr algn="ctr">
+                        <a:lnSpc>
+                          <a:spcPct val="150000"/>
+                        </a:lnSpc>
+                        <a:spcAft>
+                          <a:spcPts val="0"/>
+                        </a:spcAft>
+                      </a:pPr>
+                      <a:r>
+                        <a:rPr lang="en-US" sz="1050" kern="100">
+                          <a:effectLst/>
+                        </a:rPr>
+                        <a:t>4</a:t>
+                      </a:r>
+                      <a:endParaRPr lang="zh-CN" sz="1050" kern="100">
+                        <a:effectLst/>
+                        <a:latin typeface="等线" panose="02010600030101010101" pitchFamily="2" charset="-122"/>
+                        <a:ea typeface="等线" panose="02010600030101010101" pitchFamily="2" charset="-122"/>
+                        <a:cs typeface="Times New Roman" panose="02020603050405020304" pitchFamily="18" charset="0"/>
+                      </a:endParaRPr>
+                    </a:p>
+                  </a:txBody>
+                  <a:tcPr marL="68580" marR="68580" marT="0" marB="0" anchor="ctr"/>
+                </a:tc>
+                <a:tc>
+                  <a:txBody>
+                    <a:bodyPr/>
+                    <a:lstStyle/>
+                    <a:p>
+                      <a:pPr algn="ctr">
+                        <a:lnSpc>
+                          <a:spcPct val="150000"/>
+                        </a:lnSpc>
+                        <a:spcAft>
+                          <a:spcPts val="0"/>
+                        </a:spcAft>
+                      </a:pPr>
+                      <a:r>
+                        <a:rPr lang="en-US" sz="1050" kern="100">
+                          <a:effectLst/>
+                        </a:rPr>
+                        <a:t>1</a:t>
+                      </a:r>
+                      <a:endParaRPr lang="zh-CN" sz="1050" kern="100">
+                        <a:effectLst/>
+                        <a:latin typeface="等线" panose="02010600030101010101" pitchFamily="2" charset="-122"/>
+                        <a:ea typeface="等线" panose="02010600030101010101" pitchFamily="2" charset="-122"/>
+                        <a:cs typeface="Times New Roman" panose="02020603050405020304" pitchFamily="18" charset="0"/>
+                      </a:endParaRPr>
+                    </a:p>
+                  </a:txBody>
+                  <a:tcPr marL="68580" marR="68580" marT="0" marB="0" anchor="ctr"/>
+                </a:tc>
+                <a:tc>
+                  <a:txBody>
+                    <a:bodyPr/>
+                    <a:lstStyle/>
+                    <a:p>
+                      <a:pPr algn="ctr">
+                        <a:lnSpc>
+                          <a:spcPct val="150000"/>
+                        </a:lnSpc>
+                        <a:spcAft>
+                          <a:spcPts val="0"/>
+                        </a:spcAft>
+                      </a:pPr>
+                      <a:r>
+                        <a:rPr lang="en-US" sz="1050" kern="100">
+                          <a:effectLst/>
+                        </a:rPr>
+                        <a:t>1</a:t>
+                      </a:r>
+                      <a:endParaRPr lang="zh-CN" sz="1050" kern="100">
+                        <a:effectLst/>
+                        <a:latin typeface="等线" panose="02010600030101010101" pitchFamily="2" charset="-122"/>
+                        <a:ea typeface="等线" panose="02010600030101010101" pitchFamily="2" charset="-122"/>
+                        <a:cs typeface="Times New Roman" panose="02020603050405020304" pitchFamily="18" charset="0"/>
+                      </a:endParaRPr>
+                    </a:p>
+                  </a:txBody>
+                  <a:tcPr marL="68580" marR="68580" marT="0" marB="0" anchor="ctr"/>
+                </a:tc>
+                <a:extLst>
+                  <a:ext uri="{0D108BD9-81ED-4DB2-BD59-A6C34878D82A}">
+                    <a16:rowId xmlns:a16="http://schemas.microsoft.com/office/drawing/2014/main" val="2628955106"/>
+                  </a:ext>
+                </a:extLst>
+              </a:tr>
+              <a:tr h="370840">
+                <a:tc>
+                  <a:txBody>
+                    <a:bodyPr/>
+                    <a:lstStyle/>
+                    <a:p>
+                      <a:pPr algn="ctr">
+                        <a:lnSpc>
+                          <a:spcPct val="150000"/>
+                        </a:lnSpc>
+                        <a:spcAft>
+                          <a:spcPts val="0"/>
+                        </a:spcAft>
+                      </a:pPr>
+                      <a:r>
+                        <a:rPr lang="zh-CN" sz="1050" kern="100">
+                          <a:effectLst/>
+                        </a:rPr>
+                        <a:t>其他工作</a:t>
+                      </a:r>
+                      <a:endParaRPr lang="zh-CN" sz="1050" kern="100">
+                        <a:effectLst/>
+                        <a:latin typeface="等线" panose="02010600030101010101" pitchFamily="2" charset="-122"/>
+                        <a:ea typeface="等线" panose="02010600030101010101" pitchFamily="2" charset="-122"/>
+                        <a:cs typeface="Times New Roman" panose="02020603050405020304" pitchFamily="18" charset="0"/>
+                      </a:endParaRPr>
+                    </a:p>
+                  </a:txBody>
+                  <a:tcPr marL="68580" marR="68580" marT="0" marB="0" anchor="ctr"/>
+                </a:tc>
+                <a:tc>
+                  <a:txBody>
+                    <a:bodyPr/>
+                    <a:lstStyle/>
+                    <a:p>
+                      <a:pPr algn="ctr">
+                        <a:lnSpc>
+                          <a:spcPct val="150000"/>
+                        </a:lnSpc>
+                        <a:spcAft>
+                          <a:spcPts val="0"/>
+                        </a:spcAft>
+                      </a:pPr>
+                      <a:r>
+                        <a:rPr lang="zh-CN" sz="1050" kern="100" dirty="0">
+                          <a:effectLst/>
+                        </a:rPr>
+                        <a:t>初稿整合</a:t>
+                      </a:r>
+                      <a:endParaRPr lang="zh-CN" sz="1050" kern="100" dirty="0">
+                        <a:effectLst/>
+                        <a:latin typeface="等线" panose="02010600030101010101" pitchFamily="2" charset="-122"/>
+                        <a:ea typeface="等线" panose="02010600030101010101" pitchFamily="2" charset="-122"/>
+                        <a:cs typeface="Times New Roman" panose="02020603050405020304" pitchFamily="18" charset="0"/>
+                      </a:endParaRPr>
+                    </a:p>
+                  </a:txBody>
+                  <a:tcPr marL="68580" marR="68580" marT="0" marB="0" anchor="ctr"/>
+                </a:tc>
+                <a:tc>
+                  <a:txBody>
+                    <a:bodyPr/>
+                    <a:lstStyle/>
+                    <a:p>
+                      <a:pPr algn="ctr">
+                        <a:lnSpc>
+                          <a:spcPct val="150000"/>
+                        </a:lnSpc>
+                        <a:spcAft>
+                          <a:spcPts val="0"/>
+                        </a:spcAft>
+                      </a:pPr>
+                      <a:r>
+                        <a:rPr lang="en-US" sz="1050" kern="100">
+                          <a:effectLst/>
+                        </a:rPr>
+                        <a:t> </a:t>
+                      </a:r>
+                      <a:endParaRPr lang="zh-CN" sz="1050" kern="100">
+                        <a:effectLst/>
+                        <a:latin typeface="等线" panose="02010600030101010101" pitchFamily="2" charset="-122"/>
+                        <a:ea typeface="等线" panose="02010600030101010101" pitchFamily="2" charset="-122"/>
+                        <a:cs typeface="Times New Roman" panose="02020603050405020304" pitchFamily="18" charset="0"/>
+                      </a:endParaRPr>
+                    </a:p>
+                  </a:txBody>
+                  <a:tcPr marL="68580" marR="68580" marT="0" marB="0" anchor="ctr"/>
+                </a:tc>
+                <a:tc>
+                  <a:txBody>
+                    <a:bodyPr/>
+                    <a:lstStyle/>
+                    <a:p>
+                      <a:pPr algn="ctr">
+                        <a:lnSpc>
+                          <a:spcPct val="150000"/>
+                        </a:lnSpc>
+                        <a:spcAft>
+                          <a:spcPts val="0"/>
+                        </a:spcAft>
+                      </a:pPr>
+                      <a:r>
+                        <a:rPr lang="en-US" sz="1050" kern="100">
+                          <a:effectLst/>
+                        </a:rPr>
+                        <a:t> </a:t>
+                      </a:r>
+                      <a:endParaRPr lang="zh-CN" sz="1050" kern="100">
+                        <a:effectLst/>
+                        <a:latin typeface="等线" panose="02010600030101010101" pitchFamily="2" charset="-122"/>
+                        <a:ea typeface="等线" panose="02010600030101010101" pitchFamily="2" charset="-122"/>
+                        <a:cs typeface="Times New Roman" panose="02020603050405020304" pitchFamily="18" charset="0"/>
+                      </a:endParaRPr>
+                    </a:p>
+                  </a:txBody>
+                  <a:tcPr marL="68580" marR="68580" marT="0" marB="0" anchor="ctr"/>
+                </a:tc>
+                <a:tc>
+                  <a:txBody>
+                    <a:bodyPr/>
+                    <a:lstStyle/>
+                    <a:p>
+                      <a:pPr algn="ctr">
+                        <a:lnSpc>
+                          <a:spcPct val="150000"/>
+                        </a:lnSpc>
+                        <a:spcAft>
+                          <a:spcPts val="0"/>
+                        </a:spcAft>
+                      </a:pPr>
+                      <a:r>
+                        <a:rPr lang="en-US" sz="1050" kern="100">
+                          <a:effectLst/>
+                        </a:rPr>
+                        <a:t> </a:t>
+                      </a:r>
+                      <a:endParaRPr lang="zh-CN" sz="1050" kern="100">
+                        <a:effectLst/>
+                        <a:latin typeface="等线" panose="02010600030101010101" pitchFamily="2" charset="-122"/>
+                        <a:ea typeface="等线" panose="02010600030101010101" pitchFamily="2" charset="-122"/>
+                        <a:cs typeface="Times New Roman" panose="02020603050405020304" pitchFamily="18" charset="0"/>
+                      </a:endParaRPr>
+                    </a:p>
+                  </a:txBody>
+                  <a:tcPr marL="68580" marR="68580" marT="0" marB="0" anchor="ctr"/>
+                </a:tc>
+                <a:tc>
+                  <a:txBody>
+                    <a:bodyPr/>
+                    <a:lstStyle/>
+                    <a:p>
+                      <a:pPr algn="ctr">
+                        <a:lnSpc>
+                          <a:spcPct val="150000"/>
+                        </a:lnSpc>
+                        <a:spcAft>
+                          <a:spcPts val="0"/>
+                        </a:spcAft>
+                      </a:pPr>
+                      <a:r>
+                        <a:rPr lang="en-US" sz="1050" kern="100" dirty="0">
+                          <a:effectLst/>
+                        </a:rPr>
+                        <a:t> </a:t>
+                      </a:r>
+                      <a:endParaRPr lang="zh-CN" sz="1050" kern="100" dirty="0">
+                        <a:effectLst/>
+                        <a:latin typeface="等线" panose="02010600030101010101" pitchFamily="2" charset="-122"/>
+                        <a:ea typeface="等线" panose="02010600030101010101" pitchFamily="2" charset="-122"/>
+                        <a:cs typeface="Times New Roman" panose="02020603050405020304" pitchFamily="18" charset="0"/>
+                      </a:endParaRPr>
+                    </a:p>
+                  </a:txBody>
+                  <a:tcPr marL="68580" marR="68580" marT="0" marB="0" anchor="ctr"/>
+                </a:tc>
+                <a:extLst>
+                  <a:ext uri="{0D108BD9-81ED-4DB2-BD59-A6C34878D82A}">
+                    <a16:rowId xmlns:a16="http://schemas.microsoft.com/office/drawing/2014/main" val="1088176954"/>
+                  </a:ext>
+                </a:extLst>
+              </a:tr>
+              <a:tr h="370840">
+                <a:tc>
+                  <a:txBody>
+                    <a:bodyPr/>
+                    <a:lstStyle/>
+                    <a:p>
+                      <a:pPr algn="ctr">
+                        <a:lnSpc>
+                          <a:spcPct val="150000"/>
+                        </a:lnSpc>
+                        <a:spcAft>
+                          <a:spcPts val="0"/>
+                        </a:spcAft>
+                      </a:pPr>
+                      <a:r>
+                        <a:rPr lang="zh-CN" sz="1050" kern="100" dirty="0">
+                          <a:effectLst/>
+                        </a:rPr>
+                        <a:t>工时</a:t>
+                      </a:r>
+                      <a:endParaRPr lang="zh-CN" sz="1050" kern="100" dirty="0">
+                        <a:effectLst/>
+                        <a:latin typeface="等线" panose="02010600030101010101" pitchFamily="2" charset="-122"/>
+                        <a:ea typeface="等线" panose="02010600030101010101" pitchFamily="2" charset="-122"/>
+                        <a:cs typeface="Times New Roman" panose="02020603050405020304" pitchFamily="18" charset="0"/>
+                      </a:endParaRPr>
+                    </a:p>
+                  </a:txBody>
+                  <a:tcPr marL="68580" marR="68580" marT="0" marB="0" anchor="ctr"/>
+                </a:tc>
+                <a:tc>
+                  <a:txBody>
+                    <a:bodyPr/>
+                    <a:lstStyle/>
+                    <a:p>
+                      <a:pPr algn="ctr">
+                        <a:lnSpc>
+                          <a:spcPct val="150000"/>
+                        </a:lnSpc>
+                        <a:spcAft>
+                          <a:spcPts val="0"/>
+                        </a:spcAft>
+                      </a:pPr>
+                      <a:r>
+                        <a:rPr lang="en-US" sz="1050" kern="100" dirty="0">
+                          <a:effectLst/>
+                        </a:rPr>
+                        <a:t>1</a:t>
+                      </a:r>
+                      <a:r>
+                        <a:rPr lang="en-US" sz="1050" kern="100" dirty="0" smtClean="0">
+                          <a:effectLst/>
+                        </a:rPr>
+                        <a:t> </a:t>
+                      </a:r>
+                      <a:r>
+                        <a:rPr lang="en-US" sz="1050" kern="100" dirty="0">
+                          <a:effectLst/>
+                        </a:rPr>
+                        <a:t>h</a:t>
+                      </a:r>
+                      <a:endParaRPr lang="zh-CN" sz="1050" kern="100" dirty="0">
+                        <a:effectLst/>
+                        <a:latin typeface="等线" panose="02010600030101010101" pitchFamily="2" charset="-122"/>
+                        <a:ea typeface="等线" panose="02010600030101010101" pitchFamily="2" charset="-122"/>
+                        <a:cs typeface="Times New Roman" panose="02020603050405020304" pitchFamily="18" charset="0"/>
+                      </a:endParaRPr>
+                    </a:p>
+                  </a:txBody>
+                  <a:tcPr marL="68580" marR="68580" marT="0" marB="0" anchor="ctr"/>
+                </a:tc>
+                <a:tc>
+                  <a:txBody>
+                    <a:bodyPr/>
+                    <a:lstStyle/>
+                    <a:p>
+                      <a:pPr algn="ctr">
+                        <a:lnSpc>
+                          <a:spcPct val="150000"/>
+                        </a:lnSpc>
+                        <a:spcAft>
+                          <a:spcPts val="0"/>
+                        </a:spcAft>
+                      </a:pPr>
+                      <a:endParaRPr lang="zh-CN" sz="1050" kern="100" dirty="0">
+                        <a:effectLst/>
+                        <a:latin typeface="等线" panose="02010600030101010101" pitchFamily="2" charset="-122"/>
+                        <a:ea typeface="等线" panose="02010600030101010101" pitchFamily="2" charset="-122"/>
+                        <a:cs typeface="Times New Roman" panose="02020603050405020304" pitchFamily="18" charset="0"/>
+                      </a:endParaRPr>
+                    </a:p>
+                  </a:txBody>
+                  <a:tcPr marL="68580" marR="68580" marT="0" marB="0" anchor="ctr"/>
+                </a:tc>
+                <a:tc>
+                  <a:txBody>
+                    <a:bodyPr/>
+                    <a:lstStyle/>
+                    <a:p>
+                      <a:pPr algn="ctr">
+                        <a:lnSpc>
+                          <a:spcPct val="150000"/>
+                        </a:lnSpc>
+                        <a:spcAft>
+                          <a:spcPts val="0"/>
+                        </a:spcAft>
+                      </a:pPr>
+                      <a:endParaRPr lang="zh-CN" sz="1050" kern="100" dirty="0">
+                        <a:effectLst/>
+                        <a:latin typeface="等线" panose="02010600030101010101" pitchFamily="2" charset="-122"/>
+                        <a:ea typeface="等线" panose="02010600030101010101" pitchFamily="2" charset="-122"/>
+                        <a:cs typeface="Times New Roman" panose="02020603050405020304" pitchFamily="18" charset="0"/>
+                      </a:endParaRPr>
+                    </a:p>
+                  </a:txBody>
+                  <a:tcPr marL="68580" marR="68580" marT="0" marB="0" anchor="ctr"/>
+                </a:tc>
+                <a:tc>
+                  <a:txBody>
+                    <a:bodyPr/>
+                    <a:lstStyle/>
+                    <a:p>
+                      <a:pPr algn="ctr">
+                        <a:lnSpc>
+                          <a:spcPct val="150000"/>
+                        </a:lnSpc>
+                        <a:spcAft>
+                          <a:spcPts val="0"/>
+                        </a:spcAft>
+                      </a:pPr>
+                      <a:endParaRPr lang="zh-CN" sz="1050" kern="100" dirty="0">
+                        <a:effectLst/>
+                        <a:latin typeface="等线" panose="02010600030101010101" pitchFamily="2" charset="-122"/>
+                        <a:ea typeface="等线" panose="02010600030101010101" pitchFamily="2" charset="-122"/>
+                        <a:cs typeface="Times New Roman" panose="02020603050405020304" pitchFamily="18" charset="0"/>
+                      </a:endParaRPr>
+                    </a:p>
+                  </a:txBody>
+                  <a:tcPr marL="68580" marR="68580" marT="0" marB="0" anchor="ctr"/>
+                </a:tc>
+                <a:tc>
+                  <a:txBody>
+                    <a:bodyPr/>
+                    <a:lstStyle/>
+                    <a:p>
+                      <a:pPr algn="ctr">
+                        <a:lnSpc>
+                          <a:spcPct val="150000"/>
+                        </a:lnSpc>
+                        <a:spcAft>
+                          <a:spcPts val="0"/>
+                        </a:spcAft>
+                      </a:pPr>
+                      <a:endParaRPr lang="zh-CN" sz="1050" kern="100" dirty="0">
+                        <a:effectLst/>
+                        <a:latin typeface="等线" panose="02010600030101010101" pitchFamily="2" charset="-122"/>
+                        <a:ea typeface="等线" panose="02010600030101010101" pitchFamily="2" charset="-122"/>
+                        <a:cs typeface="Times New Roman" panose="02020603050405020304" pitchFamily="18" charset="0"/>
+                      </a:endParaRPr>
+                    </a:p>
+                  </a:txBody>
+                  <a:tcPr marL="68580" marR="68580" marT="0" marB="0" anchor="ctr"/>
+                </a:tc>
+                <a:extLst>
+                  <a:ext uri="{0D108BD9-81ED-4DB2-BD59-A6C34878D82A}">
+                    <a16:rowId xmlns:a16="http://schemas.microsoft.com/office/drawing/2014/main" val="1113800985"/>
+                  </a:ext>
+                </a:extLst>
+              </a:tr>
+            </a:tbl>
+          </a:graphicData>
+        </a:graphic>
+      </p:graphicFrame>
+      <p:graphicFrame>
+        <p:nvGraphicFramePr>
+          <p:cNvPr id="8" name="内容占位符 6"/>
+          <p:cNvGraphicFramePr>
+            <a:graphicFrameLocks noGrp="1"/>
+          </p:cNvGraphicFramePr>
           <p:nvPr>
             <p:ph sz="quarter" idx="4"/>
+            <p:extLst>
+              <p:ext uri="{D42A27DB-BD31-4B8C-83A1-F6EECF244321}">
+                <p14:modId xmlns:p14="http://schemas.microsoft.com/office/powerpoint/2010/main" val="1028298068"/>
+              </p:ext>
+            </p:extLst>
           </p:nvPr>
-        </p:nvPicPr>
-        <p:blipFill rotWithShape="1">
-          <a:blip r:embed="rId3"/>
-          <a:srcRect t="4328"/>
-          <a:stretch/>
-        </p:blipFill>
-        <p:spPr>
-          <a:xfrm>
-            <a:off x="6230938" y="2405270"/>
-            <a:ext cx="4754562" cy="3800530"/>
-          </a:xfrm>
-          <a:prstGeom prst="rect">
-            <a:avLst/>
-          </a:prstGeom>
-        </p:spPr>
-      </p:pic>
+        </p:nvGraphicFramePr>
+        <p:xfrm>
+          <a:off x="6230938" y="2216150"/>
+          <a:ext cx="4754562" cy="3054350"/>
+        </p:xfrm>
+        <a:graphic>
+          <a:graphicData uri="http://schemas.openxmlformats.org/drawingml/2006/table">
+            <a:tbl>
+              <a:tblPr firstRow="1" bandRow="1">
+                <a:tableStyleId>{073A0DAA-6AF3-43AB-8588-CEC1D06C72B9}</a:tableStyleId>
+              </a:tblPr>
+              <a:tblGrid>
+                <a:gridCol w="792427">
+                  <a:extLst>
+                    <a:ext uri="{9D8B030D-6E8A-4147-A177-3AD203B41FA5}">
+                      <a16:colId xmlns:a16="http://schemas.microsoft.com/office/drawing/2014/main" val="2620774512"/>
+                    </a:ext>
+                  </a:extLst>
+                </a:gridCol>
+                <a:gridCol w="792427">
+                  <a:extLst>
+                    <a:ext uri="{9D8B030D-6E8A-4147-A177-3AD203B41FA5}">
+                      <a16:colId xmlns:a16="http://schemas.microsoft.com/office/drawing/2014/main" val="221481536"/>
+                    </a:ext>
+                  </a:extLst>
+                </a:gridCol>
+                <a:gridCol w="792427">
+                  <a:extLst>
+                    <a:ext uri="{9D8B030D-6E8A-4147-A177-3AD203B41FA5}">
+                      <a16:colId xmlns:a16="http://schemas.microsoft.com/office/drawing/2014/main" val="54388605"/>
+                    </a:ext>
+                  </a:extLst>
+                </a:gridCol>
+                <a:gridCol w="792427">
+                  <a:extLst>
+                    <a:ext uri="{9D8B030D-6E8A-4147-A177-3AD203B41FA5}">
+                      <a16:colId xmlns:a16="http://schemas.microsoft.com/office/drawing/2014/main" val="4220747305"/>
+                    </a:ext>
+                  </a:extLst>
+                </a:gridCol>
+                <a:gridCol w="792427">
+                  <a:extLst>
+                    <a:ext uri="{9D8B030D-6E8A-4147-A177-3AD203B41FA5}">
+                      <a16:colId xmlns:a16="http://schemas.microsoft.com/office/drawing/2014/main" val="2899920161"/>
+                    </a:ext>
+                  </a:extLst>
+                </a:gridCol>
+                <a:gridCol w="792427">
+                  <a:extLst>
+                    <a:ext uri="{9D8B030D-6E8A-4147-A177-3AD203B41FA5}">
+                      <a16:colId xmlns:a16="http://schemas.microsoft.com/office/drawing/2014/main" val="1702445356"/>
+                    </a:ext>
+                  </a:extLst>
+                </a:gridCol>
+              </a:tblGrid>
+              <a:tr h="370840">
+                <a:tc>
+                  <a:txBody>
+                    <a:bodyPr/>
+                    <a:lstStyle/>
+                    <a:p>
+                      <a:pPr algn="ctr">
+                        <a:lnSpc>
+                          <a:spcPct val="150000"/>
+                        </a:lnSpc>
+                        <a:spcAft>
+                          <a:spcPts val="0"/>
+                        </a:spcAft>
+                      </a:pPr>
+                      <a:r>
+                        <a:rPr lang="zh-CN" sz="1050" kern="100">
+                          <a:effectLst/>
+                        </a:rPr>
+                        <a:t>姓名</a:t>
+                      </a:r>
+                      <a:endParaRPr lang="zh-CN" sz="1050" kern="100">
+                        <a:effectLst/>
+                        <a:latin typeface="等线" panose="02010600030101010101" pitchFamily="2" charset="-122"/>
+                        <a:ea typeface="等线" panose="02010600030101010101" pitchFamily="2" charset="-122"/>
+                        <a:cs typeface="Times New Roman" panose="02020603050405020304" pitchFamily="18" charset="0"/>
+                      </a:endParaRPr>
+                    </a:p>
+                  </a:txBody>
+                  <a:tcPr marL="68580" marR="68580" marT="0" marB="0" anchor="ctr"/>
+                </a:tc>
+                <a:tc>
+                  <a:txBody>
+                    <a:bodyPr/>
+                    <a:lstStyle/>
+                    <a:p>
+                      <a:pPr algn="ctr">
+                        <a:lnSpc>
+                          <a:spcPct val="150000"/>
+                        </a:lnSpc>
+                        <a:spcAft>
+                          <a:spcPts val="0"/>
+                        </a:spcAft>
+                      </a:pPr>
+                      <a:r>
+                        <a:rPr lang="zh-CN" sz="1050" kern="100">
+                          <a:effectLst/>
+                        </a:rPr>
+                        <a:t>赵正阳</a:t>
+                      </a:r>
+                      <a:endParaRPr lang="zh-CN" sz="1050" kern="100">
+                        <a:effectLst/>
+                        <a:latin typeface="等线" panose="02010600030101010101" pitchFamily="2" charset="-122"/>
+                        <a:ea typeface="等线" panose="02010600030101010101" pitchFamily="2" charset="-122"/>
+                        <a:cs typeface="Times New Roman" panose="02020603050405020304" pitchFamily="18" charset="0"/>
+                      </a:endParaRPr>
+                    </a:p>
+                  </a:txBody>
+                  <a:tcPr marL="68580" marR="68580" marT="0" marB="0" anchor="ctr"/>
+                </a:tc>
+                <a:tc>
+                  <a:txBody>
+                    <a:bodyPr/>
+                    <a:lstStyle/>
+                    <a:p>
+                      <a:pPr algn="ctr">
+                        <a:lnSpc>
+                          <a:spcPct val="150000"/>
+                        </a:lnSpc>
+                        <a:spcAft>
+                          <a:spcPts val="0"/>
+                        </a:spcAft>
+                      </a:pPr>
+                      <a:r>
+                        <a:rPr lang="zh-CN" sz="1050" kern="100">
+                          <a:effectLst/>
+                        </a:rPr>
+                        <a:t>郭浩隆</a:t>
+                      </a:r>
+                      <a:endParaRPr lang="zh-CN" sz="1050" kern="100">
+                        <a:effectLst/>
+                        <a:latin typeface="等线" panose="02010600030101010101" pitchFamily="2" charset="-122"/>
+                        <a:ea typeface="等线" panose="02010600030101010101" pitchFamily="2" charset="-122"/>
+                        <a:cs typeface="Times New Roman" panose="02020603050405020304" pitchFamily="18" charset="0"/>
+                      </a:endParaRPr>
+                    </a:p>
+                  </a:txBody>
+                  <a:tcPr marL="68580" marR="68580" marT="0" marB="0" anchor="ctr"/>
+                </a:tc>
+                <a:tc>
+                  <a:txBody>
+                    <a:bodyPr/>
+                    <a:lstStyle/>
+                    <a:p>
+                      <a:pPr algn="ctr">
+                        <a:lnSpc>
+                          <a:spcPct val="150000"/>
+                        </a:lnSpc>
+                        <a:spcAft>
+                          <a:spcPts val="0"/>
+                        </a:spcAft>
+                      </a:pPr>
+                      <a:r>
+                        <a:rPr lang="zh-CN" sz="1050" kern="100">
+                          <a:effectLst/>
+                        </a:rPr>
+                        <a:t>沈一聪</a:t>
+                      </a:r>
+                      <a:endParaRPr lang="zh-CN" sz="1050" kern="100">
+                        <a:effectLst/>
+                        <a:latin typeface="等线" panose="02010600030101010101" pitchFamily="2" charset="-122"/>
+                        <a:ea typeface="等线" panose="02010600030101010101" pitchFamily="2" charset="-122"/>
+                        <a:cs typeface="Times New Roman" panose="02020603050405020304" pitchFamily="18" charset="0"/>
+                      </a:endParaRPr>
+                    </a:p>
+                  </a:txBody>
+                  <a:tcPr marL="68580" marR="68580" marT="0" marB="0" anchor="ctr"/>
+                </a:tc>
+                <a:tc>
+                  <a:txBody>
+                    <a:bodyPr/>
+                    <a:lstStyle/>
+                    <a:p>
+                      <a:pPr algn="ctr">
+                        <a:lnSpc>
+                          <a:spcPct val="150000"/>
+                        </a:lnSpc>
+                        <a:spcAft>
+                          <a:spcPts val="0"/>
+                        </a:spcAft>
+                      </a:pPr>
+                      <a:r>
+                        <a:rPr lang="zh-CN" sz="1050" kern="100">
+                          <a:effectLst/>
+                        </a:rPr>
+                        <a:t>梁远志</a:t>
+                      </a:r>
+                      <a:endParaRPr lang="zh-CN" sz="1050" kern="100">
+                        <a:effectLst/>
+                        <a:latin typeface="等线" panose="02010600030101010101" pitchFamily="2" charset="-122"/>
+                        <a:ea typeface="等线" panose="02010600030101010101" pitchFamily="2" charset="-122"/>
+                        <a:cs typeface="Times New Roman" panose="02020603050405020304" pitchFamily="18" charset="0"/>
+                      </a:endParaRPr>
+                    </a:p>
+                  </a:txBody>
+                  <a:tcPr marL="68580" marR="68580" marT="0" marB="0" anchor="ctr"/>
+                </a:tc>
+                <a:tc>
+                  <a:txBody>
+                    <a:bodyPr/>
+                    <a:lstStyle/>
+                    <a:p>
+                      <a:pPr algn="ctr">
+                        <a:lnSpc>
+                          <a:spcPct val="150000"/>
+                        </a:lnSpc>
+                        <a:spcAft>
+                          <a:spcPts val="0"/>
+                        </a:spcAft>
+                      </a:pPr>
+                      <a:r>
+                        <a:rPr lang="zh-CN" sz="1050" kern="100">
+                          <a:effectLst/>
+                        </a:rPr>
+                        <a:t>宋冰晨</a:t>
+                      </a:r>
+                      <a:endParaRPr lang="zh-CN" sz="1050" kern="100">
+                        <a:effectLst/>
+                        <a:latin typeface="等线" panose="02010600030101010101" pitchFamily="2" charset="-122"/>
+                        <a:ea typeface="等线" panose="02010600030101010101" pitchFamily="2" charset="-122"/>
+                        <a:cs typeface="Times New Roman" panose="02020603050405020304" pitchFamily="18" charset="0"/>
+                      </a:endParaRPr>
+                    </a:p>
+                  </a:txBody>
+                  <a:tcPr marL="68580" marR="68580" marT="0" marB="0" anchor="ctr"/>
+                </a:tc>
+                <a:extLst>
+                  <a:ext uri="{0D108BD9-81ED-4DB2-BD59-A6C34878D82A}">
+                    <a16:rowId xmlns:a16="http://schemas.microsoft.com/office/drawing/2014/main" val="2031978278"/>
+                  </a:ext>
+                </a:extLst>
+              </a:tr>
+              <a:tr h="370840">
+                <a:tc>
+                  <a:txBody>
+                    <a:bodyPr/>
+                    <a:lstStyle/>
+                    <a:p>
+                      <a:pPr algn="ctr">
+                        <a:lnSpc>
+                          <a:spcPct val="150000"/>
+                        </a:lnSpc>
+                        <a:spcAft>
+                          <a:spcPts val="0"/>
+                        </a:spcAft>
+                      </a:pPr>
+                      <a:r>
+                        <a:rPr lang="zh-CN" sz="1050" kern="100">
+                          <a:effectLst/>
+                        </a:rPr>
+                        <a:t>分工</a:t>
+                      </a:r>
+                      <a:endParaRPr lang="zh-CN" sz="1050" kern="100">
+                        <a:effectLst/>
+                        <a:latin typeface="等线" panose="02010600030101010101" pitchFamily="2" charset="-122"/>
+                        <a:ea typeface="等线" panose="02010600030101010101" pitchFamily="2" charset="-122"/>
+                        <a:cs typeface="Times New Roman" panose="02020603050405020304" pitchFamily="18" charset="0"/>
+                      </a:endParaRPr>
+                    </a:p>
+                  </a:txBody>
+                  <a:tcPr marL="68580" marR="68580" marT="0" marB="0" anchor="ctr"/>
+                </a:tc>
+                <a:tc>
+                  <a:txBody>
+                    <a:bodyPr/>
+                    <a:lstStyle/>
+                    <a:p>
+                      <a:pPr algn="ctr">
+                        <a:lnSpc>
+                          <a:spcPct val="150000"/>
+                        </a:lnSpc>
+                        <a:spcAft>
+                          <a:spcPts val="0"/>
+                        </a:spcAft>
+                      </a:pPr>
+                      <a:r>
+                        <a:rPr lang="en-US" sz="1050" kern="100">
+                          <a:effectLst/>
+                        </a:rPr>
+                        <a:t>Scrapy</a:t>
+                      </a:r>
+                      <a:r>
+                        <a:rPr lang="zh-CN" sz="1050" kern="100">
+                          <a:effectLst/>
+                        </a:rPr>
+                        <a:t>框架的需求分析</a:t>
+                      </a:r>
+                      <a:endParaRPr lang="zh-CN" sz="1050" kern="100">
+                        <a:effectLst/>
+                        <a:latin typeface="等线" panose="02010600030101010101" pitchFamily="2" charset="-122"/>
+                        <a:ea typeface="等线" panose="02010600030101010101" pitchFamily="2" charset="-122"/>
+                        <a:cs typeface="Times New Roman" panose="02020603050405020304" pitchFamily="18" charset="0"/>
+                      </a:endParaRPr>
+                    </a:p>
+                  </a:txBody>
+                  <a:tcPr marL="68580" marR="68580" marT="0" marB="0" anchor="ctr"/>
+                </a:tc>
+                <a:tc>
+                  <a:txBody>
+                    <a:bodyPr/>
+                    <a:lstStyle/>
+                    <a:p>
+                      <a:pPr algn="ctr">
+                        <a:lnSpc>
+                          <a:spcPct val="150000"/>
+                        </a:lnSpc>
+                        <a:spcAft>
+                          <a:spcPts val="0"/>
+                        </a:spcAft>
+                      </a:pPr>
+                      <a:r>
+                        <a:rPr lang="en-US" sz="1050" kern="100">
+                          <a:effectLst/>
+                        </a:rPr>
+                        <a:t>Web UI</a:t>
+                      </a:r>
+                      <a:r>
+                        <a:rPr lang="zh-CN" sz="1050" kern="100">
+                          <a:effectLst/>
+                        </a:rPr>
+                        <a:t>部分的</a:t>
+                      </a:r>
+                      <a:r>
+                        <a:rPr lang="en-US" sz="1050" kern="100">
+                          <a:effectLst/>
+                        </a:rPr>
+                        <a:t>RUCM</a:t>
+                      </a:r>
+                      <a:r>
+                        <a:rPr lang="zh-CN" sz="1050" kern="100">
+                          <a:effectLst/>
+                        </a:rPr>
+                        <a:t>图</a:t>
+                      </a:r>
+                      <a:endParaRPr lang="zh-CN" sz="1050" kern="100">
+                        <a:effectLst/>
+                        <a:latin typeface="等线" panose="02010600030101010101" pitchFamily="2" charset="-122"/>
+                        <a:ea typeface="等线" panose="02010600030101010101" pitchFamily="2" charset="-122"/>
+                        <a:cs typeface="Times New Roman" panose="02020603050405020304" pitchFamily="18" charset="0"/>
+                      </a:endParaRPr>
+                    </a:p>
+                  </a:txBody>
+                  <a:tcPr marL="68580" marR="68580" marT="0" marB="0" anchor="ctr"/>
+                </a:tc>
+                <a:tc>
+                  <a:txBody>
+                    <a:bodyPr/>
+                    <a:lstStyle/>
+                    <a:p>
+                      <a:pPr algn="ctr">
+                        <a:lnSpc>
+                          <a:spcPct val="150000"/>
+                        </a:lnSpc>
+                        <a:spcAft>
+                          <a:spcPts val="0"/>
+                        </a:spcAft>
+                      </a:pPr>
+                      <a:r>
+                        <a:rPr lang="zh-CN" sz="1050" kern="100">
+                          <a:effectLst/>
+                        </a:rPr>
+                        <a:t>后端及调度程序</a:t>
+                      </a:r>
+                      <a:endParaRPr lang="zh-CN" sz="1050" kern="100">
+                        <a:effectLst/>
+                        <a:latin typeface="等线" panose="02010600030101010101" pitchFamily="2" charset="-122"/>
+                        <a:ea typeface="等线" panose="02010600030101010101" pitchFamily="2" charset="-122"/>
+                        <a:cs typeface="Times New Roman" panose="02020603050405020304" pitchFamily="18" charset="0"/>
+                      </a:endParaRPr>
+                    </a:p>
+                  </a:txBody>
+                  <a:tcPr marL="68580" marR="68580" marT="0" marB="0" anchor="ctr"/>
+                </a:tc>
+                <a:tc>
+                  <a:txBody>
+                    <a:bodyPr/>
+                    <a:lstStyle/>
+                    <a:p>
+                      <a:pPr algn="ctr">
+                        <a:lnSpc>
+                          <a:spcPct val="150000"/>
+                        </a:lnSpc>
+                        <a:spcAft>
+                          <a:spcPts val="0"/>
+                        </a:spcAft>
+                      </a:pPr>
+                      <a:r>
+                        <a:rPr lang="en-US" sz="1050" kern="100">
+                          <a:effectLst/>
+                        </a:rPr>
+                        <a:t>Scrapyd</a:t>
+                      </a:r>
+                      <a:r>
+                        <a:rPr lang="zh-CN" sz="1050" kern="100">
+                          <a:effectLst/>
+                        </a:rPr>
+                        <a:t>及分布式的需求分析</a:t>
+                      </a:r>
+                      <a:endParaRPr lang="zh-CN" sz="1050" kern="100">
+                        <a:effectLst/>
+                        <a:latin typeface="等线" panose="02010600030101010101" pitchFamily="2" charset="-122"/>
+                        <a:ea typeface="等线" panose="02010600030101010101" pitchFamily="2" charset="-122"/>
+                        <a:cs typeface="Times New Roman" panose="02020603050405020304" pitchFamily="18" charset="0"/>
+                      </a:endParaRPr>
+                    </a:p>
+                  </a:txBody>
+                  <a:tcPr marL="68580" marR="68580" marT="0" marB="0" anchor="ctr"/>
+                </a:tc>
+                <a:tc>
+                  <a:txBody>
+                    <a:bodyPr/>
+                    <a:lstStyle/>
+                    <a:p>
+                      <a:pPr algn="ctr">
+                        <a:lnSpc>
+                          <a:spcPct val="150000"/>
+                        </a:lnSpc>
+                        <a:spcAft>
+                          <a:spcPts val="0"/>
+                        </a:spcAft>
+                      </a:pPr>
+                      <a:r>
+                        <a:rPr lang="en-US" sz="1050" kern="100">
+                          <a:effectLst/>
+                        </a:rPr>
+                        <a:t>Web UI</a:t>
+                      </a:r>
+                      <a:r>
+                        <a:rPr lang="zh-CN" sz="1050" kern="100">
+                          <a:effectLst/>
+                        </a:rPr>
+                        <a:t>部分的需求文字描述</a:t>
+                      </a:r>
+                      <a:endParaRPr lang="zh-CN" sz="1050" kern="100">
+                        <a:effectLst/>
+                        <a:latin typeface="等线" panose="02010600030101010101" pitchFamily="2" charset="-122"/>
+                        <a:ea typeface="等线" panose="02010600030101010101" pitchFamily="2" charset="-122"/>
+                        <a:cs typeface="Times New Roman" panose="02020603050405020304" pitchFamily="18" charset="0"/>
+                      </a:endParaRPr>
+                    </a:p>
+                  </a:txBody>
+                  <a:tcPr marL="68580" marR="68580" marT="0" marB="0" anchor="ctr"/>
+                </a:tc>
+                <a:extLst>
+                  <a:ext uri="{0D108BD9-81ED-4DB2-BD59-A6C34878D82A}">
+                    <a16:rowId xmlns:a16="http://schemas.microsoft.com/office/drawing/2014/main" val="264816333"/>
+                  </a:ext>
+                </a:extLst>
+              </a:tr>
+              <a:tr h="370840">
+                <a:tc>
+                  <a:txBody>
+                    <a:bodyPr/>
+                    <a:lstStyle/>
+                    <a:p>
+                      <a:pPr algn="ctr">
+                        <a:lnSpc>
+                          <a:spcPct val="150000"/>
+                        </a:lnSpc>
+                        <a:spcAft>
+                          <a:spcPts val="0"/>
+                        </a:spcAft>
+                      </a:pPr>
+                      <a:r>
+                        <a:rPr lang="zh-CN" sz="1050" kern="100" dirty="0">
+                          <a:effectLst/>
+                        </a:rPr>
+                        <a:t>需求个数</a:t>
+                      </a:r>
+                      <a:endParaRPr lang="zh-CN" sz="1050" kern="100" dirty="0">
+                        <a:effectLst/>
+                        <a:latin typeface="等线" panose="02010600030101010101" pitchFamily="2" charset="-122"/>
+                        <a:ea typeface="等线" panose="02010600030101010101" pitchFamily="2" charset="-122"/>
+                        <a:cs typeface="Times New Roman" panose="02020603050405020304" pitchFamily="18" charset="0"/>
+                      </a:endParaRPr>
+                    </a:p>
+                  </a:txBody>
+                  <a:tcPr marL="68580" marR="68580" marT="0" marB="0" anchor="ctr"/>
+                </a:tc>
+                <a:tc>
+                  <a:txBody>
+                    <a:bodyPr/>
+                    <a:lstStyle/>
+                    <a:p>
+                      <a:pPr algn="ctr">
+                        <a:lnSpc>
+                          <a:spcPct val="150000"/>
+                        </a:lnSpc>
+                        <a:spcAft>
+                          <a:spcPts val="0"/>
+                        </a:spcAft>
+                      </a:pPr>
+                      <a:r>
+                        <a:rPr lang="en-US" sz="1050" kern="100">
+                          <a:effectLst/>
+                        </a:rPr>
+                        <a:t>14</a:t>
+                      </a:r>
+                      <a:endParaRPr lang="zh-CN" sz="1050" kern="100">
+                        <a:effectLst/>
+                        <a:latin typeface="等线" panose="02010600030101010101" pitchFamily="2" charset="-122"/>
+                        <a:ea typeface="等线" panose="02010600030101010101" pitchFamily="2" charset="-122"/>
+                        <a:cs typeface="Times New Roman" panose="02020603050405020304" pitchFamily="18" charset="0"/>
+                      </a:endParaRPr>
+                    </a:p>
+                  </a:txBody>
+                  <a:tcPr marL="68580" marR="68580" marT="0" marB="0" anchor="ctr"/>
+                </a:tc>
+                <a:tc>
+                  <a:txBody>
+                    <a:bodyPr/>
+                    <a:lstStyle/>
+                    <a:p>
+                      <a:pPr algn="ctr">
+                        <a:lnSpc>
+                          <a:spcPct val="150000"/>
+                        </a:lnSpc>
+                        <a:spcAft>
+                          <a:spcPts val="0"/>
+                        </a:spcAft>
+                      </a:pPr>
+                      <a:r>
+                        <a:rPr lang="en-US" sz="1050" kern="100">
+                          <a:effectLst/>
+                        </a:rPr>
+                        <a:t>10</a:t>
+                      </a:r>
+                      <a:endParaRPr lang="zh-CN" sz="1050" kern="100">
+                        <a:effectLst/>
+                        <a:latin typeface="等线" panose="02010600030101010101" pitchFamily="2" charset="-122"/>
+                        <a:ea typeface="等线" panose="02010600030101010101" pitchFamily="2" charset="-122"/>
+                        <a:cs typeface="Times New Roman" panose="02020603050405020304" pitchFamily="18" charset="0"/>
+                      </a:endParaRPr>
+                    </a:p>
+                  </a:txBody>
+                  <a:tcPr marL="68580" marR="68580" marT="0" marB="0" anchor="ctr"/>
+                </a:tc>
+                <a:tc>
+                  <a:txBody>
+                    <a:bodyPr/>
+                    <a:lstStyle/>
+                    <a:p>
+                      <a:pPr algn="ctr">
+                        <a:lnSpc>
+                          <a:spcPct val="150000"/>
+                        </a:lnSpc>
+                        <a:spcAft>
+                          <a:spcPts val="0"/>
+                        </a:spcAft>
+                      </a:pPr>
+                      <a:r>
+                        <a:rPr lang="en-US" sz="1050" kern="100">
+                          <a:effectLst/>
+                        </a:rPr>
+                        <a:t>17</a:t>
+                      </a:r>
+                      <a:endParaRPr lang="zh-CN" sz="1050" kern="100">
+                        <a:effectLst/>
+                        <a:latin typeface="等线" panose="02010600030101010101" pitchFamily="2" charset="-122"/>
+                        <a:ea typeface="等线" panose="02010600030101010101" pitchFamily="2" charset="-122"/>
+                        <a:cs typeface="Times New Roman" panose="02020603050405020304" pitchFamily="18" charset="0"/>
+                      </a:endParaRPr>
+                    </a:p>
+                  </a:txBody>
+                  <a:tcPr marL="68580" marR="68580" marT="0" marB="0" anchor="ctr"/>
+                </a:tc>
+                <a:tc>
+                  <a:txBody>
+                    <a:bodyPr/>
+                    <a:lstStyle/>
+                    <a:p>
+                      <a:pPr algn="ctr">
+                        <a:lnSpc>
+                          <a:spcPct val="150000"/>
+                        </a:lnSpc>
+                        <a:spcAft>
+                          <a:spcPts val="0"/>
+                        </a:spcAft>
+                      </a:pPr>
+                      <a:r>
+                        <a:rPr lang="en-US" sz="1050" kern="100">
+                          <a:effectLst/>
+                        </a:rPr>
+                        <a:t>10</a:t>
+                      </a:r>
+                      <a:endParaRPr lang="zh-CN" sz="1050" kern="100">
+                        <a:effectLst/>
+                        <a:latin typeface="等线" panose="02010600030101010101" pitchFamily="2" charset="-122"/>
+                        <a:ea typeface="等线" panose="02010600030101010101" pitchFamily="2" charset="-122"/>
+                        <a:cs typeface="Times New Roman" panose="02020603050405020304" pitchFamily="18" charset="0"/>
+                      </a:endParaRPr>
+                    </a:p>
+                  </a:txBody>
+                  <a:tcPr marL="68580" marR="68580" marT="0" marB="0" anchor="ctr"/>
+                </a:tc>
+                <a:tc>
+                  <a:txBody>
+                    <a:bodyPr/>
+                    <a:lstStyle/>
+                    <a:p>
+                      <a:pPr algn="ctr">
+                        <a:lnSpc>
+                          <a:spcPct val="150000"/>
+                        </a:lnSpc>
+                        <a:spcAft>
+                          <a:spcPts val="0"/>
+                        </a:spcAft>
+                      </a:pPr>
+                      <a:r>
+                        <a:rPr lang="en-US" sz="1050" kern="100">
+                          <a:effectLst/>
+                        </a:rPr>
+                        <a:t> </a:t>
+                      </a:r>
+                      <a:endParaRPr lang="zh-CN" sz="1050" kern="100">
+                        <a:effectLst/>
+                        <a:latin typeface="等线" panose="02010600030101010101" pitchFamily="2" charset="-122"/>
+                        <a:ea typeface="等线" panose="02010600030101010101" pitchFamily="2" charset="-122"/>
+                        <a:cs typeface="Times New Roman" panose="02020603050405020304" pitchFamily="18" charset="0"/>
+                      </a:endParaRPr>
+                    </a:p>
+                  </a:txBody>
+                  <a:tcPr marL="68580" marR="68580" marT="0" marB="0" anchor="ctr"/>
+                </a:tc>
+                <a:extLst>
+                  <a:ext uri="{0D108BD9-81ED-4DB2-BD59-A6C34878D82A}">
+                    <a16:rowId xmlns:a16="http://schemas.microsoft.com/office/drawing/2014/main" val="2155038770"/>
+                  </a:ext>
+                </a:extLst>
+              </a:tr>
+              <a:tr h="370840">
+                <a:tc>
+                  <a:txBody>
+                    <a:bodyPr/>
+                    <a:lstStyle/>
+                    <a:p>
+                      <a:pPr algn="ctr">
+                        <a:lnSpc>
+                          <a:spcPct val="150000"/>
+                        </a:lnSpc>
+                        <a:spcAft>
+                          <a:spcPts val="0"/>
+                        </a:spcAft>
+                      </a:pPr>
+                      <a:r>
+                        <a:rPr lang="zh-CN" sz="1050" kern="100">
+                          <a:effectLst/>
+                        </a:rPr>
+                        <a:t>完成字数</a:t>
+                      </a:r>
+                      <a:endParaRPr lang="zh-CN" sz="1050" kern="100">
+                        <a:effectLst/>
+                        <a:latin typeface="等线" panose="02010600030101010101" pitchFamily="2" charset="-122"/>
+                        <a:ea typeface="等线" panose="02010600030101010101" pitchFamily="2" charset="-122"/>
+                        <a:cs typeface="Times New Roman" panose="02020603050405020304" pitchFamily="18" charset="0"/>
+                      </a:endParaRPr>
+                    </a:p>
+                  </a:txBody>
+                  <a:tcPr marL="68580" marR="68580" marT="0" marB="0" anchor="ctr"/>
+                </a:tc>
+                <a:tc>
+                  <a:txBody>
+                    <a:bodyPr/>
+                    <a:lstStyle/>
+                    <a:p>
+                      <a:pPr algn="ctr">
+                        <a:lnSpc>
+                          <a:spcPct val="150000"/>
+                        </a:lnSpc>
+                        <a:spcAft>
+                          <a:spcPts val="0"/>
+                        </a:spcAft>
+                      </a:pPr>
+                      <a:r>
+                        <a:rPr lang="en-US" sz="1050" kern="100" dirty="0" smtClean="0">
+                          <a:effectLst/>
+                        </a:rPr>
+                        <a:t>3020</a:t>
+                      </a:r>
+                      <a:endParaRPr lang="zh-CN" sz="1050" kern="100" dirty="0">
+                        <a:effectLst/>
+                        <a:latin typeface="等线" panose="02010600030101010101" pitchFamily="2" charset="-122"/>
+                        <a:ea typeface="等线" panose="02010600030101010101" pitchFamily="2" charset="-122"/>
+                        <a:cs typeface="Times New Roman" panose="02020603050405020304" pitchFamily="18" charset="0"/>
+                      </a:endParaRPr>
+                    </a:p>
+                  </a:txBody>
+                  <a:tcPr marL="68580" marR="68580" marT="0" marB="0" anchor="ctr"/>
+                </a:tc>
+                <a:tc>
+                  <a:txBody>
+                    <a:bodyPr/>
+                    <a:lstStyle/>
+                    <a:p>
+                      <a:pPr algn="ctr">
+                        <a:lnSpc>
+                          <a:spcPct val="150000"/>
+                        </a:lnSpc>
+                        <a:spcAft>
+                          <a:spcPts val="0"/>
+                        </a:spcAft>
+                      </a:pPr>
+                      <a:r>
+                        <a:rPr lang="en-US" sz="1050" kern="100">
+                          <a:effectLst/>
+                        </a:rPr>
+                        <a:t>1090</a:t>
+                      </a:r>
+                      <a:endParaRPr lang="zh-CN" sz="1050" kern="100">
+                        <a:effectLst/>
+                        <a:latin typeface="等线" panose="02010600030101010101" pitchFamily="2" charset="-122"/>
+                        <a:ea typeface="等线" panose="02010600030101010101" pitchFamily="2" charset="-122"/>
+                        <a:cs typeface="Times New Roman" panose="02020603050405020304" pitchFamily="18" charset="0"/>
+                      </a:endParaRPr>
+                    </a:p>
+                  </a:txBody>
+                  <a:tcPr marL="68580" marR="68580" marT="0" marB="0" anchor="ctr"/>
+                </a:tc>
+                <a:tc>
+                  <a:txBody>
+                    <a:bodyPr/>
+                    <a:lstStyle/>
+                    <a:p>
+                      <a:pPr algn="ctr">
+                        <a:lnSpc>
+                          <a:spcPct val="150000"/>
+                        </a:lnSpc>
+                        <a:spcAft>
+                          <a:spcPts val="0"/>
+                        </a:spcAft>
+                      </a:pPr>
+                      <a:r>
+                        <a:rPr lang="en-US" sz="1050" kern="100" dirty="0" smtClean="0">
+                          <a:effectLst/>
+                        </a:rPr>
+                        <a:t>3032</a:t>
+                      </a:r>
+                      <a:endParaRPr lang="zh-CN" sz="1050" kern="100" dirty="0">
+                        <a:effectLst/>
+                        <a:latin typeface="等线" panose="02010600030101010101" pitchFamily="2" charset="-122"/>
+                        <a:ea typeface="等线" panose="02010600030101010101" pitchFamily="2" charset="-122"/>
+                        <a:cs typeface="Times New Roman" panose="02020603050405020304" pitchFamily="18" charset="0"/>
+                      </a:endParaRPr>
+                    </a:p>
+                  </a:txBody>
+                  <a:tcPr marL="68580" marR="68580" marT="0" marB="0" anchor="ctr"/>
+                </a:tc>
+                <a:tc>
+                  <a:txBody>
+                    <a:bodyPr/>
+                    <a:lstStyle/>
+                    <a:p>
+                      <a:pPr algn="ctr">
+                        <a:lnSpc>
+                          <a:spcPct val="150000"/>
+                        </a:lnSpc>
+                        <a:spcAft>
+                          <a:spcPts val="0"/>
+                        </a:spcAft>
+                      </a:pPr>
+                      <a:r>
+                        <a:rPr lang="en-US" sz="1050" kern="100" dirty="0" smtClean="0">
+                          <a:effectLst/>
+                        </a:rPr>
+                        <a:t>2414</a:t>
+                      </a:r>
+                      <a:endParaRPr lang="zh-CN" sz="1050" kern="100" dirty="0">
+                        <a:effectLst/>
+                        <a:latin typeface="等线" panose="02010600030101010101" pitchFamily="2" charset="-122"/>
+                        <a:ea typeface="等线" panose="02010600030101010101" pitchFamily="2" charset="-122"/>
+                        <a:cs typeface="Times New Roman" panose="02020603050405020304" pitchFamily="18" charset="0"/>
+                      </a:endParaRPr>
+                    </a:p>
+                  </a:txBody>
+                  <a:tcPr marL="68580" marR="68580" marT="0" marB="0" anchor="ctr"/>
+                </a:tc>
+                <a:tc>
+                  <a:txBody>
+                    <a:bodyPr/>
+                    <a:lstStyle/>
+                    <a:p>
+                      <a:pPr algn="ctr">
+                        <a:lnSpc>
+                          <a:spcPct val="150000"/>
+                        </a:lnSpc>
+                        <a:spcAft>
+                          <a:spcPts val="0"/>
+                        </a:spcAft>
+                      </a:pPr>
+                      <a:r>
+                        <a:rPr lang="en-US" sz="1050" kern="100" dirty="0" smtClean="0">
+                          <a:effectLst/>
+                        </a:rPr>
+                        <a:t>1854</a:t>
+                      </a:r>
+                      <a:endParaRPr lang="zh-CN" sz="1050" kern="100" dirty="0">
+                        <a:effectLst/>
+                        <a:latin typeface="等线" panose="02010600030101010101" pitchFamily="2" charset="-122"/>
+                        <a:ea typeface="等线" panose="02010600030101010101" pitchFamily="2" charset="-122"/>
+                        <a:cs typeface="Times New Roman" panose="02020603050405020304" pitchFamily="18" charset="0"/>
+                      </a:endParaRPr>
+                    </a:p>
+                  </a:txBody>
+                  <a:tcPr marL="68580" marR="68580" marT="0" marB="0" anchor="ctr"/>
+                </a:tc>
+                <a:extLst>
+                  <a:ext uri="{0D108BD9-81ED-4DB2-BD59-A6C34878D82A}">
+                    <a16:rowId xmlns:a16="http://schemas.microsoft.com/office/drawing/2014/main" val="3431518795"/>
+                  </a:ext>
+                </a:extLst>
+              </a:tr>
+              <a:tr h="370840">
+                <a:tc>
+                  <a:txBody>
+                    <a:bodyPr/>
+                    <a:lstStyle/>
+                    <a:p>
+                      <a:pPr algn="ctr">
+                        <a:lnSpc>
+                          <a:spcPct val="150000"/>
+                        </a:lnSpc>
+                        <a:spcAft>
+                          <a:spcPts val="0"/>
+                        </a:spcAft>
+                      </a:pPr>
+                      <a:r>
+                        <a:rPr lang="zh-CN" sz="1050" kern="100">
+                          <a:effectLst/>
+                        </a:rPr>
+                        <a:t>绘制图表数</a:t>
+                      </a:r>
+                      <a:endParaRPr lang="zh-CN" sz="1050" kern="100">
+                        <a:effectLst/>
+                        <a:latin typeface="等线" panose="02010600030101010101" pitchFamily="2" charset="-122"/>
+                        <a:ea typeface="等线" panose="02010600030101010101" pitchFamily="2" charset="-122"/>
+                        <a:cs typeface="Times New Roman" panose="02020603050405020304" pitchFamily="18" charset="0"/>
+                      </a:endParaRPr>
+                    </a:p>
+                  </a:txBody>
+                  <a:tcPr marL="68580" marR="68580" marT="0" marB="0" anchor="ctr"/>
+                </a:tc>
+                <a:tc>
+                  <a:txBody>
+                    <a:bodyPr/>
+                    <a:lstStyle/>
+                    <a:p>
+                      <a:pPr algn="ctr">
+                        <a:lnSpc>
+                          <a:spcPct val="150000"/>
+                        </a:lnSpc>
+                        <a:spcAft>
+                          <a:spcPts val="0"/>
+                        </a:spcAft>
+                      </a:pPr>
+                      <a:r>
+                        <a:rPr lang="en-US" sz="1050" kern="100">
+                          <a:effectLst/>
+                        </a:rPr>
+                        <a:t>16</a:t>
+                      </a:r>
+                      <a:endParaRPr lang="zh-CN" sz="1050" kern="100">
+                        <a:effectLst/>
+                        <a:latin typeface="等线" panose="02010600030101010101" pitchFamily="2" charset="-122"/>
+                        <a:ea typeface="等线" panose="02010600030101010101" pitchFamily="2" charset="-122"/>
+                        <a:cs typeface="Times New Roman" panose="02020603050405020304" pitchFamily="18" charset="0"/>
+                      </a:endParaRPr>
+                    </a:p>
+                  </a:txBody>
+                  <a:tcPr marL="68580" marR="68580" marT="0" marB="0" anchor="ctr"/>
+                </a:tc>
+                <a:tc>
+                  <a:txBody>
+                    <a:bodyPr/>
+                    <a:lstStyle/>
+                    <a:p>
+                      <a:pPr algn="ctr">
+                        <a:lnSpc>
+                          <a:spcPct val="150000"/>
+                        </a:lnSpc>
+                        <a:spcAft>
+                          <a:spcPts val="0"/>
+                        </a:spcAft>
+                      </a:pPr>
+                      <a:r>
+                        <a:rPr lang="en-US" sz="1050" kern="100">
+                          <a:effectLst/>
+                        </a:rPr>
+                        <a:t>10</a:t>
+                      </a:r>
+                      <a:endParaRPr lang="zh-CN" sz="1050" kern="100">
+                        <a:effectLst/>
+                        <a:latin typeface="等线" panose="02010600030101010101" pitchFamily="2" charset="-122"/>
+                        <a:ea typeface="等线" panose="02010600030101010101" pitchFamily="2" charset="-122"/>
+                        <a:cs typeface="Times New Roman" panose="02020603050405020304" pitchFamily="18" charset="0"/>
+                      </a:endParaRPr>
+                    </a:p>
+                  </a:txBody>
+                  <a:tcPr marL="68580" marR="68580" marT="0" marB="0" anchor="ctr"/>
+                </a:tc>
+                <a:tc>
+                  <a:txBody>
+                    <a:bodyPr/>
+                    <a:lstStyle/>
+                    <a:p>
+                      <a:pPr algn="ctr">
+                        <a:lnSpc>
+                          <a:spcPct val="150000"/>
+                        </a:lnSpc>
+                        <a:spcAft>
+                          <a:spcPts val="0"/>
+                        </a:spcAft>
+                      </a:pPr>
+                      <a:r>
+                        <a:rPr lang="en-US" sz="1050" kern="100">
+                          <a:effectLst/>
+                        </a:rPr>
+                        <a:t>9</a:t>
+                      </a:r>
+                      <a:endParaRPr lang="zh-CN" sz="1050" kern="100">
+                        <a:effectLst/>
+                        <a:latin typeface="等线" panose="02010600030101010101" pitchFamily="2" charset="-122"/>
+                        <a:ea typeface="等线" panose="02010600030101010101" pitchFamily="2" charset="-122"/>
+                        <a:cs typeface="Times New Roman" panose="02020603050405020304" pitchFamily="18" charset="0"/>
+                      </a:endParaRPr>
+                    </a:p>
+                  </a:txBody>
+                  <a:tcPr marL="68580" marR="68580" marT="0" marB="0" anchor="ctr"/>
+                </a:tc>
+                <a:tc>
+                  <a:txBody>
+                    <a:bodyPr/>
+                    <a:lstStyle/>
+                    <a:p>
+                      <a:pPr algn="ctr">
+                        <a:lnSpc>
+                          <a:spcPct val="150000"/>
+                        </a:lnSpc>
+                        <a:spcAft>
+                          <a:spcPts val="0"/>
+                        </a:spcAft>
+                      </a:pPr>
+                      <a:r>
+                        <a:rPr lang="en-US" sz="1050" kern="100">
+                          <a:effectLst/>
+                        </a:rPr>
+                        <a:t>14</a:t>
+                      </a:r>
+                      <a:endParaRPr lang="zh-CN" sz="1050" kern="100">
+                        <a:effectLst/>
+                        <a:latin typeface="等线" panose="02010600030101010101" pitchFamily="2" charset="-122"/>
+                        <a:ea typeface="等线" panose="02010600030101010101" pitchFamily="2" charset="-122"/>
+                        <a:cs typeface="Times New Roman" panose="02020603050405020304" pitchFamily="18" charset="0"/>
+                      </a:endParaRPr>
+                    </a:p>
+                  </a:txBody>
+                  <a:tcPr marL="68580" marR="68580" marT="0" marB="0" anchor="ctr"/>
+                </a:tc>
+                <a:tc>
+                  <a:txBody>
+                    <a:bodyPr/>
+                    <a:lstStyle/>
+                    <a:p>
+                      <a:pPr algn="ctr">
+                        <a:lnSpc>
+                          <a:spcPct val="150000"/>
+                        </a:lnSpc>
+                        <a:spcAft>
+                          <a:spcPts val="0"/>
+                        </a:spcAft>
+                      </a:pPr>
+                      <a:r>
+                        <a:rPr lang="en-US" sz="1050" kern="100">
+                          <a:effectLst/>
+                        </a:rPr>
+                        <a:t> </a:t>
+                      </a:r>
+                      <a:endParaRPr lang="zh-CN" sz="1050" kern="100">
+                        <a:effectLst/>
+                        <a:latin typeface="等线" panose="02010600030101010101" pitchFamily="2" charset="-122"/>
+                        <a:ea typeface="等线" panose="02010600030101010101" pitchFamily="2" charset="-122"/>
+                        <a:cs typeface="Times New Roman" panose="02020603050405020304" pitchFamily="18" charset="0"/>
+                      </a:endParaRPr>
+                    </a:p>
+                  </a:txBody>
+                  <a:tcPr marL="68580" marR="68580" marT="0" marB="0" anchor="ctr"/>
+                </a:tc>
+                <a:extLst>
+                  <a:ext uri="{0D108BD9-81ED-4DB2-BD59-A6C34878D82A}">
+                    <a16:rowId xmlns:a16="http://schemas.microsoft.com/office/drawing/2014/main" val="2163867172"/>
+                  </a:ext>
+                </a:extLst>
+              </a:tr>
+              <a:tr h="370840">
+                <a:tc>
+                  <a:txBody>
+                    <a:bodyPr/>
+                    <a:lstStyle/>
+                    <a:p>
+                      <a:pPr algn="ctr">
+                        <a:lnSpc>
+                          <a:spcPct val="150000"/>
+                        </a:lnSpc>
+                        <a:spcAft>
+                          <a:spcPts val="0"/>
+                        </a:spcAft>
+                      </a:pPr>
+                      <a:r>
+                        <a:rPr lang="zh-CN" sz="1050" kern="100">
+                          <a:effectLst/>
+                        </a:rPr>
+                        <a:t>其他工作</a:t>
+                      </a:r>
+                      <a:endParaRPr lang="zh-CN" sz="1050" kern="100">
+                        <a:effectLst/>
+                        <a:latin typeface="等线" panose="02010600030101010101" pitchFamily="2" charset="-122"/>
+                        <a:ea typeface="等线" panose="02010600030101010101" pitchFamily="2" charset="-122"/>
+                        <a:cs typeface="Times New Roman" panose="02020603050405020304" pitchFamily="18" charset="0"/>
+                      </a:endParaRPr>
+                    </a:p>
+                  </a:txBody>
+                  <a:tcPr marL="68580" marR="68580" marT="0" marB="0" anchor="ctr"/>
+                </a:tc>
+                <a:tc>
+                  <a:txBody>
+                    <a:bodyPr/>
+                    <a:lstStyle/>
+                    <a:p>
+                      <a:pPr algn="ctr">
+                        <a:lnSpc>
+                          <a:spcPct val="150000"/>
+                        </a:lnSpc>
+                        <a:spcAft>
+                          <a:spcPts val="0"/>
+                        </a:spcAft>
+                      </a:pPr>
+                      <a:r>
+                        <a:rPr lang="zh-CN" sz="1050" kern="100">
+                          <a:effectLst/>
+                        </a:rPr>
+                        <a:t>初稿整合</a:t>
+                      </a:r>
+                      <a:endParaRPr lang="zh-CN" sz="1050" kern="100">
+                        <a:effectLst/>
+                        <a:latin typeface="等线" panose="02010600030101010101" pitchFamily="2" charset="-122"/>
+                        <a:ea typeface="等线" panose="02010600030101010101" pitchFamily="2" charset="-122"/>
+                        <a:cs typeface="Times New Roman" panose="02020603050405020304" pitchFamily="18" charset="0"/>
+                      </a:endParaRPr>
+                    </a:p>
+                  </a:txBody>
+                  <a:tcPr marL="68580" marR="68580" marT="0" marB="0" anchor="ctr"/>
+                </a:tc>
+                <a:tc>
+                  <a:txBody>
+                    <a:bodyPr/>
+                    <a:lstStyle/>
+                    <a:p>
+                      <a:pPr algn="ctr">
+                        <a:lnSpc>
+                          <a:spcPct val="150000"/>
+                        </a:lnSpc>
+                        <a:spcAft>
+                          <a:spcPts val="0"/>
+                        </a:spcAft>
+                      </a:pPr>
+                      <a:r>
+                        <a:rPr lang="en-US" sz="1050" kern="100">
+                          <a:effectLst/>
+                        </a:rPr>
+                        <a:t> </a:t>
+                      </a:r>
+                      <a:endParaRPr lang="zh-CN" sz="1050" kern="100">
+                        <a:effectLst/>
+                        <a:latin typeface="等线" panose="02010600030101010101" pitchFamily="2" charset="-122"/>
+                        <a:ea typeface="等线" panose="02010600030101010101" pitchFamily="2" charset="-122"/>
+                        <a:cs typeface="Times New Roman" panose="02020603050405020304" pitchFamily="18" charset="0"/>
+                      </a:endParaRPr>
+                    </a:p>
+                  </a:txBody>
+                  <a:tcPr marL="68580" marR="68580" marT="0" marB="0" anchor="ctr"/>
+                </a:tc>
+                <a:tc>
+                  <a:txBody>
+                    <a:bodyPr/>
+                    <a:lstStyle/>
+                    <a:p>
+                      <a:pPr algn="ctr">
+                        <a:lnSpc>
+                          <a:spcPct val="150000"/>
+                        </a:lnSpc>
+                        <a:spcAft>
+                          <a:spcPts val="0"/>
+                        </a:spcAft>
+                      </a:pPr>
+                      <a:r>
+                        <a:rPr lang="en-US" sz="1050" kern="100">
+                          <a:effectLst/>
+                        </a:rPr>
+                        <a:t> </a:t>
+                      </a:r>
+                      <a:endParaRPr lang="zh-CN" sz="1050" kern="100">
+                        <a:effectLst/>
+                        <a:latin typeface="等线" panose="02010600030101010101" pitchFamily="2" charset="-122"/>
+                        <a:ea typeface="等线" panose="02010600030101010101" pitchFamily="2" charset="-122"/>
+                        <a:cs typeface="Times New Roman" panose="02020603050405020304" pitchFamily="18" charset="0"/>
+                      </a:endParaRPr>
+                    </a:p>
+                  </a:txBody>
+                  <a:tcPr marL="68580" marR="68580" marT="0" marB="0" anchor="ctr"/>
+                </a:tc>
+                <a:tc>
+                  <a:txBody>
+                    <a:bodyPr/>
+                    <a:lstStyle/>
+                    <a:p>
+                      <a:pPr algn="ctr">
+                        <a:lnSpc>
+                          <a:spcPct val="150000"/>
+                        </a:lnSpc>
+                        <a:spcAft>
+                          <a:spcPts val="0"/>
+                        </a:spcAft>
+                      </a:pPr>
+                      <a:r>
+                        <a:rPr lang="en-US" sz="1050" kern="100">
+                          <a:effectLst/>
+                        </a:rPr>
+                        <a:t> </a:t>
+                      </a:r>
+                      <a:endParaRPr lang="zh-CN" sz="1050" kern="100">
+                        <a:effectLst/>
+                        <a:latin typeface="等线" panose="02010600030101010101" pitchFamily="2" charset="-122"/>
+                        <a:ea typeface="等线" panose="02010600030101010101" pitchFamily="2" charset="-122"/>
+                        <a:cs typeface="Times New Roman" panose="02020603050405020304" pitchFamily="18" charset="0"/>
+                      </a:endParaRPr>
+                    </a:p>
+                  </a:txBody>
+                  <a:tcPr marL="68580" marR="68580" marT="0" marB="0" anchor="ctr"/>
+                </a:tc>
+                <a:tc>
+                  <a:txBody>
+                    <a:bodyPr/>
+                    <a:lstStyle/>
+                    <a:p>
+                      <a:pPr algn="ctr">
+                        <a:lnSpc>
+                          <a:spcPct val="150000"/>
+                        </a:lnSpc>
+                        <a:spcAft>
+                          <a:spcPts val="0"/>
+                        </a:spcAft>
+                      </a:pPr>
+                      <a:r>
+                        <a:rPr lang="en-US" sz="1050" kern="100">
+                          <a:effectLst/>
+                        </a:rPr>
+                        <a:t> </a:t>
+                      </a:r>
+                      <a:endParaRPr lang="zh-CN" sz="1050" kern="100">
+                        <a:effectLst/>
+                        <a:latin typeface="等线" panose="02010600030101010101" pitchFamily="2" charset="-122"/>
+                        <a:ea typeface="等线" panose="02010600030101010101" pitchFamily="2" charset="-122"/>
+                        <a:cs typeface="Times New Roman" panose="02020603050405020304" pitchFamily="18" charset="0"/>
+                      </a:endParaRPr>
+                    </a:p>
+                  </a:txBody>
+                  <a:tcPr marL="68580" marR="68580" marT="0" marB="0" anchor="ctr"/>
+                </a:tc>
+                <a:extLst>
+                  <a:ext uri="{0D108BD9-81ED-4DB2-BD59-A6C34878D82A}">
+                    <a16:rowId xmlns:a16="http://schemas.microsoft.com/office/drawing/2014/main" val="697843293"/>
+                  </a:ext>
+                </a:extLst>
+              </a:tr>
+              <a:tr h="370840">
+                <a:tc>
+                  <a:txBody>
+                    <a:bodyPr/>
+                    <a:lstStyle/>
+                    <a:p>
+                      <a:pPr algn="ctr">
+                        <a:lnSpc>
+                          <a:spcPct val="150000"/>
+                        </a:lnSpc>
+                        <a:spcAft>
+                          <a:spcPts val="0"/>
+                        </a:spcAft>
+                      </a:pPr>
+                      <a:r>
+                        <a:rPr lang="zh-CN" sz="1050" kern="100" dirty="0">
+                          <a:effectLst/>
+                        </a:rPr>
+                        <a:t>工时</a:t>
+                      </a:r>
+                      <a:endParaRPr lang="zh-CN" sz="1050" kern="100" dirty="0">
+                        <a:effectLst/>
+                        <a:latin typeface="等线" panose="02010600030101010101" pitchFamily="2" charset="-122"/>
+                        <a:ea typeface="等线" panose="02010600030101010101" pitchFamily="2" charset="-122"/>
+                        <a:cs typeface="Times New Roman" panose="02020603050405020304" pitchFamily="18" charset="0"/>
+                      </a:endParaRPr>
+                    </a:p>
+                  </a:txBody>
+                  <a:tcPr marL="68580" marR="68580" marT="0" marB="0" anchor="ctr"/>
+                </a:tc>
+                <a:tc>
+                  <a:txBody>
+                    <a:bodyPr/>
+                    <a:lstStyle/>
+                    <a:p>
+                      <a:pPr algn="ctr">
+                        <a:lnSpc>
+                          <a:spcPct val="150000"/>
+                        </a:lnSpc>
+                        <a:spcAft>
+                          <a:spcPts val="0"/>
+                        </a:spcAft>
+                      </a:pPr>
+                      <a:r>
+                        <a:rPr lang="en-US" sz="1050" kern="100" dirty="0">
+                          <a:effectLst/>
+                        </a:rPr>
+                        <a:t>2 h</a:t>
+                      </a:r>
+                      <a:endParaRPr lang="zh-CN" sz="1050" kern="100" dirty="0">
+                        <a:effectLst/>
+                        <a:latin typeface="等线" panose="02010600030101010101" pitchFamily="2" charset="-122"/>
+                        <a:ea typeface="等线" panose="02010600030101010101" pitchFamily="2" charset="-122"/>
+                        <a:cs typeface="Times New Roman" panose="02020603050405020304" pitchFamily="18" charset="0"/>
+                      </a:endParaRPr>
+                    </a:p>
+                  </a:txBody>
+                  <a:tcPr marL="68580" marR="68580" marT="0" marB="0" anchor="ctr"/>
+                </a:tc>
+                <a:tc>
+                  <a:txBody>
+                    <a:bodyPr/>
+                    <a:lstStyle/>
+                    <a:p>
+                      <a:pPr algn="ctr">
+                        <a:lnSpc>
+                          <a:spcPct val="150000"/>
+                        </a:lnSpc>
+                        <a:spcAft>
+                          <a:spcPts val="0"/>
+                        </a:spcAft>
+                      </a:pPr>
+                      <a:r>
+                        <a:rPr lang="en-US" sz="1050" kern="100">
+                          <a:effectLst/>
+                        </a:rPr>
+                        <a:t> </a:t>
+                      </a:r>
+                      <a:endParaRPr lang="zh-CN" sz="1050" kern="100">
+                        <a:effectLst/>
+                        <a:latin typeface="等线" panose="02010600030101010101" pitchFamily="2" charset="-122"/>
+                        <a:ea typeface="等线" panose="02010600030101010101" pitchFamily="2" charset="-122"/>
+                        <a:cs typeface="Times New Roman" panose="02020603050405020304" pitchFamily="18" charset="0"/>
+                      </a:endParaRPr>
+                    </a:p>
+                  </a:txBody>
+                  <a:tcPr marL="68580" marR="68580" marT="0" marB="0" anchor="ctr"/>
+                </a:tc>
+                <a:tc>
+                  <a:txBody>
+                    <a:bodyPr/>
+                    <a:lstStyle/>
+                    <a:p>
+                      <a:pPr algn="ctr">
+                        <a:lnSpc>
+                          <a:spcPct val="150000"/>
+                        </a:lnSpc>
+                        <a:spcAft>
+                          <a:spcPts val="0"/>
+                        </a:spcAft>
+                      </a:pPr>
+                      <a:r>
+                        <a:rPr lang="en-US" sz="1050" kern="100">
+                          <a:effectLst/>
+                        </a:rPr>
+                        <a:t> </a:t>
+                      </a:r>
+                      <a:endParaRPr lang="zh-CN" sz="1050" kern="100">
+                        <a:effectLst/>
+                        <a:latin typeface="等线" panose="02010600030101010101" pitchFamily="2" charset="-122"/>
+                        <a:ea typeface="等线" panose="02010600030101010101" pitchFamily="2" charset="-122"/>
+                        <a:cs typeface="Times New Roman" panose="02020603050405020304" pitchFamily="18" charset="0"/>
+                      </a:endParaRPr>
+                    </a:p>
+                  </a:txBody>
+                  <a:tcPr marL="68580" marR="68580" marT="0" marB="0" anchor="ctr"/>
+                </a:tc>
+                <a:tc>
+                  <a:txBody>
+                    <a:bodyPr/>
+                    <a:lstStyle/>
+                    <a:p>
+                      <a:pPr algn="ctr">
+                        <a:lnSpc>
+                          <a:spcPct val="150000"/>
+                        </a:lnSpc>
+                        <a:spcAft>
+                          <a:spcPts val="0"/>
+                        </a:spcAft>
+                      </a:pPr>
+                      <a:r>
+                        <a:rPr lang="en-US" sz="1050" kern="100">
+                          <a:effectLst/>
+                        </a:rPr>
+                        <a:t> </a:t>
+                      </a:r>
+                      <a:endParaRPr lang="zh-CN" sz="1050" kern="100">
+                        <a:effectLst/>
+                        <a:latin typeface="等线" panose="02010600030101010101" pitchFamily="2" charset="-122"/>
+                        <a:ea typeface="等线" panose="02010600030101010101" pitchFamily="2" charset="-122"/>
+                        <a:cs typeface="Times New Roman" panose="02020603050405020304" pitchFamily="18" charset="0"/>
+                      </a:endParaRPr>
+                    </a:p>
+                  </a:txBody>
+                  <a:tcPr marL="68580" marR="68580" marT="0" marB="0" anchor="ctr"/>
+                </a:tc>
+                <a:tc>
+                  <a:txBody>
+                    <a:bodyPr/>
+                    <a:lstStyle/>
+                    <a:p>
+                      <a:pPr algn="ctr">
+                        <a:lnSpc>
+                          <a:spcPct val="150000"/>
+                        </a:lnSpc>
+                        <a:spcAft>
+                          <a:spcPts val="0"/>
+                        </a:spcAft>
+                      </a:pPr>
+                      <a:r>
+                        <a:rPr lang="en-US" sz="1050" kern="100" dirty="0">
+                          <a:effectLst/>
+                        </a:rPr>
+                        <a:t> </a:t>
+                      </a:r>
+                      <a:endParaRPr lang="zh-CN" sz="1050" kern="100" dirty="0">
+                        <a:effectLst/>
+                        <a:latin typeface="等线" panose="02010600030101010101" pitchFamily="2" charset="-122"/>
+                        <a:ea typeface="等线" panose="02010600030101010101" pitchFamily="2" charset="-122"/>
+                        <a:cs typeface="Times New Roman" panose="02020603050405020304" pitchFamily="18" charset="0"/>
+                      </a:endParaRPr>
+                    </a:p>
+                  </a:txBody>
+                  <a:tcPr marL="68580" marR="68580" marT="0" marB="0" anchor="ctr"/>
+                </a:tc>
+                <a:extLst>
+                  <a:ext uri="{0D108BD9-81ED-4DB2-BD59-A6C34878D82A}">
+                    <a16:rowId xmlns:a16="http://schemas.microsoft.com/office/drawing/2014/main" val="2286463426"/>
+                  </a:ext>
+                </a:extLst>
+              </a:tr>
+            </a:tbl>
+          </a:graphicData>
+        </a:graphic>
+      </p:graphicFrame>
     </p:spTree>
     <p:extLst>
       <p:ext uri="{BB962C8B-B14F-4D97-AF65-F5344CB8AC3E}">
-        <p14:creationId xmlns:p14="http://schemas.microsoft.com/office/powerpoint/2010/main" val="4205009812"/>
+        <p14:creationId xmlns:p14="http://schemas.microsoft.com/office/powerpoint/2010/main" val="612150124"/>
       </p:ext>
     </p:extLst>
   </p:cSld>
@@ -11170,10 +15394,17 @@
       </p:transition>
     </mc:Fallback>
   </mc:AlternateContent>
+  <p:timing>
+    <p:tnLst>
+      <p:par>
+        <p:cTn id="1" dur="indefinite" restart="never" nodeType="tmRoot"/>
+      </p:par>
+    </p:tnLst>
+  </p:timing>
 </p:sld>
 </file>
 
-<file path=ppt/slides/slide21.xml><?xml version="1.0" encoding="utf-8"?>
+<file path=ppt/slides/slide22.xml><?xml version="1.0" encoding="utf-8"?>
 <p:sld xmlns:a="http://schemas.openxmlformats.org/drawingml/2006/main" xmlns:r="http://schemas.openxmlformats.org/officeDocument/2006/relationships" xmlns:p="http://schemas.openxmlformats.org/presentationml/2006/main">
   <p:cSld>
     <p:spTree>
@@ -11812,10 +16043,17 @@
       </p:transition>
     </mc:Fallback>
   </mc:AlternateContent>
+  <p:timing>
+    <p:tnLst>
+      <p:par>
+        <p:cTn id="1" dur="indefinite" restart="never" nodeType="tmRoot"/>
+      </p:par>
+    </p:tnLst>
+  </p:timing>
 </p:sld>
 </file>
 
-<file path=ppt/slides/slide22.xml><?xml version="1.0" encoding="utf-8"?>
+<file path=ppt/slides/slide23.xml><?xml version="1.0" encoding="utf-8"?>
 <p:sld xmlns:a="http://schemas.openxmlformats.org/drawingml/2006/main" xmlns:r="http://schemas.openxmlformats.org/officeDocument/2006/relationships" xmlns:p="http://schemas.openxmlformats.org/presentationml/2006/main">
   <p:cSld>
     <p:spTree>
@@ -12069,10 +16307,17 @@
       </p:transition>
     </mc:Fallback>
   </mc:AlternateContent>
+  <p:timing>
+    <p:tnLst>
+      <p:par>
+        <p:cTn id="1" dur="indefinite" restart="never" nodeType="tmRoot"/>
+      </p:par>
+    </p:tnLst>
+  </p:timing>
 </p:sld>
 </file>
 
-<file path=ppt/slides/slide23.xml><?xml version="1.0" encoding="utf-8"?>
+<file path=ppt/slides/slide24.xml><?xml version="1.0" encoding="utf-8"?>
 <p:sld xmlns:a="http://schemas.openxmlformats.org/drawingml/2006/main" xmlns:r="http://schemas.openxmlformats.org/officeDocument/2006/relationships" xmlns:p="http://schemas.openxmlformats.org/presentationml/2006/main">
   <p:cSld>
     <p:spTree>
@@ -12168,10 +16413,17 @@
       </p:transition>
     </mc:Fallback>
   </mc:AlternateContent>
+  <p:timing>
+    <p:tnLst>
+      <p:par>
+        <p:cTn id="1" dur="indefinite" restart="never" nodeType="tmRoot"/>
+      </p:par>
+    </p:tnLst>
+  </p:timing>
 </p:sld>
 </file>
 
-<file path=ppt/slides/slide24.xml><?xml version="1.0" encoding="utf-8"?>
+<file path=ppt/slides/slide25.xml><?xml version="1.0" encoding="utf-8"?>
 <p:sld xmlns:a="http://schemas.openxmlformats.org/drawingml/2006/main" xmlns:r="http://schemas.openxmlformats.org/officeDocument/2006/relationships" xmlns:p="http://schemas.openxmlformats.org/presentationml/2006/main">
   <p:cSld>
     <p:spTree>
@@ -12232,6 +16484,13 @@
       </p:transition>
     </mc:Fallback>
   </mc:AlternateContent>
+  <p:timing>
+    <p:tnLst>
+      <p:par>
+        <p:cTn id="1" dur="indefinite" restart="never" nodeType="tmRoot"/>
+      </p:par>
+    </p:tnLst>
+  </p:timing>
 </p:sld>
 </file>
 
@@ -12481,6 +16740,13 @@
       </p:transition>
     </mc:Fallback>
   </mc:AlternateContent>
+  <p:timing>
+    <p:tnLst>
+      <p:par>
+        <p:cTn id="1" dur="indefinite" restart="never" nodeType="tmRoot"/>
+      </p:par>
+    </p:tnLst>
+  </p:timing>
 </p:sld>
 </file>
 
@@ -12539,12 +16805,309 @@
           <a:lstStyle/>
           <a:p>
             <a:r>
+              <a:rPr lang="zh-CN" altLang="en-US" dirty="0" smtClean="0"/>
+              <a:t>点评意见</a:t>
+            </a:r>
+            <a:r>
+              <a:rPr lang="en-US" altLang="zh-CN" dirty="0" smtClean="0"/>
+              <a:t>2</a:t>
+            </a:r>
+            <a:endParaRPr lang="zh-CN" altLang="en-US" dirty="0"/>
+          </a:p>
+        </p:txBody>
+      </p:sp>
+      <p:sp>
+        <p:nvSpPr>
+          <p:cNvPr id="4" name="内容占位符 3"/>
+          <p:cNvSpPr>
+            <a:spLocks noGrp="1"/>
+          </p:cNvSpPr>
+          <p:nvPr>
+            <p:ph sz="half" idx="2"/>
+          </p:nvPr>
+        </p:nvSpPr>
+        <p:spPr/>
+        <p:txBody>
+          <a:bodyPr/>
+          <a:lstStyle/>
+          <a:p>
+            <a:r>
+              <a:rPr lang="zh-CN" altLang="en-US" dirty="0" smtClean="0"/>
+              <a:t>明确</a:t>
+            </a:r>
+            <a:r>
+              <a:rPr lang="en-US" altLang="zh-CN" dirty="0" smtClean="0"/>
+              <a:t>”</a:t>
+            </a:r>
+            <a:r>
+              <a:rPr lang="en-US" altLang="zh-CN" dirty="0" err="1" smtClean="0"/>
+              <a:t>EasySpider</a:t>
+            </a:r>
+            <a:r>
+              <a:rPr lang="en-US" altLang="zh-CN" dirty="0" smtClean="0"/>
+              <a:t>”</a:t>
+            </a:r>
+            <a:r>
+              <a:rPr lang="zh-CN" altLang="en-US" dirty="0" smtClean="0"/>
+              <a:t>是整个系统还是系统的一部分</a:t>
+            </a:r>
+            <a:endParaRPr lang="zh-CN" altLang="en-US" dirty="0"/>
+          </a:p>
+        </p:txBody>
+      </p:sp>
+      <p:sp>
+        <p:nvSpPr>
+          <p:cNvPr id="5" name="文本占位符 4"/>
+          <p:cNvSpPr>
+            <a:spLocks noGrp="1"/>
+          </p:cNvSpPr>
+          <p:nvPr>
+            <p:ph type="body" sz="quarter" idx="3"/>
+          </p:nvPr>
+        </p:nvSpPr>
+        <p:spPr/>
+        <p:txBody>
+          <a:bodyPr/>
+          <a:lstStyle/>
+          <a:p>
+            <a:r>
+              <a:rPr lang="zh-CN" altLang="en-US" dirty="0" smtClean="0"/>
+              <a:t>改进</a:t>
+            </a:r>
+            <a:r>
+              <a:rPr lang="en-US" altLang="zh-CN" dirty="0" smtClean="0"/>
+              <a:t>2</a:t>
+            </a:r>
+            <a:endParaRPr lang="zh-CN" altLang="en-US" dirty="0"/>
+          </a:p>
+        </p:txBody>
+      </p:sp>
+      <p:sp>
+        <p:nvSpPr>
+          <p:cNvPr id="6" name="内容占位符 5"/>
+          <p:cNvSpPr>
+            <a:spLocks noGrp="1"/>
+          </p:cNvSpPr>
+          <p:nvPr>
+            <p:ph sz="quarter" idx="4"/>
+          </p:nvPr>
+        </p:nvSpPr>
+        <p:spPr/>
+        <p:txBody>
+          <a:bodyPr/>
+          <a:lstStyle/>
+          <a:p>
+            <a:r>
+              <a:rPr lang="en-US" altLang="zh-CN" dirty="0" err="1" smtClean="0"/>
+              <a:t>EasySpider</a:t>
+            </a:r>
+            <a:r>
+              <a:rPr lang="zh-CN" altLang="en-US" dirty="0" smtClean="0"/>
+              <a:t>是整个系统的名字，并对目录结构做了相应调整</a:t>
+            </a:r>
+            <a:endParaRPr lang="zh-CN" altLang="en-US" dirty="0"/>
+          </a:p>
+        </p:txBody>
+      </p:sp>
+      <p:pic>
+        <p:nvPicPr>
+          <p:cNvPr id="10" name="图片 9"/>
+          <p:cNvPicPr>
+            <a:picLocks noChangeAspect="1"/>
+          </p:cNvPicPr>
+          <p:nvPr/>
+        </p:nvPicPr>
+        <p:blipFill>
+          <a:blip r:embed="rId2"/>
+          <a:stretch>
+            <a:fillRect/>
+          </a:stretch>
+        </p:blipFill>
+        <p:spPr>
+          <a:xfrm>
+            <a:off x="6765940" y="3213996"/>
+            <a:ext cx="4479930" cy="3081700"/>
+          </a:xfrm>
+          <a:prstGeom prst="rect">
+            <a:avLst/>
+          </a:prstGeom>
+          <a:effectLst>
+            <a:outerShdw blurRad="50800" dist="38100" dir="5400000" algn="t" rotWithShape="0">
+              <a:prstClr val="black">
+                <a:alpha val="40000"/>
+              </a:prstClr>
+            </a:outerShdw>
+          </a:effectLst>
+        </p:spPr>
+      </p:pic>
+      <p:sp>
+        <p:nvSpPr>
+          <p:cNvPr id="11" name="右箭头 10"/>
+          <p:cNvSpPr/>
+          <p:nvPr/>
+        </p:nvSpPr>
+        <p:spPr>
+          <a:xfrm>
+            <a:off x="5812780" y="4522304"/>
+            <a:ext cx="588579" cy="465084"/>
+          </a:xfrm>
+          <a:prstGeom prst="rightArrow">
+            <a:avLst/>
+          </a:prstGeom>
+        </p:spPr>
+        <p:style>
+          <a:lnRef idx="2">
+            <a:schemeClr val="dk1">
+              <a:shade val="50000"/>
+            </a:schemeClr>
+          </a:lnRef>
+          <a:fillRef idx="1">
+            <a:schemeClr val="dk1"/>
+          </a:fillRef>
+          <a:effectRef idx="0">
+            <a:schemeClr val="dk1"/>
+          </a:effectRef>
+          <a:fontRef idx="minor">
+            <a:schemeClr val="lt1"/>
+          </a:fontRef>
+        </p:style>
+        <p:txBody>
+          <a:bodyPr rtlCol="0" anchor="ctr"/>
+          <a:lstStyle/>
+          <a:p>
+            <a:pPr algn="ctr"/>
+            <a:endParaRPr lang="zh-CN" altLang="en-US"/>
+          </a:p>
+        </p:txBody>
+      </p:sp>
+      <p:pic>
+        <p:nvPicPr>
+          <p:cNvPr id="7" name="图片 6"/>
+          <p:cNvPicPr>
+            <a:picLocks noChangeAspect="1"/>
+          </p:cNvPicPr>
+          <p:nvPr/>
+        </p:nvPicPr>
+        <p:blipFill>
+          <a:blip r:embed="rId3"/>
+          <a:stretch>
+            <a:fillRect/>
+          </a:stretch>
+        </p:blipFill>
+        <p:spPr>
+          <a:xfrm>
+            <a:off x="721332" y="3054293"/>
+            <a:ext cx="4726867" cy="3401106"/>
+          </a:xfrm>
+          <a:prstGeom prst="rect">
+            <a:avLst/>
+          </a:prstGeom>
+          <a:effectLst>
+            <a:outerShdw blurRad="50800" dist="38100" dir="5400000" algn="t" rotWithShape="0">
+              <a:prstClr val="black">
+                <a:alpha val="40000"/>
+              </a:prstClr>
+            </a:outerShdw>
+          </a:effectLst>
+        </p:spPr>
+      </p:pic>
+    </p:spTree>
+    <p:extLst>
+      <p:ext uri="{BB962C8B-B14F-4D97-AF65-F5344CB8AC3E}">
+        <p14:creationId xmlns:p14="http://schemas.microsoft.com/office/powerpoint/2010/main" val="1432543890"/>
+      </p:ext>
+    </p:extLst>
+  </p:cSld>
+  <p:clrMapOvr>
+    <a:masterClrMapping/>
+  </p:clrMapOvr>
+  <mc:AlternateContent xmlns:mc="http://schemas.openxmlformats.org/markup-compatibility/2006" xmlns:p14="http://schemas.microsoft.com/office/powerpoint/2010/main">
+    <mc:Choice Requires="p14">
+      <p:transition spd="med" p14:dur="700">
+        <p:fade/>
+      </p:transition>
+    </mc:Choice>
+    <mc:Fallback xmlns="">
+      <p:transition spd="med">
+        <p:fade/>
+      </p:transition>
+    </mc:Fallback>
+  </mc:AlternateContent>
+  <p:timing>
+    <p:tnLst>
+      <p:par>
+        <p:cTn id="1" dur="indefinite" restart="never" nodeType="tmRoot"/>
+      </p:par>
+    </p:tnLst>
+  </p:timing>
+</p:sld>
+</file>
+
+<file path=ppt/slides/slide5.xml><?xml version="1.0" encoding="utf-8"?>
+<p:sld xmlns:a="http://schemas.openxmlformats.org/drawingml/2006/main" xmlns:r="http://schemas.openxmlformats.org/officeDocument/2006/relationships" xmlns:p="http://schemas.openxmlformats.org/presentationml/2006/main">
+  <p:cSld>
+    <p:spTree>
+      <p:nvGrpSpPr>
+        <p:cNvPr id="1" name=""/>
+        <p:cNvGrpSpPr/>
+        <p:nvPr/>
+      </p:nvGrpSpPr>
+      <p:grpSpPr>
+        <a:xfrm>
+          <a:off x="0" y="0"/>
+          <a:ext cx="0" cy="0"/>
+          <a:chOff x="0" y="0"/>
+          <a:chExt cx="0" cy="0"/>
+        </a:xfrm>
+      </p:grpSpPr>
+      <p:sp>
+        <p:nvSpPr>
+          <p:cNvPr id="2" name="标题 1"/>
+          <p:cNvSpPr>
+            <a:spLocks noGrp="1"/>
+          </p:cNvSpPr>
+          <p:nvPr>
+            <p:ph type="title"/>
+          </p:nvPr>
+        </p:nvSpPr>
+        <p:spPr/>
+        <p:txBody>
+          <a:bodyPr/>
+          <a:lstStyle/>
+          <a:p>
+            <a:r>
               <a:rPr lang="zh-CN" altLang="en-US" dirty="0"/>
-              <a:t>点评意见</a:t>
+              <a:t>需求规格说明书改进</a:t>
+            </a:r>
+          </a:p>
+        </p:txBody>
+      </p:sp>
+      <p:sp>
+        <p:nvSpPr>
+          <p:cNvPr id="3" name="文本占位符 2"/>
+          <p:cNvSpPr>
+            <a:spLocks noGrp="1"/>
+          </p:cNvSpPr>
+          <p:nvPr>
+            <p:ph type="body" idx="1"/>
+          </p:nvPr>
+        </p:nvSpPr>
+        <p:spPr/>
+        <p:txBody>
+          <a:bodyPr/>
+          <a:lstStyle/>
+          <a:p>
+            <a:r>
+              <a:rPr lang="zh-CN" altLang="en-US" dirty="0"/>
+              <a:t>点评</a:t>
+            </a:r>
+            <a:r>
+              <a:rPr lang="zh-CN" altLang="en-US" dirty="0" smtClean="0"/>
+              <a:t>意见</a:t>
             </a:r>
             <a:r>
               <a:rPr lang="en-US" altLang="zh-CN" dirty="0"/>
-              <a:t>2</a:t>
+              <a:t>3</a:t>
             </a:r>
             <a:endParaRPr lang="zh-CN" altLang="en-US" dirty="0"/>
           </a:p>
@@ -12596,12 +17159,12 @@
           <a:lstStyle/>
           <a:p>
             <a:r>
-              <a:rPr lang="zh-CN" altLang="en-US" dirty="0"/>
+              <a:rPr lang="zh-CN" altLang="en-US" dirty="0" smtClean="0"/>
               <a:t>改进</a:t>
             </a:r>
             <a:r>
               <a:rPr lang="en-US" altLang="zh-CN" dirty="0"/>
-              <a:t>2</a:t>
+              <a:t>3</a:t>
             </a:r>
             <a:endParaRPr lang="zh-CN" altLang="en-US" dirty="0"/>
           </a:p>
@@ -13474,10 +18037,17 @@
       </p:transition>
     </mc:Fallback>
   </mc:AlternateContent>
+  <p:timing>
+    <p:tnLst>
+      <p:par>
+        <p:cTn id="1" dur="indefinite" restart="never" nodeType="tmRoot"/>
+      </p:par>
+    </p:tnLst>
+  </p:timing>
 </p:sld>
 </file>
 
-<file path=ppt/slides/slide5.xml><?xml version="1.0" encoding="utf-8"?>
+<file path=ppt/slides/slide6.xml><?xml version="1.0" encoding="utf-8"?>
 <p:sld xmlns:a="http://schemas.openxmlformats.org/drawingml/2006/main" xmlns:r="http://schemas.openxmlformats.org/officeDocument/2006/relationships" xmlns:p="http://schemas.openxmlformats.org/presentationml/2006/main">
   <p:cSld>
     <p:spTree>
@@ -13731,10 +18301,17 @@
       </p:transition>
     </mc:Fallback>
   </mc:AlternateContent>
+  <p:timing>
+    <p:tnLst>
+      <p:par>
+        <p:cTn id="1" dur="indefinite" restart="never" nodeType="tmRoot"/>
+      </p:par>
+    </p:tnLst>
+  </p:timing>
 </p:sld>
 </file>
 
-<file path=ppt/slides/slide6.xml><?xml version="1.0" encoding="utf-8"?>
+<file path=ppt/slides/slide7.xml><?xml version="1.0" encoding="utf-8"?>
 <p:sld xmlns:a="http://schemas.openxmlformats.org/drawingml/2006/main" xmlns:r="http://schemas.openxmlformats.org/officeDocument/2006/relationships" xmlns:p="http://schemas.openxmlformats.org/presentationml/2006/main">
   <p:cSld>
     <p:spTree>
@@ -14005,10 +18582,17 @@
       </p:transition>
     </mc:Fallback>
   </mc:AlternateContent>
+  <p:timing>
+    <p:tnLst>
+      <p:par>
+        <p:cTn id="1" dur="indefinite" restart="never" nodeType="tmRoot"/>
+      </p:par>
+    </p:tnLst>
+  </p:timing>
 </p:sld>
 </file>
 
-<file path=ppt/slides/slide7.xml><?xml version="1.0" encoding="utf-8"?>
+<file path=ppt/slides/slide8.xml><?xml version="1.0" encoding="utf-8"?>
 <p:sld xmlns:a="http://schemas.openxmlformats.org/drawingml/2006/main" xmlns:r="http://schemas.openxmlformats.org/officeDocument/2006/relationships" xmlns:p="http://schemas.openxmlformats.org/presentationml/2006/main">
   <p:cSld>
     <p:spTree>
@@ -14106,10 +18690,17 @@
       </p:transition>
     </mc:Fallback>
   </mc:AlternateContent>
+  <p:timing>
+    <p:tnLst>
+      <p:par>
+        <p:cTn id="1" dur="indefinite" restart="never" nodeType="tmRoot"/>
+      </p:par>
+    </p:tnLst>
+  </p:timing>
 </p:sld>
 </file>
 
-<file path=ppt/slides/slide8.xml><?xml version="1.0" encoding="utf-8"?>
+<file path=ppt/slides/slide9.xml><?xml version="1.0" encoding="utf-8"?>
 <p:sld xmlns:a="http://schemas.openxmlformats.org/drawingml/2006/main" xmlns:r="http://schemas.openxmlformats.org/officeDocument/2006/relationships" xmlns:p="http://schemas.openxmlformats.org/presentationml/2006/main">
   <p:cSld>
     <p:spTree>
@@ -14349,678 +18940,13 @@
       </p:transition>
     </mc:Fallback>
   </mc:AlternateContent>
-</p:sld>
-</file>
-
-<file path=ppt/slides/slide9.xml><?xml version="1.0" encoding="utf-8"?>
-<p:sld xmlns:a="http://schemas.openxmlformats.org/drawingml/2006/main" xmlns:r="http://schemas.openxmlformats.org/officeDocument/2006/relationships" xmlns:p="http://schemas.openxmlformats.org/presentationml/2006/main">
-  <p:cSld>
-    <p:spTree>
-      <p:nvGrpSpPr>
-        <p:cNvPr id="1" name=""/>
-        <p:cNvGrpSpPr/>
-        <p:nvPr/>
-      </p:nvGrpSpPr>
-      <p:grpSpPr>
-        <a:xfrm>
-          <a:off x="0" y="0"/>
-          <a:ext cx="0" cy="0"/>
-          <a:chOff x="0" y="0"/>
-          <a:chExt cx="0" cy="0"/>
-        </a:xfrm>
-      </p:grpSpPr>
-      <p:sp>
-        <p:nvSpPr>
-          <p:cNvPr id="2" name="Title 1">
-            <a:extLst>
-              <a:ext uri="{FF2B5EF4-FFF2-40B4-BE49-F238E27FC236}">
-                <a16:creationId xmlns:a16="http://schemas.microsoft.com/office/drawing/2014/main" id="{83630161-C5E3-428D-8444-60BEBBD299FF}"/>
-              </a:ext>
-            </a:extLst>
-          </p:cNvPr>
-          <p:cNvSpPr>
-            <a:spLocks noGrp="1"/>
-          </p:cNvSpPr>
-          <p:nvPr>
-            <p:ph type="title"/>
-          </p:nvPr>
-        </p:nvSpPr>
-        <p:spPr/>
-        <p:txBody>
-          <a:bodyPr/>
-          <a:lstStyle/>
-          <a:p>
-            <a:r>
-              <a:rPr lang="zh-CN" altLang="en-US" dirty="0"/>
-              <a:t>实验六：软件项目计划与监控</a:t>
-            </a:r>
-            <a:endParaRPr lang="en-US" dirty="0"/>
-          </a:p>
-        </p:txBody>
-      </p:sp>
-      <p:sp>
-        <p:nvSpPr>
-          <p:cNvPr id="5" name="内容占位符 2">
-            <a:extLst>
-              <a:ext uri="{FF2B5EF4-FFF2-40B4-BE49-F238E27FC236}">
-                <a16:creationId xmlns:a16="http://schemas.microsoft.com/office/drawing/2014/main" id="{7A5A2AB3-0427-4E1C-9412-A47B93789E5E}"/>
-              </a:ext>
-            </a:extLst>
-          </p:cNvPr>
-          <p:cNvSpPr txBox="1">
-            <a:spLocks noGrp="1"/>
-          </p:cNvSpPr>
-          <p:nvPr>
-            <p:ph idx="1"/>
-          </p:nvPr>
-        </p:nvSpPr>
-        <p:spPr>
-          <a:xfrm>
-            <a:off x="1203325" y="1533525"/>
-            <a:ext cx="9783763" cy="4684713"/>
-          </a:xfrm>
-          <a:prstGeom prst="rect">
-            <a:avLst/>
-          </a:prstGeom>
-        </p:spPr>
-        <p:txBody>
-          <a:bodyPr vert="horz" lIns="91440" tIns="45720" rIns="91440" bIns="45720" rtlCol="0">
-            <a:normAutofit/>
-          </a:bodyPr>
-          <a:lstStyle>
-            <a:lvl1pPr marL="182880" indent="-182880" algn="l" defTabSz="914400" rtl="0" eaLnBrk="1" latinLnBrk="0" hangingPunct="1">
-              <a:lnSpc>
-                <a:spcPct val="90000"/>
-              </a:lnSpc>
-              <a:spcBef>
-                <a:spcPts val="1200"/>
-              </a:spcBef>
-              <a:spcAft>
-                <a:spcPts val="200"/>
-              </a:spcAft>
-              <a:buClr>
-                <a:schemeClr val="tx1"/>
-              </a:buClr>
-              <a:buFont typeface="Wingdings" pitchFamily="2" charset="2"/>
-              <a:buChar char=""/>
-              <a:defRPr sz="2200" kern="1200">
-                <a:solidFill>
-                  <a:schemeClr val="tx1"/>
-                </a:solidFill>
-                <a:latin typeface="+mn-lt"/>
-                <a:ea typeface="+mn-ea"/>
-                <a:cs typeface="+mn-cs"/>
-              </a:defRPr>
-            </a:lvl1pPr>
-            <a:lvl2pPr marL="411480" indent="-182880" algn="l" defTabSz="914400" rtl="0" eaLnBrk="1" latinLnBrk="0" hangingPunct="1">
-              <a:lnSpc>
-                <a:spcPct val="90000"/>
-              </a:lnSpc>
-              <a:spcBef>
-                <a:spcPts val="200"/>
-              </a:spcBef>
-              <a:spcAft>
-                <a:spcPts val="400"/>
-              </a:spcAft>
-              <a:buClr>
-                <a:schemeClr val="tx1"/>
-              </a:buClr>
-              <a:buFont typeface="Wingdings" pitchFamily="2" charset="2"/>
-              <a:buChar char=""/>
-              <a:defRPr sz="2000" kern="1200">
-                <a:solidFill>
-                  <a:schemeClr val="tx1"/>
-                </a:solidFill>
-                <a:latin typeface="+mn-lt"/>
-                <a:ea typeface="+mn-ea"/>
-                <a:cs typeface="+mn-cs"/>
-              </a:defRPr>
-            </a:lvl2pPr>
-            <a:lvl3pPr marL="640080" indent="-182880" algn="l" defTabSz="914400" rtl="0" eaLnBrk="1" latinLnBrk="0" hangingPunct="1">
-              <a:lnSpc>
-                <a:spcPct val="90000"/>
-              </a:lnSpc>
-              <a:spcBef>
-                <a:spcPts val="200"/>
-              </a:spcBef>
-              <a:spcAft>
-                <a:spcPts val="400"/>
-              </a:spcAft>
-              <a:buClr>
-                <a:schemeClr val="tx1"/>
-              </a:buClr>
-              <a:buFont typeface="Wingdings" pitchFamily="2" charset="2"/>
-              <a:buChar char=""/>
-              <a:defRPr sz="1800" kern="1200">
-                <a:solidFill>
-                  <a:schemeClr val="tx1"/>
-                </a:solidFill>
-                <a:latin typeface="+mn-lt"/>
-                <a:ea typeface="+mn-ea"/>
-                <a:cs typeface="+mn-cs"/>
-              </a:defRPr>
-            </a:lvl3pPr>
-            <a:lvl4pPr marL="868680" indent="-182880" algn="l" defTabSz="914400" rtl="0" eaLnBrk="1" latinLnBrk="0" hangingPunct="1">
-              <a:lnSpc>
-                <a:spcPct val="90000"/>
-              </a:lnSpc>
-              <a:spcBef>
-                <a:spcPts val="200"/>
-              </a:spcBef>
-              <a:spcAft>
-                <a:spcPts val="400"/>
-              </a:spcAft>
-              <a:buClr>
-                <a:schemeClr val="tx1"/>
-              </a:buClr>
-              <a:buFont typeface="Wingdings" pitchFamily="2" charset="2"/>
-              <a:buChar char=""/>
-              <a:defRPr sz="1600" kern="1200">
-                <a:solidFill>
-                  <a:schemeClr val="tx1"/>
-                </a:solidFill>
-                <a:latin typeface="+mn-lt"/>
-                <a:ea typeface="+mn-ea"/>
-                <a:cs typeface="+mn-cs"/>
-              </a:defRPr>
-            </a:lvl4pPr>
-            <a:lvl5pPr marL="1097280" indent="-182880" algn="l" defTabSz="914400" rtl="0" eaLnBrk="1" latinLnBrk="0" hangingPunct="1">
-              <a:lnSpc>
-                <a:spcPct val="90000"/>
-              </a:lnSpc>
-              <a:spcBef>
-                <a:spcPts val="200"/>
-              </a:spcBef>
-              <a:spcAft>
-                <a:spcPts val="400"/>
-              </a:spcAft>
-              <a:buClr>
-                <a:schemeClr val="tx1"/>
-              </a:buClr>
-              <a:buFont typeface="Wingdings" pitchFamily="2" charset="2"/>
-              <a:buChar char=""/>
-              <a:defRPr sz="1600" kern="1200">
-                <a:solidFill>
-                  <a:schemeClr val="tx1"/>
-                </a:solidFill>
-                <a:latin typeface="+mn-lt"/>
-                <a:ea typeface="+mn-ea"/>
-                <a:cs typeface="+mn-cs"/>
-              </a:defRPr>
-            </a:lvl5pPr>
-            <a:lvl6pPr marL="1284600" indent="-228600" algn="l" defTabSz="914400" rtl="0" eaLnBrk="1" latinLnBrk="0" hangingPunct="1">
-              <a:lnSpc>
-                <a:spcPct val="90000"/>
-              </a:lnSpc>
-              <a:spcBef>
-                <a:spcPts val="200"/>
-              </a:spcBef>
-              <a:spcAft>
-                <a:spcPts val="400"/>
-              </a:spcAft>
-              <a:buClr>
-                <a:schemeClr val="tx1"/>
-              </a:buClr>
-              <a:buFont typeface="Wingdings" pitchFamily="2" charset="2"/>
-              <a:buChar char=""/>
-              <a:defRPr sz="1600" kern="1200">
-                <a:solidFill>
-                  <a:schemeClr val="tx1"/>
-                </a:solidFill>
-                <a:latin typeface="+mn-lt"/>
-                <a:ea typeface="+mn-ea"/>
-                <a:cs typeface="+mn-cs"/>
-              </a:defRPr>
-            </a:lvl6pPr>
-            <a:lvl7pPr marL="1471800" indent="-228600" algn="l" defTabSz="914400" rtl="0" eaLnBrk="1" latinLnBrk="0" hangingPunct="1">
-              <a:lnSpc>
-                <a:spcPct val="90000"/>
-              </a:lnSpc>
-              <a:spcBef>
-                <a:spcPts val="200"/>
-              </a:spcBef>
-              <a:spcAft>
-                <a:spcPts val="400"/>
-              </a:spcAft>
-              <a:buClr>
-                <a:schemeClr val="tx1"/>
-              </a:buClr>
-              <a:buFont typeface="Wingdings" pitchFamily="2" charset="2"/>
-              <a:buChar char=""/>
-              <a:defRPr sz="1600" kern="1200">
-                <a:solidFill>
-                  <a:schemeClr val="tx1"/>
-                </a:solidFill>
-                <a:latin typeface="+mn-lt"/>
-                <a:ea typeface="+mn-ea"/>
-                <a:cs typeface="+mn-cs"/>
-              </a:defRPr>
-            </a:lvl7pPr>
-            <a:lvl8pPr marL="1629000" indent="-228600" algn="l" defTabSz="914400" rtl="0" eaLnBrk="1" latinLnBrk="0" hangingPunct="1">
-              <a:lnSpc>
-                <a:spcPct val="90000"/>
-              </a:lnSpc>
-              <a:spcBef>
-                <a:spcPts val="200"/>
-              </a:spcBef>
-              <a:spcAft>
-                <a:spcPts val="400"/>
-              </a:spcAft>
-              <a:buClr>
-                <a:schemeClr val="tx1"/>
-              </a:buClr>
-              <a:buFont typeface="Wingdings" pitchFamily="2" charset="2"/>
-              <a:buChar char=""/>
-              <a:defRPr sz="1600" kern="1200">
-                <a:solidFill>
-                  <a:schemeClr val="tx1"/>
-                </a:solidFill>
-                <a:latin typeface="+mn-lt"/>
-                <a:ea typeface="+mn-ea"/>
-                <a:cs typeface="+mn-cs"/>
-              </a:defRPr>
-            </a:lvl8pPr>
-            <a:lvl9pPr marL="1806200" indent="-228600" algn="l" defTabSz="914400" rtl="0" eaLnBrk="1" latinLnBrk="0" hangingPunct="1">
-              <a:lnSpc>
-                <a:spcPct val="90000"/>
-              </a:lnSpc>
-              <a:spcBef>
-                <a:spcPts val="200"/>
-              </a:spcBef>
-              <a:spcAft>
-                <a:spcPts val="400"/>
-              </a:spcAft>
-              <a:buClr>
-                <a:schemeClr val="tx1"/>
-              </a:buClr>
-              <a:buFont typeface="Wingdings" pitchFamily="2" charset="2"/>
-              <a:buChar char=""/>
-              <a:defRPr sz="1600" kern="1200">
-                <a:solidFill>
-                  <a:schemeClr val="tx1"/>
-                </a:solidFill>
-                <a:latin typeface="+mn-lt"/>
-                <a:ea typeface="+mn-ea"/>
-                <a:cs typeface="+mn-cs"/>
-              </a:defRPr>
-            </a:lvl9pPr>
-          </a:lstStyle>
-          <a:p>
-            <a:pPr>
-              <a:lnSpc>
-                <a:spcPct val="120000"/>
-              </a:lnSpc>
-              <a:buFont typeface="Wingdings" pitchFamily="2" charset="2"/>
-              <a:buChar char="Ø"/>
-            </a:pPr>
-            <a:r>
-              <a:rPr lang="en-US" altLang="zh-CN" dirty="0"/>
-              <a:t> </a:t>
-            </a:r>
-            <a:r>
-              <a:rPr lang="zh-CN" altLang="en-US" dirty="0"/>
-              <a:t>实验工具</a:t>
-            </a:r>
-            <a:endParaRPr lang="en-US" altLang="zh-CN" dirty="0"/>
-          </a:p>
-          <a:p>
-            <a:pPr lvl="1">
-              <a:lnSpc>
-                <a:spcPct val="120000"/>
-              </a:lnSpc>
-            </a:pPr>
-            <a:r>
-              <a:rPr lang="en-US" altLang="zh-CN" dirty="0"/>
-              <a:t>MS Project</a:t>
-            </a:r>
-          </a:p>
-          <a:p>
-            <a:pPr>
-              <a:lnSpc>
-                <a:spcPct val="120000"/>
-              </a:lnSpc>
-              <a:buFont typeface="Wingdings" pitchFamily="2" charset="2"/>
-              <a:buChar char="Ø"/>
-            </a:pPr>
-            <a:r>
-              <a:rPr lang="zh-CN" altLang="en-US" dirty="0"/>
-              <a:t> 进度控制</a:t>
-            </a:r>
-            <a:endParaRPr lang="en-US" altLang="zh-CN" dirty="0"/>
-          </a:p>
-          <a:p>
-            <a:pPr lvl="1">
-              <a:lnSpc>
-                <a:spcPct val="120000"/>
-              </a:lnSpc>
-            </a:pPr>
-            <a:r>
-              <a:rPr lang="zh-CN" altLang="en-US" dirty="0"/>
-              <a:t>小组协同：</a:t>
-            </a:r>
-            <a:r>
-              <a:rPr lang="en-US" altLang="zh-CN" dirty="0"/>
-              <a:t>2</a:t>
-            </a:r>
-            <a:r>
-              <a:rPr lang="zh-CN" altLang="en-US" dirty="0"/>
-              <a:t>次</a:t>
-            </a:r>
-            <a:r>
-              <a:rPr lang="en-US" altLang="zh-CN" dirty="0"/>
-              <a:t>Tencent Meeting/</a:t>
-            </a:r>
-            <a:r>
-              <a:rPr lang="zh-CN" altLang="en-US" dirty="0"/>
-              <a:t>周</a:t>
-            </a:r>
-            <a:endParaRPr lang="en-US" altLang="zh-CN" dirty="0"/>
-          </a:p>
-          <a:p>
-            <a:pPr lvl="1">
-              <a:lnSpc>
-                <a:spcPct val="120000"/>
-              </a:lnSpc>
-            </a:pPr>
-            <a:r>
-              <a:rPr lang="zh-CN" altLang="en-US" dirty="0"/>
-              <a:t>任务分解与分配</a:t>
-            </a:r>
-            <a:endParaRPr lang="en-US" altLang="zh-CN" dirty="0"/>
-          </a:p>
-          <a:p>
-            <a:pPr lvl="1"/>
-            <a:endParaRPr lang="en-US" altLang="zh-CN" dirty="0"/>
-          </a:p>
-        </p:txBody>
-      </p:sp>
-      <p:graphicFrame>
-        <p:nvGraphicFramePr>
-          <p:cNvPr id="9" name="内容占位符 3">
-            <a:extLst>
-              <a:ext uri="{FF2B5EF4-FFF2-40B4-BE49-F238E27FC236}">
-                <a16:creationId xmlns:a16="http://schemas.microsoft.com/office/drawing/2014/main" id="{8747E140-FB05-4C30-AF2D-AF934804B059}"/>
-              </a:ext>
-            </a:extLst>
-          </p:cNvPr>
-          <p:cNvGraphicFramePr>
-            <a:graphicFrameLocks/>
-          </p:cNvGraphicFramePr>
-          <p:nvPr>
-            <p:extLst/>
-          </p:nvPr>
-        </p:nvGraphicFramePr>
-        <p:xfrm>
-          <a:off x="1714503" y="3939871"/>
-          <a:ext cx="4381497" cy="914400"/>
-        </p:xfrm>
-        <a:graphic>
-          <a:graphicData uri="http://schemas.openxmlformats.org/drawingml/2006/table">
-            <a:tbl>
-              <a:tblPr firstRow="1" bandRow="1">
-                <a:tableStyleId>{073A0DAA-6AF3-43AB-8588-CEC1D06C72B9}</a:tableStyleId>
-              </a:tblPr>
-              <a:tblGrid>
-                <a:gridCol w="776552">
-                  <a:extLst>
-                    <a:ext uri="{9D8B030D-6E8A-4147-A177-3AD203B41FA5}">
-                      <a16:colId xmlns:a16="http://schemas.microsoft.com/office/drawing/2014/main" val="45147261"/>
-                    </a:ext>
-                  </a:extLst>
-                </a:gridCol>
-                <a:gridCol w="776552">
-                  <a:extLst>
-                    <a:ext uri="{9D8B030D-6E8A-4147-A177-3AD203B41FA5}">
-                      <a16:colId xmlns:a16="http://schemas.microsoft.com/office/drawing/2014/main" val="691264445"/>
-                    </a:ext>
-                  </a:extLst>
-                </a:gridCol>
-                <a:gridCol w="2828393">
-                  <a:extLst>
-                    <a:ext uri="{9D8B030D-6E8A-4147-A177-3AD203B41FA5}">
-                      <a16:colId xmlns:a16="http://schemas.microsoft.com/office/drawing/2014/main" val="1379129429"/>
-                    </a:ext>
-                  </a:extLst>
-                </a:gridCol>
-              </a:tblGrid>
-              <a:tr h="273492">
-                <a:tc>
-                  <a:txBody>
-                    <a:bodyPr/>
-                    <a:lstStyle/>
-                    <a:p>
-                      <a:pPr algn="ctr"/>
-                      <a:r>
-                        <a:rPr lang="zh-CN" altLang="en-US" sz="1200" dirty="0"/>
-                        <a:t>任务</a:t>
-                      </a:r>
-                    </a:p>
-                  </a:txBody>
-                  <a:tcPr anchor="ctr"/>
-                </a:tc>
-                <a:tc>
-                  <a:txBody>
-                    <a:bodyPr/>
-                    <a:lstStyle/>
-                    <a:p>
-                      <a:pPr algn="ctr"/>
-                      <a:r>
-                        <a:rPr lang="zh-CN" altLang="en-US" sz="1200" dirty="0"/>
-                        <a:t>负责人</a:t>
-                      </a:r>
-                    </a:p>
-                  </a:txBody>
-                  <a:tcPr anchor="ctr"/>
-                </a:tc>
-                <a:tc>
-                  <a:txBody>
-                    <a:bodyPr/>
-                    <a:lstStyle/>
-                    <a:p>
-                      <a:pPr algn="ctr"/>
-                      <a:r>
-                        <a:rPr lang="zh-CN" altLang="en-US" sz="1200" dirty="0"/>
-                        <a:t>子任务</a:t>
-                      </a:r>
-                    </a:p>
-                  </a:txBody>
-                  <a:tcPr anchor="ctr"/>
-                </a:tc>
-                <a:extLst>
-                  <a:ext uri="{0D108BD9-81ED-4DB2-BD59-A6C34878D82A}">
-                    <a16:rowId xmlns:a16="http://schemas.microsoft.com/office/drawing/2014/main" val="995484075"/>
-                  </a:ext>
-                </a:extLst>
-              </a:tr>
-              <a:tr h="320040">
-                <a:tc rowSpan="2">
-                  <a:txBody>
-                    <a:bodyPr/>
-                    <a:lstStyle/>
-                    <a:p>
-                      <a:pPr algn="ctr"/>
-                      <a:r>
-                        <a:rPr lang="zh-CN" altLang="en-US" sz="1200" dirty="0"/>
-                        <a:t>网站</a:t>
-                      </a:r>
-                      <a:endParaRPr lang="en-US" altLang="zh-CN" sz="1200" dirty="0"/>
-                    </a:p>
-                    <a:p>
-                      <a:pPr algn="ctr"/>
-                      <a:r>
-                        <a:rPr lang="zh-CN" altLang="en-US" sz="1200" dirty="0"/>
-                        <a:t>前端</a:t>
-                      </a:r>
-                    </a:p>
-                  </a:txBody>
-                  <a:tcPr anchor="ctr"/>
-                </a:tc>
-                <a:tc>
-                  <a:txBody>
-                    <a:bodyPr/>
-                    <a:lstStyle/>
-                    <a:p>
-                      <a:pPr marL="0" marR="0" lvl="0" indent="0" algn="ctr" defTabSz="914400" rtl="0" eaLnBrk="1" fontAlgn="auto" latinLnBrk="0" hangingPunct="1">
-                        <a:lnSpc>
-                          <a:spcPct val="100000"/>
-                        </a:lnSpc>
-                        <a:spcBef>
-                          <a:spcPts val="0"/>
-                        </a:spcBef>
-                        <a:spcAft>
-                          <a:spcPts val="0"/>
-                        </a:spcAft>
-                        <a:buClrTx/>
-                        <a:buSzTx/>
-                        <a:buFontTx/>
-                        <a:buNone/>
-                        <a:tabLst/>
-                        <a:defRPr/>
-                      </a:pPr>
-                      <a:r>
-                        <a:rPr lang="zh-CN" altLang="en-US" sz="1200" dirty="0"/>
-                        <a:t>宋冰晨</a:t>
-                      </a:r>
-                    </a:p>
-                  </a:txBody>
-                  <a:tcPr anchor="ctr"/>
-                </a:tc>
-                <a:tc>
-                  <a:txBody>
-                    <a:bodyPr/>
-                    <a:lstStyle/>
-                    <a:p>
-                      <a:pPr algn="ctr"/>
-                      <a:r>
-                        <a:rPr lang="en-US" altLang="zh-CN" sz="1200" dirty="0"/>
-                        <a:t>Web UI</a:t>
-                      </a:r>
-                      <a:r>
-                        <a:rPr lang="zh-CN" altLang="en-US" sz="1200" dirty="0"/>
-                        <a:t>实现</a:t>
-                      </a:r>
-                    </a:p>
-                  </a:txBody>
-                  <a:tcPr anchor="ctr"/>
-                </a:tc>
-                <a:extLst>
-                  <a:ext uri="{0D108BD9-81ED-4DB2-BD59-A6C34878D82A}">
-                    <a16:rowId xmlns:a16="http://schemas.microsoft.com/office/drawing/2014/main" val="637536198"/>
-                  </a:ext>
-                </a:extLst>
-              </a:tr>
-              <a:tr h="320040">
-                <a:tc vMerge="1">
-                  <a:txBody>
-                    <a:bodyPr/>
-                    <a:lstStyle/>
-                    <a:p>
-                      <a:pPr algn="ctr"/>
-                      <a:endParaRPr lang="zh-CN" altLang="en-US" sz="1800" dirty="0"/>
-                    </a:p>
-                  </a:txBody>
-                  <a:tcPr anchor="ctr"/>
-                </a:tc>
-                <a:tc>
-                  <a:txBody>
-                    <a:bodyPr/>
-                    <a:lstStyle/>
-                    <a:p>
-                      <a:pPr algn="ctr"/>
-                      <a:r>
-                        <a:rPr lang="zh-CN" altLang="en-US" sz="1200" dirty="0"/>
-                        <a:t>郭浩隆</a:t>
-                      </a:r>
-                    </a:p>
-                  </a:txBody>
-                  <a:tcPr anchor="ctr"/>
-                </a:tc>
-                <a:tc>
-                  <a:txBody>
-                    <a:bodyPr/>
-                    <a:lstStyle/>
-                    <a:p>
-                      <a:pPr algn="ctr"/>
-                      <a:r>
-                        <a:rPr lang="en-US" altLang="zh-CN" sz="1200" dirty="0"/>
-                        <a:t>Web UI</a:t>
-                      </a:r>
-                      <a:r>
-                        <a:rPr lang="zh-CN" altLang="en-US" sz="1200" dirty="0"/>
-                        <a:t>实现、协调前后端接口调用</a:t>
-                      </a:r>
-                    </a:p>
-                  </a:txBody>
-                  <a:tcPr anchor="ctr"/>
-                </a:tc>
-                <a:extLst>
-                  <a:ext uri="{0D108BD9-81ED-4DB2-BD59-A6C34878D82A}">
-                    <a16:rowId xmlns:a16="http://schemas.microsoft.com/office/drawing/2014/main" val="3171643311"/>
-                  </a:ext>
-                </a:extLst>
-              </a:tr>
-            </a:tbl>
-          </a:graphicData>
-        </a:graphic>
-      </p:graphicFrame>
-      <p:pic>
-        <p:nvPicPr>
-          <p:cNvPr id="10" name="内容占位符 6">
-            <a:extLst>
-              <a:ext uri="{FF2B5EF4-FFF2-40B4-BE49-F238E27FC236}">
-                <a16:creationId xmlns:a16="http://schemas.microsoft.com/office/drawing/2014/main" id="{7221D0DC-65D6-4D74-BFAD-9381D835B7E1}"/>
-              </a:ext>
-            </a:extLst>
-          </p:cNvPr>
-          <p:cNvPicPr>
-            <a:picLocks noChangeAspect="1"/>
-          </p:cNvPicPr>
-          <p:nvPr/>
-        </p:nvPicPr>
-        <p:blipFill>
-          <a:blip r:embed="rId2">
-            <a:extLst>
-              <a:ext uri="{28A0092B-C50C-407E-A947-70E740481C1C}">
-                <a14:useLocalDpi xmlns:a14="http://schemas.microsoft.com/office/drawing/2010/main" val="0"/>
-              </a:ext>
-            </a:extLst>
-          </a:blip>
-          <a:stretch>
-            <a:fillRect/>
-          </a:stretch>
-        </p:blipFill>
-        <p:spPr>
-          <a:xfrm>
-            <a:off x="6212030" y="3939871"/>
-            <a:ext cx="5769592" cy="2053258"/>
-          </a:xfrm>
-          <a:prstGeom prst="rect">
-            <a:avLst/>
-          </a:prstGeom>
-        </p:spPr>
-      </p:pic>
-    </p:spTree>
-    <p:extLst>
-      <p:ext uri="{BB962C8B-B14F-4D97-AF65-F5344CB8AC3E}">
-        <p14:creationId xmlns:p14="http://schemas.microsoft.com/office/powerpoint/2010/main" val="1175671105"/>
-      </p:ext>
-    </p:extLst>
-  </p:cSld>
-  <p:clrMapOvr>
-    <a:masterClrMapping/>
-  </p:clrMapOvr>
-  <mc:AlternateContent xmlns:mc="http://schemas.openxmlformats.org/markup-compatibility/2006" xmlns:p14="http://schemas.microsoft.com/office/powerpoint/2010/main">
-    <mc:Choice Requires="p14">
-      <p:transition spd="med" p14:dur="700">
-        <p:fade/>
-      </p:transition>
-    </mc:Choice>
-    <mc:Fallback xmlns="">
-      <p:transition spd="med">
-        <p:fade/>
-      </p:transition>
-    </mc:Fallback>
-  </mc:AlternateContent>
+  <p:timing>
+    <p:tnLst>
+      <p:par>
+        <p:cTn id="1" dur="indefinite" restart="never" nodeType="tmRoot"/>
+      </p:par>
+    </p:tnLst>
+  </p:timing>
 </p:sld>
 </file>
 
